--- a/python_trainees/2_production_code/python_traineeship_2.pptx
+++ b/python_trainees/2_production_code/python_traineeship_2.pptx
@@ -34,8 +34,8 @@
     <p:sldId id="339" r:id="rId28"/>
     <p:sldId id="315" r:id="rId29"/>
     <p:sldId id="316" r:id="rId30"/>
-    <p:sldId id="317" r:id="rId31"/>
-    <p:sldId id="319" r:id="rId32"/>
+    <p:sldId id="319" r:id="rId31"/>
+    <p:sldId id="317" r:id="rId32"/>
     <p:sldId id="318" r:id="rId33"/>
     <p:sldId id="320" r:id="rId34"/>
     <p:sldId id="321" r:id="rId35"/>
@@ -319,7 +319,7 @@
           <a:p>
             <a:fld id="{0EBB069A-003F-4FC0-8534-236B0C5C7B5F}" type="datetimeFigureOut">
               <a:rPr lang="en-NL" smtClean="0"/>
-              <a:t>24/02/2023</a:t>
+              <a:t>26/02/2023</a:t>
             </a:fld>
             <a:endParaRPr lang="en-NL"/>
           </a:p>
@@ -519,7 +519,7 @@
           <a:p>
             <a:fld id="{0EBB069A-003F-4FC0-8534-236B0C5C7B5F}" type="datetimeFigureOut">
               <a:rPr lang="en-NL" smtClean="0"/>
-              <a:t>24/02/2023</a:t>
+              <a:t>26/02/2023</a:t>
             </a:fld>
             <a:endParaRPr lang="en-NL"/>
           </a:p>
@@ -729,7 +729,7 @@
           <a:p>
             <a:fld id="{0EBB069A-003F-4FC0-8534-236B0C5C7B5F}" type="datetimeFigureOut">
               <a:rPr lang="en-NL" smtClean="0"/>
-              <a:t>24/02/2023</a:t>
+              <a:t>26/02/2023</a:t>
             </a:fld>
             <a:endParaRPr lang="en-NL"/>
           </a:p>
@@ -929,7 +929,7 @@
           <a:p>
             <a:fld id="{0EBB069A-003F-4FC0-8534-236B0C5C7B5F}" type="datetimeFigureOut">
               <a:rPr lang="en-NL" smtClean="0"/>
-              <a:t>24/02/2023</a:t>
+              <a:t>26/02/2023</a:t>
             </a:fld>
             <a:endParaRPr lang="en-NL"/>
           </a:p>
@@ -1205,7 +1205,7 @@
           <a:p>
             <a:fld id="{0EBB069A-003F-4FC0-8534-236B0C5C7B5F}" type="datetimeFigureOut">
               <a:rPr lang="en-NL" smtClean="0"/>
-              <a:t>24/02/2023</a:t>
+              <a:t>26/02/2023</a:t>
             </a:fld>
             <a:endParaRPr lang="en-NL"/>
           </a:p>
@@ -1473,7 +1473,7 @@
           <a:p>
             <a:fld id="{0EBB069A-003F-4FC0-8534-236B0C5C7B5F}" type="datetimeFigureOut">
               <a:rPr lang="en-NL" smtClean="0"/>
-              <a:t>24/02/2023</a:t>
+              <a:t>26/02/2023</a:t>
             </a:fld>
             <a:endParaRPr lang="en-NL"/>
           </a:p>
@@ -1888,7 +1888,7 @@
           <a:p>
             <a:fld id="{0EBB069A-003F-4FC0-8534-236B0C5C7B5F}" type="datetimeFigureOut">
               <a:rPr lang="en-NL" smtClean="0"/>
-              <a:t>24/02/2023</a:t>
+              <a:t>26/02/2023</a:t>
             </a:fld>
             <a:endParaRPr lang="en-NL"/>
           </a:p>
@@ -2030,7 +2030,7 @@
           <a:p>
             <a:fld id="{0EBB069A-003F-4FC0-8534-236B0C5C7B5F}" type="datetimeFigureOut">
               <a:rPr lang="en-NL" smtClean="0"/>
-              <a:t>24/02/2023</a:t>
+              <a:t>26/02/2023</a:t>
             </a:fld>
             <a:endParaRPr lang="en-NL"/>
           </a:p>
@@ -2143,7 +2143,7 @@
           <a:p>
             <a:fld id="{0EBB069A-003F-4FC0-8534-236B0C5C7B5F}" type="datetimeFigureOut">
               <a:rPr lang="en-NL" smtClean="0"/>
-              <a:t>24/02/2023</a:t>
+              <a:t>26/02/2023</a:t>
             </a:fld>
             <a:endParaRPr lang="en-NL"/>
           </a:p>
@@ -2456,7 +2456,7 @@
           <a:p>
             <a:fld id="{0EBB069A-003F-4FC0-8534-236B0C5C7B5F}" type="datetimeFigureOut">
               <a:rPr lang="en-NL" smtClean="0"/>
-              <a:t>24/02/2023</a:t>
+              <a:t>26/02/2023</a:t>
             </a:fld>
             <a:endParaRPr lang="en-NL"/>
           </a:p>
@@ -2745,7 +2745,7 @@
           <a:p>
             <a:fld id="{0EBB069A-003F-4FC0-8534-236B0C5C7B5F}" type="datetimeFigureOut">
               <a:rPr lang="en-NL" smtClean="0"/>
-              <a:t>24/02/2023</a:t>
+              <a:t>26/02/2023</a:t>
             </a:fld>
             <a:endParaRPr lang="en-NL"/>
           </a:p>
@@ -2988,7 +2988,7 @@
           <a:p>
             <a:fld id="{0EBB069A-003F-4FC0-8534-236B0C5C7B5F}" type="datetimeFigureOut">
               <a:rPr lang="en-NL" smtClean="0"/>
-              <a:t>24/02/2023</a:t>
+              <a:t>26/02/2023</a:t>
             </a:fld>
             <a:endParaRPr lang="en-NL"/>
           </a:p>
@@ -13579,12 +13579,8 @@
               <a:buNone/>
             </a:pPr>
             <a:r>
-              <a:rPr lang="nl-NL" sz="2000" noProof="0"/>
-              <a:t>Standaard </a:t>
-            </a:r>
-            <a:r>
               <a:rPr lang="nl-NL" sz="2000" noProof="0" dirty="0"/>
-              <a:t>foutmeldingen zijn vrij intimiderend. Lees ze als volgt:</a:t>
+              <a:t>Standaard foutmeldingen zijn vrij intimiderend. Lees ze als volgt:</a:t>
             </a:r>
           </a:p>
           <a:p>
@@ -13600,7 +13596,7 @@
             </a:pPr>
             <a:r>
               <a:rPr lang="nl-NL" sz="2000" dirty="0"/>
-              <a:t>Helemaal onderaan staat WAT er fout ging.</a:t>
+              <a:t>Onderaan staat WAT er fout ging.</a:t>
             </a:r>
           </a:p>
           <a:p>
@@ -13634,7 +13630,7 @@
             </a:pPr>
             <a:r>
               <a:rPr lang="nl-NL" sz="2000" dirty="0"/>
-              <a:t>Er is een stap voor elke functie.</a:t>
+              <a:t>Elke functie aanroep is een stap.</a:t>
             </a:r>
             <a:endParaRPr lang="nl-NL" sz="2000" noProof="0" dirty="0"/>
           </a:p>
@@ -14868,702 +14864,6 @@
           <a:lstStyle/>
           <a:p>
             <a:r>
-              <a:rPr lang="nl-NL" sz="3600" noProof="0" dirty="0" err="1"/>
-              <a:t>Foutmeldin</a:t>
-            </a:r>
-            <a:r>
-              <a:rPr lang="nl-NL" sz="3600" dirty="0"/>
-              <a:t>gen afhandelen</a:t>
-            </a:r>
-            <a:endParaRPr lang="nl-NL" sz="3600" noProof="0" dirty="0"/>
-          </a:p>
-        </p:txBody>
-      </p:sp>
-      <p:sp>
-        <p:nvSpPr>
-          <p:cNvPr id="3" name="Content Placeholder 2">
-            <a:extLst>
-              <a:ext uri="{FF2B5EF4-FFF2-40B4-BE49-F238E27FC236}">
-                <a16:creationId xmlns:a16="http://schemas.microsoft.com/office/drawing/2014/main" id="{F4C2D286-E049-0AAB-1360-B7157E11AD7E}"/>
-              </a:ext>
-            </a:extLst>
-          </p:cNvPr>
-          <p:cNvSpPr>
-            <a:spLocks noGrp="1"/>
-          </p:cNvSpPr>
-          <p:nvPr>
-            <p:ph idx="1"/>
-          </p:nvPr>
-        </p:nvSpPr>
-        <p:spPr>
-          <a:xfrm>
-            <a:off x="838200" y="1456267"/>
-            <a:ext cx="4571999" cy="4720696"/>
-          </a:xfrm>
-        </p:spPr>
-        <p:txBody>
-          <a:bodyPr>
-            <a:normAutofit/>
-          </a:bodyPr>
-          <a:lstStyle/>
-          <a:p>
-            <a:pPr marL="0" indent="0">
-              <a:buNone/>
-            </a:pPr>
-            <a:r>
-              <a:rPr lang="nl-NL" sz="2000" noProof="0" dirty="0"/>
-              <a:t>Standaard: foutmeldingen worden geprint en Python stopt je script.</a:t>
-            </a:r>
-          </a:p>
-          <a:p>
-            <a:pPr marL="0" indent="0">
-              <a:buNone/>
-            </a:pPr>
-            <a:r>
-              <a:rPr lang="nl-NL" sz="2000" dirty="0"/>
-              <a:t> </a:t>
-            </a:r>
-          </a:p>
-          <a:p>
-            <a:pPr marL="0" indent="0">
-              <a:buNone/>
-            </a:pPr>
-            <a:r>
-              <a:rPr lang="nl-NL" sz="2000" noProof="0" dirty="0"/>
-              <a:t>Maar…</a:t>
-            </a:r>
-          </a:p>
-          <a:p>
-            <a:pPr marL="0" indent="0">
-              <a:buNone/>
-            </a:pPr>
-            <a:endParaRPr lang="nl-NL" sz="2000" dirty="0"/>
-          </a:p>
-          <a:p>
-            <a:pPr marL="0" indent="0">
-              <a:buNone/>
-            </a:pPr>
-            <a:r>
-              <a:rPr lang="nl-NL" sz="2000" noProof="0" dirty="0"/>
-              <a:t>Je kunt </a:t>
-            </a:r>
-            <a:r>
-              <a:rPr lang="nl-NL" sz="2000" noProof="0" dirty="0" err="1"/>
-              <a:t>oo</a:t>
-            </a:r>
-            <a:r>
-              <a:rPr lang="nl-NL" sz="2000" dirty="0"/>
-              <a:t>k zelf bepalen hoe je met foutmeldingen om wilt gaan.</a:t>
-            </a:r>
-          </a:p>
-          <a:p>
-            <a:pPr marL="0" indent="0">
-              <a:buNone/>
-            </a:pPr>
-            <a:endParaRPr lang="nl-NL" sz="2000" noProof="0" dirty="0"/>
-          </a:p>
-          <a:p>
-            <a:pPr marL="0" indent="0">
-              <a:buNone/>
-            </a:pPr>
-            <a:r>
-              <a:rPr lang="nl-NL" sz="2000" noProof="0" dirty="0"/>
-              <a:t>Hiervoor gebruik je </a:t>
-            </a:r>
-            <a:r>
-              <a:rPr lang="nl-NL" sz="2000" noProof="0" dirty="0" err="1">
-                <a:latin typeface="Courier New" panose="02070309020205020404" pitchFamily="49" charset="0"/>
-                <a:cs typeface="Courier New" panose="02070309020205020404" pitchFamily="49" charset="0"/>
-              </a:rPr>
-              <a:t>try</a:t>
-            </a:r>
-            <a:r>
-              <a:rPr lang="nl-NL" sz="2000" noProof="0" dirty="0">
-                <a:latin typeface="Courier New" panose="02070309020205020404" pitchFamily="49" charset="0"/>
-                <a:cs typeface="Courier New" panose="02070309020205020404" pitchFamily="49" charset="0"/>
-              </a:rPr>
-              <a:t> … </a:t>
-            </a:r>
-            <a:r>
-              <a:rPr lang="nl-NL" sz="2000" noProof="0" dirty="0" err="1">
-                <a:latin typeface="Courier New" panose="02070309020205020404" pitchFamily="49" charset="0"/>
-                <a:cs typeface="Courier New" panose="02070309020205020404" pitchFamily="49" charset="0"/>
-              </a:rPr>
-              <a:t>except</a:t>
-            </a:r>
-            <a:r>
-              <a:rPr lang="nl-NL" sz="2000" noProof="0" dirty="0"/>
-              <a:t>.</a:t>
-            </a:r>
-          </a:p>
-        </p:txBody>
-      </p:sp>
-      <p:cxnSp>
-        <p:nvCxnSpPr>
-          <p:cNvPr id="6" name="Straight Connector 5">
-            <a:extLst>
-              <a:ext uri="{FF2B5EF4-FFF2-40B4-BE49-F238E27FC236}">
-                <a16:creationId xmlns:a16="http://schemas.microsoft.com/office/drawing/2014/main" id="{7F162173-AD9E-1ED9-F92B-186066229DD6}"/>
-              </a:ext>
-            </a:extLst>
-          </p:cNvPr>
-          <p:cNvCxnSpPr>
-            <a:cxnSpLocks/>
-          </p:cNvCxnSpPr>
-          <p:nvPr/>
-        </p:nvCxnSpPr>
-        <p:spPr>
-          <a:xfrm>
-            <a:off x="5655733" y="1456267"/>
-            <a:ext cx="0" cy="4809066"/>
-          </a:xfrm>
-          <a:prstGeom prst="line">
-            <a:avLst/>
-          </a:prstGeom>
-        </p:spPr>
-        <p:style>
-          <a:lnRef idx="3">
-            <a:schemeClr val="dk1"/>
-          </a:lnRef>
-          <a:fillRef idx="0">
-            <a:schemeClr val="dk1"/>
-          </a:fillRef>
-          <a:effectRef idx="2">
-            <a:schemeClr val="dk1"/>
-          </a:effectRef>
-          <a:fontRef idx="minor">
-            <a:schemeClr val="tx1"/>
-          </a:fontRef>
-        </p:style>
-      </p:cxnSp>
-      <p:sp>
-        <p:nvSpPr>
-          <p:cNvPr id="4" name="Content Placeholder 2">
-            <a:extLst>
-              <a:ext uri="{FF2B5EF4-FFF2-40B4-BE49-F238E27FC236}">
-                <a16:creationId xmlns:a16="http://schemas.microsoft.com/office/drawing/2014/main" id="{55A68BA1-1C81-749D-5CC8-F3CF85C4B902}"/>
-              </a:ext>
-            </a:extLst>
-          </p:cNvPr>
-          <p:cNvSpPr txBox="1">
-            <a:spLocks/>
-          </p:cNvSpPr>
-          <p:nvPr/>
-        </p:nvSpPr>
-        <p:spPr>
-          <a:xfrm>
-            <a:off x="6095999" y="1456267"/>
-            <a:ext cx="5063067" cy="4720696"/>
-          </a:xfrm>
-          <a:prstGeom prst="rect">
-            <a:avLst/>
-          </a:prstGeom>
-        </p:spPr>
-        <p:txBody>
-          <a:bodyPr vert="horz" lIns="91440" tIns="45720" rIns="91440" bIns="45720" rtlCol="0">
-            <a:normAutofit/>
-          </a:bodyPr>
-          <a:lstStyle>
-            <a:lvl1pPr marL="228600" indent="-228600" algn="l" defTabSz="914400" rtl="0" eaLnBrk="1" latinLnBrk="0" hangingPunct="1">
-              <a:lnSpc>
-                <a:spcPct val="90000"/>
-              </a:lnSpc>
-              <a:spcBef>
-                <a:spcPts val="1000"/>
-              </a:spcBef>
-              <a:buFont typeface="Arial" panose="020B0604020202020204" pitchFamily="34" charset="0"/>
-              <a:buChar char="•"/>
-              <a:defRPr sz="2800" kern="1200">
-                <a:solidFill>
-                  <a:schemeClr val="tx1"/>
-                </a:solidFill>
-                <a:latin typeface="+mn-lt"/>
-                <a:ea typeface="+mn-ea"/>
-                <a:cs typeface="+mn-cs"/>
-              </a:defRPr>
-            </a:lvl1pPr>
-            <a:lvl2pPr marL="685800" indent="-228600" algn="l" defTabSz="914400" rtl="0" eaLnBrk="1" latinLnBrk="0" hangingPunct="1">
-              <a:lnSpc>
-                <a:spcPct val="90000"/>
-              </a:lnSpc>
-              <a:spcBef>
-                <a:spcPts val="500"/>
-              </a:spcBef>
-              <a:buFont typeface="Arial" panose="020B0604020202020204" pitchFamily="34" charset="0"/>
-              <a:buChar char="•"/>
-              <a:defRPr sz="2400" kern="1200">
-                <a:solidFill>
-                  <a:schemeClr val="tx1"/>
-                </a:solidFill>
-                <a:latin typeface="+mn-lt"/>
-                <a:ea typeface="+mn-ea"/>
-                <a:cs typeface="+mn-cs"/>
-              </a:defRPr>
-            </a:lvl2pPr>
-            <a:lvl3pPr marL="1143000" indent="-228600" algn="l" defTabSz="914400" rtl="0" eaLnBrk="1" latinLnBrk="0" hangingPunct="1">
-              <a:lnSpc>
-                <a:spcPct val="90000"/>
-              </a:lnSpc>
-              <a:spcBef>
-                <a:spcPts val="500"/>
-              </a:spcBef>
-              <a:buFont typeface="Arial" panose="020B0604020202020204" pitchFamily="34" charset="0"/>
-              <a:buChar char="•"/>
-              <a:defRPr sz="2000" kern="1200">
-                <a:solidFill>
-                  <a:schemeClr val="tx1"/>
-                </a:solidFill>
-                <a:latin typeface="+mn-lt"/>
-                <a:ea typeface="+mn-ea"/>
-                <a:cs typeface="+mn-cs"/>
-              </a:defRPr>
-            </a:lvl3pPr>
-            <a:lvl4pPr marL="1600200" indent="-228600" algn="l" defTabSz="914400" rtl="0" eaLnBrk="1" latinLnBrk="0" hangingPunct="1">
-              <a:lnSpc>
-                <a:spcPct val="90000"/>
-              </a:lnSpc>
-              <a:spcBef>
-                <a:spcPts val="500"/>
-              </a:spcBef>
-              <a:buFont typeface="Arial" panose="020B0604020202020204" pitchFamily="34" charset="0"/>
-              <a:buChar char="•"/>
-              <a:defRPr sz="1800" kern="1200">
-                <a:solidFill>
-                  <a:schemeClr val="tx1"/>
-                </a:solidFill>
-                <a:latin typeface="+mn-lt"/>
-                <a:ea typeface="+mn-ea"/>
-                <a:cs typeface="+mn-cs"/>
-              </a:defRPr>
-            </a:lvl4pPr>
-            <a:lvl5pPr marL="2057400" indent="-228600" algn="l" defTabSz="914400" rtl="0" eaLnBrk="1" latinLnBrk="0" hangingPunct="1">
-              <a:lnSpc>
-                <a:spcPct val="90000"/>
-              </a:lnSpc>
-              <a:spcBef>
-                <a:spcPts val="500"/>
-              </a:spcBef>
-              <a:buFont typeface="Arial" panose="020B0604020202020204" pitchFamily="34" charset="0"/>
-              <a:buChar char="•"/>
-              <a:defRPr sz="1800" kern="1200">
-                <a:solidFill>
-                  <a:schemeClr val="tx1"/>
-                </a:solidFill>
-                <a:latin typeface="+mn-lt"/>
-                <a:ea typeface="+mn-ea"/>
-                <a:cs typeface="+mn-cs"/>
-              </a:defRPr>
-            </a:lvl5pPr>
-            <a:lvl6pPr marL="2514600" indent="-228600" algn="l" defTabSz="914400" rtl="0" eaLnBrk="1" latinLnBrk="0" hangingPunct="1">
-              <a:lnSpc>
-                <a:spcPct val="90000"/>
-              </a:lnSpc>
-              <a:spcBef>
-                <a:spcPts val="500"/>
-              </a:spcBef>
-              <a:buFont typeface="Arial" panose="020B0604020202020204" pitchFamily="34" charset="0"/>
-              <a:buChar char="•"/>
-              <a:defRPr sz="1800" kern="1200">
-                <a:solidFill>
-                  <a:schemeClr val="tx1"/>
-                </a:solidFill>
-                <a:latin typeface="+mn-lt"/>
-                <a:ea typeface="+mn-ea"/>
-                <a:cs typeface="+mn-cs"/>
-              </a:defRPr>
-            </a:lvl6pPr>
-            <a:lvl7pPr marL="2971800" indent="-228600" algn="l" defTabSz="914400" rtl="0" eaLnBrk="1" latinLnBrk="0" hangingPunct="1">
-              <a:lnSpc>
-                <a:spcPct val="90000"/>
-              </a:lnSpc>
-              <a:spcBef>
-                <a:spcPts val="500"/>
-              </a:spcBef>
-              <a:buFont typeface="Arial" panose="020B0604020202020204" pitchFamily="34" charset="0"/>
-              <a:buChar char="•"/>
-              <a:defRPr sz="1800" kern="1200">
-                <a:solidFill>
-                  <a:schemeClr val="tx1"/>
-                </a:solidFill>
-                <a:latin typeface="+mn-lt"/>
-                <a:ea typeface="+mn-ea"/>
-                <a:cs typeface="+mn-cs"/>
-              </a:defRPr>
-            </a:lvl7pPr>
-            <a:lvl8pPr marL="3429000" indent="-228600" algn="l" defTabSz="914400" rtl="0" eaLnBrk="1" latinLnBrk="0" hangingPunct="1">
-              <a:lnSpc>
-                <a:spcPct val="90000"/>
-              </a:lnSpc>
-              <a:spcBef>
-                <a:spcPts val="500"/>
-              </a:spcBef>
-              <a:buFont typeface="Arial" panose="020B0604020202020204" pitchFamily="34" charset="0"/>
-              <a:buChar char="•"/>
-              <a:defRPr sz="1800" kern="1200">
-                <a:solidFill>
-                  <a:schemeClr val="tx1"/>
-                </a:solidFill>
-                <a:latin typeface="+mn-lt"/>
-                <a:ea typeface="+mn-ea"/>
-                <a:cs typeface="+mn-cs"/>
-              </a:defRPr>
-            </a:lvl8pPr>
-            <a:lvl9pPr marL="3886200" indent="-228600" algn="l" defTabSz="914400" rtl="0" eaLnBrk="1" latinLnBrk="0" hangingPunct="1">
-              <a:lnSpc>
-                <a:spcPct val="90000"/>
-              </a:lnSpc>
-              <a:spcBef>
-                <a:spcPts val="500"/>
-              </a:spcBef>
-              <a:buFont typeface="Arial" panose="020B0604020202020204" pitchFamily="34" charset="0"/>
-              <a:buChar char="•"/>
-              <a:defRPr sz="1800" kern="1200">
-                <a:solidFill>
-                  <a:schemeClr val="tx1"/>
-                </a:solidFill>
-                <a:latin typeface="+mn-lt"/>
-                <a:ea typeface="+mn-ea"/>
-                <a:cs typeface="+mn-cs"/>
-              </a:defRPr>
-            </a:lvl9pPr>
-          </a:lstStyle>
-          <a:p>
-            <a:pPr marL="0" indent="0">
-              <a:buFont typeface="Arial" panose="020B0604020202020204" pitchFamily="34" charset="0"/>
-              <a:buNone/>
-            </a:pPr>
-            <a:r>
-              <a:rPr lang="nl-NL" sz="1600" dirty="0" err="1">
-                <a:latin typeface="Courier New" panose="02070309020205020404" pitchFamily="49" charset="0"/>
-                <a:cs typeface="Courier New" panose="02070309020205020404" pitchFamily="49" charset="0"/>
-              </a:rPr>
-              <a:t>def</a:t>
-            </a:r>
-            <a:r>
-              <a:rPr lang="nl-NL" sz="1600" dirty="0">
-                <a:latin typeface="Courier New" panose="02070309020205020404" pitchFamily="49" charset="0"/>
-                <a:cs typeface="Courier New" panose="02070309020205020404" pitchFamily="49" charset="0"/>
-              </a:rPr>
-              <a:t> </a:t>
-            </a:r>
-            <a:r>
-              <a:rPr lang="nl-NL" sz="1600" dirty="0" err="1">
-                <a:latin typeface="Courier New" panose="02070309020205020404" pitchFamily="49" charset="0"/>
-                <a:cs typeface="Courier New" panose="02070309020205020404" pitchFamily="49" charset="0"/>
-              </a:rPr>
-              <a:t>converteer_leeftijd</a:t>
-            </a:r>
-            <a:r>
-              <a:rPr lang="nl-NL" sz="1600" dirty="0">
-                <a:latin typeface="Courier New" panose="02070309020205020404" pitchFamily="49" charset="0"/>
-                <a:cs typeface="Courier New" panose="02070309020205020404" pitchFamily="49" charset="0"/>
-              </a:rPr>
-              <a:t>(leeftijd):</a:t>
-            </a:r>
-          </a:p>
-          <a:p>
-            <a:pPr marL="0" indent="0">
-              <a:buFont typeface="Arial" panose="020B0604020202020204" pitchFamily="34" charset="0"/>
-              <a:buNone/>
-            </a:pPr>
-            <a:r>
-              <a:rPr lang="nl-NL" sz="1600" dirty="0">
-                <a:latin typeface="Courier New" panose="02070309020205020404" pitchFamily="49" charset="0"/>
-                <a:cs typeface="Courier New" panose="02070309020205020404" pitchFamily="49" charset="0"/>
-              </a:rPr>
-              <a:t>  </a:t>
-            </a:r>
-            <a:r>
-              <a:rPr lang="nl-NL" sz="1600" b="1" dirty="0" err="1">
-                <a:latin typeface="Courier New" panose="02070309020205020404" pitchFamily="49" charset="0"/>
-                <a:cs typeface="Courier New" panose="02070309020205020404" pitchFamily="49" charset="0"/>
-              </a:rPr>
-              <a:t>try</a:t>
-            </a:r>
-            <a:r>
-              <a:rPr lang="nl-NL" sz="1600" b="1" dirty="0">
-                <a:latin typeface="Courier New" panose="02070309020205020404" pitchFamily="49" charset="0"/>
-                <a:cs typeface="Courier New" panose="02070309020205020404" pitchFamily="49" charset="0"/>
-              </a:rPr>
-              <a:t>:</a:t>
-            </a:r>
-          </a:p>
-          <a:p>
-            <a:pPr marL="0" indent="0">
-              <a:buFont typeface="Arial" panose="020B0604020202020204" pitchFamily="34" charset="0"/>
-              <a:buNone/>
-            </a:pPr>
-            <a:r>
-              <a:rPr lang="nl-NL" sz="1600" dirty="0">
-                <a:latin typeface="Courier New" panose="02070309020205020404" pitchFamily="49" charset="0"/>
-                <a:cs typeface="Courier New" panose="02070309020205020404" pitchFamily="49" charset="0"/>
-              </a:rPr>
-              <a:t>    int(leeftijd)</a:t>
-            </a:r>
-          </a:p>
-          <a:p>
-            <a:pPr marL="0" indent="0">
-              <a:buFont typeface="Arial" panose="020B0604020202020204" pitchFamily="34" charset="0"/>
-              <a:buNone/>
-            </a:pPr>
-            <a:r>
-              <a:rPr lang="nl-NL" sz="1600" dirty="0">
-                <a:latin typeface="Courier New" panose="02070309020205020404" pitchFamily="49" charset="0"/>
-                <a:cs typeface="Courier New" panose="02070309020205020404" pitchFamily="49" charset="0"/>
-              </a:rPr>
-              <a:t>  </a:t>
-            </a:r>
-            <a:r>
-              <a:rPr lang="nl-NL" sz="1600" b="1" dirty="0" err="1">
-                <a:latin typeface="Courier New" panose="02070309020205020404" pitchFamily="49" charset="0"/>
-                <a:cs typeface="Courier New" panose="02070309020205020404" pitchFamily="49" charset="0"/>
-              </a:rPr>
-              <a:t>except</a:t>
-            </a:r>
-            <a:r>
-              <a:rPr lang="nl-NL" sz="1600" b="1" dirty="0">
-                <a:latin typeface="Courier New" panose="02070309020205020404" pitchFamily="49" charset="0"/>
-                <a:cs typeface="Courier New" panose="02070309020205020404" pitchFamily="49" charset="0"/>
-              </a:rPr>
-              <a:t>:</a:t>
-            </a:r>
-          </a:p>
-          <a:p>
-            <a:pPr marL="0" indent="0">
-              <a:buFont typeface="Arial" panose="020B0604020202020204" pitchFamily="34" charset="0"/>
-              <a:buNone/>
-            </a:pPr>
-            <a:r>
-              <a:rPr lang="nl-NL" sz="1600" dirty="0">
-                <a:latin typeface="Courier New" panose="02070309020205020404" pitchFamily="49" charset="0"/>
-                <a:cs typeface="Courier New" panose="02070309020205020404" pitchFamily="49" charset="0"/>
-              </a:rPr>
-              <a:t>    return None</a:t>
-            </a:r>
-          </a:p>
-          <a:p>
-            <a:pPr marL="0" indent="0">
-              <a:buFont typeface="Arial" panose="020B0604020202020204" pitchFamily="34" charset="0"/>
-              <a:buNone/>
-            </a:pPr>
-            <a:endParaRPr lang="nl-NL" sz="1600" dirty="0">
-              <a:latin typeface="Courier New" panose="02070309020205020404" pitchFamily="49" charset="0"/>
-              <a:cs typeface="Courier New" panose="02070309020205020404" pitchFamily="49" charset="0"/>
-            </a:endParaRPr>
-          </a:p>
-          <a:p>
-            <a:pPr marL="0" indent="0">
-              <a:buFont typeface="Arial" panose="020B0604020202020204" pitchFamily="34" charset="0"/>
-              <a:buNone/>
-            </a:pPr>
-            <a:endParaRPr lang="nl-NL" sz="1600" dirty="0">
-              <a:latin typeface="Courier New" panose="02070309020205020404" pitchFamily="49" charset="0"/>
-              <a:cs typeface="Courier New" panose="02070309020205020404" pitchFamily="49" charset="0"/>
-            </a:endParaRPr>
-          </a:p>
-          <a:p>
-            <a:pPr marL="0" indent="0">
-              <a:buFont typeface="Arial" panose="020B0604020202020204" pitchFamily="34" charset="0"/>
-              <a:buNone/>
-            </a:pPr>
-            <a:r>
-              <a:rPr lang="nl-NL" sz="1600" dirty="0" err="1">
-                <a:latin typeface="Courier New" panose="02070309020205020404" pitchFamily="49" charset="0"/>
-                <a:cs typeface="Courier New" panose="02070309020205020404" pitchFamily="49" charset="0"/>
-              </a:rPr>
-              <a:t>def</a:t>
-            </a:r>
-            <a:r>
-              <a:rPr lang="nl-NL" sz="1600" dirty="0">
-                <a:latin typeface="Courier New" panose="02070309020205020404" pitchFamily="49" charset="0"/>
-                <a:cs typeface="Courier New" panose="02070309020205020404" pitchFamily="49" charset="0"/>
-              </a:rPr>
-              <a:t> </a:t>
-            </a:r>
-            <a:r>
-              <a:rPr lang="nl-NL" sz="1600" dirty="0" err="1">
-                <a:latin typeface="Courier New" panose="02070309020205020404" pitchFamily="49" charset="0"/>
-                <a:cs typeface="Courier New" panose="02070309020205020404" pitchFamily="49" charset="0"/>
-              </a:rPr>
-              <a:t>converteer_leeftijd</a:t>
-            </a:r>
-            <a:r>
-              <a:rPr lang="nl-NL" sz="1600" dirty="0">
-                <a:latin typeface="Courier New" panose="02070309020205020404" pitchFamily="49" charset="0"/>
-                <a:cs typeface="Courier New" panose="02070309020205020404" pitchFamily="49" charset="0"/>
-              </a:rPr>
-              <a:t>(leeftijd):</a:t>
-            </a:r>
-          </a:p>
-          <a:p>
-            <a:pPr marL="0" indent="0">
-              <a:buFont typeface="Arial" panose="020B0604020202020204" pitchFamily="34" charset="0"/>
-              <a:buNone/>
-            </a:pPr>
-            <a:r>
-              <a:rPr lang="nl-NL" sz="1600" dirty="0">
-                <a:latin typeface="Courier New" panose="02070309020205020404" pitchFamily="49" charset="0"/>
-                <a:cs typeface="Courier New" panose="02070309020205020404" pitchFamily="49" charset="0"/>
-              </a:rPr>
-              <a:t>  </a:t>
-            </a:r>
-            <a:r>
-              <a:rPr lang="nl-NL" sz="1600" b="1" dirty="0" err="1">
-                <a:latin typeface="Courier New" panose="02070309020205020404" pitchFamily="49" charset="0"/>
-                <a:cs typeface="Courier New" panose="02070309020205020404" pitchFamily="49" charset="0"/>
-              </a:rPr>
-              <a:t>try</a:t>
-            </a:r>
-            <a:r>
-              <a:rPr lang="nl-NL" sz="1600" b="1" dirty="0">
-                <a:latin typeface="Courier New" panose="02070309020205020404" pitchFamily="49" charset="0"/>
-                <a:cs typeface="Courier New" panose="02070309020205020404" pitchFamily="49" charset="0"/>
-              </a:rPr>
-              <a:t>:</a:t>
-            </a:r>
-          </a:p>
-          <a:p>
-            <a:pPr marL="0" indent="0">
-              <a:buFont typeface="Arial" panose="020B0604020202020204" pitchFamily="34" charset="0"/>
-              <a:buNone/>
-            </a:pPr>
-            <a:r>
-              <a:rPr lang="nl-NL" sz="1600" dirty="0">
-                <a:latin typeface="Courier New" panose="02070309020205020404" pitchFamily="49" charset="0"/>
-                <a:cs typeface="Courier New" panose="02070309020205020404" pitchFamily="49" charset="0"/>
-              </a:rPr>
-              <a:t>    int(leeftijd)</a:t>
-            </a:r>
-          </a:p>
-          <a:p>
-            <a:pPr marL="0" indent="0">
-              <a:buFont typeface="Arial" panose="020B0604020202020204" pitchFamily="34" charset="0"/>
-              <a:buNone/>
-            </a:pPr>
-            <a:r>
-              <a:rPr lang="nl-NL" sz="1600" b="1" dirty="0">
-                <a:latin typeface="Courier New" panose="02070309020205020404" pitchFamily="49" charset="0"/>
-                <a:cs typeface="Courier New" panose="02070309020205020404" pitchFamily="49" charset="0"/>
-              </a:rPr>
-              <a:t>  </a:t>
-            </a:r>
-            <a:r>
-              <a:rPr lang="nl-NL" sz="1600" b="1" dirty="0" err="1">
-                <a:latin typeface="Courier New" panose="02070309020205020404" pitchFamily="49" charset="0"/>
-                <a:cs typeface="Courier New" panose="02070309020205020404" pitchFamily="49" charset="0"/>
-              </a:rPr>
-              <a:t>except</a:t>
-            </a:r>
-            <a:r>
-              <a:rPr lang="nl-NL" sz="1600" b="1" dirty="0">
-                <a:latin typeface="Courier New" panose="02070309020205020404" pitchFamily="49" charset="0"/>
-                <a:cs typeface="Courier New" panose="02070309020205020404" pitchFamily="49" charset="0"/>
-              </a:rPr>
-              <a:t> (</a:t>
-            </a:r>
-            <a:r>
-              <a:rPr lang="nl-NL" sz="1600" b="1" dirty="0" err="1">
-                <a:latin typeface="Courier New" panose="02070309020205020404" pitchFamily="49" charset="0"/>
-                <a:cs typeface="Courier New" panose="02070309020205020404" pitchFamily="49" charset="0"/>
-              </a:rPr>
-              <a:t>ValueError</a:t>
-            </a:r>
-            <a:r>
-              <a:rPr lang="nl-NL" sz="1600" b="1" dirty="0">
-                <a:latin typeface="Courier New" panose="02070309020205020404" pitchFamily="49" charset="0"/>
-                <a:cs typeface="Courier New" panose="02070309020205020404" pitchFamily="49" charset="0"/>
-              </a:rPr>
-              <a:t>, </a:t>
-            </a:r>
-            <a:r>
-              <a:rPr lang="nl-NL" sz="1600" b="1" dirty="0" err="1">
-                <a:latin typeface="Courier New" panose="02070309020205020404" pitchFamily="49" charset="0"/>
-                <a:cs typeface="Courier New" panose="02070309020205020404" pitchFamily="49" charset="0"/>
-              </a:rPr>
-              <a:t>TypeError</a:t>
-            </a:r>
-            <a:r>
-              <a:rPr lang="nl-NL" sz="1600" b="1" dirty="0">
-                <a:latin typeface="Courier New" panose="02070309020205020404" pitchFamily="49" charset="0"/>
-                <a:cs typeface="Courier New" panose="02070309020205020404" pitchFamily="49" charset="0"/>
-              </a:rPr>
-              <a:t>):</a:t>
-            </a:r>
-          </a:p>
-          <a:p>
-            <a:pPr marL="0" indent="0">
-              <a:buFont typeface="Arial" panose="020B0604020202020204" pitchFamily="34" charset="0"/>
-              <a:buNone/>
-            </a:pPr>
-            <a:r>
-              <a:rPr lang="nl-NL" sz="1600" dirty="0">
-                <a:latin typeface="Courier New" panose="02070309020205020404" pitchFamily="49" charset="0"/>
-                <a:cs typeface="Courier New" panose="02070309020205020404" pitchFamily="49" charset="0"/>
-              </a:rPr>
-              <a:t>    return None</a:t>
-            </a:r>
-          </a:p>
-        </p:txBody>
-      </p:sp>
-    </p:spTree>
-    <p:extLst>
-      <p:ext uri="{BB962C8B-B14F-4D97-AF65-F5344CB8AC3E}">
-        <p14:creationId xmlns:p14="http://schemas.microsoft.com/office/powerpoint/2010/main" val="2342474981"/>
-      </p:ext>
-    </p:extLst>
-  </p:cSld>
-  <p:clrMapOvr>
-    <a:masterClrMapping/>
-  </p:clrMapOvr>
-</p:sld>
-</file>
-
-<file path=ppt/slides/slide31.xml><?xml version="1.0" encoding="utf-8"?>
-<p:sld xmlns:a="http://schemas.openxmlformats.org/drawingml/2006/main" xmlns:r="http://schemas.openxmlformats.org/officeDocument/2006/relationships" xmlns:p="http://schemas.openxmlformats.org/presentationml/2006/main">
-  <p:cSld>
-    <p:spTree>
-      <p:nvGrpSpPr>
-        <p:cNvPr id="1" name=""/>
-        <p:cNvGrpSpPr/>
-        <p:nvPr/>
-      </p:nvGrpSpPr>
-      <p:grpSpPr>
-        <a:xfrm>
-          <a:off x="0" y="0"/>
-          <a:ext cx="0" cy="0"/>
-          <a:chOff x="0" y="0"/>
-          <a:chExt cx="0" cy="0"/>
-        </a:xfrm>
-      </p:grpSpPr>
-      <p:sp>
-        <p:nvSpPr>
-          <p:cNvPr id="2" name="Title 1">
-            <a:extLst>
-              <a:ext uri="{FF2B5EF4-FFF2-40B4-BE49-F238E27FC236}">
-                <a16:creationId xmlns:a16="http://schemas.microsoft.com/office/drawing/2014/main" id="{39A1D606-8DD1-369C-5C09-471CDD551AD5}"/>
-              </a:ext>
-            </a:extLst>
-          </p:cNvPr>
-          <p:cNvSpPr>
-            <a:spLocks noGrp="1"/>
-          </p:cNvSpPr>
-          <p:nvPr>
-            <p:ph type="title"/>
-          </p:nvPr>
-        </p:nvSpPr>
-        <p:spPr>
-          <a:xfrm>
-            <a:off x="838200" y="365126"/>
-            <a:ext cx="10515600" cy="718608"/>
-          </a:xfrm>
-        </p:spPr>
-        <p:txBody>
-          <a:bodyPr>
-            <a:normAutofit/>
-          </a:bodyPr>
-          <a:lstStyle/>
-          <a:p>
-            <a:r>
               <a:rPr lang="nl-NL" sz="3600" noProof="0" dirty="0"/>
               <a:t>Veelvoorkomende fouten</a:t>
             </a:r>
@@ -16066,6 +15366,711 @@
 </p:sld>
 </file>
 
+<file path=ppt/slides/slide31.xml><?xml version="1.0" encoding="utf-8"?>
+<p:sld xmlns:a="http://schemas.openxmlformats.org/drawingml/2006/main" xmlns:r="http://schemas.openxmlformats.org/officeDocument/2006/relationships" xmlns:p="http://schemas.openxmlformats.org/presentationml/2006/main">
+  <p:cSld>
+    <p:spTree>
+      <p:nvGrpSpPr>
+        <p:cNvPr id="1" name=""/>
+        <p:cNvGrpSpPr/>
+        <p:nvPr/>
+      </p:nvGrpSpPr>
+      <p:grpSpPr>
+        <a:xfrm>
+          <a:off x="0" y="0"/>
+          <a:ext cx="0" cy="0"/>
+          <a:chOff x="0" y="0"/>
+          <a:chExt cx="0" cy="0"/>
+        </a:xfrm>
+      </p:grpSpPr>
+      <p:sp>
+        <p:nvSpPr>
+          <p:cNvPr id="2" name="Title 1">
+            <a:extLst>
+              <a:ext uri="{FF2B5EF4-FFF2-40B4-BE49-F238E27FC236}">
+                <a16:creationId xmlns:a16="http://schemas.microsoft.com/office/drawing/2014/main" id="{39A1D606-8DD1-369C-5C09-471CDD551AD5}"/>
+              </a:ext>
+            </a:extLst>
+          </p:cNvPr>
+          <p:cNvSpPr>
+            <a:spLocks noGrp="1"/>
+          </p:cNvSpPr>
+          <p:nvPr>
+            <p:ph type="title"/>
+          </p:nvPr>
+        </p:nvSpPr>
+        <p:spPr>
+          <a:xfrm>
+            <a:off x="838200" y="365126"/>
+            <a:ext cx="10515600" cy="718608"/>
+          </a:xfrm>
+        </p:spPr>
+        <p:txBody>
+          <a:bodyPr>
+            <a:normAutofit/>
+          </a:bodyPr>
+          <a:lstStyle/>
+          <a:p>
+            <a:r>
+              <a:rPr lang="nl-NL" sz="3600" noProof="0" dirty="0" err="1"/>
+              <a:t>Foutmeldin</a:t>
+            </a:r>
+            <a:r>
+              <a:rPr lang="nl-NL" sz="3600" dirty="0"/>
+              <a:t>gen afhandelen</a:t>
+            </a:r>
+            <a:endParaRPr lang="nl-NL" sz="3600" noProof="0" dirty="0"/>
+          </a:p>
+        </p:txBody>
+      </p:sp>
+      <p:sp>
+        <p:nvSpPr>
+          <p:cNvPr id="3" name="Content Placeholder 2">
+            <a:extLst>
+              <a:ext uri="{FF2B5EF4-FFF2-40B4-BE49-F238E27FC236}">
+                <a16:creationId xmlns:a16="http://schemas.microsoft.com/office/drawing/2014/main" id="{F4C2D286-E049-0AAB-1360-B7157E11AD7E}"/>
+              </a:ext>
+            </a:extLst>
+          </p:cNvPr>
+          <p:cNvSpPr>
+            <a:spLocks noGrp="1"/>
+          </p:cNvSpPr>
+          <p:nvPr>
+            <p:ph idx="1"/>
+          </p:nvPr>
+        </p:nvSpPr>
+        <p:spPr>
+          <a:xfrm>
+            <a:off x="838200" y="1456267"/>
+            <a:ext cx="4571999" cy="4720696"/>
+          </a:xfrm>
+        </p:spPr>
+        <p:txBody>
+          <a:bodyPr>
+            <a:normAutofit/>
+          </a:bodyPr>
+          <a:lstStyle/>
+          <a:p>
+            <a:pPr marL="0" indent="0">
+              <a:buNone/>
+            </a:pPr>
+            <a:r>
+              <a:rPr lang="nl-NL" sz="2000" noProof="0" dirty="0"/>
+              <a:t>Standaard: </a:t>
+            </a:r>
+          </a:p>
+          <a:p>
+            <a:pPr marL="0" indent="0">
+              <a:buNone/>
+            </a:pPr>
+            <a:r>
+              <a:rPr lang="nl-NL" sz="2000" noProof="0" dirty="0"/>
+              <a:t>Print foutmelding en stop Python script.</a:t>
+            </a:r>
+          </a:p>
+          <a:p>
+            <a:pPr marL="0" indent="0">
+              <a:buNone/>
+            </a:pPr>
+            <a:r>
+              <a:rPr lang="nl-NL" sz="2000" dirty="0"/>
+              <a:t> </a:t>
+            </a:r>
+          </a:p>
+          <a:p>
+            <a:pPr marL="0" indent="0">
+              <a:buNone/>
+            </a:pPr>
+            <a:r>
+              <a:rPr lang="nl-NL" sz="2000" noProof="0" dirty="0"/>
+              <a:t>Maar…</a:t>
+            </a:r>
+          </a:p>
+          <a:p>
+            <a:pPr marL="0" indent="0">
+              <a:buNone/>
+            </a:pPr>
+            <a:endParaRPr lang="nl-NL" sz="2000" dirty="0"/>
+          </a:p>
+          <a:p>
+            <a:pPr marL="0" indent="0">
+              <a:buNone/>
+            </a:pPr>
+            <a:r>
+              <a:rPr lang="nl-NL" sz="2000" noProof="0" dirty="0"/>
+              <a:t>Je kunt </a:t>
+            </a:r>
+            <a:r>
+              <a:rPr lang="nl-NL" sz="2000" noProof="0" dirty="0" err="1"/>
+              <a:t>oo</a:t>
+            </a:r>
+            <a:r>
+              <a:rPr lang="nl-NL" sz="2000" dirty="0"/>
+              <a:t>k zelf bepalen hoe je met fouten om wilt gaan.</a:t>
+            </a:r>
+          </a:p>
+          <a:p>
+            <a:pPr marL="0" indent="0">
+              <a:buNone/>
+            </a:pPr>
+            <a:endParaRPr lang="nl-NL" sz="2000" noProof="0" dirty="0"/>
+          </a:p>
+          <a:p>
+            <a:pPr marL="0" indent="0">
+              <a:buNone/>
+            </a:pPr>
+            <a:r>
+              <a:rPr lang="nl-NL" sz="2000" noProof="0" dirty="0"/>
+              <a:t>Hiervoor gebruik je </a:t>
+            </a:r>
+            <a:r>
+              <a:rPr lang="nl-NL" sz="2000" noProof="0" dirty="0" err="1">
+                <a:latin typeface="Courier New" panose="02070309020205020404" pitchFamily="49" charset="0"/>
+                <a:cs typeface="Courier New" panose="02070309020205020404" pitchFamily="49" charset="0"/>
+              </a:rPr>
+              <a:t>try</a:t>
+            </a:r>
+            <a:r>
+              <a:rPr lang="nl-NL" sz="2000" noProof="0" dirty="0">
+                <a:latin typeface="Courier New" panose="02070309020205020404" pitchFamily="49" charset="0"/>
+                <a:cs typeface="Courier New" panose="02070309020205020404" pitchFamily="49" charset="0"/>
+              </a:rPr>
+              <a:t> … </a:t>
+            </a:r>
+            <a:r>
+              <a:rPr lang="nl-NL" sz="2000" noProof="0" dirty="0" err="1">
+                <a:latin typeface="Courier New" panose="02070309020205020404" pitchFamily="49" charset="0"/>
+                <a:cs typeface="Courier New" panose="02070309020205020404" pitchFamily="49" charset="0"/>
+              </a:rPr>
+              <a:t>except</a:t>
+            </a:r>
+            <a:r>
+              <a:rPr lang="nl-NL" sz="2000" noProof="0" dirty="0"/>
+              <a:t>.</a:t>
+            </a:r>
+          </a:p>
+        </p:txBody>
+      </p:sp>
+      <p:cxnSp>
+        <p:nvCxnSpPr>
+          <p:cNvPr id="6" name="Straight Connector 5">
+            <a:extLst>
+              <a:ext uri="{FF2B5EF4-FFF2-40B4-BE49-F238E27FC236}">
+                <a16:creationId xmlns:a16="http://schemas.microsoft.com/office/drawing/2014/main" id="{7F162173-AD9E-1ED9-F92B-186066229DD6}"/>
+              </a:ext>
+            </a:extLst>
+          </p:cNvPr>
+          <p:cNvCxnSpPr>
+            <a:cxnSpLocks/>
+          </p:cNvCxnSpPr>
+          <p:nvPr/>
+        </p:nvCxnSpPr>
+        <p:spPr>
+          <a:xfrm>
+            <a:off x="5655733" y="1456267"/>
+            <a:ext cx="0" cy="4809066"/>
+          </a:xfrm>
+          <a:prstGeom prst="line">
+            <a:avLst/>
+          </a:prstGeom>
+        </p:spPr>
+        <p:style>
+          <a:lnRef idx="3">
+            <a:schemeClr val="dk1"/>
+          </a:lnRef>
+          <a:fillRef idx="0">
+            <a:schemeClr val="dk1"/>
+          </a:fillRef>
+          <a:effectRef idx="2">
+            <a:schemeClr val="dk1"/>
+          </a:effectRef>
+          <a:fontRef idx="minor">
+            <a:schemeClr val="tx1"/>
+          </a:fontRef>
+        </p:style>
+      </p:cxnSp>
+      <p:sp>
+        <p:nvSpPr>
+          <p:cNvPr id="4" name="Content Placeholder 2">
+            <a:extLst>
+              <a:ext uri="{FF2B5EF4-FFF2-40B4-BE49-F238E27FC236}">
+                <a16:creationId xmlns:a16="http://schemas.microsoft.com/office/drawing/2014/main" id="{55A68BA1-1C81-749D-5CC8-F3CF85C4B902}"/>
+              </a:ext>
+            </a:extLst>
+          </p:cNvPr>
+          <p:cNvSpPr txBox="1">
+            <a:spLocks/>
+          </p:cNvSpPr>
+          <p:nvPr/>
+        </p:nvSpPr>
+        <p:spPr>
+          <a:xfrm>
+            <a:off x="6095999" y="1456267"/>
+            <a:ext cx="5063067" cy="4720696"/>
+          </a:xfrm>
+          <a:prstGeom prst="rect">
+            <a:avLst/>
+          </a:prstGeom>
+        </p:spPr>
+        <p:txBody>
+          <a:bodyPr vert="horz" lIns="91440" tIns="45720" rIns="91440" bIns="45720" rtlCol="0">
+            <a:normAutofit/>
+          </a:bodyPr>
+          <a:lstStyle>
+            <a:lvl1pPr marL="228600" indent="-228600" algn="l" defTabSz="914400" rtl="0" eaLnBrk="1" latinLnBrk="0" hangingPunct="1">
+              <a:lnSpc>
+                <a:spcPct val="90000"/>
+              </a:lnSpc>
+              <a:spcBef>
+                <a:spcPts val="1000"/>
+              </a:spcBef>
+              <a:buFont typeface="Arial" panose="020B0604020202020204" pitchFamily="34" charset="0"/>
+              <a:buChar char="•"/>
+              <a:defRPr sz="2800" kern="1200">
+                <a:solidFill>
+                  <a:schemeClr val="tx1"/>
+                </a:solidFill>
+                <a:latin typeface="+mn-lt"/>
+                <a:ea typeface="+mn-ea"/>
+                <a:cs typeface="+mn-cs"/>
+              </a:defRPr>
+            </a:lvl1pPr>
+            <a:lvl2pPr marL="685800" indent="-228600" algn="l" defTabSz="914400" rtl="0" eaLnBrk="1" latinLnBrk="0" hangingPunct="1">
+              <a:lnSpc>
+                <a:spcPct val="90000"/>
+              </a:lnSpc>
+              <a:spcBef>
+                <a:spcPts val="500"/>
+              </a:spcBef>
+              <a:buFont typeface="Arial" panose="020B0604020202020204" pitchFamily="34" charset="0"/>
+              <a:buChar char="•"/>
+              <a:defRPr sz="2400" kern="1200">
+                <a:solidFill>
+                  <a:schemeClr val="tx1"/>
+                </a:solidFill>
+                <a:latin typeface="+mn-lt"/>
+                <a:ea typeface="+mn-ea"/>
+                <a:cs typeface="+mn-cs"/>
+              </a:defRPr>
+            </a:lvl2pPr>
+            <a:lvl3pPr marL="1143000" indent="-228600" algn="l" defTabSz="914400" rtl="0" eaLnBrk="1" latinLnBrk="0" hangingPunct="1">
+              <a:lnSpc>
+                <a:spcPct val="90000"/>
+              </a:lnSpc>
+              <a:spcBef>
+                <a:spcPts val="500"/>
+              </a:spcBef>
+              <a:buFont typeface="Arial" panose="020B0604020202020204" pitchFamily="34" charset="0"/>
+              <a:buChar char="•"/>
+              <a:defRPr sz="2000" kern="1200">
+                <a:solidFill>
+                  <a:schemeClr val="tx1"/>
+                </a:solidFill>
+                <a:latin typeface="+mn-lt"/>
+                <a:ea typeface="+mn-ea"/>
+                <a:cs typeface="+mn-cs"/>
+              </a:defRPr>
+            </a:lvl3pPr>
+            <a:lvl4pPr marL="1600200" indent="-228600" algn="l" defTabSz="914400" rtl="0" eaLnBrk="1" latinLnBrk="0" hangingPunct="1">
+              <a:lnSpc>
+                <a:spcPct val="90000"/>
+              </a:lnSpc>
+              <a:spcBef>
+                <a:spcPts val="500"/>
+              </a:spcBef>
+              <a:buFont typeface="Arial" panose="020B0604020202020204" pitchFamily="34" charset="0"/>
+              <a:buChar char="•"/>
+              <a:defRPr sz="1800" kern="1200">
+                <a:solidFill>
+                  <a:schemeClr val="tx1"/>
+                </a:solidFill>
+                <a:latin typeface="+mn-lt"/>
+                <a:ea typeface="+mn-ea"/>
+                <a:cs typeface="+mn-cs"/>
+              </a:defRPr>
+            </a:lvl4pPr>
+            <a:lvl5pPr marL="2057400" indent="-228600" algn="l" defTabSz="914400" rtl="0" eaLnBrk="1" latinLnBrk="0" hangingPunct="1">
+              <a:lnSpc>
+                <a:spcPct val="90000"/>
+              </a:lnSpc>
+              <a:spcBef>
+                <a:spcPts val="500"/>
+              </a:spcBef>
+              <a:buFont typeface="Arial" panose="020B0604020202020204" pitchFamily="34" charset="0"/>
+              <a:buChar char="•"/>
+              <a:defRPr sz="1800" kern="1200">
+                <a:solidFill>
+                  <a:schemeClr val="tx1"/>
+                </a:solidFill>
+                <a:latin typeface="+mn-lt"/>
+                <a:ea typeface="+mn-ea"/>
+                <a:cs typeface="+mn-cs"/>
+              </a:defRPr>
+            </a:lvl5pPr>
+            <a:lvl6pPr marL="2514600" indent="-228600" algn="l" defTabSz="914400" rtl="0" eaLnBrk="1" latinLnBrk="0" hangingPunct="1">
+              <a:lnSpc>
+                <a:spcPct val="90000"/>
+              </a:lnSpc>
+              <a:spcBef>
+                <a:spcPts val="500"/>
+              </a:spcBef>
+              <a:buFont typeface="Arial" panose="020B0604020202020204" pitchFamily="34" charset="0"/>
+              <a:buChar char="•"/>
+              <a:defRPr sz="1800" kern="1200">
+                <a:solidFill>
+                  <a:schemeClr val="tx1"/>
+                </a:solidFill>
+                <a:latin typeface="+mn-lt"/>
+                <a:ea typeface="+mn-ea"/>
+                <a:cs typeface="+mn-cs"/>
+              </a:defRPr>
+            </a:lvl6pPr>
+            <a:lvl7pPr marL="2971800" indent="-228600" algn="l" defTabSz="914400" rtl="0" eaLnBrk="1" latinLnBrk="0" hangingPunct="1">
+              <a:lnSpc>
+                <a:spcPct val="90000"/>
+              </a:lnSpc>
+              <a:spcBef>
+                <a:spcPts val="500"/>
+              </a:spcBef>
+              <a:buFont typeface="Arial" panose="020B0604020202020204" pitchFamily="34" charset="0"/>
+              <a:buChar char="•"/>
+              <a:defRPr sz="1800" kern="1200">
+                <a:solidFill>
+                  <a:schemeClr val="tx1"/>
+                </a:solidFill>
+                <a:latin typeface="+mn-lt"/>
+                <a:ea typeface="+mn-ea"/>
+                <a:cs typeface="+mn-cs"/>
+              </a:defRPr>
+            </a:lvl7pPr>
+            <a:lvl8pPr marL="3429000" indent="-228600" algn="l" defTabSz="914400" rtl="0" eaLnBrk="1" latinLnBrk="0" hangingPunct="1">
+              <a:lnSpc>
+                <a:spcPct val="90000"/>
+              </a:lnSpc>
+              <a:spcBef>
+                <a:spcPts val="500"/>
+              </a:spcBef>
+              <a:buFont typeface="Arial" panose="020B0604020202020204" pitchFamily="34" charset="0"/>
+              <a:buChar char="•"/>
+              <a:defRPr sz="1800" kern="1200">
+                <a:solidFill>
+                  <a:schemeClr val="tx1"/>
+                </a:solidFill>
+                <a:latin typeface="+mn-lt"/>
+                <a:ea typeface="+mn-ea"/>
+                <a:cs typeface="+mn-cs"/>
+              </a:defRPr>
+            </a:lvl8pPr>
+            <a:lvl9pPr marL="3886200" indent="-228600" algn="l" defTabSz="914400" rtl="0" eaLnBrk="1" latinLnBrk="0" hangingPunct="1">
+              <a:lnSpc>
+                <a:spcPct val="90000"/>
+              </a:lnSpc>
+              <a:spcBef>
+                <a:spcPts val="500"/>
+              </a:spcBef>
+              <a:buFont typeface="Arial" panose="020B0604020202020204" pitchFamily="34" charset="0"/>
+              <a:buChar char="•"/>
+              <a:defRPr sz="1800" kern="1200">
+                <a:solidFill>
+                  <a:schemeClr val="tx1"/>
+                </a:solidFill>
+                <a:latin typeface="+mn-lt"/>
+                <a:ea typeface="+mn-ea"/>
+                <a:cs typeface="+mn-cs"/>
+              </a:defRPr>
+            </a:lvl9pPr>
+          </a:lstStyle>
+          <a:p>
+            <a:pPr marL="0" indent="0">
+              <a:buFont typeface="Arial" panose="020B0604020202020204" pitchFamily="34" charset="0"/>
+              <a:buNone/>
+            </a:pPr>
+            <a:r>
+              <a:rPr lang="nl-NL" sz="1600" dirty="0" err="1">
+                <a:latin typeface="Courier New" panose="02070309020205020404" pitchFamily="49" charset="0"/>
+                <a:cs typeface="Courier New" panose="02070309020205020404" pitchFamily="49" charset="0"/>
+              </a:rPr>
+              <a:t>def</a:t>
+            </a:r>
+            <a:r>
+              <a:rPr lang="nl-NL" sz="1600" dirty="0">
+                <a:latin typeface="Courier New" panose="02070309020205020404" pitchFamily="49" charset="0"/>
+                <a:cs typeface="Courier New" panose="02070309020205020404" pitchFamily="49" charset="0"/>
+              </a:rPr>
+              <a:t> </a:t>
+            </a:r>
+            <a:r>
+              <a:rPr lang="nl-NL" sz="1600" dirty="0" err="1">
+                <a:latin typeface="Courier New" panose="02070309020205020404" pitchFamily="49" charset="0"/>
+                <a:cs typeface="Courier New" panose="02070309020205020404" pitchFamily="49" charset="0"/>
+              </a:rPr>
+              <a:t>converteer_leeftijd</a:t>
+            </a:r>
+            <a:r>
+              <a:rPr lang="nl-NL" sz="1600" dirty="0">
+                <a:latin typeface="Courier New" panose="02070309020205020404" pitchFamily="49" charset="0"/>
+                <a:cs typeface="Courier New" panose="02070309020205020404" pitchFamily="49" charset="0"/>
+              </a:rPr>
+              <a:t>(leeftijd):</a:t>
+            </a:r>
+          </a:p>
+          <a:p>
+            <a:pPr marL="0" indent="0">
+              <a:buFont typeface="Arial" panose="020B0604020202020204" pitchFamily="34" charset="0"/>
+              <a:buNone/>
+            </a:pPr>
+            <a:r>
+              <a:rPr lang="nl-NL" sz="1600" dirty="0">
+                <a:latin typeface="Courier New" panose="02070309020205020404" pitchFamily="49" charset="0"/>
+                <a:cs typeface="Courier New" panose="02070309020205020404" pitchFamily="49" charset="0"/>
+              </a:rPr>
+              <a:t>  </a:t>
+            </a:r>
+            <a:r>
+              <a:rPr lang="nl-NL" sz="1600" b="1" dirty="0" err="1">
+                <a:latin typeface="Courier New" panose="02070309020205020404" pitchFamily="49" charset="0"/>
+                <a:cs typeface="Courier New" panose="02070309020205020404" pitchFamily="49" charset="0"/>
+              </a:rPr>
+              <a:t>try</a:t>
+            </a:r>
+            <a:r>
+              <a:rPr lang="nl-NL" sz="1600" b="1" dirty="0">
+                <a:latin typeface="Courier New" panose="02070309020205020404" pitchFamily="49" charset="0"/>
+                <a:cs typeface="Courier New" panose="02070309020205020404" pitchFamily="49" charset="0"/>
+              </a:rPr>
+              <a:t>:</a:t>
+            </a:r>
+          </a:p>
+          <a:p>
+            <a:pPr marL="0" indent="0">
+              <a:buFont typeface="Arial" panose="020B0604020202020204" pitchFamily="34" charset="0"/>
+              <a:buNone/>
+            </a:pPr>
+            <a:r>
+              <a:rPr lang="nl-NL" sz="1600" dirty="0">
+                <a:latin typeface="Courier New" panose="02070309020205020404" pitchFamily="49" charset="0"/>
+                <a:cs typeface="Courier New" panose="02070309020205020404" pitchFamily="49" charset="0"/>
+              </a:rPr>
+              <a:t>    int(leeftijd)</a:t>
+            </a:r>
+          </a:p>
+          <a:p>
+            <a:pPr marL="0" indent="0">
+              <a:buFont typeface="Arial" panose="020B0604020202020204" pitchFamily="34" charset="0"/>
+              <a:buNone/>
+            </a:pPr>
+            <a:r>
+              <a:rPr lang="nl-NL" sz="1600" dirty="0">
+                <a:latin typeface="Courier New" panose="02070309020205020404" pitchFamily="49" charset="0"/>
+                <a:cs typeface="Courier New" panose="02070309020205020404" pitchFamily="49" charset="0"/>
+              </a:rPr>
+              <a:t>  </a:t>
+            </a:r>
+            <a:r>
+              <a:rPr lang="nl-NL" sz="1600" b="1" dirty="0" err="1">
+                <a:latin typeface="Courier New" panose="02070309020205020404" pitchFamily="49" charset="0"/>
+                <a:cs typeface="Courier New" panose="02070309020205020404" pitchFamily="49" charset="0"/>
+              </a:rPr>
+              <a:t>except</a:t>
+            </a:r>
+            <a:r>
+              <a:rPr lang="nl-NL" sz="1600" b="1" dirty="0">
+                <a:latin typeface="Courier New" panose="02070309020205020404" pitchFamily="49" charset="0"/>
+                <a:cs typeface="Courier New" panose="02070309020205020404" pitchFamily="49" charset="0"/>
+              </a:rPr>
+              <a:t>:</a:t>
+            </a:r>
+          </a:p>
+          <a:p>
+            <a:pPr marL="0" indent="0">
+              <a:buFont typeface="Arial" panose="020B0604020202020204" pitchFamily="34" charset="0"/>
+              <a:buNone/>
+            </a:pPr>
+            <a:r>
+              <a:rPr lang="nl-NL" sz="1600" dirty="0">
+                <a:latin typeface="Courier New" panose="02070309020205020404" pitchFamily="49" charset="0"/>
+                <a:cs typeface="Courier New" panose="02070309020205020404" pitchFamily="49" charset="0"/>
+              </a:rPr>
+              <a:t>    return None</a:t>
+            </a:r>
+          </a:p>
+          <a:p>
+            <a:pPr marL="0" indent="0">
+              <a:buFont typeface="Arial" panose="020B0604020202020204" pitchFamily="34" charset="0"/>
+              <a:buNone/>
+            </a:pPr>
+            <a:endParaRPr lang="nl-NL" sz="1600" dirty="0">
+              <a:latin typeface="Courier New" panose="02070309020205020404" pitchFamily="49" charset="0"/>
+              <a:cs typeface="Courier New" panose="02070309020205020404" pitchFamily="49" charset="0"/>
+            </a:endParaRPr>
+          </a:p>
+          <a:p>
+            <a:pPr marL="0" indent="0">
+              <a:buFont typeface="Arial" panose="020B0604020202020204" pitchFamily="34" charset="0"/>
+              <a:buNone/>
+            </a:pPr>
+            <a:endParaRPr lang="nl-NL" sz="1600" dirty="0">
+              <a:latin typeface="Courier New" panose="02070309020205020404" pitchFamily="49" charset="0"/>
+              <a:cs typeface="Courier New" panose="02070309020205020404" pitchFamily="49" charset="0"/>
+            </a:endParaRPr>
+          </a:p>
+          <a:p>
+            <a:pPr marL="0" indent="0">
+              <a:buFont typeface="Arial" panose="020B0604020202020204" pitchFamily="34" charset="0"/>
+              <a:buNone/>
+            </a:pPr>
+            <a:r>
+              <a:rPr lang="nl-NL" sz="1600" dirty="0" err="1">
+                <a:latin typeface="Courier New" panose="02070309020205020404" pitchFamily="49" charset="0"/>
+                <a:cs typeface="Courier New" panose="02070309020205020404" pitchFamily="49" charset="0"/>
+              </a:rPr>
+              <a:t>def</a:t>
+            </a:r>
+            <a:r>
+              <a:rPr lang="nl-NL" sz="1600" dirty="0">
+                <a:latin typeface="Courier New" panose="02070309020205020404" pitchFamily="49" charset="0"/>
+                <a:cs typeface="Courier New" panose="02070309020205020404" pitchFamily="49" charset="0"/>
+              </a:rPr>
+              <a:t> </a:t>
+            </a:r>
+            <a:r>
+              <a:rPr lang="nl-NL" sz="1600" dirty="0" err="1">
+                <a:latin typeface="Courier New" panose="02070309020205020404" pitchFamily="49" charset="0"/>
+                <a:cs typeface="Courier New" panose="02070309020205020404" pitchFamily="49" charset="0"/>
+              </a:rPr>
+              <a:t>converteer_leeftijd</a:t>
+            </a:r>
+            <a:r>
+              <a:rPr lang="nl-NL" sz="1600" dirty="0">
+                <a:latin typeface="Courier New" panose="02070309020205020404" pitchFamily="49" charset="0"/>
+                <a:cs typeface="Courier New" panose="02070309020205020404" pitchFamily="49" charset="0"/>
+              </a:rPr>
+              <a:t>(leeftijd):</a:t>
+            </a:r>
+          </a:p>
+          <a:p>
+            <a:pPr marL="0" indent="0">
+              <a:buFont typeface="Arial" panose="020B0604020202020204" pitchFamily="34" charset="0"/>
+              <a:buNone/>
+            </a:pPr>
+            <a:r>
+              <a:rPr lang="nl-NL" sz="1600" dirty="0">
+                <a:latin typeface="Courier New" panose="02070309020205020404" pitchFamily="49" charset="0"/>
+                <a:cs typeface="Courier New" panose="02070309020205020404" pitchFamily="49" charset="0"/>
+              </a:rPr>
+              <a:t>  </a:t>
+            </a:r>
+            <a:r>
+              <a:rPr lang="nl-NL" sz="1600" b="1" dirty="0" err="1">
+                <a:latin typeface="Courier New" panose="02070309020205020404" pitchFamily="49" charset="0"/>
+                <a:cs typeface="Courier New" panose="02070309020205020404" pitchFamily="49" charset="0"/>
+              </a:rPr>
+              <a:t>try</a:t>
+            </a:r>
+            <a:r>
+              <a:rPr lang="nl-NL" sz="1600" b="1" dirty="0">
+                <a:latin typeface="Courier New" panose="02070309020205020404" pitchFamily="49" charset="0"/>
+                <a:cs typeface="Courier New" panose="02070309020205020404" pitchFamily="49" charset="0"/>
+              </a:rPr>
+              <a:t>:</a:t>
+            </a:r>
+          </a:p>
+          <a:p>
+            <a:pPr marL="0" indent="0">
+              <a:buFont typeface="Arial" panose="020B0604020202020204" pitchFamily="34" charset="0"/>
+              <a:buNone/>
+            </a:pPr>
+            <a:r>
+              <a:rPr lang="nl-NL" sz="1600" dirty="0">
+                <a:latin typeface="Courier New" panose="02070309020205020404" pitchFamily="49" charset="0"/>
+                <a:cs typeface="Courier New" panose="02070309020205020404" pitchFamily="49" charset="0"/>
+              </a:rPr>
+              <a:t>    int(leeftijd)</a:t>
+            </a:r>
+          </a:p>
+          <a:p>
+            <a:pPr marL="0" indent="0">
+              <a:buFont typeface="Arial" panose="020B0604020202020204" pitchFamily="34" charset="0"/>
+              <a:buNone/>
+            </a:pPr>
+            <a:r>
+              <a:rPr lang="nl-NL" sz="1600" b="1" dirty="0">
+                <a:latin typeface="Courier New" panose="02070309020205020404" pitchFamily="49" charset="0"/>
+                <a:cs typeface="Courier New" panose="02070309020205020404" pitchFamily="49" charset="0"/>
+              </a:rPr>
+              <a:t>  </a:t>
+            </a:r>
+            <a:r>
+              <a:rPr lang="nl-NL" sz="1600" b="1" dirty="0" err="1">
+                <a:latin typeface="Courier New" panose="02070309020205020404" pitchFamily="49" charset="0"/>
+                <a:cs typeface="Courier New" panose="02070309020205020404" pitchFamily="49" charset="0"/>
+              </a:rPr>
+              <a:t>except</a:t>
+            </a:r>
+            <a:r>
+              <a:rPr lang="nl-NL" sz="1600" b="1" dirty="0">
+                <a:latin typeface="Courier New" panose="02070309020205020404" pitchFamily="49" charset="0"/>
+                <a:cs typeface="Courier New" panose="02070309020205020404" pitchFamily="49" charset="0"/>
+              </a:rPr>
+              <a:t> (</a:t>
+            </a:r>
+            <a:r>
+              <a:rPr lang="nl-NL" sz="1600" b="1" dirty="0" err="1">
+                <a:latin typeface="Courier New" panose="02070309020205020404" pitchFamily="49" charset="0"/>
+                <a:cs typeface="Courier New" panose="02070309020205020404" pitchFamily="49" charset="0"/>
+              </a:rPr>
+              <a:t>ValueError</a:t>
+            </a:r>
+            <a:r>
+              <a:rPr lang="nl-NL" sz="1600" b="1" dirty="0">
+                <a:latin typeface="Courier New" panose="02070309020205020404" pitchFamily="49" charset="0"/>
+                <a:cs typeface="Courier New" panose="02070309020205020404" pitchFamily="49" charset="0"/>
+              </a:rPr>
+              <a:t>, </a:t>
+            </a:r>
+            <a:r>
+              <a:rPr lang="nl-NL" sz="1600" b="1" dirty="0" err="1">
+                <a:latin typeface="Courier New" panose="02070309020205020404" pitchFamily="49" charset="0"/>
+                <a:cs typeface="Courier New" panose="02070309020205020404" pitchFamily="49" charset="0"/>
+              </a:rPr>
+              <a:t>TypeError</a:t>
+            </a:r>
+            <a:r>
+              <a:rPr lang="nl-NL" sz="1600" b="1" dirty="0">
+                <a:latin typeface="Courier New" panose="02070309020205020404" pitchFamily="49" charset="0"/>
+                <a:cs typeface="Courier New" panose="02070309020205020404" pitchFamily="49" charset="0"/>
+              </a:rPr>
+              <a:t>):</a:t>
+            </a:r>
+          </a:p>
+          <a:p>
+            <a:pPr marL="0" indent="0">
+              <a:buFont typeface="Arial" panose="020B0604020202020204" pitchFamily="34" charset="0"/>
+              <a:buNone/>
+            </a:pPr>
+            <a:r>
+              <a:rPr lang="nl-NL" sz="1600" dirty="0">
+                <a:latin typeface="Courier New" panose="02070309020205020404" pitchFamily="49" charset="0"/>
+                <a:cs typeface="Courier New" panose="02070309020205020404" pitchFamily="49" charset="0"/>
+              </a:rPr>
+              <a:t>    return None</a:t>
+            </a:r>
+          </a:p>
+        </p:txBody>
+      </p:sp>
+    </p:spTree>
+    <p:extLst>
+      <p:ext uri="{BB962C8B-B14F-4D97-AF65-F5344CB8AC3E}">
+        <p14:creationId xmlns:p14="http://schemas.microsoft.com/office/powerpoint/2010/main" val="2342474981"/>
+      </p:ext>
+    </p:extLst>
+  </p:cSld>
+  <p:clrMapOvr>
+    <a:masterClrMapping/>
+  </p:clrMapOvr>
+</p:sld>
+</file>
+
 <file path=ppt/slides/slide32.xml><?xml version="1.0" encoding="utf-8"?>
 <p:sld xmlns:a="http://schemas.openxmlformats.org/drawingml/2006/main" xmlns:r="http://schemas.openxmlformats.org/officeDocument/2006/relationships" xmlns:p="http://schemas.openxmlformats.org/presentationml/2006/main">
   <p:cSld>
@@ -16165,7 +16170,7 @@
             </a:pPr>
             <a:r>
               <a:rPr lang="nl-NL" sz="2000" dirty="0"/>
-              <a:t>Je hebt een manier om de fout op te vangen i.p.v. script te stoppen.</a:t>
+              <a:t>Je hebt een manier om de fout op te lossen.</a:t>
             </a:r>
           </a:p>
           <a:p>
@@ -19084,23 +19089,15 @@
             </a:pPr>
             <a:r>
               <a:rPr lang="nl-NL" sz="1600" dirty="0"/>
-              <a:t>Gebruikt in </a:t>
+              <a:t>Langere code, </a:t>
             </a:r>
             <a:r>
               <a:rPr lang="nl-NL" sz="1600" dirty="0" err="1"/>
-              <a:t>DataBricks</a:t>
+              <a:t>CamelCaps</a:t>
             </a:r>
             <a:r>
               <a:rPr lang="nl-NL" sz="1600" dirty="0"/>
-              <a:t> </a:t>
-            </a:r>
-            <a:r>
-              <a:rPr lang="nl-NL" sz="1600" dirty="0" err="1"/>
-              <a:t>workbooks</a:t>
-            </a:r>
-            <a:r>
-              <a:rPr lang="nl-NL" sz="1600" dirty="0"/>
-              <a:t>.</a:t>
+              <a:t> syntax.</a:t>
             </a:r>
           </a:p>
           <a:p>
@@ -19117,31 +19114,6 @@
             </a:pPr>
             <a:r>
               <a:rPr lang="nl-NL" sz="1600" dirty="0"/>
-              <a:t>Langere code, </a:t>
-            </a:r>
-            <a:r>
-              <a:rPr lang="nl-NL" sz="1600" dirty="0" err="1"/>
-              <a:t>CamelCaps</a:t>
-            </a:r>
-            <a:r>
-              <a:rPr lang="nl-NL" sz="1600" dirty="0"/>
-              <a:t> syntax.</a:t>
-            </a:r>
-          </a:p>
-          <a:p>
-            <a:pPr>
-              <a:buFontTx/>
-              <a:buChar char="-"/>
-            </a:pPr>
-            <a:endParaRPr lang="nl-NL" sz="1600" dirty="0"/>
-          </a:p>
-          <a:p>
-            <a:pPr>
-              <a:buFontTx/>
-              <a:buChar char="-"/>
-            </a:pPr>
-            <a:r>
-              <a:rPr lang="nl-NL" sz="1600" dirty="0"/>
               <a:t>Minder flexibel / </a:t>
             </a:r>
             <a:r>
@@ -19152,6 +19124,12 @@
               <a:rPr lang="nl-NL" sz="1600" dirty="0"/>
               <a:t>.</a:t>
             </a:r>
+          </a:p>
+          <a:p>
+            <a:pPr marL="0" indent="0">
+              <a:buNone/>
+            </a:pPr>
+            <a:endParaRPr lang="nl-NL" sz="1600" dirty="0"/>
           </a:p>
         </p:txBody>
       </p:sp>
@@ -19370,31 +19348,6 @@
             <a:r>
               <a:rPr lang="nl-NL" sz="1600" dirty="0"/>
               <a:t>Apart package (afhankelijkheid).</a:t>
-            </a:r>
-          </a:p>
-          <a:p>
-            <a:pPr>
-              <a:buFontTx/>
-              <a:buChar char="-"/>
-            </a:pPr>
-            <a:endParaRPr lang="nl-NL" sz="1600" dirty="0"/>
-          </a:p>
-          <a:p>
-            <a:pPr>
-              <a:buFontTx/>
-              <a:buChar char="-"/>
-            </a:pPr>
-            <a:r>
-              <a:rPr lang="nl-NL" sz="1600" dirty="0"/>
-              <a:t>Gebruikt op Workbench en in CI/CD </a:t>
-            </a:r>
-            <a:r>
-              <a:rPr lang="nl-NL" sz="1600" dirty="0" err="1"/>
-              <a:t>pipelines</a:t>
-            </a:r>
-            <a:r>
-              <a:rPr lang="nl-NL" sz="1600" dirty="0"/>
-              <a:t>.</a:t>
             </a:r>
           </a:p>
           <a:p>
@@ -20113,7 +20066,7 @@
           <a:p>
             <a:pPr algn="ctr"/>
             <a:r>
-              <a:rPr lang="nl-NL"/>
+              <a:rPr lang="nl-NL" dirty="0"/>
               <a:t>Demo – Basale tests</a:t>
             </a:r>
           </a:p>

--- a/python_trainees/2_production_code/python_traineeship_2.pptx
+++ b/python_trainees/2_production_code/python_traineeship_2.pptx
@@ -5046,7 +5046,7 @@
                 <a:latin typeface="Courier New" panose="02070309020205020404" pitchFamily="49" charset="0"/>
                 <a:cs typeface="Courier New" panose="02070309020205020404" pitchFamily="49" charset="0"/>
               </a:rPr>
-              <a:t>    """Load dataset A from file."""</a:t>
+              <a:t>    """Load dataset from file."""</a:t>
             </a:r>
           </a:p>
           <a:p>
@@ -7646,7 +7646,7 @@
             </a:pPr>
             <a:r>
               <a:rPr lang="nl-NL" sz="2000" dirty="0"/>
-              <a:t>Wat zijn geldige opties / waardes?</a:t>
+              <a:t>Wat zijn geldige opties of waardes?</a:t>
             </a:r>
           </a:p>
           <a:p>
@@ -7656,7 +7656,7 @@
             </a:pPr>
             <a:r>
               <a:rPr lang="nl-NL" sz="2000" dirty="0"/>
-              <a:t>Ongeldige / ontbrekende waardes?</a:t>
+              <a:t>Wat gebeurt er bij ongeldige of ontbrekende waardes?</a:t>
             </a:r>
           </a:p>
           <a:p>
@@ -8394,41 +8394,6 @@
               <a:rPr lang="nl-NL" sz="2000" noProof="0" dirty="0"/>
               <a:t>Documentatie</a:t>
             </a:r>
-          </a:p>
-          <a:p>
-            <a:pPr lvl="1">
-              <a:spcAft>
-                <a:spcPts val="600"/>
-              </a:spcAft>
-            </a:pPr>
-            <a:r>
-              <a:rPr lang="nl-NL" sz="1600" dirty="0"/>
-              <a:t>README</a:t>
-            </a:r>
-          </a:p>
-          <a:p>
-            <a:pPr lvl="1">
-              <a:spcAft>
-                <a:spcPts val="600"/>
-              </a:spcAft>
-            </a:pPr>
-            <a:r>
-              <a:rPr lang="nl-NL" sz="1600" noProof="0" dirty="0" err="1"/>
-              <a:t>Docstrings</a:t>
-            </a:r>
-            <a:endParaRPr lang="nl-NL" sz="1600" noProof="0" dirty="0"/>
-          </a:p>
-          <a:p>
-            <a:pPr lvl="1">
-              <a:spcAft>
-                <a:spcPts val="600"/>
-              </a:spcAft>
-            </a:pPr>
-            <a:r>
-              <a:rPr lang="nl-NL" sz="1600" dirty="0" err="1"/>
-              <a:t>Comments</a:t>
-            </a:r>
-            <a:endParaRPr lang="nl-NL" sz="1600" noProof="0" dirty="0"/>
           </a:p>
           <a:p>
             <a:pPr>
@@ -8577,7 +8542,7 @@
           <a:p>
             <a:r>
               <a:rPr lang="nl-NL" sz="3600" noProof="0" dirty="0"/>
-              <a:t>Oefeningen I</a:t>
+              <a:t>Oplossing I</a:t>
             </a:r>
           </a:p>
         </p:txBody>
@@ -8650,12 +8615,8 @@
               <a:buChar char="-"/>
             </a:pPr>
             <a:r>
-              <a:rPr lang="nl-NL" sz="2000" dirty="0" err="1"/>
-              <a:t>Settings</a:t>
-            </a:r>
-            <a:r>
               <a:rPr lang="nl-NL" sz="2000" dirty="0"/>
-              <a:t> tussen de code.</a:t>
+              <a:t>Instellingen tussen de code.</a:t>
             </a:r>
           </a:p>
           <a:p>
@@ -15292,7 +15253,7 @@
               <a:buNone/>
             </a:pPr>
             <a:r>
-              <a:rPr lang="en-US" sz="1400">
+              <a:rPr lang="en-US" sz="1400" dirty="0">
                 <a:latin typeface="Courier New" panose="02070309020205020404" pitchFamily="49" charset="0"/>
                 <a:cs typeface="Courier New" panose="02070309020205020404" pitchFamily="49" charset="0"/>
               </a:rPr>
@@ -15304,19 +15265,33 @@
               <a:buNone/>
             </a:pPr>
             <a:r>
-              <a:rPr lang="en-US" sz="1400">
-                <a:latin typeface="Courier New" panose="02070309020205020404" pitchFamily="49" charset="0"/>
-                <a:cs typeface="Courier New" panose="02070309020205020404" pitchFamily="49" charset="0"/>
-              </a:rPr>
-              <a:t>%(levelname)s	# Logging level.</a:t>
-            </a:r>
-          </a:p>
-          <a:p>
-            <a:pPr marL="0" indent="0">
-              <a:buNone/>
-            </a:pPr>
-            <a:r>
-              <a:rPr lang="en-US" sz="1400">
+              <a:rPr lang="en-US" sz="1400" dirty="0">
+                <a:latin typeface="Courier New" panose="02070309020205020404" pitchFamily="49" charset="0"/>
+                <a:cs typeface="Courier New" panose="02070309020205020404" pitchFamily="49" charset="0"/>
+              </a:rPr>
+              <a:t>%(</a:t>
+            </a:r>
+            <a:r>
+              <a:rPr lang="en-US" sz="1400" dirty="0" err="1">
+                <a:latin typeface="Courier New" panose="02070309020205020404" pitchFamily="49" charset="0"/>
+                <a:cs typeface="Courier New" panose="02070309020205020404" pitchFamily="49" charset="0"/>
+              </a:rPr>
+              <a:t>levelname</a:t>
+            </a:r>
+            <a:r>
+              <a:rPr lang="en-US" sz="1400" dirty="0">
+                <a:latin typeface="Courier New" panose="02070309020205020404" pitchFamily="49" charset="0"/>
+                <a:cs typeface="Courier New" panose="02070309020205020404" pitchFamily="49" charset="0"/>
+              </a:rPr>
+              <a:t>)s	# Logging level.</a:t>
+            </a:r>
+          </a:p>
+          <a:p>
+            <a:pPr marL="0" indent="0">
+              <a:buNone/>
+            </a:pPr>
+            <a:r>
+              <a:rPr lang="en-US" sz="1400" dirty="0">
                 <a:latin typeface="Courier New" panose="02070309020205020404" pitchFamily="49" charset="0"/>
                 <a:cs typeface="Courier New" panose="02070309020205020404" pitchFamily="49" charset="0"/>
               </a:rPr>
@@ -15328,54 +15303,96 @@
               <a:buNone/>
             </a:pPr>
             <a:r>
-              <a:rPr lang="en-US" sz="1400">
-                <a:latin typeface="Courier New" panose="02070309020205020404" pitchFamily="49" charset="0"/>
-                <a:cs typeface="Courier New" panose="02070309020205020404" pitchFamily="49" charset="0"/>
-              </a:rPr>
-              <a:t>%(asctime)s	# Time of the log message.</a:t>
-            </a:r>
-          </a:p>
-          <a:p>
-            <a:pPr marL="0" indent="0">
-              <a:buNone/>
-            </a:pPr>
-            <a:r>
-              <a:rPr lang="en-US" sz="1400">
-                <a:latin typeface="Courier New" panose="02070309020205020404" pitchFamily="49" charset="0"/>
-                <a:cs typeface="Courier New" panose="02070309020205020404" pitchFamily="49" charset="0"/>
-              </a:rPr>
-              <a:t>%(module)	# Module name.</a:t>
-            </a:r>
-          </a:p>
-          <a:p>
-            <a:pPr marL="0" indent="0">
-              <a:buNone/>
-            </a:pPr>
-            <a:r>
-              <a:rPr lang="en-US" sz="1400">
-                <a:latin typeface="Courier New" panose="02070309020205020404" pitchFamily="49" charset="0"/>
-                <a:cs typeface="Courier New" panose="02070309020205020404" pitchFamily="49" charset="0"/>
-              </a:rPr>
-              <a:t>%(funcname)	# Function name.</a:t>
-            </a:r>
-          </a:p>
-          <a:p>
-            <a:pPr marL="0" indent="0">
-              <a:buNone/>
-            </a:pPr>
-            <a:r>
-              <a:rPr lang="en-US" sz="1400">
-                <a:latin typeface="Courier New" panose="02070309020205020404" pitchFamily="49" charset="0"/>
-                <a:cs typeface="Courier New" panose="02070309020205020404" pitchFamily="49" charset="0"/>
-              </a:rPr>
-              <a:t>%(lineno)	# Line number.</a:t>
-            </a:r>
-          </a:p>
-          <a:p>
-            <a:pPr marL="0" indent="0">
-              <a:buNone/>
-            </a:pPr>
-            <a:endParaRPr lang="en-US" sz="1400">
+              <a:rPr lang="en-US" sz="1400" dirty="0">
+                <a:latin typeface="Courier New" panose="02070309020205020404" pitchFamily="49" charset="0"/>
+                <a:cs typeface="Courier New" panose="02070309020205020404" pitchFamily="49" charset="0"/>
+              </a:rPr>
+              <a:t>%(</a:t>
+            </a:r>
+            <a:r>
+              <a:rPr lang="en-US" sz="1400" dirty="0" err="1">
+                <a:latin typeface="Courier New" panose="02070309020205020404" pitchFamily="49" charset="0"/>
+                <a:cs typeface="Courier New" panose="02070309020205020404" pitchFamily="49" charset="0"/>
+              </a:rPr>
+              <a:t>asctime</a:t>
+            </a:r>
+            <a:r>
+              <a:rPr lang="en-US" sz="1400" dirty="0">
+                <a:latin typeface="Courier New" panose="02070309020205020404" pitchFamily="49" charset="0"/>
+                <a:cs typeface="Courier New" panose="02070309020205020404" pitchFamily="49" charset="0"/>
+              </a:rPr>
+              <a:t>)s	# Time of the log message.</a:t>
+            </a:r>
+          </a:p>
+          <a:p>
+            <a:pPr marL="0" indent="0">
+              <a:buNone/>
+            </a:pPr>
+            <a:r>
+              <a:rPr lang="en-US" sz="1400" dirty="0">
+                <a:latin typeface="Courier New" panose="02070309020205020404" pitchFamily="49" charset="0"/>
+                <a:cs typeface="Courier New" panose="02070309020205020404" pitchFamily="49" charset="0"/>
+              </a:rPr>
+              <a:t>%(module)s	# Module name.</a:t>
+            </a:r>
+          </a:p>
+          <a:p>
+            <a:pPr marL="0" indent="0">
+              <a:buNone/>
+            </a:pPr>
+            <a:r>
+              <a:rPr lang="en-US" sz="1400" dirty="0">
+                <a:latin typeface="Courier New" panose="02070309020205020404" pitchFamily="49" charset="0"/>
+                <a:cs typeface="Courier New" panose="02070309020205020404" pitchFamily="49" charset="0"/>
+              </a:rPr>
+              <a:t>%(</a:t>
+            </a:r>
+            <a:r>
+              <a:rPr lang="en-US" sz="1400" dirty="0" err="1">
+                <a:latin typeface="Courier New" panose="02070309020205020404" pitchFamily="49" charset="0"/>
+                <a:cs typeface="Courier New" panose="02070309020205020404" pitchFamily="49" charset="0"/>
+              </a:rPr>
+              <a:t>funcname</a:t>
+            </a:r>
+            <a:r>
+              <a:rPr lang="en-US" sz="1400" dirty="0">
+                <a:latin typeface="Courier New" panose="02070309020205020404" pitchFamily="49" charset="0"/>
+                <a:cs typeface="Courier New" panose="02070309020205020404" pitchFamily="49" charset="0"/>
+              </a:rPr>
+              <a:t>)s	# Function name.</a:t>
+            </a:r>
+          </a:p>
+          <a:p>
+            <a:pPr marL="0" indent="0">
+              <a:buNone/>
+            </a:pPr>
+            <a:r>
+              <a:rPr lang="en-US" sz="1400" dirty="0">
+                <a:latin typeface="Courier New" panose="02070309020205020404" pitchFamily="49" charset="0"/>
+                <a:cs typeface="Courier New" panose="02070309020205020404" pitchFamily="49" charset="0"/>
+              </a:rPr>
+              <a:t>%(</a:t>
+            </a:r>
+            <a:r>
+              <a:rPr lang="en-US" sz="1400" dirty="0" err="1">
+                <a:latin typeface="Courier New" panose="02070309020205020404" pitchFamily="49" charset="0"/>
+                <a:cs typeface="Courier New" panose="02070309020205020404" pitchFamily="49" charset="0"/>
+              </a:rPr>
+              <a:t>lineno</a:t>
+            </a:r>
+            <a:r>
+              <a:rPr lang="en-US" sz="1400" dirty="0">
+                <a:latin typeface="Courier New" panose="02070309020205020404" pitchFamily="49" charset="0"/>
+                <a:cs typeface="Courier New" panose="02070309020205020404" pitchFamily="49" charset="0"/>
+              </a:rPr>
+              <a:t>)d	# Line number.</a:t>
+            </a:r>
+          </a:p>
+          <a:p>
+            <a:pPr marL="0" indent="0">
+              <a:buNone/>
+            </a:pPr>
+            <a:endParaRPr lang="en-US" sz="1400" dirty="0">
               <a:latin typeface="Courier New" panose="02070309020205020404" pitchFamily="49" charset="0"/>
               <a:cs typeface="Courier New" panose="02070309020205020404" pitchFamily="49" charset="0"/>
             </a:endParaRPr>
@@ -15384,7 +15401,7 @@
             <a:pPr marL="0" indent="0">
               <a:buNone/>
             </a:pPr>
-            <a:endParaRPr lang="en-US" sz="1400">
+            <a:endParaRPr lang="en-US" sz="1400" dirty="0">
               <a:latin typeface="Courier New" panose="02070309020205020404" pitchFamily="49" charset="0"/>
               <a:cs typeface="Courier New" panose="02070309020205020404" pitchFamily="49" charset="0"/>
             </a:endParaRPr>
@@ -15394,7 +15411,7 @@
               <a:buNone/>
             </a:pPr>
             <a:r>
-              <a:rPr lang="en-US" sz="1400">
+              <a:rPr lang="en-US" sz="1400" dirty="0">
                 <a:latin typeface="Courier New" panose="02070309020205020404" pitchFamily="49" charset="0"/>
                 <a:cs typeface="Courier New" panose="02070309020205020404" pitchFamily="49" charset="0"/>
               </a:rPr>
@@ -15406,30 +15423,86 @@
               <a:buNone/>
             </a:pPr>
             <a:r>
-              <a:rPr lang="en-US" sz="1400">
-                <a:latin typeface="Courier New" panose="02070309020205020404" pitchFamily="49" charset="0"/>
-                <a:cs typeface="Courier New" panose="02070309020205020404" pitchFamily="49" charset="0"/>
-              </a:rPr>
-              <a:t>fmt = "%(asctime)s|%(levelname)s|%(message)s"</a:t>
-            </a:r>
-          </a:p>
-          <a:p>
-            <a:pPr marL="0" indent="0">
-              <a:buNone/>
-            </a:pPr>
-            <a:r>
-              <a:rPr lang="en-US" sz="1400">
-                <a:latin typeface="Courier New" panose="02070309020205020404" pitchFamily="49" charset="0"/>
-                <a:cs typeface="Courier New" panose="02070309020205020404" pitchFamily="49" charset="0"/>
-              </a:rPr>
-              <a:t>logging.basicConfig(format=fmt)</a:t>
-            </a:r>
-          </a:p>
-          <a:p>
-            <a:pPr marL="0" indent="0">
-              <a:buNone/>
-            </a:pPr>
-            <a:endParaRPr lang="en-US" sz="1400">
+              <a:rPr lang="en-US" sz="1400" dirty="0" err="1">
+                <a:latin typeface="Courier New" panose="02070309020205020404" pitchFamily="49" charset="0"/>
+                <a:cs typeface="Courier New" panose="02070309020205020404" pitchFamily="49" charset="0"/>
+              </a:rPr>
+              <a:t>fmt</a:t>
+            </a:r>
+            <a:r>
+              <a:rPr lang="en-US" sz="1400" dirty="0">
+                <a:latin typeface="Courier New" panose="02070309020205020404" pitchFamily="49" charset="0"/>
+                <a:cs typeface="Courier New" panose="02070309020205020404" pitchFamily="49" charset="0"/>
+              </a:rPr>
+              <a:t> = "%(</a:t>
+            </a:r>
+            <a:r>
+              <a:rPr lang="en-US" sz="1400" dirty="0" err="1">
+                <a:latin typeface="Courier New" panose="02070309020205020404" pitchFamily="49" charset="0"/>
+                <a:cs typeface="Courier New" panose="02070309020205020404" pitchFamily="49" charset="0"/>
+              </a:rPr>
+              <a:t>asctime</a:t>
+            </a:r>
+            <a:r>
+              <a:rPr lang="en-US" sz="1400" dirty="0">
+                <a:latin typeface="Courier New" panose="02070309020205020404" pitchFamily="49" charset="0"/>
+                <a:cs typeface="Courier New" panose="02070309020205020404" pitchFamily="49" charset="0"/>
+              </a:rPr>
+              <a:t>)s|%(</a:t>
+            </a:r>
+            <a:r>
+              <a:rPr lang="en-US" sz="1400" dirty="0" err="1">
+                <a:latin typeface="Courier New" panose="02070309020205020404" pitchFamily="49" charset="0"/>
+                <a:cs typeface="Courier New" panose="02070309020205020404" pitchFamily="49" charset="0"/>
+              </a:rPr>
+              <a:t>levelname</a:t>
+            </a:r>
+            <a:r>
+              <a:rPr lang="en-US" sz="1400" dirty="0">
+                <a:latin typeface="Courier New" panose="02070309020205020404" pitchFamily="49" charset="0"/>
+                <a:cs typeface="Courier New" panose="02070309020205020404" pitchFamily="49" charset="0"/>
+              </a:rPr>
+              <a:t>)s|%(message)s"</a:t>
+            </a:r>
+          </a:p>
+          <a:p>
+            <a:pPr marL="0" indent="0">
+              <a:buNone/>
+            </a:pPr>
+            <a:r>
+              <a:rPr lang="en-US" sz="1400" dirty="0" err="1">
+                <a:latin typeface="Courier New" panose="02070309020205020404" pitchFamily="49" charset="0"/>
+                <a:cs typeface="Courier New" panose="02070309020205020404" pitchFamily="49" charset="0"/>
+              </a:rPr>
+              <a:t>logging.basicConfig</a:t>
+            </a:r>
+            <a:r>
+              <a:rPr lang="en-US" sz="1400" dirty="0">
+                <a:latin typeface="Courier New" panose="02070309020205020404" pitchFamily="49" charset="0"/>
+                <a:cs typeface="Courier New" panose="02070309020205020404" pitchFamily="49" charset="0"/>
+              </a:rPr>
+              <a:t>(format=</a:t>
+            </a:r>
+            <a:r>
+              <a:rPr lang="en-US" sz="1400" dirty="0" err="1">
+                <a:latin typeface="Courier New" panose="02070309020205020404" pitchFamily="49" charset="0"/>
+                <a:cs typeface="Courier New" panose="02070309020205020404" pitchFamily="49" charset="0"/>
+              </a:rPr>
+              <a:t>fmt</a:t>
+            </a:r>
+            <a:r>
+              <a:rPr lang="en-US" sz="1400" dirty="0">
+                <a:latin typeface="Courier New" panose="02070309020205020404" pitchFamily="49" charset="0"/>
+                <a:cs typeface="Courier New" panose="02070309020205020404" pitchFamily="49" charset="0"/>
+              </a:rPr>
+              <a:t>)</a:t>
+            </a:r>
+          </a:p>
+          <a:p>
+            <a:pPr marL="0" indent="0">
+              <a:buNone/>
+            </a:pPr>
+            <a:endParaRPr lang="en-US" sz="1400" dirty="0">
               <a:latin typeface="Courier New" panose="02070309020205020404" pitchFamily="49" charset="0"/>
               <a:cs typeface="Courier New" panose="02070309020205020404" pitchFamily="49" charset="0"/>
             </a:endParaRPr>
@@ -15438,7 +15511,7 @@
             <a:pPr marL="0" indent="0">
               <a:buNone/>
             </a:pPr>
-            <a:endParaRPr lang="en-US" sz="1400">
+            <a:endParaRPr lang="en-US" sz="1400" dirty="0">
               <a:latin typeface="Courier New" panose="02070309020205020404" pitchFamily="49" charset="0"/>
               <a:cs typeface="Courier New" panose="02070309020205020404" pitchFamily="49" charset="0"/>
             </a:endParaRPr>
@@ -15497,7 +15570,7 @@
           <a:lstStyle/>
           <a:p>
             <a:r>
-              <a:rPr lang="nl-NL"/>
+              <a:rPr lang="nl-NL" dirty="0"/>
               <a:t>Goede principes</a:t>
             </a:r>
           </a:p>
@@ -15750,7 +15823,15 @@
             <a:pPr lvl="1"/>
             <a:r>
               <a:rPr lang="nl-NL" sz="2000" noProof="0" dirty="0"/>
-              <a:t>Toon tenminste: tijdstip, level, naam logger en bericht.</a:t>
+              <a:t>Log tenminste: tijdstip</a:t>
+            </a:r>
+            <a:r>
+              <a:rPr lang="nl-NL" sz="2000" noProof="0"/>
+              <a:t>, niveau, </a:t>
+            </a:r>
+            <a:r>
+              <a:rPr lang="nl-NL" sz="2000" noProof="0" dirty="0"/>
+              <a:t>naam logger en bericht.</a:t>
             </a:r>
           </a:p>
         </p:txBody>
@@ -21247,7 +21328,7 @@
             </a:pPr>
             <a:r>
               <a:rPr lang="nl-NL" sz="2000" dirty="0"/>
-              <a:t>Ontwerp principes helpen om betere code te schrijven.</a:t>
+              <a:t>Ontwerp principes helpen betere code te schrijven.</a:t>
             </a:r>
           </a:p>
           <a:p>
@@ -21262,7 +21343,7 @@
             </a:pPr>
             <a:r>
               <a:rPr lang="nl-NL" sz="2000" dirty="0"/>
-              <a:t>Goede code is…</a:t>
+              <a:t>Goede code is:</a:t>
             </a:r>
           </a:p>
           <a:p>
@@ -21272,7 +21353,17 @@
             </a:pPr>
             <a:r>
               <a:rPr lang="nl-NL" sz="2000" dirty="0"/>
-              <a:t>Leesbaar en gestructureerd.</a:t>
+              <a:t>Leesbaar.</a:t>
+            </a:r>
+          </a:p>
+          <a:p>
+            <a:pPr>
+              <a:buFontTx/>
+              <a:buChar char="-"/>
+            </a:pPr>
+            <a:r>
+              <a:rPr lang="nl-NL" sz="2000" dirty="0"/>
+              <a:t>Overzichtelijk gestructureerd.</a:t>
             </a:r>
           </a:p>
           <a:p>
@@ -28679,7 +28770,15 @@
           <a:p>
             <a:r>
               <a:rPr lang="nl-NL" sz="3600" noProof="0" dirty="0"/>
-              <a:t>Instellen in VS Code</a:t>
+              <a:t>Leesbaar: </a:t>
+            </a:r>
+            <a:r>
+              <a:rPr lang="nl-NL" sz="3600" noProof="0" dirty="0" err="1"/>
+              <a:t>Settings</a:t>
+            </a:r>
+            <a:r>
+              <a:rPr lang="nl-NL" sz="3600" noProof="0" dirty="0"/>
+              <a:t> in VS Code</a:t>
             </a:r>
           </a:p>
         </p:txBody>
@@ -28739,7 +28838,7 @@
               <a:rPr lang="nl-NL" sz="2000" dirty="0">
                 <a:cs typeface="Courier New" panose="02070309020205020404" pitchFamily="49" charset="0"/>
               </a:rPr>
-              <a:t>    =&gt;    "Python &gt; </a:t>
+              <a:t>                      &gt;    "Python &gt; </a:t>
             </a:r>
             <a:r>
               <a:rPr lang="nl-NL" sz="2000" dirty="0" err="1">
@@ -28751,7 +28850,7 @@
               <a:rPr lang="nl-NL" sz="2000" dirty="0">
                 <a:cs typeface="Courier New" panose="02070309020205020404" pitchFamily="49" charset="0"/>
               </a:rPr>
-              <a:t>"    =&gt;    Python: </a:t>
+              <a:t>"    &gt;      Python: </a:t>
             </a:r>
             <a:r>
               <a:rPr lang="nl-NL" sz="2000" dirty="0" err="1">
@@ -28774,7 +28873,7 @@
               <a:rPr lang="nl-NL" sz="2000" dirty="0">
                 <a:cs typeface="Courier New" panose="02070309020205020404" pitchFamily="49" charset="0"/>
               </a:rPr>
-              <a:t>Command Palette    =&gt;    Format Document (SHIFT + ALT + F)</a:t>
+              <a:t>Command Palette    &gt;    Format Document            /       SHIFT + ALT + F</a:t>
             </a:r>
           </a:p>
           <a:p>
@@ -28824,7 +28923,7 @@
               <a:rPr lang="nl-NL" sz="2000" dirty="0">
                 <a:cs typeface="Courier New" panose="02070309020205020404" pitchFamily="49" charset="0"/>
               </a:rPr>
-              <a:t>    =&gt;    "Python &gt; </a:t>
+              <a:t>                      &gt;    "Python &gt; </a:t>
             </a:r>
             <a:r>
               <a:rPr lang="nl-NL" sz="2000" dirty="0" err="1">
@@ -28836,7 +28935,7 @@
               <a:rPr lang="nl-NL" sz="2000" dirty="0">
                 <a:cs typeface="Courier New" panose="02070309020205020404" pitchFamily="49" charset="0"/>
               </a:rPr>
-              <a:t>"    =&gt;    Python &gt; </a:t>
+              <a:t>"             &gt;    Python &gt; </a:t>
             </a:r>
             <a:r>
               <a:rPr lang="nl-NL" sz="2000" dirty="0" err="1">
@@ -28880,7 +28979,7 @@
               <a:rPr lang="nl-NL" sz="2000" dirty="0">
                 <a:cs typeface="Courier New" panose="02070309020205020404" pitchFamily="49" charset="0"/>
               </a:rPr>
-              <a:t>                                                                =&gt;    Python &gt; </a:t>
+              <a:t>                                                                                        &gt;    Python &gt; </a:t>
             </a:r>
             <a:r>
               <a:rPr lang="nl-NL" sz="2000" dirty="0" err="1">
@@ -28903,7 +29002,7 @@
               <a:rPr lang="nl-NL" sz="2000" dirty="0">
                 <a:cs typeface="Courier New" panose="02070309020205020404" pitchFamily="49" charset="0"/>
               </a:rPr>
-              <a:t>Command Palette =&gt; "lint" &gt; Python: Run </a:t>
+              <a:t>Command Palette    &gt;    "lint"                                    &gt;    Python: Run </a:t>
             </a:r>
             <a:r>
               <a:rPr lang="nl-NL" sz="2000" dirty="0" err="1">

--- a/python_trainees/2_production_code/python_traineeship_2.pptx
+++ b/python_trainees/2_production_code/python_traineeship_2.pptx
@@ -15,52 +15,53 @@
     <p:sldId id="260" r:id="rId9"/>
     <p:sldId id="327" r:id="rId10"/>
     <p:sldId id="328" r:id="rId11"/>
-    <p:sldId id="332" r:id="rId12"/>
-    <p:sldId id="333" r:id="rId13"/>
-    <p:sldId id="334" r:id="rId14"/>
-    <p:sldId id="335" r:id="rId15"/>
-    <p:sldId id="336" r:id="rId16"/>
-    <p:sldId id="330" r:id="rId17"/>
-    <p:sldId id="342" r:id="rId18"/>
-    <p:sldId id="337" r:id="rId19"/>
-    <p:sldId id="295" r:id="rId20"/>
-    <p:sldId id="347" r:id="rId21"/>
-    <p:sldId id="323" r:id="rId22"/>
-    <p:sldId id="326" r:id="rId23"/>
-    <p:sldId id="305" r:id="rId24"/>
-    <p:sldId id="303" r:id="rId25"/>
-    <p:sldId id="312" r:id="rId26"/>
-    <p:sldId id="314" r:id="rId27"/>
-    <p:sldId id="313" r:id="rId28"/>
-    <p:sldId id="338" r:id="rId29"/>
-    <p:sldId id="306" r:id="rId30"/>
-    <p:sldId id="339" r:id="rId31"/>
-    <p:sldId id="315" r:id="rId32"/>
-    <p:sldId id="316" r:id="rId33"/>
-    <p:sldId id="343" r:id="rId34"/>
-    <p:sldId id="319" r:id="rId35"/>
-    <p:sldId id="317" r:id="rId36"/>
-    <p:sldId id="318" r:id="rId37"/>
-    <p:sldId id="320" r:id="rId38"/>
-    <p:sldId id="321" r:id="rId39"/>
-    <p:sldId id="340" r:id="rId40"/>
-    <p:sldId id="341" r:id="rId41"/>
-    <p:sldId id="262" r:id="rId42"/>
-    <p:sldId id="264" r:id="rId43"/>
-    <p:sldId id="272" r:id="rId44"/>
-    <p:sldId id="266" r:id="rId45"/>
-    <p:sldId id="346" r:id="rId46"/>
-    <p:sldId id="344" r:id="rId47"/>
-    <p:sldId id="267" r:id="rId48"/>
-    <p:sldId id="268" r:id="rId49"/>
-    <p:sldId id="345" r:id="rId50"/>
-    <p:sldId id="263" r:id="rId51"/>
-    <p:sldId id="349" r:id="rId52"/>
-    <p:sldId id="350" r:id="rId53"/>
-    <p:sldId id="354" r:id="rId54"/>
-    <p:sldId id="351" r:id="rId55"/>
-    <p:sldId id="352" r:id="rId56"/>
-    <p:sldId id="353" r:id="rId57"/>
+    <p:sldId id="355" r:id="rId12"/>
+    <p:sldId id="332" r:id="rId13"/>
+    <p:sldId id="333" r:id="rId14"/>
+    <p:sldId id="334" r:id="rId15"/>
+    <p:sldId id="335" r:id="rId16"/>
+    <p:sldId id="336" r:id="rId17"/>
+    <p:sldId id="330" r:id="rId18"/>
+    <p:sldId id="342" r:id="rId19"/>
+    <p:sldId id="337" r:id="rId20"/>
+    <p:sldId id="295" r:id="rId21"/>
+    <p:sldId id="347" r:id="rId22"/>
+    <p:sldId id="323" r:id="rId23"/>
+    <p:sldId id="326" r:id="rId24"/>
+    <p:sldId id="305" r:id="rId25"/>
+    <p:sldId id="303" r:id="rId26"/>
+    <p:sldId id="312" r:id="rId27"/>
+    <p:sldId id="314" r:id="rId28"/>
+    <p:sldId id="313" r:id="rId29"/>
+    <p:sldId id="338" r:id="rId30"/>
+    <p:sldId id="306" r:id="rId31"/>
+    <p:sldId id="339" r:id="rId32"/>
+    <p:sldId id="315" r:id="rId33"/>
+    <p:sldId id="316" r:id="rId34"/>
+    <p:sldId id="343" r:id="rId35"/>
+    <p:sldId id="319" r:id="rId36"/>
+    <p:sldId id="317" r:id="rId37"/>
+    <p:sldId id="318" r:id="rId38"/>
+    <p:sldId id="320" r:id="rId39"/>
+    <p:sldId id="321" r:id="rId40"/>
+    <p:sldId id="340" r:id="rId41"/>
+    <p:sldId id="341" r:id="rId42"/>
+    <p:sldId id="262" r:id="rId43"/>
+    <p:sldId id="264" r:id="rId44"/>
+    <p:sldId id="272" r:id="rId45"/>
+    <p:sldId id="266" r:id="rId46"/>
+    <p:sldId id="346" r:id="rId47"/>
+    <p:sldId id="344" r:id="rId48"/>
+    <p:sldId id="267" r:id="rId49"/>
+    <p:sldId id="268" r:id="rId50"/>
+    <p:sldId id="345" r:id="rId51"/>
+    <p:sldId id="263" r:id="rId52"/>
+    <p:sldId id="349" r:id="rId53"/>
+    <p:sldId id="350" r:id="rId54"/>
+    <p:sldId id="354" r:id="rId55"/>
+    <p:sldId id="351" r:id="rId56"/>
+    <p:sldId id="352" r:id="rId57"/>
+    <p:sldId id="353" r:id="rId58"/>
   </p:sldIdLst>
   <p:sldSz cx="12192000" cy="6858000"/>
   <p:notesSz cx="6858000" cy="9144000"/>
@@ -328,7 +329,7 @@
           <a:p>
             <a:fld id="{0EBB069A-003F-4FC0-8534-236B0C5C7B5F}" type="datetimeFigureOut">
               <a:rPr lang="en-NL" smtClean="0"/>
-              <a:t>13/03/2023</a:t>
+              <a:t>14/03/2023</a:t>
             </a:fld>
             <a:endParaRPr lang="en-NL"/>
           </a:p>
@@ -528,7 +529,7 @@
           <a:p>
             <a:fld id="{0EBB069A-003F-4FC0-8534-236B0C5C7B5F}" type="datetimeFigureOut">
               <a:rPr lang="en-NL" smtClean="0"/>
-              <a:t>13/03/2023</a:t>
+              <a:t>14/03/2023</a:t>
             </a:fld>
             <a:endParaRPr lang="en-NL"/>
           </a:p>
@@ -738,7 +739,7 @@
           <a:p>
             <a:fld id="{0EBB069A-003F-4FC0-8534-236B0C5C7B5F}" type="datetimeFigureOut">
               <a:rPr lang="en-NL" smtClean="0"/>
-              <a:t>13/03/2023</a:t>
+              <a:t>14/03/2023</a:t>
             </a:fld>
             <a:endParaRPr lang="en-NL"/>
           </a:p>
@@ -938,7 +939,7 @@
           <a:p>
             <a:fld id="{0EBB069A-003F-4FC0-8534-236B0C5C7B5F}" type="datetimeFigureOut">
               <a:rPr lang="en-NL" smtClean="0"/>
-              <a:t>13/03/2023</a:t>
+              <a:t>14/03/2023</a:t>
             </a:fld>
             <a:endParaRPr lang="en-NL"/>
           </a:p>
@@ -1214,7 +1215,7 @@
           <a:p>
             <a:fld id="{0EBB069A-003F-4FC0-8534-236B0C5C7B5F}" type="datetimeFigureOut">
               <a:rPr lang="en-NL" smtClean="0"/>
-              <a:t>13/03/2023</a:t>
+              <a:t>14/03/2023</a:t>
             </a:fld>
             <a:endParaRPr lang="en-NL"/>
           </a:p>
@@ -1482,7 +1483,7 @@
           <a:p>
             <a:fld id="{0EBB069A-003F-4FC0-8534-236B0C5C7B5F}" type="datetimeFigureOut">
               <a:rPr lang="en-NL" smtClean="0"/>
-              <a:t>13/03/2023</a:t>
+              <a:t>14/03/2023</a:t>
             </a:fld>
             <a:endParaRPr lang="en-NL"/>
           </a:p>
@@ -1897,7 +1898,7 @@
           <a:p>
             <a:fld id="{0EBB069A-003F-4FC0-8534-236B0C5C7B5F}" type="datetimeFigureOut">
               <a:rPr lang="en-NL" smtClean="0"/>
-              <a:t>13/03/2023</a:t>
+              <a:t>14/03/2023</a:t>
             </a:fld>
             <a:endParaRPr lang="en-NL"/>
           </a:p>
@@ -2039,7 +2040,7 @@
           <a:p>
             <a:fld id="{0EBB069A-003F-4FC0-8534-236B0C5C7B5F}" type="datetimeFigureOut">
               <a:rPr lang="en-NL" smtClean="0"/>
-              <a:t>13/03/2023</a:t>
+              <a:t>14/03/2023</a:t>
             </a:fld>
             <a:endParaRPr lang="en-NL"/>
           </a:p>
@@ -2152,7 +2153,7 @@
           <a:p>
             <a:fld id="{0EBB069A-003F-4FC0-8534-236B0C5C7B5F}" type="datetimeFigureOut">
               <a:rPr lang="en-NL" smtClean="0"/>
-              <a:t>13/03/2023</a:t>
+              <a:t>14/03/2023</a:t>
             </a:fld>
             <a:endParaRPr lang="en-NL"/>
           </a:p>
@@ -2465,7 +2466,7 @@
           <a:p>
             <a:fld id="{0EBB069A-003F-4FC0-8534-236B0C5C7B5F}" type="datetimeFigureOut">
               <a:rPr lang="en-NL" smtClean="0"/>
-              <a:t>13/03/2023</a:t>
+              <a:t>14/03/2023</a:t>
             </a:fld>
             <a:endParaRPr lang="en-NL"/>
           </a:p>
@@ -2754,7 +2755,7 @@
           <a:p>
             <a:fld id="{0EBB069A-003F-4FC0-8534-236B0C5C7B5F}" type="datetimeFigureOut">
               <a:rPr lang="en-NL" smtClean="0"/>
-              <a:t>13/03/2023</a:t>
+              <a:t>14/03/2023</a:t>
             </a:fld>
             <a:endParaRPr lang="en-NL"/>
           </a:p>
@@ -2997,7 +2998,7 @@
           <a:p>
             <a:fld id="{0EBB069A-003F-4FC0-8534-236B0C5C7B5F}" type="datetimeFigureOut">
               <a:rPr lang="en-NL" smtClean="0"/>
-              <a:t>13/03/2023</a:t>
+              <a:t>14/03/2023</a:t>
             </a:fld>
             <a:endParaRPr lang="en-NL"/>
           </a:p>
@@ -3768,6 +3769,291 @@
           <a:p>
             <a:r>
               <a:rPr lang="nl-NL" sz="3600" noProof="0" dirty="0"/>
+              <a:t>Leesbaar: Plug ins VS Code</a:t>
+            </a:r>
+          </a:p>
+        </p:txBody>
+      </p:sp>
+      <p:sp>
+        <p:nvSpPr>
+          <p:cNvPr id="3" name="Content Placeholder 2">
+            <a:extLst>
+              <a:ext uri="{FF2B5EF4-FFF2-40B4-BE49-F238E27FC236}">
+                <a16:creationId xmlns:a16="http://schemas.microsoft.com/office/drawing/2014/main" id="{F4C2D286-E049-0AAB-1360-B7157E11AD7E}"/>
+              </a:ext>
+            </a:extLst>
+          </p:cNvPr>
+          <p:cNvSpPr>
+            <a:spLocks noGrp="1"/>
+          </p:cNvSpPr>
+          <p:nvPr>
+            <p:ph idx="1"/>
+          </p:nvPr>
+        </p:nvSpPr>
+        <p:spPr>
+          <a:xfrm>
+            <a:off x="838200" y="1456267"/>
+            <a:ext cx="10515600" cy="4720696"/>
+          </a:xfrm>
+        </p:spPr>
+        <p:txBody>
+          <a:bodyPr>
+            <a:normAutofit/>
+          </a:bodyPr>
+          <a:lstStyle/>
+          <a:p>
+            <a:pPr marL="0" indent="0">
+              <a:buNone/>
+            </a:pPr>
+            <a:r>
+              <a:rPr lang="nl-NL" sz="2000" b="1" noProof="0" dirty="0" err="1"/>
+              <a:t>autoDocstring</a:t>
+            </a:r>
+            <a:endParaRPr lang="nl-NL" sz="2000" dirty="0">
+              <a:cs typeface="Courier New" panose="02070309020205020404" pitchFamily="49" charset="0"/>
+            </a:endParaRPr>
+          </a:p>
+          <a:p>
+            <a:pPr marL="0" indent="0">
+              <a:buNone/>
+            </a:pPr>
+            <a:r>
+              <a:rPr lang="nl-NL" sz="2000" noProof="0" dirty="0">
+                <a:cs typeface="Courier New" panose="02070309020205020404" pitchFamily="49" charset="0"/>
+                <a:hlinkClick r:id="rId2"/>
+              </a:rPr>
+              <a:t>https://marketplace.visualstudio.com/items?itemName=njpwerner.autodocstring</a:t>
+            </a:r>
+            <a:endParaRPr lang="nl-NL" sz="2000" noProof="0" dirty="0">
+              <a:cs typeface="Courier New" panose="02070309020205020404" pitchFamily="49" charset="0"/>
+            </a:endParaRPr>
+          </a:p>
+          <a:p>
+            <a:pPr marL="0" indent="0">
+              <a:buNone/>
+            </a:pPr>
+            <a:r>
+              <a:rPr lang="nl-NL" sz="2000" dirty="0">
+                <a:cs typeface="Courier New" panose="02070309020205020404" pitchFamily="49" charset="0"/>
+              </a:rPr>
+              <a:t>Genereert automatisch </a:t>
+            </a:r>
+            <a:r>
+              <a:rPr lang="nl-NL" sz="2000" dirty="0" err="1">
+                <a:cs typeface="Courier New" panose="02070309020205020404" pitchFamily="49" charset="0"/>
+              </a:rPr>
+              <a:t>doctring</a:t>
+            </a:r>
+            <a:r>
+              <a:rPr lang="nl-NL" sz="2000" dirty="0">
+                <a:cs typeface="Courier New" panose="02070309020205020404" pitchFamily="49" charset="0"/>
+              </a:rPr>
+              <a:t> templates aan de hand van de functie definitie.</a:t>
+            </a:r>
+          </a:p>
+          <a:p>
+            <a:pPr marL="0" indent="0">
+              <a:buNone/>
+            </a:pPr>
+            <a:r>
+              <a:rPr lang="nl-NL" sz="2000" noProof="0" dirty="0">
+                <a:cs typeface="Courier New" panose="02070309020205020404" pitchFamily="49" charset="0"/>
+              </a:rPr>
+              <a:t>Stijl instel</a:t>
+            </a:r>
+            <a:r>
+              <a:rPr lang="nl-NL" sz="2000" dirty="0">
+                <a:cs typeface="Courier New" panose="02070309020205020404" pitchFamily="49" charset="0"/>
+              </a:rPr>
+              <a:t>baar in de </a:t>
+            </a:r>
+            <a:r>
+              <a:rPr lang="nl-NL" sz="2000" dirty="0" err="1">
+                <a:cs typeface="Courier New" panose="02070309020205020404" pitchFamily="49" charset="0"/>
+              </a:rPr>
+              <a:t>settings</a:t>
+            </a:r>
+            <a:r>
+              <a:rPr lang="nl-NL" sz="2000" dirty="0">
+                <a:cs typeface="Courier New" panose="02070309020205020404" pitchFamily="49" charset="0"/>
+              </a:rPr>
+              <a:t> van de </a:t>
+            </a:r>
+            <a:r>
+              <a:rPr lang="nl-NL" sz="2000" dirty="0" err="1">
+                <a:cs typeface="Courier New" panose="02070309020205020404" pitchFamily="49" charset="0"/>
+              </a:rPr>
+              <a:t>plugin</a:t>
+            </a:r>
+            <a:r>
+              <a:rPr lang="nl-NL" sz="2000" dirty="0">
+                <a:cs typeface="Courier New" panose="02070309020205020404" pitchFamily="49" charset="0"/>
+              </a:rPr>
+              <a:t>.</a:t>
+            </a:r>
+            <a:endParaRPr lang="nl-NL" sz="2000" noProof="0" dirty="0">
+              <a:cs typeface="Courier New" panose="02070309020205020404" pitchFamily="49" charset="0"/>
+            </a:endParaRPr>
+          </a:p>
+          <a:p>
+            <a:pPr marL="0" indent="0">
+              <a:buNone/>
+            </a:pPr>
+            <a:endParaRPr lang="nl-NL" sz="2000" b="1" dirty="0">
+              <a:cs typeface="Courier New" panose="02070309020205020404" pitchFamily="49" charset="0"/>
+            </a:endParaRPr>
+          </a:p>
+          <a:p>
+            <a:pPr marL="0" indent="0">
+              <a:buNone/>
+            </a:pPr>
+            <a:endParaRPr lang="nl-NL" sz="2000" b="1" noProof="0" dirty="0">
+              <a:cs typeface="Courier New" panose="02070309020205020404" pitchFamily="49" charset="0"/>
+            </a:endParaRPr>
+          </a:p>
+          <a:p>
+            <a:pPr marL="0" indent="0">
+              <a:buNone/>
+            </a:pPr>
+            <a:r>
+              <a:rPr lang="nl-NL" sz="2000" b="1" noProof="0" dirty="0" err="1">
+                <a:cs typeface="Courier New" panose="02070309020205020404" pitchFamily="49" charset="0"/>
+              </a:rPr>
+              <a:t>Markdown</a:t>
+            </a:r>
+            <a:r>
+              <a:rPr lang="nl-NL" sz="2000" b="1" noProof="0" dirty="0">
+                <a:cs typeface="Courier New" panose="02070309020205020404" pitchFamily="49" charset="0"/>
+              </a:rPr>
+              <a:t> All-in-One</a:t>
+            </a:r>
+            <a:endParaRPr lang="nl-NL" sz="2000" noProof="0" dirty="0">
+              <a:cs typeface="Courier New" panose="02070309020205020404" pitchFamily="49" charset="0"/>
+            </a:endParaRPr>
+          </a:p>
+          <a:p>
+            <a:pPr marL="0" indent="0">
+              <a:buNone/>
+            </a:pPr>
+            <a:r>
+              <a:rPr lang="nl-NL" sz="2000" dirty="0">
+                <a:cs typeface="Courier New" panose="02070309020205020404" pitchFamily="49" charset="0"/>
+                <a:hlinkClick r:id="rId3"/>
+              </a:rPr>
+              <a:t>https://marketplace.visualstudio.com/items?itemName=yzhang.markdown-all-in-one</a:t>
+            </a:r>
+            <a:endParaRPr lang="nl-NL" sz="2000" dirty="0">
+              <a:cs typeface="Courier New" panose="02070309020205020404" pitchFamily="49" charset="0"/>
+            </a:endParaRPr>
+          </a:p>
+          <a:p>
+            <a:pPr marL="0" indent="0">
+              <a:buNone/>
+            </a:pPr>
+            <a:r>
+              <a:rPr lang="nl-NL" sz="2000" noProof="0" dirty="0">
+                <a:cs typeface="Courier New" panose="02070309020205020404" pitchFamily="49" charset="0"/>
+              </a:rPr>
+              <a:t>Uitbreiding op standaard </a:t>
+            </a:r>
+            <a:r>
+              <a:rPr lang="nl-NL" sz="2000" noProof="0" dirty="0" err="1">
+                <a:cs typeface="Courier New" panose="02070309020205020404" pitchFamily="49" charset="0"/>
+              </a:rPr>
+              <a:t>Markdown</a:t>
+            </a:r>
+            <a:r>
+              <a:rPr lang="nl-NL" sz="2000" noProof="0" dirty="0">
+                <a:cs typeface="Courier New" panose="02070309020205020404" pitchFamily="49" charset="0"/>
+              </a:rPr>
+              <a:t> ondersteuning; </a:t>
+            </a:r>
+            <a:r>
+              <a:rPr lang="nl-NL" sz="2000" noProof="0" dirty="0" err="1">
+                <a:cs typeface="Courier New" panose="02070309020205020404" pitchFamily="49" charset="0"/>
+              </a:rPr>
+              <a:t>hotkeys</a:t>
+            </a:r>
+            <a:r>
+              <a:rPr lang="nl-NL" sz="2000" dirty="0">
+                <a:cs typeface="Courier New" panose="02070309020205020404" pitchFamily="49" charset="0"/>
+              </a:rPr>
+              <a:t>, inhoudsopgave, etc.</a:t>
+            </a:r>
+            <a:endParaRPr lang="nl-NL" sz="2000" noProof="0" dirty="0">
+              <a:cs typeface="Courier New" panose="02070309020205020404" pitchFamily="49" charset="0"/>
+            </a:endParaRPr>
+          </a:p>
+          <a:p>
+            <a:pPr marL="0" indent="0">
+              <a:buNone/>
+            </a:pPr>
+            <a:endParaRPr lang="nl-NL" sz="2000" noProof="0" dirty="0">
+              <a:cs typeface="Courier New" panose="02070309020205020404" pitchFamily="49" charset="0"/>
+            </a:endParaRPr>
+          </a:p>
+        </p:txBody>
+      </p:sp>
+    </p:spTree>
+    <p:extLst>
+      <p:ext uri="{BB962C8B-B14F-4D97-AF65-F5344CB8AC3E}">
+        <p14:creationId xmlns:p14="http://schemas.microsoft.com/office/powerpoint/2010/main" val="3018676715"/>
+      </p:ext>
+    </p:extLst>
+  </p:cSld>
+  <p:clrMapOvr>
+    <a:masterClrMapping/>
+  </p:clrMapOvr>
+</p:sld>
+</file>
+
+<file path=ppt/slides/slide12.xml><?xml version="1.0" encoding="utf-8"?>
+<p:sld xmlns:a="http://schemas.openxmlformats.org/drawingml/2006/main" xmlns:r="http://schemas.openxmlformats.org/officeDocument/2006/relationships" xmlns:p="http://schemas.openxmlformats.org/presentationml/2006/main">
+  <p:cSld>
+    <p:spTree>
+      <p:nvGrpSpPr>
+        <p:cNvPr id="1" name=""/>
+        <p:cNvGrpSpPr/>
+        <p:nvPr/>
+      </p:nvGrpSpPr>
+      <p:grpSpPr>
+        <a:xfrm>
+          <a:off x="0" y="0"/>
+          <a:ext cx="0" cy="0"/>
+          <a:chOff x="0" y="0"/>
+          <a:chExt cx="0" cy="0"/>
+        </a:xfrm>
+      </p:grpSpPr>
+      <p:sp>
+        <p:nvSpPr>
+          <p:cNvPr id="2" name="Title 1">
+            <a:extLst>
+              <a:ext uri="{FF2B5EF4-FFF2-40B4-BE49-F238E27FC236}">
+                <a16:creationId xmlns:a16="http://schemas.microsoft.com/office/drawing/2014/main" id="{39A1D606-8DD1-369C-5C09-471CDD551AD5}"/>
+              </a:ext>
+            </a:extLst>
+          </p:cNvPr>
+          <p:cNvSpPr>
+            <a:spLocks noGrp="1"/>
+          </p:cNvSpPr>
+          <p:nvPr>
+            <p:ph type="title"/>
+          </p:nvPr>
+        </p:nvSpPr>
+        <p:spPr>
+          <a:xfrm>
+            <a:off x="838200" y="365126"/>
+            <a:ext cx="10515600" cy="718608"/>
+          </a:xfrm>
+        </p:spPr>
+        <p:txBody>
+          <a:bodyPr>
+            <a:normAutofit/>
+          </a:bodyPr>
+          <a:lstStyle/>
+          <a:p>
+            <a:r>
+              <a:rPr lang="nl-NL" sz="3600" noProof="0" dirty="0"/>
               <a:t>Structuur</a:t>
             </a:r>
           </a:p>
@@ -4182,7 +4468,7 @@
 </p:sld>
 </file>
 
-<file path=ppt/slides/slide12.xml><?xml version="1.0" encoding="utf-8"?>
+<file path=ppt/slides/slide13.xml><?xml version="1.0" encoding="utf-8"?>
 <p:sld xmlns:a="http://schemas.openxmlformats.org/drawingml/2006/main" xmlns:r="http://schemas.openxmlformats.org/officeDocument/2006/relationships" xmlns:p="http://schemas.openxmlformats.org/presentationml/2006/main">
   <p:cSld>
     <p:spTree>
@@ -4581,7 +4867,7 @@
 </p:sld>
 </file>
 
-<file path=ppt/slides/slide13.xml><?xml version="1.0" encoding="utf-8"?>
+<file path=ppt/slides/slide14.xml><?xml version="1.0" encoding="utf-8"?>
 <p:sld xmlns:a="http://schemas.openxmlformats.org/drawingml/2006/main" xmlns:r="http://schemas.openxmlformats.org/officeDocument/2006/relationships" xmlns:p="http://schemas.openxmlformats.org/presentationml/2006/main">
   <p:cSld>
     <p:spTree>
@@ -5125,7 +5411,7 @@
 </p:sld>
 </file>
 
-<file path=ppt/slides/slide14.xml><?xml version="1.0" encoding="utf-8"?>
+<file path=ppt/slides/slide15.xml><?xml version="1.0" encoding="utf-8"?>
 <p:sld xmlns:a="http://schemas.openxmlformats.org/drawingml/2006/main" xmlns:r="http://schemas.openxmlformats.org/officeDocument/2006/relationships" xmlns:p="http://schemas.openxmlformats.org/presentationml/2006/main">
   <p:cSld>
     <p:spTree>
@@ -5946,7 +6232,7 @@
 </p:sld>
 </file>
 
-<file path=ppt/slides/slide15.xml><?xml version="1.0" encoding="utf-8"?>
+<file path=ppt/slides/slide16.xml><?xml version="1.0" encoding="utf-8"?>
 <p:sld xmlns:a="http://schemas.openxmlformats.org/drawingml/2006/main" xmlns:r="http://schemas.openxmlformats.org/officeDocument/2006/relationships" xmlns:p="http://schemas.openxmlformats.org/presentationml/2006/main">
   <p:cSld>
     <p:spTree>
@@ -6782,7 +7068,7 @@
 </p:sld>
 </file>
 
-<file path=ppt/slides/slide16.xml><?xml version="1.0" encoding="utf-8"?>
+<file path=ppt/slides/slide17.xml><?xml version="1.0" encoding="utf-8"?>
 <p:sld xmlns:a="http://schemas.openxmlformats.org/drawingml/2006/main" xmlns:r="http://schemas.openxmlformats.org/officeDocument/2006/relationships" xmlns:p="http://schemas.openxmlformats.org/presentationml/2006/main">
   <p:cSld>
     <p:spTree>
@@ -6999,7 +7285,7 @@
 </p:sld>
 </file>
 
-<file path=ppt/slides/slide17.xml><?xml version="1.0" encoding="utf-8"?>
+<file path=ppt/slides/slide18.xml><?xml version="1.0" encoding="utf-8"?>
 <p:sld xmlns:a="http://schemas.openxmlformats.org/drawingml/2006/main" xmlns:r="http://schemas.openxmlformats.org/officeDocument/2006/relationships" xmlns:p="http://schemas.openxmlformats.org/presentationml/2006/main">
   <p:cSld>
     <p:spTree>
@@ -7541,7 +7827,7 @@
 </p:sld>
 </file>
 
-<file path=ppt/slides/slide18.xml><?xml version="1.0" encoding="utf-8"?>
+<file path=ppt/slides/slide19.xml><?xml version="1.0" encoding="utf-8"?>
 <p:sld xmlns:a="http://schemas.openxmlformats.org/drawingml/2006/main" xmlns:r="http://schemas.openxmlformats.org/officeDocument/2006/relationships" xmlns:p="http://schemas.openxmlformats.org/presentationml/2006/main">
   <p:cSld>
     <p:spTree>
@@ -8099,192 +8385,6 @@
     <p:extLst>
       <p:ext uri="{BB962C8B-B14F-4D97-AF65-F5344CB8AC3E}">
         <p14:creationId xmlns:p14="http://schemas.microsoft.com/office/powerpoint/2010/main" val="1780047993"/>
-      </p:ext>
-    </p:extLst>
-  </p:cSld>
-  <p:clrMapOvr>
-    <a:masterClrMapping/>
-  </p:clrMapOvr>
-</p:sld>
-</file>
-
-<file path=ppt/slides/slide19.xml><?xml version="1.0" encoding="utf-8"?>
-<p:sld xmlns:a="http://schemas.openxmlformats.org/drawingml/2006/main" xmlns:r="http://schemas.openxmlformats.org/officeDocument/2006/relationships" xmlns:p="http://schemas.openxmlformats.org/presentationml/2006/main">
-  <p:cSld>
-    <p:spTree>
-      <p:nvGrpSpPr>
-        <p:cNvPr id="1" name=""/>
-        <p:cNvGrpSpPr/>
-        <p:nvPr/>
-      </p:nvGrpSpPr>
-      <p:grpSpPr>
-        <a:xfrm>
-          <a:off x="0" y="0"/>
-          <a:ext cx="0" cy="0"/>
-          <a:chOff x="0" y="0"/>
-          <a:chExt cx="0" cy="0"/>
-        </a:xfrm>
-      </p:grpSpPr>
-      <p:sp>
-        <p:nvSpPr>
-          <p:cNvPr id="2" name="Title 1">
-            <a:extLst>
-              <a:ext uri="{FF2B5EF4-FFF2-40B4-BE49-F238E27FC236}">
-                <a16:creationId xmlns:a16="http://schemas.microsoft.com/office/drawing/2014/main" id="{39A1D606-8DD1-369C-5C09-471CDD551AD5}"/>
-              </a:ext>
-            </a:extLst>
-          </p:cNvPr>
-          <p:cNvSpPr>
-            <a:spLocks noGrp="1"/>
-          </p:cNvSpPr>
-          <p:nvPr>
-            <p:ph type="title"/>
-          </p:nvPr>
-        </p:nvSpPr>
-        <p:spPr>
-          <a:xfrm>
-            <a:off x="838200" y="365126"/>
-            <a:ext cx="10515600" cy="718608"/>
-          </a:xfrm>
-        </p:spPr>
-        <p:txBody>
-          <a:bodyPr>
-            <a:normAutofit/>
-          </a:bodyPr>
-          <a:lstStyle/>
-          <a:p>
-            <a:r>
-              <a:rPr lang="nl-NL" sz="3600" noProof="0" dirty="0"/>
-              <a:t>Oefeningen I</a:t>
-            </a:r>
-          </a:p>
-        </p:txBody>
-      </p:sp>
-      <p:sp>
-        <p:nvSpPr>
-          <p:cNvPr id="3" name="Content Placeholder 2">
-            <a:extLst>
-              <a:ext uri="{FF2B5EF4-FFF2-40B4-BE49-F238E27FC236}">
-                <a16:creationId xmlns:a16="http://schemas.microsoft.com/office/drawing/2014/main" id="{F4C2D286-E049-0AAB-1360-B7157E11AD7E}"/>
-              </a:ext>
-            </a:extLst>
-          </p:cNvPr>
-          <p:cNvSpPr>
-            <a:spLocks noGrp="1"/>
-          </p:cNvSpPr>
-          <p:nvPr>
-            <p:ph idx="1"/>
-          </p:nvPr>
-        </p:nvSpPr>
-        <p:spPr>
-          <a:xfrm>
-            <a:off x="838200" y="1456267"/>
-            <a:ext cx="10375900" cy="4720696"/>
-          </a:xfrm>
-        </p:spPr>
-        <p:txBody>
-          <a:bodyPr>
-            <a:normAutofit/>
-          </a:bodyPr>
-          <a:lstStyle/>
-          <a:p>
-            <a:pPr marL="457200" indent="-457200">
-              <a:buFont typeface="Arial" panose="020B0604020202020204" pitchFamily="34" charset="0"/>
-              <a:buAutoNum type="arabicPeriod"/>
-            </a:pPr>
-            <a:r>
-              <a:rPr lang="nl-NL" sz="2000" dirty="0"/>
-              <a:t>Open </a:t>
-            </a:r>
-            <a:r>
-              <a:rPr lang="nl-NL" sz="2000" dirty="0">
-                <a:latin typeface="Courier New" panose="02070309020205020404" pitchFamily="49" charset="0"/>
-                <a:cs typeface="Courier New" panose="02070309020205020404" pitchFamily="49" charset="0"/>
-              </a:rPr>
-              <a:t>exercises/1_refactor.py</a:t>
-            </a:r>
-          </a:p>
-          <a:p>
-            <a:pPr marL="457200" indent="-457200">
-              <a:buFont typeface="Arial" panose="020B0604020202020204" pitchFamily="34" charset="0"/>
-              <a:buAutoNum type="arabicPeriod"/>
-            </a:pPr>
-            <a:endParaRPr lang="nl-NL" sz="2000" noProof="0" dirty="0"/>
-          </a:p>
-          <a:p>
-            <a:pPr marL="457200" indent="-457200">
-              <a:buFont typeface="Arial" panose="020B0604020202020204" pitchFamily="34" charset="0"/>
-              <a:buAutoNum type="arabicPeriod"/>
-            </a:pPr>
-            <a:r>
-              <a:rPr lang="nl-NL" sz="2000" noProof="0" dirty="0"/>
-              <a:t>Bekijk de code en verbeter deze.</a:t>
-            </a:r>
-          </a:p>
-          <a:p>
-            <a:pPr marL="457200" indent="-457200">
-              <a:buFont typeface="Arial" panose="020B0604020202020204" pitchFamily="34" charset="0"/>
-              <a:buAutoNum type="arabicPeriod"/>
-            </a:pPr>
-            <a:endParaRPr lang="nl-NL" sz="2000" dirty="0"/>
-          </a:p>
-          <a:p>
-            <a:pPr marL="457200" indent="-457200">
-              <a:buFont typeface="Arial" panose="020B0604020202020204" pitchFamily="34" charset="0"/>
-              <a:buAutoNum type="arabicPeriod"/>
-            </a:pPr>
-            <a:r>
-              <a:rPr lang="nl-NL" sz="2000" noProof="0" dirty="0"/>
-              <a:t>Let daarbij op de volgende zaken:</a:t>
-            </a:r>
-          </a:p>
-          <a:p>
-            <a:pPr marL="457200" indent="-457200">
-              <a:buFont typeface="Arial" panose="020B0604020202020204" pitchFamily="34" charset="0"/>
-              <a:buAutoNum type="arabicPeriod"/>
-            </a:pPr>
-            <a:endParaRPr lang="nl-NL" sz="2000" noProof="0" dirty="0"/>
-          </a:p>
-          <a:p>
-            <a:pPr lvl="1"/>
-            <a:r>
-              <a:rPr lang="nl-NL" sz="2000" dirty="0"/>
-              <a:t>Welke taken voert het script uit?</a:t>
-            </a:r>
-          </a:p>
-          <a:p>
-            <a:pPr lvl="1"/>
-            <a:r>
-              <a:rPr lang="nl-NL" sz="2000" noProof="0" dirty="0"/>
-              <a:t>Kun je deze taken beter scheiden?</a:t>
-            </a:r>
-          </a:p>
-          <a:p>
-            <a:pPr lvl="1"/>
-            <a:r>
-              <a:rPr lang="nl-NL" sz="2000" dirty="0"/>
-              <a:t>Kan de leesbaarheid van het script beter?</a:t>
-            </a:r>
-          </a:p>
-          <a:p>
-            <a:pPr lvl="1"/>
-            <a:r>
-              <a:rPr lang="nl-NL" sz="2000" dirty="0"/>
-              <a:t>Kun de documentatie beter?</a:t>
-            </a:r>
-          </a:p>
-          <a:p>
-            <a:pPr marL="0" indent="0">
-              <a:buNone/>
-            </a:pPr>
-            <a:endParaRPr lang="nl-NL" sz="2000" noProof="0" dirty="0"/>
-          </a:p>
-        </p:txBody>
-      </p:sp>
-    </p:spTree>
-    <p:extLst>
-      <p:ext uri="{BB962C8B-B14F-4D97-AF65-F5344CB8AC3E}">
-        <p14:creationId xmlns:p14="http://schemas.microsoft.com/office/powerpoint/2010/main" val="2639598204"/>
       </p:ext>
     </p:extLst>
   </p:cSld>
@@ -8542,6 +8642,192 @@
           <a:p>
             <a:r>
               <a:rPr lang="nl-NL" sz="3600" noProof="0" dirty="0"/>
+              <a:t>Oefeningen I</a:t>
+            </a:r>
+          </a:p>
+        </p:txBody>
+      </p:sp>
+      <p:sp>
+        <p:nvSpPr>
+          <p:cNvPr id="3" name="Content Placeholder 2">
+            <a:extLst>
+              <a:ext uri="{FF2B5EF4-FFF2-40B4-BE49-F238E27FC236}">
+                <a16:creationId xmlns:a16="http://schemas.microsoft.com/office/drawing/2014/main" id="{F4C2D286-E049-0AAB-1360-B7157E11AD7E}"/>
+              </a:ext>
+            </a:extLst>
+          </p:cNvPr>
+          <p:cNvSpPr>
+            <a:spLocks noGrp="1"/>
+          </p:cNvSpPr>
+          <p:nvPr>
+            <p:ph idx="1"/>
+          </p:nvPr>
+        </p:nvSpPr>
+        <p:spPr>
+          <a:xfrm>
+            <a:off x="838200" y="1456267"/>
+            <a:ext cx="10375900" cy="4720696"/>
+          </a:xfrm>
+        </p:spPr>
+        <p:txBody>
+          <a:bodyPr>
+            <a:normAutofit/>
+          </a:bodyPr>
+          <a:lstStyle/>
+          <a:p>
+            <a:pPr marL="457200" indent="-457200">
+              <a:buFont typeface="Arial" panose="020B0604020202020204" pitchFamily="34" charset="0"/>
+              <a:buAutoNum type="arabicPeriod"/>
+            </a:pPr>
+            <a:r>
+              <a:rPr lang="nl-NL" sz="2000" dirty="0"/>
+              <a:t>Open </a:t>
+            </a:r>
+            <a:r>
+              <a:rPr lang="nl-NL" sz="2000" dirty="0">
+                <a:latin typeface="Courier New" panose="02070309020205020404" pitchFamily="49" charset="0"/>
+                <a:cs typeface="Courier New" panose="02070309020205020404" pitchFamily="49" charset="0"/>
+              </a:rPr>
+              <a:t>exercises/1_refactor.py</a:t>
+            </a:r>
+          </a:p>
+          <a:p>
+            <a:pPr marL="457200" indent="-457200">
+              <a:buFont typeface="Arial" panose="020B0604020202020204" pitchFamily="34" charset="0"/>
+              <a:buAutoNum type="arabicPeriod"/>
+            </a:pPr>
+            <a:endParaRPr lang="nl-NL" sz="2000" noProof="0" dirty="0"/>
+          </a:p>
+          <a:p>
+            <a:pPr marL="457200" indent="-457200">
+              <a:buFont typeface="Arial" panose="020B0604020202020204" pitchFamily="34" charset="0"/>
+              <a:buAutoNum type="arabicPeriod"/>
+            </a:pPr>
+            <a:r>
+              <a:rPr lang="nl-NL" sz="2000" noProof="0" dirty="0"/>
+              <a:t>Bekijk de code en verbeter deze.</a:t>
+            </a:r>
+          </a:p>
+          <a:p>
+            <a:pPr marL="457200" indent="-457200">
+              <a:buFont typeface="Arial" panose="020B0604020202020204" pitchFamily="34" charset="0"/>
+              <a:buAutoNum type="arabicPeriod"/>
+            </a:pPr>
+            <a:endParaRPr lang="nl-NL" sz="2000" dirty="0"/>
+          </a:p>
+          <a:p>
+            <a:pPr marL="457200" indent="-457200">
+              <a:buFont typeface="Arial" panose="020B0604020202020204" pitchFamily="34" charset="0"/>
+              <a:buAutoNum type="arabicPeriod"/>
+            </a:pPr>
+            <a:r>
+              <a:rPr lang="nl-NL" sz="2000" noProof="0" dirty="0"/>
+              <a:t>Let daarbij op de volgende zaken:</a:t>
+            </a:r>
+          </a:p>
+          <a:p>
+            <a:pPr marL="457200" indent="-457200">
+              <a:buFont typeface="Arial" panose="020B0604020202020204" pitchFamily="34" charset="0"/>
+              <a:buAutoNum type="arabicPeriod"/>
+            </a:pPr>
+            <a:endParaRPr lang="nl-NL" sz="2000" noProof="0" dirty="0"/>
+          </a:p>
+          <a:p>
+            <a:pPr lvl="1"/>
+            <a:r>
+              <a:rPr lang="nl-NL" sz="2000" dirty="0"/>
+              <a:t>Welke taken voert het script uit?</a:t>
+            </a:r>
+          </a:p>
+          <a:p>
+            <a:pPr lvl="1"/>
+            <a:r>
+              <a:rPr lang="nl-NL" sz="2000" noProof="0" dirty="0"/>
+              <a:t>Kun je deze taken beter scheiden?</a:t>
+            </a:r>
+          </a:p>
+          <a:p>
+            <a:pPr lvl="1"/>
+            <a:r>
+              <a:rPr lang="nl-NL" sz="2000" dirty="0"/>
+              <a:t>Kan de leesbaarheid van het script beter?</a:t>
+            </a:r>
+          </a:p>
+          <a:p>
+            <a:pPr lvl="1"/>
+            <a:r>
+              <a:rPr lang="nl-NL" sz="2000" dirty="0"/>
+              <a:t>Kun de documentatie beter?</a:t>
+            </a:r>
+          </a:p>
+          <a:p>
+            <a:pPr marL="0" indent="0">
+              <a:buNone/>
+            </a:pPr>
+            <a:endParaRPr lang="nl-NL" sz="2000" noProof="0" dirty="0"/>
+          </a:p>
+        </p:txBody>
+      </p:sp>
+    </p:spTree>
+    <p:extLst>
+      <p:ext uri="{BB962C8B-B14F-4D97-AF65-F5344CB8AC3E}">
+        <p14:creationId xmlns:p14="http://schemas.microsoft.com/office/powerpoint/2010/main" val="2639598204"/>
+      </p:ext>
+    </p:extLst>
+  </p:cSld>
+  <p:clrMapOvr>
+    <a:masterClrMapping/>
+  </p:clrMapOvr>
+</p:sld>
+</file>
+
+<file path=ppt/slides/slide21.xml><?xml version="1.0" encoding="utf-8"?>
+<p:sld xmlns:a="http://schemas.openxmlformats.org/drawingml/2006/main" xmlns:r="http://schemas.openxmlformats.org/officeDocument/2006/relationships" xmlns:p="http://schemas.openxmlformats.org/presentationml/2006/main">
+  <p:cSld>
+    <p:spTree>
+      <p:nvGrpSpPr>
+        <p:cNvPr id="1" name=""/>
+        <p:cNvGrpSpPr/>
+        <p:nvPr/>
+      </p:nvGrpSpPr>
+      <p:grpSpPr>
+        <a:xfrm>
+          <a:off x="0" y="0"/>
+          <a:ext cx="0" cy="0"/>
+          <a:chOff x="0" y="0"/>
+          <a:chExt cx="0" cy="0"/>
+        </a:xfrm>
+      </p:grpSpPr>
+      <p:sp>
+        <p:nvSpPr>
+          <p:cNvPr id="2" name="Title 1">
+            <a:extLst>
+              <a:ext uri="{FF2B5EF4-FFF2-40B4-BE49-F238E27FC236}">
+                <a16:creationId xmlns:a16="http://schemas.microsoft.com/office/drawing/2014/main" id="{39A1D606-8DD1-369C-5C09-471CDD551AD5}"/>
+              </a:ext>
+            </a:extLst>
+          </p:cNvPr>
+          <p:cNvSpPr>
+            <a:spLocks noGrp="1"/>
+          </p:cNvSpPr>
+          <p:nvPr>
+            <p:ph type="title"/>
+          </p:nvPr>
+        </p:nvSpPr>
+        <p:spPr>
+          <a:xfrm>
+            <a:off x="838200" y="365126"/>
+            <a:ext cx="10515600" cy="718608"/>
+          </a:xfrm>
+        </p:spPr>
+        <p:txBody>
+          <a:bodyPr>
+            <a:normAutofit/>
+          </a:bodyPr>
+          <a:lstStyle/>
+          <a:p>
+            <a:r>
+              <a:rPr lang="nl-NL" sz="3600" noProof="0" dirty="0"/>
               <a:t>Oplossing I</a:t>
             </a:r>
           </a:p>
@@ -9017,7 +9303,7 @@
 </p:sld>
 </file>
 
-<file path=ppt/slides/slide21.xml><?xml version="1.0" encoding="utf-8"?>
+<file path=ppt/slides/slide22.xml><?xml version="1.0" encoding="utf-8"?>
 <p:sld xmlns:a="http://schemas.openxmlformats.org/drawingml/2006/main" xmlns:r="http://schemas.openxmlformats.org/officeDocument/2006/relationships" xmlns:p="http://schemas.openxmlformats.org/presentationml/2006/main">
   <p:cSld>
     <p:spTree>
@@ -9101,7 +9387,7 @@
 </p:sld>
 </file>
 
-<file path=ppt/slides/slide22.xml><?xml version="1.0" encoding="utf-8"?>
+<file path=ppt/slides/slide23.xml><?xml version="1.0" encoding="utf-8"?>
 <p:sld xmlns:a="http://schemas.openxmlformats.org/drawingml/2006/main" xmlns:r="http://schemas.openxmlformats.org/officeDocument/2006/relationships" xmlns:p="http://schemas.openxmlformats.org/presentationml/2006/main">
   <p:cSld>
     <p:spTree>
@@ -9726,7 +10012,7 @@
 </p:sld>
 </file>
 
-<file path=ppt/slides/slide23.xml><?xml version="1.0" encoding="utf-8"?>
+<file path=ppt/slides/slide24.xml><?xml version="1.0" encoding="utf-8"?>
 <p:sld xmlns:a="http://schemas.openxmlformats.org/drawingml/2006/main" xmlns:r="http://schemas.openxmlformats.org/officeDocument/2006/relationships" xmlns:p="http://schemas.openxmlformats.org/presentationml/2006/main">
   <p:cSld>
     <p:spTree>
@@ -10626,7 +10912,7 @@
 </p:sld>
 </file>
 
-<file path=ppt/slides/slide24.xml><?xml version="1.0" encoding="utf-8"?>
+<file path=ppt/slides/slide25.xml><?xml version="1.0" encoding="utf-8"?>
 <p:sld xmlns:a="http://schemas.openxmlformats.org/drawingml/2006/main" xmlns:r="http://schemas.openxmlformats.org/officeDocument/2006/relationships" xmlns:p="http://schemas.openxmlformats.org/presentationml/2006/main">
   <p:cSld>
     <p:spTree>
@@ -11450,7 +11736,7 @@
 </p:sld>
 </file>
 
-<file path=ppt/slides/slide25.xml><?xml version="1.0" encoding="utf-8"?>
+<file path=ppt/slides/slide26.xml><?xml version="1.0" encoding="utf-8"?>
 <p:sld xmlns:a="http://schemas.openxmlformats.org/drawingml/2006/main" xmlns:r="http://schemas.openxmlformats.org/officeDocument/2006/relationships" xmlns:p="http://schemas.openxmlformats.org/presentationml/2006/main">
   <p:cSld>
     <p:spTree>
@@ -12169,7 +12455,7 @@
 </p:sld>
 </file>
 
-<file path=ppt/slides/slide26.xml><?xml version="1.0" encoding="utf-8"?>
+<file path=ppt/slides/slide27.xml><?xml version="1.0" encoding="utf-8"?>
 <p:sld xmlns:a="http://schemas.openxmlformats.org/drawingml/2006/main" xmlns:r="http://schemas.openxmlformats.org/officeDocument/2006/relationships" xmlns:p="http://schemas.openxmlformats.org/presentationml/2006/main">
   <p:cSld>
     <p:spTree>
@@ -12774,7 +13060,7 @@
 </p:sld>
 </file>
 
-<file path=ppt/slides/slide27.xml><?xml version="1.0" encoding="utf-8"?>
+<file path=ppt/slides/slide28.xml><?xml version="1.0" encoding="utf-8"?>
 <p:sld xmlns:a="http://schemas.openxmlformats.org/drawingml/2006/main" xmlns:r="http://schemas.openxmlformats.org/officeDocument/2006/relationships" xmlns:p="http://schemas.openxmlformats.org/presentationml/2006/main">
   <p:cSld>
     <p:spTree>
@@ -13627,7 +13913,7 @@
 </p:sld>
 </file>
 
-<file path=ppt/slides/slide28.xml><?xml version="1.0" encoding="utf-8"?>
+<file path=ppt/slides/slide29.xml><?xml version="1.0" encoding="utf-8"?>
 <p:sld xmlns:a="http://schemas.openxmlformats.org/drawingml/2006/main" xmlns:r="http://schemas.openxmlformats.org/officeDocument/2006/relationships" xmlns:p="http://schemas.openxmlformats.org/presentationml/2006/main">
   <p:cSld>
     <p:spTree>
@@ -14706,831 +14992,6 @@
 </p:sld>
 </file>
 
-<file path=ppt/slides/slide29.xml><?xml version="1.0" encoding="utf-8"?>
-<p:sld xmlns:a="http://schemas.openxmlformats.org/drawingml/2006/main" xmlns:r="http://schemas.openxmlformats.org/officeDocument/2006/relationships" xmlns:p="http://schemas.openxmlformats.org/presentationml/2006/main">
-  <p:cSld>
-    <p:spTree>
-      <p:nvGrpSpPr>
-        <p:cNvPr id="1" name=""/>
-        <p:cNvGrpSpPr/>
-        <p:nvPr/>
-      </p:nvGrpSpPr>
-      <p:grpSpPr>
-        <a:xfrm>
-          <a:off x="0" y="0"/>
-          <a:ext cx="0" cy="0"/>
-          <a:chOff x="0" y="0"/>
-          <a:chExt cx="0" cy="0"/>
-        </a:xfrm>
-      </p:grpSpPr>
-      <p:sp>
-        <p:nvSpPr>
-          <p:cNvPr id="7" name="Content Placeholder 2">
-            <a:extLst>
-              <a:ext uri="{FF2B5EF4-FFF2-40B4-BE49-F238E27FC236}">
-                <a16:creationId xmlns:a16="http://schemas.microsoft.com/office/drawing/2014/main" id="{270B364B-D07E-1F58-2A8E-EF2360CDE504}"/>
-              </a:ext>
-            </a:extLst>
-          </p:cNvPr>
-          <p:cNvSpPr txBox="1">
-            <a:spLocks/>
-          </p:cNvSpPr>
-          <p:nvPr/>
-        </p:nvSpPr>
-        <p:spPr>
-          <a:xfrm>
-            <a:off x="838200" y="1456267"/>
-            <a:ext cx="4571999" cy="4720696"/>
-          </a:xfrm>
-          <a:prstGeom prst="rect">
-            <a:avLst/>
-          </a:prstGeom>
-        </p:spPr>
-        <p:txBody>
-          <a:bodyPr vert="horz" lIns="91440" tIns="45720" rIns="91440" bIns="45720" rtlCol="0">
-            <a:normAutofit/>
-          </a:bodyPr>
-          <a:lstStyle>
-            <a:lvl1pPr marL="228600" indent="-228600" algn="l" defTabSz="914400" rtl="0" eaLnBrk="1" latinLnBrk="0" hangingPunct="1">
-              <a:lnSpc>
-                <a:spcPct val="90000"/>
-              </a:lnSpc>
-              <a:spcBef>
-                <a:spcPts val="1000"/>
-              </a:spcBef>
-              <a:buFont typeface="Arial" panose="020B0604020202020204" pitchFamily="34" charset="0"/>
-              <a:buChar char="•"/>
-              <a:defRPr sz="2800" kern="1200">
-                <a:solidFill>
-                  <a:schemeClr val="tx1"/>
-                </a:solidFill>
-                <a:latin typeface="+mn-lt"/>
-                <a:ea typeface="+mn-ea"/>
-                <a:cs typeface="+mn-cs"/>
-              </a:defRPr>
-            </a:lvl1pPr>
-            <a:lvl2pPr marL="685800" indent="-228600" algn="l" defTabSz="914400" rtl="0" eaLnBrk="1" latinLnBrk="0" hangingPunct="1">
-              <a:lnSpc>
-                <a:spcPct val="90000"/>
-              </a:lnSpc>
-              <a:spcBef>
-                <a:spcPts val="500"/>
-              </a:spcBef>
-              <a:buFont typeface="Arial" panose="020B0604020202020204" pitchFamily="34" charset="0"/>
-              <a:buChar char="•"/>
-              <a:defRPr sz="2400" kern="1200">
-                <a:solidFill>
-                  <a:schemeClr val="tx1"/>
-                </a:solidFill>
-                <a:latin typeface="+mn-lt"/>
-                <a:ea typeface="+mn-ea"/>
-                <a:cs typeface="+mn-cs"/>
-              </a:defRPr>
-            </a:lvl2pPr>
-            <a:lvl3pPr marL="1143000" indent="-228600" algn="l" defTabSz="914400" rtl="0" eaLnBrk="1" latinLnBrk="0" hangingPunct="1">
-              <a:lnSpc>
-                <a:spcPct val="90000"/>
-              </a:lnSpc>
-              <a:spcBef>
-                <a:spcPts val="500"/>
-              </a:spcBef>
-              <a:buFont typeface="Arial" panose="020B0604020202020204" pitchFamily="34" charset="0"/>
-              <a:buChar char="•"/>
-              <a:defRPr sz="2000" kern="1200">
-                <a:solidFill>
-                  <a:schemeClr val="tx1"/>
-                </a:solidFill>
-                <a:latin typeface="+mn-lt"/>
-                <a:ea typeface="+mn-ea"/>
-                <a:cs typeface="+mn-cs"/>
-              </a:defRPr>
-            </a:lvl3pPr>
-            <a:lvl4pPr marL="1600200" indent="-228600" algn="l" defTabSz="914400" rtl="0" eaLnBrk="1" latinLnBrk="0" hangingPunct="1">
-              <a:lnSpc>
-                <a:spcPct val="90000"/>
-              </a:lnSpc>
-              <a:spcBef>
-                <a:spcPts val="500"/>
-              </a:spcBef>
-              <a:buFont typeface="Arial" panose="020B0604020202020204" pitchFamily="34" charset="0"/>
-              <a:buChar char="•"/>
-              <a:defRPr sz="1800" kern="1200">
-                <a:solidFill>
-                  <a:schemeClr val="tx1"/>
-                </a:solidFill>
-                <a:latin typeface="+mn-lt"/>
-                <a:ea typeface="+mn-ea"/>
-                <a:cs typeface="+mn-cs"/>
-              </a:defRPr>
-            </a:lvl4pPr>
-            <a:lvl5pPr marL="2057400" indent="-228600" algn="l" defTabSz="914400" rtl="0" eaLnBrk="1" latinLnBrk="0" hangingPunct="1">
-              <a:lnSpc>
-                <a:spcPct val="90000"/>
-              </a:lnSpc>
-              <a:spcBef>
-                <a:spcPts val="500"/>
-              </a:spcBef>
-              <a:buFont typeface="Arial" panose="020B0604020202020204" pitchFamily="34" charset="0"/>
-              <a:buChar char="•"/>
-              <a:defRPr sz="1800" kern="1200">
-                <a:solidFill>
-                  <a:schemeClr val="tx1"/>
-                </a:solidFill>
-                <a:latin typeface="+mn-lt"/>
-                <a:ea typeface="+mn-ea"/>
-                <a:cs typeface="+mn-cs"/>
-              </a:defRPr>
-            </a:lvl5pPr>
-            <a:lvl6pPr marL="2514600" indent="-228600" algn="l" defTabSz="914400" rtl="0" eaLnBrk="1" latinLnBrk="0" hangingPunct="1">
-              <a:lnSpc>
-                <a:spcPct val="90000"/>
-              </a:lnSpc>
-              <a:spcBef>
-                <a:spcPts val="500"/>
-              </a:spcBef>
-              <a:buFont typeface="Arial" panose="020B0604020202020204" pitchFamily="34" charset="0"/>
-              <a:buChar char="•"/>
-              <a:defRPr sz="1800" kern="1200">
-                <a:solidFill>
-                  <a:schemeClr val="tx1"/>
-                </a:solidFill>
-                <a:latin typeface="+mn-lt"/>
-                <a:ea typeface="+mn-ea"/>
-                <a:cs typeface="+mn-cs"/>
-              </a:defRPr>
-            </a:lvl6pPr>
-            <a:lvl7pPr marL="2971800" indent="-228600" algn="l" defTabSz="914400" rtl="0" eaLnBrk="1" latinLnBrk="0" hangingPunct="1">
-              <a:lnSpc>
-                <a:spcPct val="90000"/>
-              </a:lnSpc>
-              <a:spcBef>
-                <a:spcPts val="500"/>
-              </a:spcBef>
-              <a:buFont typeface="Arial" panose="020B0604020202020204" pitchFamily="34" charset="0"/>
-              <a:buChar char="•"/>
-              <a:defRPr sz="1800" kern="1200">
-                <a:solidFill>
-                  <a:schemeClr val="tx1"/>
-                </a:solidFill>
-                <a:latin typeface="+mn-lt"/>
-                <a:ea typeface="+mn-ea"/>
-                <a:cs typeface="+mn-cs"/>
-              </a:defRPr>
-            </a:lvl7pPr>
-            <a:lvl8pPr marL="3429000" indent="-228600" algn="l" defTabSz="914400" rtl="0" eaLnBrk="1" latinLnBrk="0" hangingPunct="1">
-              <a:lnSpc>
-                <a:spcPct val="90000"/>
-              </a:lnSpc>
-              <a:spcBef>
-                <a:spcPts val="500"/>
-              </a:spcBef>
-              <a:buFont typeface="Arial" panose="020B0604020202020204" pitchFamily="34" charset="0"/>
-              <a:buChar char="•"/>
-              <a:defRPr sz="1800" kern="1200">
-                <a:solidFill>
-                  <a:schemeClr val="tx1"/>
-                </a:solidFill>
-                <a:latin typeface="+mn-lt"/>
-                <a:ea typeface="+mn-ea"/>
-                <a:cs typeface="+mn-cs"/>
-              </a:defRPr>
-            </a:lvl8pPr>
-            <a:lvl9pPr marL="3886200" indent="-228600" algn="l" defTabSz="914400" rtl="0" eaLnBrk="1" latinLnBrk="0" hangingPunct="1">
-              <a:lnSpc>
-                <a:spcPct val="90000"/>
-              </a:lnSpc>
-              <a:spcBef>
-                <a:spcPts val="500"/>
-              </a:spcBef>
-              <a:buFont typeface="Arial" panose="020B0604020202020204" pitchFamily="34" charset="0"/>
-              <a:buChar char="•"/>
-              <a:defRPr sz="1800" kern="1200">
-                <a:solidFill>
-                  <a:schemeClr val="tx1"/>
-                </a:solidFill>
-                <a:latin typeface="+mn-lt"/>
-                <a:ea typeface="+mn-ea"/>
-                <a:cs typeface="+mn-cs"/>
-              </a:defRPr>
-            </a:lvl9pPr>
-          </a:lstStyle>
-          <a:p>
-            <a:pPr marL="0" indent="0">
-              <a:buNone/>
-            </a:pPr>
-            <a:r>
-              <a:rPr lang="nl-NL" sz="1800" dirty="0">
-                <a:cs typeface="Courier New" panose="02070309020205020404" pitchFamily="49" charset="0"/>
-              </a:rPr>
-              <a:t>De opmaak van logberichten kun je instellen via een format-string.</a:t>
-            </a:r>
-          </a:p>
-          <a:p>
-            <a:pPr marL="0" indent="0">
-              <a:buNone/>
-            </a:pPr>
-            <a:endParaRPr lang="nl-NL" sz="1800" dirty="0">
-              <a:cs typeface="Courier New" panose="02070309020205020404" pitchFamily="49" charset="0"/>
-            </a:endParaRPr>
-          </a:p>
-          <a:p>
-            <a:pPr marL="0" indent="0">
-              <a:buNone/>
-            </a:pPr>
-            <a:r>
-              <a:rPr lang="nl-NL" sz="1800" dirty="0">
-                <a:cs typeface="Courier New" panose="02070309020205020404" pitchFamily="49" charset="0"/>
-              </a:rPr>
-              <a:t>De logger biedt hiervoor standaard informatievelden aan (zie rechts).</a:t>
-            </a:r>
-          </a:p>
-          <a:p>
-            <a:pPr marL="0" indent="0">
-              <a:buNone/>
-            </a:pPr>
-            <a:endParaRPr lang="nl-NL" sz="1800" dirty="0">
-              <a:cs typeface="Courier New" panose="02070309020205020404" pitchFamily="49" charset="0"/>
-            </a:endParaRPr>
-          </a:p>
-          <a:p>
-            <a:pPr marL="0" indent="0">
-              <a:buNone/>
-            </a:pPr>
-            <a:r>
-              <a:rPr lang="nl-NL" sz="1800" dirty="0">
-                <a:cs typeface="Courier New" panose="02070309020205020404" pitchFamily="49" charset="0"/>
-              </a:rPr>
-              <a:t>Deze informatievelden kun je opnemen in de format-string.</a:t>
-            </a:r>
-          </a:p>
-          <a:p>
-            <a:pPr marL="0" indent="0">
-              <a:buNone/>
-            </a:pPr>
-            <a:endParaRPr lang="nl-NL" sz="1800" dirty="0">
-              <a:cs typeface="Courier New" panose="02070309020205020404" pitchFamily="49" charset="0"/>
-            </a:endParaRPr>
-          </a:p>
-          <a:p>
-            <a:pPr marL="0" indent="0">
-              <a:buNone/>
-            </a:pPr>
-            <a:r>
-              <a:rPr lang="nl-NL" sz="1800" dirty="0">
-                <a:cs typeface="Courier New" panose="02070309020205020404" pitchFamily="49" charset="0"/>
-              </a:rPr>
-              <a:t>Geef de format string mee in de configuratie van de (root) logger.</a:t>
-            </a:r>
-          </a:p>
-        </p:txBody>
-      </p:sp>
-      <p:sp>
-        <p:nvSpPr>
-          <p:cNvPr id="2" name="Title 1">
-            <a:extLst>
-              <a:ext uri="{FF2B5EF4-FFF2-40B4-BE49-F238E27FC236}">
-                <a16:creationId xmlns:a16="http://schemas.microsoft.com/office/drawing/2014/main" id="{39A1D606-8DD1-369C-5C09-471CDD551AD5}"/>
-              </a:ext>
-            </a:extLst>
-          </p:cNvPr>
-          <p:cNvSpPr>
-            <a:spLocks noGrp="1"/>
-          </p:cNvSpPr>
-          <p:nvPr>
-            <p:ph type="title"/>
-          </p:nvPr>
-        </p:nvSpPr>
-        <p:spPr>
-          <a:xfrm>
-            <a:off x="838200" y="365126"/>
-            <a:ext cx="10515600" cy="718608"/>
-          </a:xfrm>
-        </p:spPr>
-        <p:txBody>
-          <a:bodyPr>
-            <a:normAutofit/>
-          </a:bodyPr>
-          <a:lstStyle/>
-          <a:p>
-            <a:r>
-              <a:rPr lang="nl-NL" sz="3600" noProof="0" dirty="0"/>
-              <a:t>Opmaak logberichten</a:t>
-            </a:r>
-          </a:p>
-        </p:txBody>
-      </p:sp>
-      <p:cxnSp>
-        <p:nvCxnSpPr>
-          <p:cNvPr id="5" name="Straight Connector 4">
-            <a:extLst>
-              <a:ext uri="{FF2B5EF4-FFF2-40B4-BE49-F238E27FC236}">
-                <a16:creationId xmlns:a16="http://schemas.microsoft.com/office/drawing/2014/main" id="{816517B9-97D0-8255-B24E-1BBE65010D0C}"/>
-              </a:ext>
-            </a:extLst>
-          </p:cNvPr>
-          <p:cNvCxnSpPr>
-            <a:cxnSpLocks/>
-          </p:cNvCxnSpPr>
-          <p:nvPr/>
-        </p:nvCxnSpPr>
-        <p:spPr>
-          <a:xfrm>
-            <a:off x="5655733" y="1456267"/>
-            <a:ext cx="0" cy="4809066"/>
-          </a:xfrm>
-          <a:prstGeom prst="line">
-            <a:avLst/>
-          </a:prstGeom>
-        </p:spPr>
-        <p:style>
-          <a:lnRef idx="3">
-            <a:schemeClr val="dk1"/>
-          </a:lnRef>
-          <a:fillRef idx="0">
-            <a:schemeClr val="dk1"/>
-          </a:fillRef>
-          <a:effectRef idx="2">
-            <a:schemeClr val="dk1"/>
-          </a:effectRef>
-          <a:fontRef idx="minor">
-            <a:schemeClr val="tx1"/>
-          </a:fontRef>
-        </p:style>
-      </p:cxnSp>
-      <p:sp>
-        <p:nvSpPr>
-          <p:cNvPr id="10" name="Content Placeholder 2">
-            <a:extLst>
-              <a:ext uri="{FF2B5EF4-FFF2-40B4-BE49-F238E27FC236}">
-                <a16:creationId xmlns:a16="http://schemas.microsoft.com/office/drawing/2014/main" id="{761CBFA1-5B79-5C98-537C-218F1FDF4FAF}"/>
-              </a:ext>
-            </a:extLst>
-          </p:cNvPr>
-          <p:cNvSpPr txBox="1">
-            <a:spLocks/>
-          </p:cNvSpPr>
-          <p:nvPr/>
-        </p:nvSpPr>
-        <p:spPr>
-          <a:xfrm>
-            <a:off x="5969012" y="1456267"/>
-            <a:ext cx="5384788" cy="4720696"/>
-          </a:xfrm>
-          <a:prstGeom prst="rect">
-            <a:avLst/>
-          </a:prstGeom>
-        </p:spPr>
-        <p:txBody>
-          <a:bodyPr vert="horz" lIns="91440" tIns="45720" rIns="91440" bIns="45720" rtlCol="0">
-            <a:normAutofit/>
-          </a:bodyPr>
-          <a:lstStyle>
-            <a:lvl1pPr marL="228600" indent="-228600" algn="l" defTabSz="914400" rtl="0" eaLnBrk="1" latinLnBrk="0" hangingPunct="1">
-              <a:lnSpc>
-                <a:spcPct val="90000"/>
-              </a:lnSpc>
-              <a:spcBef>
-                <a:spcPts val="1000"/>
-              </a:spcBef>
-              <a:buFont typeface="Arial" panose="020B0604020202020204" pitchFamily="34" charset="0"/>
-              <a:buChar char="•"/>
-              <a:defRPr sz="2800" kern="1200">
-                <a:solidFill>
-                  <a:schemeClr val="tx1"/>
-                </a:solidFill>
-                <a:latin typeface="+mn-lt"/>
-                <a:ea typeface="+mn-ea"/>
-                <a:cs typeface="+mn-cs"/>
-              </a:defRPr>
-            </a:lvl1pPr>
-            <a:lvl2pPr marL="685800" indent="-228600" algn="l" defTabSz="914400" rtl="0" eaLnBrk="1" latinLnBrk="0" hangingPunct="1">
-              <a:lnSpc>
-                <a:spcPct val="90000"/>
-              </a:lnSpc>
-              <a:spcBef>
-                <a:spcPts val="500"/>
-              </a:spcBef>
-              <a:buFont typeface="Arial" panose="020B0604020202020204" pitchFamily="34" charset="0"/>
-              <a:buChar char="•"/>
-              <a:defRPr sz="2400" kern="1200">
-                <a:solidFill>
-                  <a:schemeClr val="tx1"/>
-                </a:solidFill>
-                <a:latin typeface="+mn-lt"/>
-                <a:ea typeface="+mn-ea"/>
-                <a:cs typeface="+mn-cs"/>
-              </a:defRPr>
-            </a:lvl2pPr>
-            <a:lvl3pPr marL="1143000" indent="-228600" algn="l" defTabSz="914400" rtl="0" eaLnBrk="1" latinLnBrk="0" hangingPunct="1">
-              <a:lnSpc>
-                <a:spcPct val="90000"/>
-              </a:lnSpc>
-              <a:spcBef>
-                <a:spcPts val="500"/>
-              </a:spcBef>
-              <a:buFont typeface="Arial" panose="020B0604020202020204" pitchFamily="34" charset="0"/>
-              <a:buChar char="•"/>
-              <a:defRPr sz="2000" kern="1200">
-                <a:solidFill>
-                  <a:schemeClr val="tx1"/>
-                </a:solidFill>
-                <a:latin typeface="+mn-lt"/>
-                <a:ea typeface="+mn-ea"/>
-                <a:cs typeface="+mn-cs"/>
-              </a:defRPr>
-            </a:lvl3pPr>
-            <a:lvl4pPr marL="1600200" indent="-228600" algn="l" defTabSz="914400" rtl="0" eaLnBrk="1" latinLnBrk="0" hangingPunct="1">
-              <a:lnSpc>
-                <a:spcPct val="90000"/>
-              </a:lnSpc>
-              <a:spcBef>
-                <a:spcPts val="500"/>
-              </a:spcBef>
-              <a:buFont typeface="Arial" panose="020B0604020202020204" pitchFamily="34" charset="0"/>
-              <a:buChar char="•"/>
-              <a:defRPr sz="1800" kern="1200">
-                <a:solidFill>
-                  <a:schemeClr val="tx1"/>
-                </a:solidFill>
-                <a:latin typeface="+mn-lt"/>
-                <a:ea typeface="+mn-ea"/>
-                <a:cs typeface="+mn-cs"/>
-              </a:defRPr>
-            </a:lvl4pPr>
-            <a:lvl5pPr marL="2057400" indent="-228600" algn="l" defTabSz="914400" rtl="0" eaLnBrk="1" latinLnBrk="0" hangingPunct="1">
-              <a:lnSpc>
-                <a:spcPct val="90000"/>
-              </a:lnSpc>
-              <a:spcBef>
-                <a:spcPts val="500"/>
-              </a:spcBef>
-              <a:buFont typeface="Arial" panose="020B0604020202020204" pitchFamily="34" charset="0"/>
-              <a:buChar char="•"/>
-              <a:defRPr sz="1800" kern="1200">
-                <a:solidFill>
-                  <a:schemeClr val="tx1"/>
-                </a:solidFill>
-                <a:latin typeface="+mn-lt"/>
-                <a:ea typeface="+mn-ea"/>
-                <a:cs typeface="+mn-cs"/>
-              </a:defRPr>
-            </a:lvl5pPr>
-            <a:lvl6pPr marL="2514600" indent="-228600" algn="l" defTabSz="914400" rtl="0" eaLnBrk="1" latinLnBrk="0" hangingPunct="1">
-              <a:lnSpc>
-                <a:spcPct val="90000"/>
-              </a:lnSpc>
-              <a:spcBef>
-                <a:spcPts val="500"/>
-              </a:spcBef>
-              <a:buFont typeface="Arial" panose="020B0604020202020204" pitchFamily="34" charset="0"/>
-              <a:buChar char="•"/>
-              <a:defRPr sz="1800" kern="1200">
-                <a:solidFill>
-                  <a:schemeClr val="tx1"/>
-                </a:solidFill>
-                <a:latin typeface="+mn-lt"/>
-                <a:ea typeface="+mn-ea"/>
-                <a:cs typeface="+mn-cs"/>
-              </a:defRPr>
-            </a:lvl6pPr>
-            <a:lvl7pPr marL="2971800" indent="-228600" algn="l" defTabSz="914400" rtl="0" eaLnBrk="1" latinLnBrk="0" hangingPunct="1">
-              <a:lnSpc>
-                <a:spcPct val="90000"/>
-              </a:lnSpc>
-              <a:spcBef>
-                <a:spcPts val="500"/>
-              </a:spcBef>
-              <a:buFont typeface="Arial" panose="020B0604020202020204" pitchFamily="34" charset="0"/>
-              <a:buChar char="•"/>
-              <a:defRPr sz="1800" kern="1200">
-                <a:solidFill>
-                  <a:schemeClr val="tx1"/>
-                </a:solidFill>
-                <a:latin typeface="+mn-lt"/>
-                <a:ea typeface="+mn-ea"/>
-                <a:cs typeface="+mn-cs"/>
-              </a:defRPr>
-            </a:lvl7pPr>
-            <a:lvl8pPr marL="3429000" indent="-228600" algn="l" defTabSz="914400" rtl="0" eaLnBrk="1" latinLnBrk="0" hangingPunct="1">
-              <a:lnSpc>
-                <a:spcPct val="90000"/>
-              </a:lnSpc>
-              <a:spcBef>
-                <a:spcPts val="500"/>
-              </a:spcBef>
-              <a:buFont typeface="Arial" panose="020B0604020202020204" pitchFamily="34" charset="0"/>
-              <a:buChar char="•"/>
-              <a:defRPr sz="1800" kern="1200">
-                <a:solidFill>
-                  <a:schemeClr val="tx1"/>
-                </a:solidFill>
-                <a:latin typeface="+mn-lt"/>
-                <a:ea typeface="+mn-ea"/>
-                <a:cs typeface="+mn-cs"/>
-              </a:defRPr>
-            </a:lvl8pPr>
-            <a:lvl9pPr marL="3886200" indent="-228600" algn="l" defTabSz="914400" rtl="0" eaLnBrk="1" latinLnBrk="0" hangingPunct="1">
-              <a:lnSpc>
-                <a:spcPct val="90000"/>
-              </a:lnSpc>
-              <a:spcBef>
-                <a:spcPts val="500"/>
-              </a:spcBef>
-              <a:buFont typeface="Arial" panose="020B0604020202020204" pitchFamily="34" charset="0"/>
-              <a:buChar char="•"/>
-              <a:defRPr sz="1800" kern="1200">
-                <a:solidFill>
-                  <a:schemeClr val="tx1"/>
-                </a:solidFill>
-                <a:latin typeface="+mn-lt"/>
-                <a:ea typeface="+mn-ea"/>
-                <a:cs typeface="+mn-cs"/>
-              </a:defRPr>
-            </a:lvl9pPr>
-          </a:lstStyle>
-          <a:p>
-            <a:pPr marL="0" indent="0">
-              <a:buNone/>
-            </a:pPr>
-            <a:r>
-              <a:rPr lang="en-US" sz="1400" dirty="0">
-                <a:latin typeface="Courier New" panose="02070309020205020404" pitchFamily="49" charset="0"/>
-                <a:cs typeface="Courier New" panose="02070309020205020404" pitchFamily="49" charset="0"/>
-              </a:rPr>
-              <a:t>%(message)s	# Log message.</a:t>
-            </a:r>
-          </a:p>
-          <a:p>
-            <a:pPr marL="0" indent="0">
-              <a:buNone/>
-            </a:pPr>
-            <a:r>
-              <a:rPr lang="en-US" sz="1400" dirty="0">
-                <a:latin typeface="Courier New" panose="02070309020205020404" pitchFamily="49" charset="0"/>
-                <a:cs typeface="Courier New" panose="02070309020205020404" pitchFamily="49" charset="0"/>
-              </a:rPr>
-              <a:t>%(</a:t>
-            </a:r>
-            <a:r>
-              <a:rPr lang="en-US" sz="1400" dirty="0" err="1">
-                <a:latin typeface="Courier New" panose="02070309020205020404" pitchFamily="49" charset="0"/>
-                <a:cs typeface="Courier New" panose="02070309020205020404" pitchFamily="49" charset="0"/>
-              </a:rPr>
-              <a:t>levelname</a:t>
-            </a:r>
-            <a:r>
-              <a:rPr lang="en-US" sz="1400" dirty="0">
-                <a:latin typeface="Courier New" panose="02070309020205020404" pitchFamily="49" charset="0"/>
-                <a:cs typeface="Courier New" panose="02070309020205020404" pitchFamily="49" charset="0"/>
-              </a:rPr>
-              <a:t>)s	# Logging level.</a:t>
-            </a:r>
-          </a:p>
-          <a:p>
-            <a:pPr marL="0" indent="0">
-              <a:buNone/>
-            </a:pPr>
-            <a:r>
-              <a:rPr lang="en-US" sz="1400" dirty="0">
-                <a:latin typeface="Courier New" panose="02070309020205020404" pitchFamily="49" charset="0"/>
-                <a:cs typeface="Courier New" panose="02070309020205020404" pitchFamily="49" charset="0"/>
-              </a:rPr>
-              <a:t>%(name)s		# Logger name.</a:t>
-            </a:r>
-          </a:p>
-          <a:p>
-            <a:pPr marL="0" indent="0">
-              <a:buNone/>
-            </a:pPr>
-            <a:r>
-              <a:rPr lang="en-US" sz="1400" dirty="0">
-                <a:latin typeface="Courier New" panose="02070309020205020404" pitchFamily="49" charset="0"/>
-                <a:cs typeface="Courier New" panose="02070309020205020404" pitchFamily="49" charset="0"/>
-              </a:rPr>
-              <a:t>%(</a:t>
-            </a:r>
-            <a:r>
-              <a:rPr lang="en-US" sz="1400" dirty="0" err="1">
-                <a:latin typeface="Courier New" panose="02070309020205020404" pitchFamily="49" charset="0"/>
-                <a:cs typeface="Courier New" panose="02070309020205020404" pitchFamily="49" charset="0"/>
-              </a:rPr>
-              <a:t>asctime</a:t>
-            </a:r>
-            <a:r>
-              <a:rPr lang="en-US" sz="1400" dirty="0">
-                <a:latin typeface="Courier New" panose="02070309020205020404" pitchFamily="49" charset="0"/>
-                <a:cs typeface="Courier New" panose="02070309020205020404" pitchFamily="49" charset="0"/>
-              </a:rPr>
-              <a:t>)s	# Time of the log message.</a:t>
-            </a:r>
-          </a:p>
-          <a:p>
-            <a:pPr marL="0" indent="0">
-              <a:buNone/>
-            </a:pPr>
-            <a:r>
-              <a:rPr lang="en-US" sz="1400" dirty="0">
-                <a:latin typeface="Courier New" panose="02070309020205020404" pitchFamily="49" charset="0"/>
-                <a:cs typeface="Courier New" panose="02070309020205020404" pitchFamily="49" charset="0"/>
-              </a:rPr>
-              <a:t>%(module)s	# Module name.</a:t>
-            </a:r>
-          </a:p>
-          <a:p>
-            <a:pPr marL="0" indent="0">
-              <a:buNone/>
-            </a:pPr>
-            <a:r>
-              <a:rPr lang="en-US" sz="1400" dirty="0">
-                <a:latin typeface="Courier New" panose="02070309020205020404" pitchFamily="49" charset="0"/>
-                <a:cs typeface="Courier New" panose="02070309020205020404" pitchFamily="49" charset="0"/>
-              </a:rPr>
-              <a:t>%(</a:t>
-            </a:r>
-            <a:r>
-              <a:rPr lang="en-US" sz="1400" dirty="0" err="1">
-                <a:latin typeface="Courier New" panose="02070309020205020404" pitchFamily="49" charset="0"/>
-                <a:cs typeface="Courier New" panose="02070309020205020404" pitchFamily="49" charset="0"/>
-              </a:rPr>
-              <a:t>funcname</a:t>
-            </a:r>
-            <a:r>
-              <a:rPr lang="en-US" sz="1400" dirty="0">
-                <a:latin typeface="Courier New" panose="02070309020205020404" pitchFamily="49" charset="0"/>
-                <a:cs typeface="Courier New" panose="02070309020205020404" pitchFamily="49" charset="0"/>
-              </a:rPr>
-              <a:t>)s	# Function name.</a:t>
-            </a:r>
-          </a:p>
-          <a:p>
-            <a:pPr marL="0" indent="0">
-              <a:buNone/>
-            </a:pPr>
-            <a:r>
-              <a:rPr lang="en-US" sz="1400" dirty="0">
-                <a:latin typeface="Courier New" panose="02070309020205020404" pitchFamily="49" charset="0"/>
-                <a:cs typeface="Courier New" panose="02070309020205020404" pitchFamily="49" charset="0"/>
-              </a:rPr>
-              <a:t>%(</a:t>
-            </a:r>
-            <a:r>
-              <a:rPr lang="en-US" sz="1400" dirty="0" err="1">
-                <a:latin typeface="Courier New" panose="02070309020205020404" pitchFamily="49" charset="0"/>
-                <a:cs typeface="Courier New" panose="02070309020205020404" pitchFamily="49" charset="0"/>
-              </a:rPr>
-              <a:t>lineno</a:t>
-            </a:r>
-            <a:r>
-              <a:rPr lang="en-US" sz="1400" dirty="0">
-                <a:latin typeface="Courier New" panose="02070309020205020404" pitchFamily="49" charset="0"/>
-                <a:cs typeface="Courier New" panose="02070309020205020404" pitchFamily="49" charset="0"/>
-              </a:rPr>
-              <a:t>)d	# Line number.</a:t>
-            </a:r>
-          </a:p>
-          <a:p>
-            <a:pPr marL="0" indent="0">
-              <a:buNone/>
-            </a:pPr>
-            <a:endParaRPr lang="en-US" sz="1400" dirty="0">
-              <a:latin typeface="Courier New" panose="02070309020205020404" pitchFamily="49" charset="0"/>
-              <a:cs typeface="Courier New" panose="02070309020205020404" pitchFamily="49" charset="0"/>
-            </a:endParaRPr>
-          </a:p>
-          <a:p>
-            <a:pPr marL="0" indent="0">
-              <a:buNone/>
-            </a:pPr>
-            <a:endParaRPr lang="en-US" sz="1400" dirty="0">
-              <a:latin typeface="Courier New" panose="02070309020205020404" pitchFamily="49" charset="0"/>
-              <a:cs typeface="Courier New" panose="02070309020205020404" pitchFamily="49" charset="0"/>
-            </a:endParaRPr>
-          </a:p>
-          <a:p>
-            <a:pPr marL="0" indent="0">
-              <a:buNone/>
-            </a:pPr>
-            <a:r>
-              <a:rPr lang="en-US" sz="1400" dirty="0">
-                <a:latin typeface="Courier New" panose="02070309020205020404" pitchFamily="49" charset="0"/>
-                <a:cs typeface="Courier New" panose="02070309020205020404" pitchFamily="49" charset="0"/>
-              </a:rPr>
-              <a:t># Set format on the root logger</a:t>
-            </a:r>
-          </a:p>
-          <a:p>
-            <a:pPr marL="0" indent="0">
-              <a:buNone/>
-            </a:pPr>
-            <a:r>
-              <a:rPr lang="en-US" sz="1400" dirty="0" err="1">
-                <a:latin typeface="Courier New" panose="02070309020205020404" pitchFamily="49" charset="0"/>
-                <a:cs typeface="Courier New" panose="02070309020205020404" pitchFamily="49" charset="0"/>
-              </a:rPr>
-              <a:t>fmt</a:t>
-            </a:r>
-            <a:r>
-              <a:rPr lang="en-US" sz="1400" dirty="0">
-                <a:latin typeface="Courier New" panose="02070309020205020404" pitchFamily="49" charset="0"/>
-                <a:cs typeface="Courier New" panose="02070309020205020404" pitchFamily="49" charset="0"/>
-              </a:rPr>
-              <a:t> = "%(</a:t>
-            </a:r>
-            <a:r>
-              <a:rPr lang="en-US" sz="1400" dirty="0" err="1">
-                <a:latin typeface="Courier New" panose="02070309020205020404" pitchFamily="49" charset="0"/>
-                <a:cs typeface="Courier New" panose="02070309020205020404" pitchFamily="49" charset="0"/>
-              </a:rPr>
-              <a:t>asctime</a:t>
-            </a:r>
-            <a:r>
-              <a:rPr lang="en-US" sz="1400" dirty="0">
-                <a:latin typeface="Courier New" panose="02070309020205020404" pitchFamily="49" charset="0"/>
-                <a:cs typeface="Courier New" panose="02070309020205020404" pitchFamily="49" charset="0"/>
-              </a:rPr>
-              <a:t>)s|%(</a:t>
-            </a:r>
-            <a:r>
-              <a:rPr lang="en-US" sz="1400" dirty="0" err="1">
-                <a:latin typeface="Courier New" panose="02070309020205020404" pitchFamily="49" charset="0"/>
-                <a:cs typeface="Courier New" panose="02070309020205020404" pitchFamily="49" charset="0"/>
-              </a:rPr>
-              <a:t>levelname</a:t>
-            </a:r>
-            <a:r>
-              <a:rPr lang="en-US" sz="1400" dirty="0">
-                <a:latin typeface="Courier New" panose="02070309020205020404" pitchFamily="49" charset="0"/>
-                <a:cs typeface="Courier New" panose="02070309020205020404" pitchFamily="49" charset="0"/>
-              </a:rPr>
-              <a:t>)s|%(message)s"</a:t>
-            </a:r>
-          </a:p>
-          <a:p>
-            <a:pPr marL="0" indent="0">
-              <a:buNone/>
-            </a:pPr>
-            <a:r>
-              <a:rPr lang="en-US" sz="1400" dirty="0" err="1">
-                <a:latin typeface="Courier New" panose="02070309020205020404" pitchFamily="49" charset="0"/>
-                <a:cs typeface="Courier New" panose="02070309020205020404" pitchFamily="49" charset="0"/>
-              </a:rPr>
-              <a:t>logging.basicConfig</a:t>
-            </a:r>
-            <a:r>
-              <a:rPr lang="en-US" sz="1400" dirty="0">
-                <a:latin typeface="Courier New" panose="02070309020205020404" pitchFamily="49" charset="0"/>
-                <a:cs typeface="Courier New" panose="02070309020205020404" pitchFamily="49" charset="0"/>
-              </a:rPr>
-              <a:t>(format=</a:t>
-            </a:r>
-            <a:r>
-              <a:rPr lang="en-US" sz="1400" dirty="0" err="1">
-                <a:latin typeface="Courier New" panose="02070309020205020404" pitchFamily="49" charset="0"/>
-                <a:cs typeface="Courier New" panose="02070309020205020404" pitchFamily="49" charset="0"/>
-              </a:rPr>
-              <a:t>fmt</a:t>
-            </a:r>
-            <a:r>
-              <a:rPr lang="en-US" sz="1400" dirty="0">
-                <a:latin typeface="Courier New" panose="02070309020205020404" pitchFamily="49" charset="0"/>
-                <a:cs typeface="Courier New" panose="02070309020205020404" pitchFamily="49" charset="0"/>
-              </a:rPr>
-              <a:t>)</a:t>
-            </a:r>
-          </a:p>
-          <a:p>
-            <a:pPr marL="0" indent="0">
-              <a:buNone/>
-            </a:pPr>
-            <a:endParaRPr lang="en-US" sz="1400" dirty="0">
-              <a:latin typeface="Courier New" panose="02070309020205020404" pitchFamily="49" charset="0"/>
-              <a:cs typeface="Courier New" panose="02070309020205020404" pitchFamily="49" charset="0"/>
-            </a:endParaRPr>
-          </a:p>
-          <a:p>
-            <a:pPr marL="0" indent="0">
-              <a:buNone/>
-            </a:pPr>
-            <a:endParaRPr lang="en-US" sz="1400" dirty="0">
-              <a:latin typeface="Courier New" panose="02070309020205020404" pitchFamily="49" charset="0"/>
-              <a:cs typeface="Courier New" panose="02070309020205020404" pitchFamily="49" charset="0"/>
-            </a:endParaRPr>
-          </a:p>
-        </p:txBody>
-      </p:sp>
-    </p:spTree>
-    <p:extLst>
-      <p:ext uri="{BB962C8B-B14F-4D97-AF65-F5344CB8AC3E}">
-        <p14:creationId xmlns:p14="http://schemas.microsoft.com/office/powerpoint/2010/main" val="1634829472"/>
-      </p:ext>
-    </p:extLst>
-  </p:cSld>
-  <p:clrMapOvr>
-    <a:masterClrMapping/>
-  </p:clrMapOvr>
-</p:sld>
-</file>
-
 <file path=ppt/slides/slide3.xml><?xml version="1.0" encoding="utf-8"?>
 <p:sld xmlns:a="http://schemas.openxmlformats.org/drawingml/2006/main" xmlns:r="http://schemas.openxmlformats.org/officeDocument/2006/relationships" xmlns:p="http://schemas.openxmlformats.org/presentationml/2006/main">
   <p:cSld>
@@ -15633,6 +15094,267 @@
       </p:grpSpPr>
       <p:sp>
         <p:nvSpPr>
+          <p:cNvPr id="7" name="Content Placeholder 2">
+            <a:extLst>
+              <a:ext uri="{FF2B5EF4-FFF2-40B4-BE49-F238E27FC236}">
+                <a16:creationId xmlns:a16="http://schemas.microsoft.com/office/drawing/2014/main" id="{270B364B-D07E-1F58-2A8E-EF2360CDE504}"/>
+              </a:ext>
+            </a:extLst>
+          </p:cNvPr>
+          <p:cNvSpPr txBox="1">
+            <a:spLocks/>
+          </p:cNvSpPr>
+          <p:nvPr/>
+        </p:nvSpPr>
+        <p:spPr>
+          <a:xfrm>
+            <a:off x="838200" y="1456267"/>
+            <a:ext cx="4571999" cy="4720696"/>
+          </a:xfrm>
+          <a:prstGeom prst="rect">
+            <a:avLst/>
+          </a:prstGeom>
+        </p:spPr>
+        <p:txBody>
+          <a:bodyPr vert="horz" lIns="91440" tIns="45720" rIns="91440" bIns="45720" rtlCol="0">
+            <a:normAutofit/>
+          </a:bodyPr>
+          <a:lstStyle>
+            <a:lvl1pPr marL="228600" indent="-228600" algn="l" defTabSz="914400" rtl="0" eaLnBrk="1" latinLnBrk="0" hangingPunct="1">
+              <a:lnSpc>
+                <a:spcPct val="90000"/>
+              </a:lnSpc>
+              <a:spcBef>
+                <a:spcPts val="1000"/>
+              </a:spcBef>
+              <a:buFont typeface="Arial" panose="020B0604020202020204" pitchFamily="34" charset="0"/>
+              <a:buChar char="•"/>
+              <a:defRPr sz="2800" kern="1200">
+                <a:solidFill>
+                  <a:schemeClr val="tx1"/>
+                </a:solidFill>
+                <a:latin typeface="+mn-lt"/>
+                <a:ea typeface="+mn-ea"/>
+                <a:cs typeface="+mn-cs"/>
+              </a:defRPr>
+            </a:lvl1pPr>
+            <a:lvl2pPr marL="685800" indent="-228600" algn="l" defTabSz="914400" rtl="0" eaLnBrk="1" latinLnBrk="0" hangingPunct="1">
+              <a:lnSpc>
+                <a:spcPct val="90000"/>
+              </a:lnSpc>
+              <a:spcBef>
+                <a:spcPts val="500"/>
+              </a:spcBef>
+              <a:buFont typeface="Arial" panose="020B0604020202020204" pitchFamily="34" charset="0"/>
+              <a:buChar char="•"/>
+              <a:defRPr sz="2400" kern="1200">
+                <a:solidFill>
+                  <a:schemeClr val="tx1"/>
+                </a:solidFill>
+                <a:latin typeface="+mn-lt"/>
+                <a:ea typeface="+mn-ea"/>
+                <a:cs typeface="+mn-cs"/>
+              </a:defRPr>
+            </a:lvl2pPr>
+            <a:lvl3pPr marL="1143000" indent="-228600" algn="l" defTabSz="914400" rtl="0" eaLnBrk="1" latinLnBrk="0" hangingPunct="1">
+              <a:lnSpc>
+                <a:spcPct val="90000"/>
+              </a:lnSpc>
+              <a:spcBef>
+                <a:spcPts val="500"/>
+              </a:spcBef>
+              <a:buFont typeface="Arial" panose="020B0604020202020204" pitchFamily="34" charset="0"/>
+              <a:buChar char="•"/>
+              <a:defRPr sz="2000" kern="1200">
+                <a:solidFill>
+                  <a:schemeClr val="tx1"/>
+                </a:solidFill>
+                <a:latin typeface="+mn-lt"/>
+                <a:ea typeface="+mn-ea"/>
+                <a:cs typeface="+mn-cs"/>
+              </a:defRPr>
+            </a:lvl3pPr>
+            <a:lvl4pPr marL="1600200" indent="-228600" algn="l" defTabSz="914400" rtl="0" eaLnBrk="1" latinLnBrk="0" hangingPunct="1">
+              <a:lnSpc>
+                <a:spcPct val="90000"/>
+              </a:lnSpc>
+              <a:spcBef>
+                <a:spcPts val="500"/>
+              </a:spcBef>
+              <a:buFont typeface="Arial" panose="020B0604020202020204" pitchFamily="34" charset="0"/>
+              <a:buChar char="•"/>
+              <a:defRPr sz="1800" kern="1200">
+                <a:solidFill>
+                  <a:schemeClr val="tx1"/>
+                </a:solidFill>
+                <a:latin typeface="+mn-lt"/>
+                <a:ea typeface="+mn-ea"/>
+                <a:cs typeface="+mn-cs"/>
+              </a:defRPr>
+            </a:lvl4pPr>
+            <a:lvl5pPr marL="2057400" indent="-228600" algn="l" defTabSz="914400" rtl="0" eaLnBrk="1" latinLnBrk="0" hangingPunct="1">
+              <a:lnSpc>
+                <a:spcPct val="90000"/>
+              </a:lnSpc>
+              <a:spcBef>
+                <a:spcPts val="500"/>
+              </a:spcBef>
+              <a:buFont typeface="Arial" panose="020B0604020202020204" pitchFamily="34" charset="0"/>
+              <a:buChar char="•"/>
+              <a:defRPr sz="1800" kern="1200">
+                <a:solidFill>
+                  <a:schemeClr val="tx1"/>
+                </a:solidFill>
+                <a:latin typeface="+mn-lt"/>
+                <a:ea typeface="+mn-ea"/>
+                <a:cs typeface="+mn-cs"/>
+              </a:defRPr>
+            </a:lvl5pPr>
+            <a:lvl6pPr marL="2514600" indent="-228600" algn="l" defTabSz="914400" rtl="0" eaLnBrk="1" latinLnBrk="0" hangingPunct="1">
+              <a:lnSpc>
+                <a:spcPct val="90000"/>
+              </a:lnSpc>
+              <a:spcBef>
+                <a:spcPts val="500"/>
+              </a:spcBef>
+              <a:buFont typeface="Arial" panose="020B0604020202020204" pitchFamily="34" charset="0"/>
+              <a:buChar char="•"/>
+              <a:defRPr sz="1800" kern="1200">
+                <a:solidFill>
+                  <a:schemeClr val="tx1"/>
+                </a:solidFill>
+                <a:latin typeface="+mn-lt"/>
+                <a:ea typeface="+mn-ea"/>
+                <a:cs typeface="+mn-cs"/>
+              </a:defRPr>
+            </a:lvl6pPr>
+            <a:lvl7pPr marL="2971800" indent="-228600" algn="l" defTabSz="914400" rtl="0" eaLnBrk="1" latinLnBrk="0" hangingPunct="1">
+              <a:lnSpc>
+                <a:spcPct val="90000"/>
+              </a:lnSpc>
+              <a:spcBef>
+                <a:spcPts val="500"/>
+              </a:spcBef>
+              <a:buFont typeface="Arial" panose="020B0604020202020204" pitchFamily="34" charset="0"/>
+              <a:buChar char="•"/>
+              <a:defRPr sz="1800" kern="1200">
+                <a:solidFill>
+                  <a:schemeClr val="tx1"/>
+                </a:solidFill>
+                <a:latin typeface="+mn-lt"/>
+                <a:ea typeface="+mn-ea"/>
+                <a:cs typeface="+mn-cs"/>
+              </a:defRPr>
+            </a:lvl7pPr>
+            <a:lvl8pPr marL="3429000" indent="-228600" algn="l" defTabSz="914400" rtl="0" eaLnBrk="1" latinLnBrk="0" hangingPunct="1">
+              <a:lnSpc>
+                <a:spcPct val="90000"/>
+              </a:lnSpc>
+              <a:spcBef>
+                <a:spcPts val="500"/>
+              </a:spcBef>
+              <a:buFont typeface="Arial" panose="020B0604020202020204" pitchFamily="34" charset="0"/>
+              <a:buChar char="•"/>
+              <a:defRPr sz="1800" kern="1200">
+                <a:solidFill>
+                  <a:schemeClr val="tx1"/>
+                </a:solidFill>
+                <a:latin typeface="+mn-lt"/>
+                <a:ea typeface="+mn-ea"/>
+                <a:cs typeface="+mn-cs"/>
+              </a:defRPr>
+            </a:lvl8pPr>
+            <a:lvl9pPr marL="3886200" indent="-228600" algn="l" defTabSz="914400" rtl="0" eaLnBrk="1" latinLnBrk="0" hangingPunct="1">
+              <a:lnSpc>
+                <a:spcPct val="90000"/>
+              </a:lnSpc>
+              <a:spcBef>
+                <a:spcPts val="500"/>
+              </a:spcBef>
+              <a:buFont typeface="Arial" panose="020B0604020202020204" pitchFamily="34" charset="0"/>
+              <a:buChar char="•"/>
+              <a:defRPr sz="1800" kern="1200">
+                <a:solidFill>
+                  <a:schemeClr val="tx1"/>
+                </a:solidFill>
+                <a:latin typeface="+mn-lt"/>
+                <a:ea typeface="+mn-ea"/>
+                <a:cs typeface="+mn-cs"/>
+              </a:defRPr>
+            </a:lvl9pPr>
+          </a:lstStyle>
+          <a:p>
+            <a:pPr marL="0" indent="0">
+              <a:buNone/>
+            </a:pPr>
+            <a:r>
+              <a:rPr lang="nl-NL" sz="1800" dirty="0">
+                <a:cs typeface="Courier New" panose="02070309020205020404" pitchFamily="49" charset="0"/>
+              </a:rPr>
+              <a:t>De opmaak van logberichten kun je instellen via een format-string.</a:t>
+            </a:r>
+          </a:p>
+          <a:p>
+            <a:pPr marL="0" indent="0">
+              <a:buNone/>
+            </a:pPr>
+            <a:endParaRPr lang="nl-NL" sz="1800" dirty="0">
+              <a:cs typeface="Courier New" panose="02070309020205020404" pitchFamily="49" charset="0"/>
+            </a:endParaRPr>
+          </a:p>
+          <a:p>
+            <a:pPr marL="0" indent="0">
+              <a:buNone/>
+            </a:pPr>
+            <a:r>
+              <a:rPr lang="nl-NL" sz="1800" dirty="0">
+                <a:cs typeface="Courier New" panose="02070309020205020404" pitchFamily="49" charset="0"/>
+              </a:rPr>
+              <a:t>De logger biedt hiervoor standaard informatievelden aan (zie rechts).</a:t>
+            </a:r>
+          </a:p>
+          <a:p>
+            <a:pPr marL="0" indent="0">
+              <a:buNone/>
+            </a:pPr>
+            <a:endParaRPr lang="nl-NL" sz="1800" dirty="0">
+              <a:cs typeface="Courier New" panose="02070309020205020404" pitchFamily="49" charset="0"/>
+            </a:endParaRPr>
+          </a:p>
+          <a:p>
+            <a:pPr marL="0" indent="0">
+              <a:buNone/>
+            </a:pPr>
+            <a:r>
+              <a:rPr lang="nl-NL" sz="1800" dirty="0">
+                <a:cs typeface="Courier New" panose="02070309020205020404" pitchFamily="49" charset="0"/>
+              </a:rPr>
+              <a:t>Deze informatievelden kun je opnemen in de format-string.</a:t>
+            </a:r>
+          </a:p>
+          <a:p>
+            <a:pPr marL="0" indent="0">
+              <a:buNone/>
+            </a:pPr>
+            <a:endParaRPr lang="nl-NL" sz="1800" dirty="0">
+              <a:cs typeface="Courier New" panose="02070309020205020404" pitchFamily="49" charset="0"/>
+            </a:endParaRPr>
+          </a:p>
+          <a:p>
+            <a:pPr marL="0" indent="0">
+              <a:buNone/>
+            </a:pPr>
+            <a:r>
+              <a:rPr lang="nl-NL" sz="1800" dirty="0">
+                <a:cs typeface="Courier New" panose="02070309020205020404" pitchFamily="49" charset="0"/>
+              </a:rPr>
+              <a:t>Geef de format string mee in de configuratie van de (root) logger.</a:t>
+            </a:r>
+          </a:p>
+        </p:txBody>
+      </p:sp>
+      <p:sp>
+        <p:nvSpPr>
           <p:cNvPr id="2" name="Title 1">
             <a:extLst>
               <a:ext uri="{FF2B5EF4-FFF2-40B4-BE49-F238E27FC236}">
@@ -15661,185 +15383,514 @@
           <a:p>
             <a:r>
               <a:rPr lang="nl-NL" sz="3600" noProof="0" dirty="0"/>
-              <a:t>Oefeningen II</a:t>
+              <a:t>Opmaak logberichten</a:t>
             </a:r>
           </a:p>
         </p:txBody>
       </p:sp>
+      <p:cxnSp>
+        <p:nvCxnSpPr>
+          <p:cNvPr id="5" name="Straight Connector 4">
+            <a:extLst>
+              <a:ext uri="{FF2B5EF4-FFF2-40B4-BE49-F238E27FC236}">
+                <a16:creationId xmlns:a16="http://schemas.microsoft.com/office/drawing/2014/main" id="{816517B9-97D0-8255-B24E-1BBE65010D0C}"/>
+              </a:ext>
+            </a:extLst>
+          </p:cNvPr>
+          <p:cNvCxnSpPr>
+            <a:cxnSpLocks/>
+          </p:cNvCxnSpPr>
+          <p:nvPr/>
+        </p:nvCxnSpPr>
+        <p:spPr>
+          <a:xfrm>
+            <a:off x="5655733" y="1456267"/>
+            <a:ext cx="0" cy="4809066"/>
+          </a:xfrm>
+          <a:prstGeom prst="line">
+            <a:avLst/>
+          </a:prstGeom>
+        </p:spPr>
+        <p:style>
+          <a:lnRef idx="3">
+            <a:schemeClr val="dk1"/>
+          </a:lnRef>
+          <a:fillRef idx="0">
+            <a:schemeClr val="dk1"/>
+          </a:fillRef>
+          <a:effectRef idx="2">
+            <a:schemeClr val="dk1"/>
+          </a:effectRef>
+          <a:fontRef idx="minor">
+            <a:schemeClr val="tx1"/>
+          </a:fontRef>
+        </p:style>
+      </p:cxnSp>
       <p:sp>
         <p:nvSpPr>
-          <p:cNvPr id="3" name="Content Placeholder 2">
-            <a:extLst>
-              <a:ext uri="{FF2B5EF4-FFF2-40B4-BE49-F238E27FC236}">
-                <a16:creationId xmlns:a16="http://schemas.microsoft.com/office/drawing/2014/main" id="{F4C2D286-E049-0AAB-1360-B7157E11AD7E}"/>
-              </a:ext>
-            </a:extLst>
-          </p:cNvPr>
-          <p:cNvSpPr>
-            <a:spLocks noGrp="1"/>
+          <p:cNvPr id="10" name="Content Placeholder 2">
+            <a:extLst>
+              <a:ext uri="{FF2B5EF4-FFF2-40B4-BE49-F238E27FC236}">
+                <a16:creationId xmlns:a16="http://schemas.microsoft.com/office/drawing/2014/main" id="{761CBFA1-5B79-5C98-537C-218F1FDF4FAF}"/>
+              </a:ext>
+            </a:extLst>
+          </p:cNvPr>
+          <p:cNvSpPr txBox="1">
+            <a:spLocks/>
           </p:cNvSpPr>
-          <p:nvPr>
-            <p:ph idx="1"/>
-          </p:nvPr>
+          <p:nvPr/>
         </p:nvSpPr>
         <p:spPr>
           <a:xfrm>
-            <a:off x="838200" y="1456267"/>
-            <a:ext cx="10375900" cy="4720696"/>
+            <a:off x="5969012" y="1456267"/>
+            <a:ext cx="5384788" cy="4720696"/>
           </a:xfrm>
+          <a:prstGeom prst="rect">
+            <a:avLst/>
+          </a:prstGeom>
         </p:spPr>
         <p:txBody>
-          <a:bodyPr>
+          <a:bodyPr vert="horz" lIns="91440" tIns="45720" rIns="91440" bIns="45720" rtlCol="0">
             <a:normAutofit/>
           </a:bodyPr>
-          <a:lstStyle/>
-          <a:p>
-            <a:pPr marL="457200" indent="-457200">
-              <a:buFont typeface="Arial" panose="020B0604020202020204" pitchFamily="34" charset="0"/>
-              <a:buAutoNum type="arabicPeriod"/>
-            </a:pPr>
-            <a:r>
-              <a:rPr lang="nl-NL" sz="2000" dirty="0"/>
-              <a:t>Open de verbeterde code van de vorige opdracht.</a:t>
-            </a:r>
-            <a:br>
-              <a:rPr lang="nl-NL" sz="2000" dirty="0"/>
-            </a:br>
-            <a:r>
-              <a:rPr lang="nl-NL" sz="2000" dirty="0"/>
-              <a:t>(of: </a:t>
-            </a:r>
-            <a:r>
-              <a:rPr lang="nl-NL" sz="2000" dirty="0">
-                <a:latin typeface="Courier New" panose="02070309020205020404" pitchFamily="49" charset="0"/>
-                <a:cs typeface="Courier New" panose="02070309020205020404" pitchFamily="49" charset="0"/>
-              </a:rPr>
-              <a:t>solutions/1_refactor.py</a:t>
-            </a:r>
-            <a:r>
-              <a:rPr lang="nl-NL" sz="2000" noProof="0" dirty="0"/>
+          <a:lstStyle>
+            <a:lvl1pPr marL="228600" indent="-228600" algn="l" defTabSz="914400" rtl="0" eaLnBrk="1" latinLnBrk="0" hangingPunct="1">
+              <a:lnSpc>
+                <a:spcPct val="90000"/>
+              </a:lnSpc>
+              <a:spcBef>
+                <a:spcPts val="1000"/>
+              </a:spcBef>
+              <a:buFont typeface="Arial" panose="020B0604020202020204" pitchFamily="34" charset="0"/>
+              <a:buChar char="•"/>
+              <a:defRPr sz="2800" kern="1200">
+                <a:solidFill>
+                  <a:schemeClr val="tx1"/>
+                </a:solidFill>
+                <a:latin typeface="+mn-lt"/>
+                <a:ea typeface="+mn-ea"/>
+                <a:cs typeface="+mn-cs"/>
+              </a:defRPr>
+            </a:lvl1pPr>
+            <a:lvl2pPr marL="685800" indent="-228600" algn="l" defTabSz="914400" rtl="0" eaLnBrk="1" latinLnBrk="0" hangingPunct="1">
+              <a:lnSpc>
+                <a:spcPct val="90000"/>
+              </a:lnSpc>
+              <a:spcBef>
+                <a:spcPts val="500"/>
+              </a:spcBef>
+              <a:buFont typeface="Arial" panose="020B0604020202020204" pitchFamily="34" charset="0"/>
+              <a:buChar char="•"/>
+              <a:defRPr sz="2400" kern="1200">
+                <a:solidFill>
+                  <a:schemeClr val="tx1"/>
+                </a:solidFill>
+                <a:latin typeface="+mn-lt"/>
+                <a:ea typeface="+mn-ea"/>
+                <a:cs typeface="+mn-cs"/>
+              </a:defRPr>
+            </a:lvl2pPr>
+            <a:lvl3pPr marL="1143000" indent="-228600" algn="l" defTabSz="914400" rtl="0" eaLnBrk="1" latinLnBrk="0" hangingPunct="1">
+              <a:lnSpc>
+                <a:spcPct val="90000"/>
+              </a:lnSpc>
+              <a:spcBef>
+                <a:spcPts val="500"/>
+              </a:spcBef>
+              <a:buFont typeface="Arial" panose="020B0604020202020204" pitchFamily="34" charset="0"/>
+              <a:buChar char="•"/>
+              <a:defRPr sz="2000" kern="1200">
+                <a:solidFill>
+                  <a:schemeClr val="tx1"/>
+                </a:solidFill>
+                <a:latin typeface="+mn-lt"/>
+                <a:ea typeface="+mn-ea"/>
+                <a:cs typeface="+mn-cs"/>
+              </a:defRPr>
+            </a:lvl3pPr>
+            <a:lvl4pPr marL="1600200" indent="-228600" algn="l" defTabSz="914400" rtl="0" eaLnBrk="1" latinLnBrk="0" hangingPunct="1">
+              <a:lnSpc>
+                <a:spcPct val="90000"/>
+              </a:lnSpc>
+              <a:spcBef>
+                <a:spcPts val="500"/>
+              </a:spcBef>
+              <a:buFont typeface="Arial" panose="020B0604020202020204" pitchFamily="34" charset="0"/>
+              <a:buChar char="•"/>
+              <a:defRPr sz="1800" kern="1200">
+                <a:solidFill>
+                  <a:schemeClr val="tx1"/>
+                </a:solidFill>
+                <a:latin typeface="+mn-lt"/>
+                <a:ea typeface="+mn-ea"/>
+                <a:cs typeface="+mn-cs"/>
+              </a:defRPr>
+            </a:lvl4pPr>
+            <a:lvl5pPr marL="2057400" indent="-228600" algn="l" defTabSz="914400" rtl="0" eaLnBrk="1" latinLnBrk="0" hangingPunct="1">
+              <a:lnSpc>
+                <a:spcPct val="90000"/>
+              </a:lnSpc>
+              <a:spcBef>
+                <a:spcPts val="500"/>
+              </a:spcBef>
+              <a:buFont typeface="Arial" panose="020B0604020202020204" pitchFamily="34" charset="0"/>
+              <a:buChar char="•"/>
+              <a:defRPr sz="1800" kern="1200">
+                <a:solidFill>
+                  <a:schemeClr val="tx1"/>
+                </a:solidFill>
+                <a:latin typeface="+mn-lt"/>
+                <a:ea typeface="+mn-ea"/>
+                <a:cs typeface="+mn-cs"/>
+              </a:defRPr>
+            </a:lvl5pPr>
+            <a:lvl6pPr marL="2514600" indent="-228600" algn="l" defTabSz="914400" rtl="0" eaLnBrk="1" latinLnBrk="0" hangingPunct="1">
+              <a:lnSpc>
+                <a:spcPct val="90000"/>
+              </a:lnSpc>
+              <a:spcBef>
+                <a:spcPts val="500"/>
+              </a:spcBef>
+              <a:buFont typeface="Arial" panose="020B0604020202020204" pitchFamily="34" charset="0"/>
+              <a:buChar char="•"/>
+              <a:defRPr sz="1800" kern="1200">
+                <a:solidFill>
+                  <a:schemeClr val="tx1"/>
+                </a:solidFill>
+                <a:latin typeface="+mn-lt"/>
+                <a:ea typeface="+mn-ea"/>
+                <a:cs typeface="+mn-cs"/>
+              </a:defRPr>
+            </a:lvl6pPr>
+            <a:lvl7pPr marL="2971800" indent="-228600" algn="l" defTabSz="914400" rtl="0" eaLnBrk="1" latinLnBrk="0" hangingPunct="1">
+              <a:lnSpc>
+                <a:spcPct val="90000"/>
+              </a:lnSpc>
+              <a:spcBef>
+                <a:spcPts val="500"/>
+              </a:spcBef>
+              <a:buFont typeface="Arial" panose="020B0604020202020204" pitchFamily="34" charset="0"/>
+              <a:buChar char="•"/>
+              <a:defRPr sz="1800" kern="1200">
+                <a:solidFill>
+                  <a:schemeClr val="tx1"/>
+                </a:solidFill>
+                <a:latin typeface="+mn-lt"/>
+                <a:ea typeface="+mn-ea"/>
+                <a:cs typeface="+mn-cs"/>
+              </a:defRPr>
+            </a:lvl7pPr>
+            <a:lvl8pPr marL="3429000" indent="-228600" algn="l" defTabSz="914400" rtl="0" eaLnBrk="1" latinLnBrk="0" hangingPunct="1">
+              <a:lnSpc>
+                <a:spcPct val="90000"/>
+              </a:lnSpc>
+              <a:spcBef>
+                <a:spcPts val="500"/>
+              </a:spcBef>
+              <a:buFont typeface="Arial" panose="020B0604020202020204" pitchFamily="34" charset="0"/>
+              <a:buChar char="•"/>
+              <a:defRPr sz="1800" kern="1200">
+                <a:solidFill>
+                  <a:schemeClr val="tx1"/>
+                </a:solidFill>
+                <a:latin typeface="+mn-lt"/>
+                <a:ea typeface="+mn-ea"/>
+                <a:cs typeface="+mn-cs"/>
+              </a:defRPr>
+            </a:lvl8pPr>
+            <a:lvl9pPr marL="3886200" indent="-228600" algn="l" defTabSz="914400" rtl="0" eaLnBrk="1" latinLnBrk="0" hangingPunct="1">
+              <a:lnSpc>
+                <a:spcPct val="90000"/>
+              </a:lnSpc>
+              <a:spcBef>
+                <a:spcPts val="500"/>
+              </a:spcBef>
+              <a:buFont typeface="Arial" panose="020B0604020202020204" pitchFamily="34" charset="0"/>
+              <a:buChar char="•"/>
+              <a:defRPr sz="1800" kern="1200">
+                <a:solidFill>
+                  <a:schemeClr val="tx1"/>
+                </a:solidFill>
+                <a:latin typeface="+mn-lt"/>
+                <a:ea typeface="+mn-ea"/>
+                <a:cs typeface="+mn-cs"/>
+              </a:defRPr>
+            </a:lvl9pPr>
+          </a:lstStyle>
+          <a:p>
+            <a:pPr marL="0" indent="0">
+              <a:buNone/>
+            </a:pPr>
+            <a:r>
+              <a:rPr lang="en-US" sz="1400" dirty="0">
+                <a:latin typeface="Courier New" panose="02070309020205020404" pitchFamily="49" charset="0"/>
+                <a:cs typeface="Courier New" panose="02070309020205020404" pitchFamily="49" charset="0"/>
+              </a:rPr>
+              <a:t>%(message)s	# Log message.</a:t>
+            </a:r>
+          </a:p>
+          <a:p>
+            <a:pPr marL="0" indent="0">
+              <a:buNone/>
+            </a:pPr>
+            <a:r>
+              <a:rPr lang="en-US" sz="1400" dirty="0">
+                <a:latin typeface="Courier New" panose="02070309020205020404" pitchFamily="49" charset="0"/>
+                <a:cs typeface="Courier New" panose="02070309020205020404" pitchFamily="49" charset="0"/>
+              </a:rPr>
+              <a:t>%(</a:t>
+            </a:r>
+            <a:r>
+              <a:rPr lang="en-US" sz="1400" dirty="0" err="1">
+                <a:latin typeface="Courier New" panose="02070309020205020404" pitchFamily="49" charset="0"/>
+                <a:cs typeface="Courier New" panose="02070309020205020404" pitchFamily="49" charset="0"/>
+              </a:rPr>
+              <a:t>levelname</a:t>
+            </a:r>
+            <a:r>
+              <a:rPr lang="en-US" sz="1400" dirty="0">
+                <a:latin typeface="Courier New" panose="02070309020205020404" pitchFamily="49" charset="0"/>
+                <a:cs typeface="Courier New" panose="02070309020205020404" pitchFamily="49" charset="0"/>
+              </a:rPr>
+              <a:t>)s	# Logging level.</a:t>
+            </a:r>
+          </a:p>
+          <a:p>
+            <a:pPr marL="0" indent="0">
+              <a:buNone/>
+            </a:pPr>
+            <a:r>
+              <a:rPr lang="en-US" sz="1400" dirty="0">
+                <a:latin typeface="Courier New" panose="02070309020205020404" pitchFamily="49" charset="0"/>
+                <a:cs typeface="Courier New" panose="02070309020205020404" pitchFamily="49" charset="0"/>
+              </a:rPr>
+              <a:t>%(name)s		# Logger name.</a:t>
+            </a:r>
+          </a:p>
+          <a:p>
+            <a:pPr marL="0" indent="0">
+              <a:buNone/>
+            </a:pPr>
+            <a:r>
+              <a:rPr lang="en-US" sz="1400" dirty="0">
+                <a:latin typeface="Courier New" panose="02070309020205020404" pitchFamily="49" charset="0"/>
+                <a:cs typeface="Courier New" panose="02070309020205020404" pitchFamily="49" charset="0"/>
+              </a:rPr>
+              <a:t>%(</a:t>
+            </a:r>
+            <a:r>
+              <a:rPr lang="en-US" sz="1400" dirty="0" err="1">
+                <a:latin typeface="Courier New" panose="02070309020205020404" pitchFamily="49" charset="0"/>
+                <a:cs typeface="Courier New" panose="02070309020205020404" pitchFamily="49" charset="0"/>
+              </a:rPr>
+              <a:t>asctime</a:t>
+            </a:r>
+            <a:r>
+              <a:rPr lang="en-US" sz="1400" dirty="0">
+                <a:latin typeface="Courier New" panose="02070309020205020404" pitchFamily="49" charset="0"/>
+                <a:cs typeface="Courier New" panose="02070309020205020404" pitchFamily="49" charset="0"/>
+              </a:rPr>
+              <a:t>)s	# Time of the log message.</a:t>
+            </a:r>
+          </a:p>
+          <a:p>
+            <a:pPr marL="0" indent="0">
+              <a:buNone/>
+            </a:pPr>
+            <a:r>
+              <a:rPr lang="en-US" sz="1400" dirty="0">
+                <a:latin typeface="Courier New" panose="02070309020205020404" pitchFamily="49" charset="0"/>
+                <a:cs typeface="Courier New" panose="02070309020205020404" pitchFamily="49" charset="0"/>
+              </a:rPr>
+              <a:t>%(module)s	# Module name.</a:t>
+            </a:r>
+          </a:p>
+          <a:p>
+            <a:pPr marL="0" indent="0">
+              <a:buNone/>
+            </a:pPr>
+            <a:r>
+              <a:rPr lang="en-US" sz="1400" dirty="0">
+                <a:latin typeface="Courier New" panose="02070309020205020404" pitchFamily="49" charset="0"/>
+                <a:cs typeface="Courier New" panose="02070309020205020404" pitchFamily="49" charset="0"/>
+              </a:rPr>
+              <a:t>%(</a:t>
+            </a:r>
+            <a:r>
+              <a:rPr lang="en-US" sz="1400" dirty="0" err="1">
+                <a:latin typeface="Courier New" panose="02070309020205020404" pitchFamily="49" charset="0"/>
+                <a:cs typeface="Courier New" panose="02070309020205020404" pitchFamily="49" charset="0"/>
+              </a:rPr>
+              <a:t>funcname</a:t>
+            </a:r>
+            <a:r>
+              <a:rPr lang="en-US" sz="1400" dirty="0">
+                <a:latin typeface="Courier New" panose="02070309020205020404" pitchFamily="49" charset="0"/>
+                <a:cs typeface="Courier New" panose="02070309020205020404" pitchFamily="49" charset="0"/>
+              </a:rPr>
+              <a:t>)s	# Function name.</a:t>
+            </a:r>
+          </a:p>
+          <a:p>
+            <a:pPr marL="0" indent="0">
+              <a:buNone/>
+            </a:pPr>
+            <a:r>
+              <a:rPr lang="en-US" sz="1400" dirty="0">
+                <a:latin typeface="Courier New" panose="02070309020205020404" pitchFamily="49" charset="0"/>
+                <a:cs typeface="Courier New" panose="02070309020205020404" pitchFamily="49" charset="0"/>
+              </a:rPr>
+              <a:t>%(</a:t>
+            </a:r>
+            <a:r>
+              <a:rPr lang="en-US" sz="1400" dirty="0" err="1">
+                <a:latin typeface="Courier New" panose="02070309020205020404" pitchFamily="49" charset="0"/>
+                <a:cs typeface="Courier New" panose="02070309020205020404" pitchFamily="49" charset="0"/>
+              </a:rPr>
+              <a:t>lineno</a:t>
+            </a:r>
+            <a:r>
+              <a:rPr lang="en-US" sz="1400" dirty="0">
+                <a:latin typeface="Courier New" panose="02070309020205020404" pitchFamily="49" charset="0"/>
+                <a:cs typeface="Courier New" panose="02070309020205020404" pitchFamily="49" charset="0"/>
+              </a:rPr>
+              <a:t>)d	# Line number.</a:t>
+            </a:r>
+          </a:p>
+          <a:p>
+            <a:pPr marL="0" indent="0">
+              <a:buNone/>
+            </a:pPr>
+            <a:endParaRPr lang="en-US" sz="1400" dirty="0">
+              <a:latin typeface="Courier New" panose="02070309020205020404" pitchFamily="49" charset="0"/>
+              <a:cs typeface="Courier New" panose="02070309020205020404" pitchFamily="49" charset="0"/>
+            </a:endParaRPr>
+          </a:p>
+          <a:p>
+            <a:pPr marL="0" indent="0">
+              <a:buNone/>
+            </a:pPr>
+            <a:endParaRPr lang="en-US" sz="1400" dirty="0">
+              <a:latin typeface="Courier New" panose="02070309020205020404" pitchFamily="49" charset="0"/>
+              <a:cs typeface="Courier New" panose="02070309020205020404" pitchFamily="49" charset="0"/>
+            </a:endParaRPr>
+          </a:p>
+          <a:p>
+            <a:pPr marL="0" indent="0">
+              <a:buNone/>
+            </a:pPr>
+            <a:r>
+              <a:rPr lang="en-US" sz="1400" dirty="0">
+                <a:latin typeface="Courier New" panose="02070309020205020404" pitchFamily="49" charset="0"/>
+                <a:cs typeface="Courier New" panose="02070309020205020404" pitchFamily="49" charset="0"/>
+              </a:rPr>
+              <a:t># Set format on the root logger</a:t>
+            </a:r>
+          </a:p>
+          <a:p>
+            <a:pPr marL="0" indent="0">
+              <a:buNone/>
+            </a:pPr>
+            <a:r>
+              <a:rPr lang="en-US" sz="1400" dirty="0" err="1">
+                <a:latin typeface="Courier New" panose="02070309020205020404" pitchFamily="49" charset="0"/>
+                <a:cs typeface="Courier New" panose="02070309020205020404" pitchFamily="49" charset="0"/>
+              </a:rPr>
+              <a:t>fmt</a:t>
+            </a:r>
+            <a:r>
+              <a:rPr lang="en-US" sz="1400" dirty="0">
+                <a:latin typeface="Courier New" panose="02070309020205020404" pitchFamily="49" charset="0"/>
+                <a:cs typeface="Courier New" panose="02070309020205020404" pitchFamily="49" charset="0"/>
+              </a:rPr>
+              <a:t> = "%(</a:t>
+            </a:r>
+            <a:r>
+              <a:rPr lang="en-US" sz="1400" dirty="0" err="1">
+                <a:latin typeface="Courier New" panose="02070309020205020404" pitchFamily="49" charset="0"/>
+                <a:cs typeface="Courier New" panose="02070309020205020404" pitchFamily="49" charset="0"/>
+              </a:rPr>
+              <a:t>asctime</a:t>
+            </a:r>
+            <a:r>
+              <a:rPr lang="en-US" sz="1400" dirty="0">
+                <a:latin typeface="Courier New" panose="02070309020205020404" pitchFamily="49" charset="0"/>
+                <a:cs typeface="Courier New" panose="02070309020205020404" pitchFamily="49" charset="0"/>
+              </a:rPr>
+              <a:t>)s|%(</a:t>
+            </a:r>
+            <a:r>
+              <a:rPr lang="en-US" sz="1400" dirty="0" err="1">
+                <a:latin typeface="Courier New" panose="02070309020205020404" pitchFamily="49" charset="0"/>
+                <a:cs typeface="Courier New" panose="02070309020205020404" pitchFamily="49" charset="0"/>
+              </a:rPr>
+              <a:t>levelname</a:t>
+            </a:r>
+            <a:r>
+              <a:rPr lang="en-US" sz="1400" dirty="0">
+                <a:latin typeface="Courier New" panose="02070309020205020404" pitchFamily="49" charset="0"/>
+                <a:cs typeface="Courier New" panose="02070309020205020404" pitchFamily="49" charset="0"/>
+              </a:rPr>
+              <a:t>)s|%(message)s"</a:t>
+            </a:r>
+          </a:p>
+          <a:p>
+            <a:pPr marL="0" indent="0">
+              <a:buNone/>
+            </a:pPr>
+            <a:r>
+              <a:rPr lang="en-US" sz="1400" dirty="0" err="1">
+                <a:latin typeface="Courier New" panose="02070309020205020404" pitchFamily="49" charset="0"/>
+                <a:cs typeface="Courier New" panose="02070309020205020404" pitchFamily="49" charset="0"/>
+              </a:rPr>
+              <a:t>logging.basicConfig</a:t>
+            </a:r>
+            <a:r>
+              <a:rPr lang="en-US" sz="1400" dirty="0">
+                <a:latin typeface="Courier New" panose="02070309020205020404" pitchFamily="49" charset="0"/>
+                <a:cs typeface="Courier New" panose="02070309020205020404" pitchFamily="49" charset="0"/>
+              </a:rPr>
+              <a:t>(format=</a:t>
+            </a:r>
+            <a:r>
+              <a:rPr lang="en-US" sz="1400" dirty="0" err="1">
+                <a:latin typeface="Courier New" panose="02070309020205020404" pitchFamily="49" charset="0"/>
+                <a:cs typeface="Courier New" panose="02070309020205020404" pitchFamily="49" charset="0"/>
+              </a:rPr>
+              <a:t>fmt</a:t>
+            </a:r>
+            <a:r>
+              <a:rPr lang="en-US" sz="1400" dirty="0">
+                <a:latin typeface="Courier New" panose="02070309020205020404" pitchFamily="49" charset="0"/>
+                <a:cs typeface="Courier New" panose="02070309020205020404" pitchFamily="49" charset="0"/>
+              </a:rPr>
               <a:t>)</a:t>
             </a:r>
           </a:p>
           <a:p>
-            <a:pPr marL="457200" indent="-457200">
-              <a:buFont typeface="Arial" panose="020B0604020202020204" pitchFamily="34" charset="0"/>
-              <a:buAutoNum type="arabicPeriod"/>
-            </a:pPr>
-            <a:endParaRPr lang="nl-NL" sz="2000" noProof="0" dirty="0"/>
-          </a:p>
-          <a:p>
-            <a:pPr marL="457200" indent="-457200">
-              <a:buFont typeface="Arial" panose="020B0604020202020204" pitchFamily="34" charset="0"/>
-              <a:buAutoNum type="arabicPeriod"/>
-            </a:pPr>
-            <a:r>
-              <a:rPr lang="nl-NL" sz="2000" dirty="0"/>
-              <a:t>Zorg dat de rapportage naar een tekst bestand wordt geschreven.</a:t>
-            </a:r>
-          </a:p>
-          <a:p>
-            <a:pPr marL="457200" indent="-457200">
-              <a:buFont typeface="Arial" panose="020B0604020202020204" pitchFamily="34" charset="0"/>
-              <a:buAutoNum type="arabicPeriod"/>
-            </a:pPr>
-            <a:endParaRPr lang="nl-NL" sz="2000" noProof="0" dirty="0"/>
-          </a:p>
-          <a:p>
-            <a:pPr marL="457200" indent="-457200">
-              <a:buFont typeface="Arial" panose="020B0604020202020204" pitchFamily="34" charset="0"/>
-              <a:buAutoNum type="arabicPeriod"/>
-            </a:pPr>
-            <a:r>
-              <a:rPr lang="nl-NL" sz="2000" noProof="0" dirty="0"/>
-              <a:t>Voeg </a:t>
-            </a:r>
-            <a:r>
-              <a:rPr lang="nl-NL" sz="2000" noProof="0" dirty="0" err="1"/>
-              <a:t>logging</a:t>
-            </a:r>
-            <a:r>
-              <a:rPr lang="nl-NL" sz="2000" noProof="0" dirty="0"/>
-              <a:t> toe aan de code.</a:t>
-            </a:r>
-          </a:p>
-          <a:p>
-            <a:pPr marL="0" indent="0">
-              <a:buNone/>
-            </a:pPr>
-            <a:endParaRPr lang="nl-NL" sz="2000" noProof="0" dirty="0"/>
-          </a:p>
-          <a:p>
-            <a:pPr lvl="1"/>
-            <a:r>
-              <a:rPr lang="nl-NL" sz="2000" noProof="0" dirty="0"/>
-              <a:t>Maak een eigen logger aan met de naam </a:t>
-            </a:r>
-            <a:r>
-              <a:rPr lang="nl-NL" sz="2000" noProof="0" dirty="0">
-                <a:latin typeface="Courier New" panose="02070309020205020404" pitchFamily="49" charset="0"/>
-                <a:cs typeface="Courier New" panose="02070309020205020404" pitchFamily="49" charset="0"/>
-              </a:rPr>
-              <a:t>"</a:t>
-            </a:r>
-            <a:r>
-              <a:rPr lang="nl-NL" sz="2000" noProof="0" dirty="0" err="1">
-                <a:latin typeface="Courier New" panose="02070309020205020404" pitchFamily="49" charset="0"/>
-                <a:cs typeface="Courier New" panose="02070309020205020404" pitchFamily="49" charset="0"/>
-              </a:rPr>
-              <a:t>SalesReporter</a:t>
-            </a:r>
-            <a:r>
-              <a:rPr lang="nl-NL" sz="2000" noProof="0" dirty="0">
-                <a:latin typeface="Courier New" panose="02070309020205020404" pitchFamily="49" charset="0"/>
-                <a:cs typeface="Courier New" panose="02070309020205020404" pitchFamily="49" charset="0"/>
-              </a:rPr>
-              <a:t>"</a:t>
-            </a:r>
-            <a:r>
-              <a:rPr lang="nl-NL" sz="2000" noProof="0" dirty="0"/>
-              <a:t>.</a:t>
-            </a:r>
-          </a:p>
-          <a:p>
-            <a:pPr lvl="1"/>
-            <a:r>
-              <a:rPr lang="nl-NL" sz="2000" dirty="0"/>
-              <a:t>Configureer de root logger zodat deze op </a:t>
-            </a:r>
-            <a:r>
-              <a:rPr lang="nl-NL" sz="2000" dirty="0">
-                <a:latin typeface="Courier New" panose="02070309020205020404" pitchFamily="49" charset="0"/>
-                <a:cs typeface="Courier New" panose="02070309020205020404" pitchFamily="49" charset="0"/>
-              </a:rPr>
-              <a:t>DEBUG</a:t>
-            </a:r>
-            <a:r>
-              <a:rPr lang="nl-NL" sz="2000" dirty="0"/>
-              <a:t> niveau logt.</a:t>
-            </a:r>
-          </a:p>
-          <a:p>
-            <a:pPr lvl="1"/>
-            <a:r>
-              <a:rPr lang="nl-NL" sz="2000" noProof="0" dirty="0"/>
-              <a:t>Log tenminste: tijdstip</a:t>
-            </a:r>
-            <a:r>
-              <a:rPr lang="nl-NL" sz="2000" noProof="0"/>
-              <a:t>, niveau, </a:t>
-            </a:r>
-            <a:r>
-              <a:rPr lang="nl-NL" sz="2000" noProof="0" dirty="0"/>
-              <a:t>naam logger en bericht.</a:t>
-            </a:r>
+            <a:pPr marL="0" indent="0">
+              <a:buNone/>
+            </a:pPr>
+            <a:endParaRPr lang="en-US" sz="1400" dirty="0">
+              <a:latin typeface="Courier New" panose="02070309020205020404" pitchFamily="49" charset="0"/>
+              <a:cs typeface="Courier New" panose="02070309020205020404" pitchFamily="49" charset="0"/>
+            </a:endParaRPr>
+          </a:p>
+          <a:p>
+            <a:pPr marL="0" indent="0">
+              <a:buNone/>
+            </a:pPr>
+            <a:endParaRPr lang="en-US" sz="1400" dirty="0">
+              <a:latin typeface="Courier New" panose="02070309020205020404" pitchFamily="49" charset="0"/>
+              <a:cs typeface="Courier New" panose="02070309020205020404" pitchFamily="49" charset="0"/>
+            </a:endParaRPr>
           </a:p>
         </p:txBody>
       </p:sp>
     </p:spTree>
     <p:extLst>
       <p:ext uri="{BB962C8B-B14F-4D97-AF65-F5344CB8AC3E}">
-        <p14:creationId xmlns:p14="http://schemas.microsoft.com/office/powerpoint/2010/main" val="3377467491"/>
+        <p14:creationId xmlns:p14="http://schemas.microsoft.com/office/powerpoint/2010/main" val="1634829472"/>
       </p:ext>
     </p:extLst>
   </p:cSld>
@@ -15868,6 +15919,241 @@
       </p:grpSpPr>
       <p:sp>
         <p:nvSpPr>
+          <p:cNvPr id="2" name="Title 1">
+            <a:extLst>
+              <a:ext uri="{FF2B5EF4-FFF2-40B4-BE49-F238E27FC236}">
+                <a16:creationId xmlns:a16="http://schemas.microsoft.com/office/drawing/2014/main" id="{39A1D606-8DD1-369C-5C09-471CDD551AD5}"/>
+              </a:ext>
+            </a:extLst>
+          </p:cNvPr>
+          <p:cNvSpPr>
+            <a:spLocks noGrp="1"/>
+          </p:cNvSpPr>
+          <p:nvPr>
+            <p:ph type="title"/>
+          </p:nvPr>
+        </p:nvSpPr>
+        <p:spPr>
+          <a:xfrm>
+            <a:off x="838200" y="365126"/>
+            <a:ext cx="10515600" cy="718608"/>
+          </a:xfrm>
+        </p:spPr>
+        <p:txBody>
+          <a:bodyPr>
+            <a:normAutofit/>
+          </a:bodyPr>
+          <a:lstStyle/>
+          <a:p>
+            <a:r>
+              <a:rPr lang="nl-NL" sz="3600" noProof="0" dirty="0"/>
+              <a:t>Oefeningen II</a:t>
+            </a:r>
+          </a:p>
+        </p:txBody>
+      </p:sp>
+      <p:sp>
+        <p:nvSpPr>
+          <p:cNvPr id="3" name="Content Placeholder 2">
+            <a:extLst>
+              <a:ext uri="{FF2B5EF4-FFF2-40B4-BE49-F238E27FC236}">
+                <a16:creationId xmlns:a16="http://schemas.microsoft.com/office/drawing/2014/main" id="{F4C2D286-E049-0AAB-1360-B7157E11AD7E}"/>
+              </a:ext>
+            </a:extLst>
+          </p:cNvPr>
+          <p:cNvSpPr>
+            <a:spLocks noGrp="1"/>
+          </p:cNvSpPr>
+          <p:nvPr>
+            <p:ph idx="1"/>
+          </p:nvPr>
+        </p:nvSpPr>
+        <p:spPr>
+          <a:xfrm>
+            <a:off x="838200" y="1456267"/>
+            <a:ext cx="10375900" cy="4720696"/>
+          </a:xfrm>
+        </p:spPr>
+        <p:txBody>
+          <a:bodyPr>
+            <a:normAutofit/>
+          </a:bodyPr>
+          <a:lstStyle/>
+          <a:p>
+            <a:pPr marL="457200" indent="-457200">
+              <a:buFont typeface="Arial" panose="020B0604020202020204" pitchFamily="34" charset="0"/>
+              <a:buAutoNum type="arabicPeriod"/>
+            </a:pPr>
+            <a:r>
+              <a:rPr lang="nl-NL" sz="2000" dirty="0"/>
+              <a:t>Open de verbeterde code van de vorige opdracht.</a:t>
+            </a:r>
+            <a:br>
+              <a:rPr lang="nl-NL" sz="2000" dirty="0"/>
+            </a:br>
+            <a:r>
+              <a:rPr lang="nl-NL" sz="2000" dirty="0"/>
+              <a:t>(of: </a:t>
+            </a:r>
+            <a:r>
+              <a:rPr lang="nl-NL" sz="2000" dirty="0">
+                <a:latin typeface="Courier New" panose="02070309020205020404" pitchFamily="49" charset="0"/>
+                <a:cs typeface="Courier New" panose="02070309020205020404" pitchFamily="49" charset="0"/>
+              </a:rPr>
+              <a:t>solutions/1_refactor.py</a:t>
+            </a:r>
+            <a:r>
+              <a:rPr lang="nl-NL" sz="2000" noProof="0" dirty="0"/>
+              <a:t>)</a:t>
+            </a:r>
+          </a:p>
+          <a:p>
+            <a:pPr marL="457200" indent="-457200">
+              <a:buFont typeface="Arial" panose="020B0604020202020204" pitchFamily="34" charset="0"/>
+              <a:buAutoNum type="arabicPeriod"/>
+            </a:pPr>
+            <a:endParaRPr lang="nl-NL" sz="2000" noProof="0" dirty="0"/>
+          </a:p>
+          <a:p>
+            <a:pPr marL="457200" indent="-457200">
+              <a:buFont typeface="Arial" panose="020B0604020202020204" pitchFamily="34" charset="0"/>
+              <a:buAutoNum type="arabicPeriod"/>
+            </a:pPr>
+            <a:r>
+              <a:rPr lang="nl-NL" sz="2000" dirty="0"/>
+              <a:t>Zorg dat de rapportage naar een tekst bestand wordt geschreven.</a:t>
+            </a:r>
+          </a:p>
+          <a:p>
+            <a:pPr marL="457200" indent="-457200">
+              <a:buFont typeface="Arial" panose="020B0604020202020204" pitchFamily="34" charset="0"/>
+              <a:buAutoNum type="arabicPeriod"/>
+            </a:pPr>
+            <a:endParaRPr lang="nl-NL" sz="2000" noProof="0" dirty="0"/>
+          </a:p>
+          <a:p>
+            <a:pPr marL="457200" indent="-457200">
+              <a:buFont typeface="Arial" panose="020B0604020202020204" pitchFamily="34" charset="0"/>
+              <a:buAutoNum type="arabicPeriod"/>
+            </a:pPr>
+            <a:r>
+              <a:rPr lang="nl-NL" sz="2000" noProof="0" dirty="0"/>
+              <a:t>Voeg </a:t>
+            </a:r>
+            <a:r>
+              <a:rPr lang="nl-NL" sz="2000" noProof="0" dirty="0" err="1"/>
+              <a:t>logging</a:t>
+            </a:r>
+            <a:r>
+              <a:rPr lang="nl-NL" sz="2000" noProof="0" dirty="0"/>
+              <a:t> toe aan de code.</a:t>
+            </a:r>
+          </a:p>
+          <a:p>
+            <a:pPr marL="0" indent="0">
+              <a:buNone/>
+            </a:pPr>
+            <a:endParaRPr lang="nl-NL" sz="2000" noProof="0" dirty="0"/>
+          </a:p>
+          <a:p>
+            <a:pPr lvl="1"/>
+            <a:r>
+              <a:rPr lang="nl-NL" sz="2000" noProof="0" dirty="0"/>
+              <a:t>Maak een eigen logger aan met de naam </a:t>
+            </a:r>
+            <a:r>
+              <a:rPr lang="nl-NL" sz="2000" noProof="0" dirty="0">
+                <a:latin typeface="Courier New" panose="02070309020205020404" pitchFamily="49" charset="0"/>
+                <a:cs typeface="Courier New" panose="02070309020205020404" pitchFamily="49" charset="0"/>
+              </a:rPr>
+              <a:t>"</a:t>
+            </a:r>
+            <a:r>
+              <a:rPr lang="nl-NL" sz="2000" noProof="0" dirty="0" err="1">
+                <a:latin typeface="Courier New" panose="02070309020205020404" pitchFamily="49" charset="0"/>
+                <a:cs typeface="Courier New" panose="02070309020205020404" pitchFamily="49" charset="0"/>
+              </a:rPr>
+              <a:t>SalesReporter</a:t>
+            </a:r>
+            <a:r>
+              <a:rPr lang="nl-NL" sz="2000" noProof="0" dirty="0">
+                <a:latin typeface="Courier New" panose="02070309020205020404" pitchFamily="49" charset="0"/>
+                <a:cs typeface="Courier New" panose="02070309020205020404" pitchFamily="49" charset="0"/>
+              </a:rPr>
+              <a:t>"</a:t>
+            </a:r>
+            <a:r>
+              <a:rPr lang="nl-NL" sz="2000" noProof="0" dirty="0"/>
+              <a:t>.</a:t>
+            </a:r>
+          </a:p>
+          <a:p>
+            <a:pPr lvl="1"/>
+            <a:r>
+              <a:rPr lang="nl-NL" sz="2000" dirty="0"/>
+              <a:t>Configureer de root logger zodat deze op </a:t>
+            </a:r>
+            <a:r>
+              <a:rPr lang="nl-NL" sz="2000" dirty="0">
+                <a:latin typeface="Courier New" panose="02070309020205020404" pitchFamily="49" charset="0"/>
+                <a:cs typeface="Courier New" panose="02070309020205020404" pitchFamily="49" charset="0"/>
+              </a:rPr>
+              <a:t>DEBUG</a:t>
+            </a:r>
+            <a:r>
+              <a:rPr lang="nl-NL" sz="2000" dirty="0"/>
+              <a:t> niveau logt.</a:t>
+            </a:r>
+          </a:p>
+          <a:p>
+            <a:pPr lvl="1"/>
+            <a:r>
+              <a:rPr lang="nl-NL" sz="2000" noProof="0" dirty="0"/>
+              <a:t>Log tenminste: tijdstip</a:t>
+            </a:r>
+            <a:r>
+              <a:rPr lang="nl-NL" sz="2000" noProof="0"/>
+              <a:t>, niveau, </a:t>
+            </a:r>
+            <a:r>
+              <a:rPr lang="nl-NL" sz="2000" noProof="0" dirty="0"/>
+              <a:t>naam logger en bericht.</a:t>
+            </a:r>
+          </a:p>
+        </p:txBody>
+      </p:sp>
+    </p:spTree>
+    <p:extLst>
+      <p:ext uri="{BB962C8B-B14F-4D97-AF65-F5344CB8AC3E}">
+        <p14:creationId xmlns:p14="http://schemas.microsoft.com/office/powerpoint/2010/main" val="3377467491"/>
+      </p:ext>
+    </p:extLst>
+  </p:cSld>
+  <p:clrMapOvr>
+    <a:masterClrMapping/>
+  </p:clrMapOvr>
+</p:sld>
+</file>
+
+<file path=ppt/slides/slide32.xml><?xml version="1.0" encoding="utf-8"?>
+<p:sld xmlns:a="http://schemas.openxmlformats.org/drawingml/2006/main" xmlns:r="http://schemas.openxmlformats.org/officeDocument/2006/relationships" xmlns:p="http://schemas.openxmlformats.org/presentationml/2006/main">
+  <p:cSld>
+    <p:spTree>
+      <p:nvGrpSpPr>
+        <p:cNvPr id="1" name=""/>
+        <p:cNvGrpSpPr/>
+        <p:nvPr/>
+      </p:nvGrpSpPr>
+      <p:grpSpPr>
+        <a:xfrm>
+          <a:off x="0" y="0"/>
+          <a:ext cx="0" cy="0"/>
+          <a:chOff x="0" y="0"/>
+          <a:chExt cx="0" cy="0"/>
+        </a:xfrm>
+      </p:grpSpPr>
+      <p:sp>
+        <p:nvSpPr>
           <p:cNvPr id="4" name="Title 3">
             <a:extLst>
               <a:ext uri="{FF2B5EF4-FFF2-40B4-BE49-F238E27FC236}">
@@ -15932,7 +16218,7 @@
 </p:sld>
 </file>
 
-<file path=ppt/slides/slide32.xml><?xml version="1.0" encoding="utf-8"?>
+<file path=ppt/slides/slide33.xml><?xml version="1.0" encoding="utf-8"?>
 <p:sld xmlns:a="http://schemas.openxmlformats.org/drawingml/2006/main" xmlns:r="http://schemas.openxmlformats.org/officeDocument/2006/relationships" xmlns:p="http://schemas.openxmlformats.org/presentationml/2006/main">
   <p:cSld>
     <p:spTree>
@@ -16657,7 +16943,7 @@
 </p:sld>
 </file>
 
-<file path=ppt/slides/slide33.xml><?xml version="1.0" encoding="utf-8"?>
+<file path=ppt/slides/slide34.xml><?xml version="1.0" encoding="utf-8"?>
 <p:sld xmlns:a="http://schemas.openxmlformats.org/drawingml/2006/main" xmlns:r="http://schemas.openxmlformats.org/officeDocument/2006/relationships" xmlns:p="http://schemas.openxmlformats.org/presentationml/2006/main">
   <p:cSld>
     <p:spTree>
@@ -17803,7 +18089,7 @@
 </p:sld>
 </file>
 
-<file path=ppt/slides/slide34.xml><?xml version="1.0" encoding="utf-8"?>
+<file path=ppt/slides/slide35.xml><?xml version="1.0" encoding="utf-8"?>
 <p:sld xmlns:a="http://schemas.openxmlformats.org/drawingml/2006/main" xmlns:r="http://schemas.openxmlformats.org/officeDocument/2006/relationships" xmlns:p="http://schemas.openxmlformats.org/presentationml/2006/main">
   <p:cSld>
     <p:spTree>
@@ -18649,7 +18935,7 @@
 </p:sld>
 </file>
 
-<file path=ppt/slides/slide35.xml><?xml version="1.0" encoding="utf-8"?>
+<file path=ppt/slides/slide36.xml><?xml version="1.0" encoding="utf-8"?>
 <p:sld xmlns:a="http://schemas.openxmlformats.org/drawingml/2006/main" xmlns:r="http://schemas.openxmlformats.org/officeDocument/2006/relationships" xmlns:p="http://schemas.openxmlformats.org/presentationml/2006/main">
   <p:cSld>
     <p:spTree>
@@ -19249,7 +19535,7 @@
 </p:sld>
 </file>
 
-<file path=ppt/slides/slide36.xml><?xml version="1.0" encoding="utf-8"?>
+<file path=ppt/slides/slide37.xml><?xml version="1.0" encoding="utf-8"?>
 <p:sld xmlns:a="http://schemas.openxmlformats.org/drawingml/2006/main" xmlns:r="http://schemas.openxmlformats.org/officeDocument/2006/relationships" xmlns:p="http://schemas.openxmlformats.org/presentationml/2006/main">
   <p:cSld>
     <p:spTree>
@@ -19839,7 +20125,7 @@
 </p:sld>
 </file>
 
-<file path=ppt/slides/slide37.xml><?xml version="1.0" encoding="utf-8"?>
+<file path=ppt/slides/slide38.xml><?xml version="1.0" encoding="utf-8"?>
 <p:sld xmlns:a="http://schemas.openxmlformats.org/drawingml/2006/main" xmlns:r="http://schemas.openxmlformats.org/officeDocument/2006/relationships" xmlns:p="http://schemas.openxmlformats.org/presentationml/2006/main">
   <p:cSld>
     <p:spTree>
@@ -20454,7 +20740,7 @@
 </p:sld>
 </file>
 
-<file path=ppt/slides/slide38.xml><?xml version="1.0" encoding="utf-8"?>
+<file path=ppt/slides/slide39.xml><?xml version="1.0" encoding="utf-8"?>
 <p:sld xmlns:a="http://schemas.openxmlformats.org/drawingml/2006/main" xmlns:r="http://schemas.openxmlformats.org/officeDocument/2006/relationships" xmlns:p="http://schemas.openxmlformats.org/presentationml/2006/main">
   <p:cSld>
     <p:spTree>
@@ -21026,184 +21312,6 @@
     <p:extLst>
       <p:ext uri="{BB962C8B-B14F-4D97-AF65-F5344CB8AC3E}">
         <p14:creationId xmlns:p14="http://schemas.microsoft.com/office/powerpoint/2010/main" val="1323158799"/>
-      </p:ext>
-    </p:extLst>
-  </p:cSld>
-  <p:clrMapOvr>
-    <a:masterClrMapping/>
-  </p:clrMapOvr>
-</p:sld>
-</file>
-
-<file path=ppt/slides/slide39.xml><?xml version="1.0" encoding="utf-8"?>
-<p:sld xmlns:a="http://schemas.openxmlformats.org/drawingml/2006/main" xmlns:r="http://schemas.openxmlformats.org/officeDocument/2006/relationships" xmlns:p="http://schemas.openxmlformats.org/presentationml/2006/main">
-  <p:cSld>
-    <p:spTree>
-      <p:nvGrpSpPr>
-        <p:cNvPr id="1" name=""/>
-        <p:cNvGrpSpPr/>
-        <p:nvPr/>
-      </p:nvGrpSpPr>
-      <p:grpSpPr>
-        <a:xfrm>
-          <a:off x="0" y="0"/>
-          <a:ext cx="0" cy="0"/>
-          <a:chOff x="0" y="0"/>
-          <a:chExt cx="0" cy="0"/>
-        </a:xfrm>
-      </p:grpSpPr>
-      <p:sp>
-        <p:nvSpPr>
-          <p:cNvPr id="2" name="Title 1">
-            <a:extLst>
-              <a:ext uri="{FF2B5EF4-FFF2-40B4-BE49-F238E27FC236}">
-                <a16:creationId xmlns:a16="http://schemas.microsoft.com/office/drawing/2014/main" id="{39A1D606-8DD1-369C-5C09-471CDD551AD5}"/>
-              </a:ext>
-            </a:extLst>
-          </p:cNvPr>
-          <p:cNvSpPr>
-            <a:spLocks noGrp="1"/>
-          </p:cNvSpPr>
-          <p:nvPr>
-            <p:ph type="title"/>
-          </p:nvPr>
-        </p:nvSpPr>
-        <p:spPr>
-          <a:xfrm>
-            <a:off x="838200" y="365126"/>
-            <a:ext cx="10515600" cy="718608"/>
-          </a:xfrm>
-        </p:spPr>
-        <p:txBody>
-          <a:bodyPr>
-            <a:normAutofit/>
-          </a:bodyPr>
-          <a:lstStyle/>
-          <a:p>
-            <a:r>
-              <a:rPr lang="nl-NL" sz="3600" noProof="0" dirty="0"/>
-              <a:t>Oefeningen III</a:t>
-            </a:r>
-          </a:p>
-        </p:txBody>
-      </p:sp>
-      <p:sp>
-        <p:nvSpPr>
-          <p:cNvPr id="3" name="Content Placeholder 2">
-            <a:extLst>
-              <a:ext uri="{FF2B5EF4-FFF2-40B4-BE49-F238E27FC236}">
-                <a16:creationId xmlns:a16="http://schemas.microsoft.com/office/drawing/2014/main" id="{F4C2D286-E049-0AAB-1360-B7157E11AD7E}"/>
-              </a:ext>
-            </a:extLst>
-          </p:cNvPr>
-          <p:cNvSpPr>
-            <a:spLocks noGrp="1"/>
-          </p:cNvSpPr>
-          <p:nvPr>
-            <p:ph idx="1"/>
-          </p:nvPr>
-        </p:nvSpPr>
-        <p:spPr>
-          <a:xfrm>
-            <a:off x="838200" y="1456267"/>
-            <a:ext cx="10375900" cy="4720696"/>
-          </a:xfrm>
-        </p:spPr>
-        <p:txBody>
-          <a:bodyPr>
-            <a:normAutofit/>
-          </a:bodyPr>
-          <a:lstStyle/>
-          <a:p>
-            <a:pPr marL="457200" indent="-457200">
-              <a:buFont typeface="Arial" panose="020B0604020202020204" pitchFamily="34" charset="0"/>
-              <a:buAutoNum type="arabicPeriod"/>
-            </a:pPr>
-            <a:r>
-              <a:rPr lang="nl-NL" sz="2000" dirty="0"/>
-              <a:t>Open de verbeterde code van de vorige opdracht.</a:t>
-            </a:r>
-            <a:br>
-              <a:rPr lang="nl-NL" sz="2000" dirty="0"/>
-            </a:br>
-            <a:r>
-              <a:rPr lang="nl-NL" sz="2000" dirty="0"/>
-              <a:t>(of: </a:t>
-            </a:r>
-            <a:r>
-              <a:rPr lang="nl-NL" sz="2000" dirty="0">
-                <a:latin typeface="Courier New" panose="02070309020205020404" pitchFamily="49" charset="0"/>
-                <a:cs typeface="Courier New" panose="02070309020205020404" pitchFamily="49" charset="0"/>
-              </a:rPr>
-              <a:t>solutions/2_refactor.py</a:t>
-            </a:r>
-            <a:r>
-              <a:rPr lang="nl-NL" sz="2000" noProof="0" dirty="0"/>
-              <a:t>)</a:t>
-            </a:r>
-          </a:p>
-          <a:p>
-            <a:pPr marL="457200" indent="-457200">
-              <a:buFont typeface="Arial" panose="020B0604020202020204" pitchFamily="34" charset="0"/>
-              <a:buAutoNum type="arabicPeriod"/>
-            </a:pPr>
-            <a:endParaRPr lang="nl-NL" sz="2000" noProof="0" dirty="0"/>
-          </a:p>
-          <a:p>
-            <a:pPr marL="457200" indent="-457200">
-              <a:buFont typeface="Arial" panose="020B0604020202020204" pitchFamily="34" charset="0"/>
-              <a:buAutoNum type="arabicPeriod"/>
-            </a:pPr>
-            <a:r>
-              <a:rPr lang="nl-NL" sz="2000" noProof="0" dirty="0"/>
-              <a:t>Voeg een gebruikersvriendelijke foutmelding toe voor:</a:t>
-            </a:r>
-          </a:p>
-          <a:p>
-            <a:pPr lvl="1"/>
-            <a:r>
-              <a:rPr lang="nl-NL" sz="2000" noProof="0" dirty="0" err="1">
-                <a:latin typeface="Courier New" panose="02070309020205020404" pitchFamily="49" charset="0"/>
-                <a:cs typeface="Courier New" panose="02070309020205020404" pitchFamily="49" charset="0"/>
-              </a:rPr>
-              <a:t>FileNotFoundError</a:t>
-            </a:r>
-            <a:r>
-              <a:rPr lang="nl-NL" sz="2000" noProof="0" dirty="0"/>
-              <a:t> bij het inlezen van sales data.</a:t>
-            </a:r>
-          </a:p>
-          <a:p>
-            <a:pPr lvl="1"/>
-            <a:r>
-              <a:rPr lang="nl-NL" sz="2000" noProof="0" dirty="0"/>
-              <a:t>Beëindig het programma met </a:t>
-            </a:r>
-            <a:r>
-              <a:rPr lang="nl-NL" sz="2000" noProof="0" dirty="0" err="1">
-                <a:latin typeface="Courier New" panose="02070309020205020404" pitchFamily="49" charset="0"/>
-                <a:cs typeface="Courier New" panose="02070309020205020404" pitchFamily="49" charset="0"/>
-              </a:rPr>
-              <a:t>sys.exit</a:t>
-            </a:r>
-            <a:r>
-              <a:rPr lang="nl-NL" sz="2000" noProof="0" dirty="0">
-                <a:latin typeface="Courier New" panose="02070309020205020404" pitchFamily="49" charset="0"/>
-                <a:cs typeface="Courier New" panose="02070309020205020404" pitchFamily="49" charset="0"/>
-              </a:rPr>
-              <a:t>(1)</a:t>
-            </a:r>
-            <a:r>
-              <a:rPr lang="nl-NL" sz="2000" noProof="0" dirty="0"/>
-              <a:t>.</a:t>
-            </a:r>
-          </a:p>
-        </p:txBody>
-      </p:sp>
-    </p:spTree>
-    <p:extLst>
-      <p:ext uri="{BB962C8B-B14F-4D97-AF65-F5344CB8AC3E}">
-        <p14:creationId xmlns:p14="http://schemas.microsoft.com/office/powerpoint/2010/main" val="1147293954"/>
       </p:ext>
     </p:extLst>
   </p:cSld>
@@ -21882,6 +21990,184 @@
       </p:grpSpPr>
       <p:sp>
         <p:nvSpPr>
+          <p:cNvPr id="2" name="Title 1">
+            <a:extLst>
+              <a:ext uri="{FF2B5EF4-FFF2-40B4-BE49-F238E27FC236}">
+                <a16:creationId xmlns:a16="http://schemas.microsoft.com/office/drawing/2014/main" id="{39A1D606-8DD1-369C-5C09-471CDD551AD5}"/>
+              </a:ext>
+            </a:extLst>
+          </p:cNvPr>
+          <p:cNvSpPr>
+            <a:spLocks noGrp="1"/>
+          </p:cNvSpPr>
+          <p:nvPr>
+            <p:ph type="title"/>
+          </p:nvPr>
+        </p:nvSpPr>
+        <p:spPr>
+          <a:xfrm>
+            <a:off x="838200" y="365126"/>
+            <a:ext cx="10515600" cy="718608"/>
+          </a:xfrm>
+        </p:spPr>
+        <p:txBody>
+          <a:bodyPr>
+            <a:normAutofit/>
+          </a:bodyPr>
+          <a:lstStyle/>
+          <a:p>
+            <a:r>
+              <a:rPr lang="nl-NL" sz="3600" noProof="0" dirty="0"/>
+              <a:t>Oefeningen III</a:t>
+            </a:r>
+          </a:p>
+        </p:txBody>
+      </p:sp>
+      <p:sp>
+        <p:nvSpPr>
+          <p:cNvPr id="3" name="Content Placeholder 2">
+            <a:extLst>
+              <a:ext uri="{FF2B5EF4-FFF2-40B4-BE49-F238E27FC236}">
+                <a16:creationId xmlns:a16="http://schemas.microsoft.com/office/drawing/2014/main" id="{F4C2D286-E049-0AAB-1360-B7157E11AD7E}"/>
+              </a:ext>
+            </a:extLst>
+          </p:cNvPr>
+          <p:cNvSpPr>
+            <a:spLocks noGrp="1"/>
+          </p:cNvSpPr>
+          <p:nvPr>
+            <p:ph idx="1"/>
+          </p:nvPr>
+        </p:nvSpPr>
+        <p:spPr>
+          <a:xfrm>
+            <a:off x="838200" y="1456267"/>
+            <a:ext cx="10375900" cy="4720696"/>
+          </a:xfrm>
+        </p:spPr>
+        <p:txBody>
+          <a:bodyPr>
+            <a:normAutofit/>
+          </a:bodyPr>
+          <a:lstStyle/>
+          <a:p>
+            <a:pPr marL="457200" indent="-457200">
+              <a:buFont typeface="Arial" panose="020B0604020202020204" pitchFamily="34" charset="0"/>
+              <a:buAutoNum type="arabicPeriod"/>
+            </a:pPr>
+            <a:r>
+              <a:rPr lang="nl-NL" sz="2000" dirty="0"/>
+              <a:t>Open de verbeterde code van de vorige opdracht.</a:t>
+            </a:r>
+            <a:br>
+              <a:rPr lang="nl-NL" sz="2000" dirty="0"/>
+            </a:br>
+            <a:r>
+              <a:rPr lang="nl-NL" sz="2000" dirty="0"/>
+              <a:t>(of: </a:t>
+            </a:r>
+            <a:r>
+              <a:rPr lang="nl-NL" sz="2000" dirty="0">
+                <a:latin typeface="Courier New" panose="02070309020205020404" pitchFamily="49" charset="0"/>
+                <a:cs typeface="Courier New" panose="02070309020205020404" pitchFamily="49" charset="0"/>
+              </a:rPr>
+              <a:t>solutions/2_refactor.py</a:t>
+            </a:r>
+            <a:r>
+              <a:rPr lang="nl-NL" sz="2000" noProof="0" dirty="0"/>
+              <a:t>)</a:t>
+            </a:r>
+          </a:p>
+          <a:p>
+            <a:pPr marL="457200" indent="-457200">
+              <a:buFont typeface="Arial" panose="020B0604020202020204" pitchFamily="34" charset="0"/>
+              <a:buAutoNum type="arabicPeriod"/>
+            </a:pPr>
+            <a:endParaRPr lang="nl-NL" sz="2000" noProof="0" dirty="0"/>
+          </a:p>
+          <a:p>
+            <a:pPr marL="457200" indent="-457200">
+              <a:buFont typeface="Arial" panose="020B0604020202020204" pitchFamily="34" charset="0"/>
+              <a:buAutoNum type="arabicPeriod"/>
+            </a:pPr>
+            <a:r>
+              <a:rPr lang="nl-NL" sz="2000" noProof="0" dirty="0"/>
+              <a:t>Voeg een gebruikersvriendelijke foutmelding toe voor:</a:t>
+            </a:r>
+          </a:p>
+          <a:p>
+            <a:pPr lvl="1"/>
+            <a:r>
+              <a:rPr lang="nl-NL" sz="2000" noProof="0" dirty="0" err="1">
+                <a:latin typeface="Courier New" panose="02070309020205020404" pitchFamily="49" charset="0"/>
+                <a:cs typeface="Courier New" panose="02070309020205020404" pitchFamily="49" charset="0"/>
+              </a:rPr>
+              <a:t>FileNotFoundError</a:t>
+            </a:r>
+            <a:r>
+              <a:rPr lang="nl-NL" sz="2000" noProof="0" dirty="0"/>
+              <a:t> bij het inlezen van sales data.</a:t>
+            </a:r>
+          </a:p>
+          <a:p>
+            <a:pPr lvl="1"/>
+            <a:r>
+              <a:rPr lang="nl-NL" sz="2000" noProof="0" dirty="0"/>
+              <a:t>Beëindig het programma met </a:t>
+            </a:r>
+            <a:r>
+              <a:rPr lang="nl-NL" sz="2000" noProof="0" dirty="0" err="1">
+                <a:latin typeface="Courier New" panose="02070309020205020404" pitchFamily="49" charset="0"/>
+                <a:cs typeface="Courier New" panose="02070309020205020404" pitchFamily="49" charset="0"/>
+              </a:rPr>
+              <a:t>sys.exit</a:t>
+            </a:r>
+            <a:r>
+              <a:rPr lang="nl-NL" sz="2000" noProof="0" dirty="0">
+                <a:latin typeface="Courier New" panose="02070309020205020404" pitchFamily="49" charset="0"/>
+                <a:cs typeface="Courier New" panose="02070309020205020404" pitchFamily="49" charset="0"/>
+              </a:rPr>
+              <a:t>(1)</a:t>
+            </a:r>
+            <a:r>
+              <a:rPr lang="nl-NL" sz="2000" noProof="0" dirty="0"/>
+              <a:t>.</a:t>
+            </a:r>
+          </a:p>
+        </p:txBody>
+      </p:sp>
+    </p:spTree>
+    <p:extLst>
+      <p:ext uri="{BB962C8B-B14F-4D97-AF65-F5344CB8AC3E}">
+        <p14:creationId xmlns:p14="http://schemas.microsoft.com/office/powerpoint/2010/main" val="1147293954"/>
+      </p:ext>
+    </p:extLst>
+  </p:cSld>
+  <p:clrMapOvr>
+    <a:masterClrMapping/>
+  </p:clrMapOvr>
+</p:sld>
+</file>
+
+<file path=ppt/slides/slide41.xml><?xml version="1.0" encoding="utf-8"?>
+<p:sld xmlns:a="http://schemas.openxmlformats.org/drawingml/2006/main" xmlns:r="http://schemas.openxmlformats.org/officeDocument/2006/relationships" xmlns:p="http://schemas.openxmlformats.org/presentationml/2006/main">
+  <p:cSld>
+    <p:spTree>
+      <p:nvGrpSpPr>
+        <p:cNvPr id="1" name=""/>
+        <p:cNvGrpSpPr/>
+        <p:nvPr/>
+      </p:nvGrpSpPr>
+      <p:grpSpPr>
+        <a:xfrm>
+          <a:off x="0" y="0"/>
+          <a:ext cx="0" cy="0"/>
+          <a:chOff x="0" y="0"/>
+          <a:chExt cx="0" cy="0"/>
+        </a:xfrm>
+      </p:grpSpPr>
+      <p:sp>
+        <p:nvSpPr>
           <p:cNvPr id="4" name="Title 3">
             <a:extLst>
               <a:ext uri="{FF2B5EF4-FFF2-40B4-BE49-F238E27FC236}">
@@ -21946,7 +22232,7 @@
 </p:sld>
 </file>
 
-<file path=ppt/slides/slide41.xml><?xml version="1.0" encoding="utf-8"?>
+<file path=ppt/slides/slide42.xml><?xml version="1.0" encoding="utf-8"?>
 <p:sld xmlns:a="http://schemas.openxmlformats.org/drawingml/2006/main" xmlns:r="http://schemas.openxmlformats.org/officeDocument/2006/relationships" xmlns:p="http://schemas.openxmlformats.org/presentationml/2006/main">
   <p:cSld>
     <p:spTree>
@@ -22730,7 +23016,7 @@
 </p:sld>
 </file>
 
-<file path=ppt/slides/slide42.xml><?xml version="1.0" encoding="utf-8"?>
+<file path=ppt/slides/slide43.xml><?xml version="1.0" encoding="utf-8"?>
 <p:sld xmlns:a="http://schemas.openxmlformats.org/drawingml/2006/main" xmlns:r="http://schemas.openxmlformats.org/officeDocument/2006/relationships" xmlns:p="http://schemas.openxmlformats.org/presentationml/2006/main">
   <p:cSld>
     <p:spTree>
@@ -22911,7 +23197,7 @@
 </p:sld>
 </file>
 
-<file path=ppt/slides/slide43.xml><?xml version="1.0" encoding="utf-8"?>
+<file path=ppt/slides/slide44.xml><?xml version="1.0" encoding="utf-8"?>
 <p:sld xmlns:a="http://schemas.openxmlformats.org/drawingml/2006/main" xmlns:r="http://schemas.openxmlformats.org/officeDocument/2006/relationships" xmlns:p="http://schemas.openxmlformats.org/presentationml/2006/main">
   <p:cSld>
     <p:spTree>
@@ -23377,7 +23663,7 @@
 </p:sld>
 </file>
 
-<file path=ppt/slides/slide44.xml><?xml version="1.0" encoding="utf-8"?>
+<file path=ppt/slides/slide45.xml><?xml version="1.0" encoding="utf-8"?>
 <p:sld xmlns:a="http://schemas.openxmlformats.org/drawingml/2006/main" xmlns:r="http://schemas.openxmlformats.org/officeDocument/2006/relationships" xmlns:p="http://schemas.openxmlformats.org/presentationml/2006/main">
   <p:cSld>
     <p:spTree>
@@ -23824,7 +24110,7 @@
 </p:sld>
 </file>
 
-<file path=ppt/slides/slide45.xml><?xml version="1.0" encoding="utf-8"?>
+<file path=ppt/slides/slide46.xml><?xml version="1.0" encoding="utf-8"?>
 <p:sld xmlns:a="http://schemas.openxmlformats.org/drawingml/2006/main" xmlns:r="http://schemas.openxmlformats.org/officeDocument/2006/relationships" xmlns:p="http://schemas.openxmlformats.org/presentationml/2006/main">
   <p:cSld>
     <p:spTree>
@@ -24285,7 +24571,7 @@
 </p:sld>
 </file>
 
-<file path=ppt/slides/slide46.xml><?xml version="1.0" encoding="utf-8"?>
+<file path=ppt/slides/slide47.xml><?xml version="1.0" encoding="utf-8"?>
 <p:sld xmlns:a="http://schemas.openxmlformats.org/drawingml/2006/main" xmlns:r="http://schemas.openxmlformats.org/officeDocument/2006/relationships" xmlns:p="http://schemas.openxmlformats.org/presentationml/2006/main">
   <p:cSld>
     <p:spTree>
@@ -24452,7 +24738,7 @@
 </p:sld>
 </file>
 
-<file path=ppt/slides/slide47.xml><?xml version="1.0" encoding="utf-8"?>
+<file path=ppt/slides/slide48.xml><?xml version="1.0" encoding="utf-8"?>
 <p:sld xmlns:a="http://schemas.openxmlformats.org/drawingml/2006/main" xmlns:r="http://schemas.openxmlformats.org/officeDocument/2006/relationships" xmlns:p="http://schemas.openxmlformats.org/presentationml/2006/main">
   <p:cSld>
     <p:spTree>
@@ -24781,7 +25067,7 @@
 </p:sld>
 </file>
 
-<file path=ppt/slides/slide48.xml><?xml version="1.0" encoding="utf-8"?>
+<file path=ppt/slides/slide49.xml><?xml version="1.0" encoding="utf-8"?>
 <p:sld xmlns:a="http://schemas.openxmlformats.org/drawingml/2006/main" xmlns:r="http://schemas.openxmlformats.org/officeDocument/2006/relationships" xmlns:p="http://schemas.openxmlformats.org/presentationml/2006/main">
   <p:cSld>
     <p:spTree>
@@ -25164,203 +25450,6 @@
     <p:extLst>
       <p:ext uri="{BB962C8B-B14F-4D97-AF65-F5344CB8AC3E}">
         <p14:creationId xmlns:p14="http://schemas.microsoft.com/office/powerpoint/2010/main" val="3875907852"/>
-      </p:ext>
-    </p:extLst>
-  </p:cSld>
-  <p:clrMapOvr>
-    <a:masterClrMapping/>
-  </p:clrMapOvr>
-</p:sld>
-</file>
-
-<file path=ppt/slides/slide49.xml><?xml version="1.0" encoding="utf-8"?>
-<p:sld xmlns:a="http://schemas.openxmlformats.org/drawingml/2006/main" xmlns:r="http://schemas.openxmlformats.org/officeDocument/2006/relationships" xmlns:p="http://schemas.openxmlformats.org/presentationml/2006/main">
-  <p:cSld>
-    <p:spTree>
-      <p:nvGrpSpPr>
-        <p:cNvPr id="1" name=""/>
-        <p:cNvGrpSpPr/>
-        <p:nvPr/>
-      </p:nvGrpSpPr>
-      <p:grpSpPr>
-        <a:xfrm>
-          <a:off x="0" y="0"/>
-          <a:ext cx="0" cy="0"/>
-          <a:chOff x="0" y="0"/>
-          <a:chExt cx="0" cy="0"/>
-        </a:xfrm>
-      </p:grpSpPr>
-      <p:sp>
-        <p:nvSpPr>
-          <p:cNvPr id="2" name="Title 1">
-            <a:extLst>
-              <a:ext uri="{FF2B5EF4-FFF2-40B4-BE49-F238E27FC236}">
-                <a16:creationId xmlns:a16="http://schemas.microsoft.com/office/drawing/2014/main" id="{39A1D606-8DD1-369C-5C09-471CDD551AD5}"/>
-              </a:ext>
-            </a:extLst>
-          </p:cNvPr>
-          <p:cNvSpPr>
-            <a:spLocks noGrp="1"/>
-          </p:cNvSpPr>
-          <p:nvPr>
-            <p:ph type="title"/>
-          </p:nvPr>
-        </p:nvSpPr>
-        <p:spPr>
-          <a:xfrm>
-            <a:off x="838200" y="365126"/>
-            <a:ext cx="10515600" cy="718608"/>
-          </a:xfrm>
-        </p:spPr>
-        <p:txBody>
-          <a:bodyPr>
-            <a:normAutofit/>
-          </a:bodyPr>
-          <a:lstStyle/>
-          <a:p>
-            <a:r>
-              <a:rPr lang="nl-NL" sz="3600" noProof="0" dirty="0"/>
-              <a:t>Oefeningen V</a:t>
-            </a:r>
-          </a:p>
-        </p:txBody>
-      </p:sp>
-      <p:sp>
-        <p:nvSpPr>
-          <p:cNvPr id="3" name="Content Placeholder 2">
-            <a:extLst>
-              <a:ext uri="{FF2B5EF4-FFF2-40B4-BE49-F238E27FC236}">
-                <a16:creationId xmlns:a16="http://schemas.microsoft.com/office/drawing/2014/main" id="{F4C2D286-E049-0AAB-1360-B7157E11AD7E}"/>
-              </a:ext>
-            </a:extLst>
-          </p:cNvPr>
-          <p:cNvSpPr>
-            <a:spLocks noGrp="1"/>
-          </p:cNvSpPr>
-          <p:nvPr>
-            <p:ph idx="1"/>
-          </p:nvPr>
-        </p:nvSpPr>
-        <p:spPr>
-          <a:xfrm>
-            <a:off x="838200" y="1456267"/>
-            <a:ext cx="10375900" cy="4720696"/>
-          </a:xfrm>
-        </p:spPr>
-        <p:txBody>
-          <a:bodyPr>
-            <a:normAutofit/>
-          </a:bodyPr>
-          <a:lstStyle/>
-          <a:p>
-            <a:pPr marL="457200" indent="-457200">
-              <a:buFont typeface="Arial" panose="020B0604020202020204" pitchFamily="34" charset="0"/>
-              <a:buAutoNum type="arabicPeriod"/>
-            </a:pPr>
-            <a:r>
-              <a:rPr lang="nl-NL" sz="2000" dirty="0"/>
-              <a:t>Kopieer de </a:t>
-            </a:r>
-            <a:r>
-              <a:rPr lang="nl-NL" sz="2000" dirty="0">
-                <a:latin typeface="Courier New" panose="02070309020205020404" pitchFamily="49" charset="0"/>
-                <a:cs typeface="Courier New" panose="02070309020205020404" pitchFamily="49" charset="0"/>
-              </a:rPr>
-              <a:t>Points2D</a:t>
-            </a:r>
-            <a:r>
-              <a:rPr lang="nl-NL" sz="2000" dirty="0"/>
-              <a:t> class uit het bestand: </a:t>
-            </a:r>
-            <a:r>
-              <a:rPr lang="nl-NL" sz="2000" dirty="0">
-                <a:latin typeface="Courier New" panose="02070309020205020404" pitchFamily="49" charset="0"/>
-                <a:cs typeface="Courier New" panose="02070309020205020404" pitchFamily="49" charset="0"/>
-              </a:rPr>
-              <a:t>2_production_code/exercises/4_testing.py</a:t>
-            </a:r>
-          </a:p>
-          <a:p>
-            <a:pPr marL="457200" indent="-457200">
-              <a:buFont typeface="Arial" panose="020B0604020202020204" pitchFamily="34" charset="0"/>
-              <a:buAutoNum type="arabicPeriod"/>
-            </a:pPr>
-            <a:endParaRPr lang="nl-NL" sz="2000" noProof="0" dirty="0"/>
-          </a:p>
-          <a:p>
-            <a:pPr marL="457200" indent="-457200">
-              <a:buFont typeface="Arial" panose="020B0604020202020204" pitchFamily="34" charset="0"/>
-              <a:buAutoNum type="arabicPeriod"/>
-            </a:pPr>
-            <a:r>
-              <a:rPr lang="nl-NL" sz="2000" dirty="0"/>
-              <a:t>Schrijf unit tests voor de </a:t>
-            </a:r>
-            <a:r>
-              <a:rPr lang="nl-NL" sz="2000" dirty="0">
-                <a:latin typeface="Courier New" panose="02070309020205020404" pitchFamily="49" charset="0"/>
-                <a:cs typeface="Courier New" panose="02070309020205020404" pitchFamily="49" charset="0"/>
-              </a:rPr>
-              <a:t>Points2D</a:t>
-            </a:r>
-            <a:r>
-              <a:rPr lang="nl-NL" sz="2000" dirty="0"/>
-              <a:t> class:</a:t>
-            </a:r>
-          </a:p>
-          <a:p>
-            <a:pPr marL="457200" indent="-457200">
-              <a:buFont typeface="Arial" panose="020B0604020202020204" pitchFamily="34" charset="0"/>
-              <a:buAutoNum type="arabicPeriod"/>
-            </a:pPr>
-            <a:endParaRPr lang="nl-NL" sz="2000" dirty="0"/>
-          </a:p>
-          <a:p>
-            <a:pPr lvl="1"/>
-            <a:r>
-              <a:rPr lang="nl-NL" sz="2000" dirty="0"/>
-              <a:t>Gebruik voor alle tests deze punten: </a:t>
-            </a:r>
-            <a:r>
-              <a:rPr lang="nl-NL" sz="2000" dirty="0">
-                <a:latin typeface="Courier New" panose="02070309020205020404" pitchFamily="49" charset="0"/>
-                <a:cs typeface="Courier New" panose="02070309020205020404" pitchFamily="49" charset="0"/>
-              </a:rPr>
-              <a:t>(1, 1), (1, 3), (4, 1), (4, 3)</a:t>
-            </a:r>
-          </a:p>
-          <a:p>
-            <a:pPr lvl="1"/>
-            <a:r>
-              <a:rPr lang="nl-NL" sz="2000" dirty="0">
-                <a:cs typeface="Courier New" panose="02070309020205020404" pitchFamily="49" charset="0"/>
-              </a:rPr>
-              <a:t>Test verplaatsen met positieve en negatieve waardes.</a:t>
-            </a:r>
-          </a:p>
-          <a:p>
-            <a:pPr lvl="1"/>
-            <a:r>
-              <a:rPr lang="nl-NL" sz="2000" dirty="0">
-                <a:cs typeface="Courier New" panose="02070309020205020404" pitchFamily="49" charset="0"/>
-              </a:rPr>
-              <a:t>Test schalen met positieve en negatieve waardes.</a:t>
-            </a:r>
-          </a:p>
-          <a:p>
-            <a:pPr marL="457200" lvl="1" indent="0">
-              <a:buNone/>
-            </a:pPr>
-            <a:endParaRPr lang="nl-NL" sz="2000" dirty="0">
-              <a:cs typeface="Courier New" panose="02070309020205020404" pitchFamily="49" charset="0"/>
-            </a:endParaRPr>
-          </a:p>
-        </p:txBody>
-      </p:sp>
-    </p:spTree>
-    <p:extLst>
-      <p:ext uri="{BB962C8B-B14F-4D97-AF65-F5344CB8AC3E}">
-        <p14:creationId xmlns:p14="http://schemas.microsoft.com/office/powerpoint/2010/main" val="3867838155"/>
       </p:ext>
     </p:extLst>
   </p:cSld>
@@ -25643,7 +25732,7 @@
           <p:cNvPr id="2" name="Title 1">
             <a:extLst>
               <a:ext uri="{FF2B5EF4-FFF2-40B4-BE49-F238E27FC236}">
-                <a16:creationId xmlns:a16="http://schemas.microsoft.com/office/drawing/2014/main" id="{F0117A71-C343-4E94-A229-F18D53D8BEF6}"/>
+                <a16:creationId xmlns:a16="http://schemas.microsoft.com/office/drawing/2014/main" id="{39A1D606-8DD1-369C-5C09-471CDD551AD5}"/>
               </a:ext>
             </a:extLst>
           </p:cNvPr>
@@ -25654,14 +25743,21 @@
             <p:ph type="title"/>
           </p:nvPr>
         </p:nvSpPr>
-        <p:spPr/>
+        <p:spPr>
+          <a:xfrm>
+            <a:off x="838200" y="365126"/>
+            <a:ext cx="10515600" cy="718608"/>
+          </a:xfrm>
+        </p:spPr>
         <p:txBody>
-          <a:bodyPr/>
+          <a:bodyPr>
+            <a:normAutofit/>
+          </a:bodyPr>
           <a:lstStyle/>
           <a:p>
             <a:r>
-              <a:rPr lang="nl-NL" dirty="0"/>
-              <a:t>Tips &amp; Tricks</a:t>
+              <a:rPr lang="nl-NL" sz="3600" noProof="0" dirty="0"/>
+              <a:t>Oefeningen V</a:t>
             </a:r>
           </a:p>
         </p:txBody>
@@ -25671,7 +25767,7 @@
           <p:cNvPr id="3" name="Content Placeholder 2">
             <a:extLst>
               <a:ext uri="{FF2B5EF4-FFF2-40B4-BE49-F238E27FC236}">
-                <a16:creationId xmlns:a16="http://schemas.microsoft.com/office/drawing/2014/main" id="{BAC51C7A-6D7E-4515-BA34-6BEF13D36B55}"/>
+                <a16:creationId xmlns:a16="http://schemas.microsoft.com/office/drawing/2014/main" id="{F4C2D286-E049-0AAB-1360-B7157E11AD7E}"/>
               </a:ext>
             </a:extLst>
           </p:cNvPr>
@@ -25682,145 +25778,126 @@
             <p:ph idx="1"/>
           </p:nvPr>
         </p:nvSpPr>
-        <p:spPr/>
+        <p:spPr>
+          <a:xfrm>
+            <a:off x="838200" y="1456267"/>
+            <a:ext cx="10375900" cy="4720696"/>
+          </a:xfrm>
+        </p:spPr>
         <p:txBody>
           <a:bodyPr>
-            <a:normAutofit fontScale="92500" lnSpcReduction="20000"/>
+            <a:normAutofit/>
           </a:bodyPr>
           <a:lstStyle/>
           <a:p>
+            <a:pPr marL="457200" indent="-457200">
+              <a:buFont typeface="Arial" panose="020B0604020202020204" pitchFamily="34" charset="0"/>
+              <a:buAutoNum type="arabicPeriod"/>
+            </a:pPr>
             <a:r>
               <a:rPr lang="nl-NL" sz="2000" dirty="0"/>
-              <a:t>Test in ieder geval:</a:t>
-            </a:r>
+              <a:t>Kopieer de </a:t>
+            </a:r>
+            <a:r>
+              <a:rPr lang="nl-NL" sz="2000" dirty="0">
+                <a:latin typeface="Courier New" panose="02070309020205020404" pitchFamily="49" charset="0"/>
+                <a:cs typeface="Courier New" panose="02070309020205020404" pitchFamily="49" charset="0"/>
+              </a:rPr>
+              <a:t>Points2D</a:t>
+            </a:r>
+            <a:r>
+              <a:rPr lang="nl-NL" sz="2000" dirty="0"/>
+              <a:t> class uit het bestand: </a:t>
+            </a:r>
+            <a:r>
+              <a:rPr lang="nl-NL" sz="2000" dirty="0">
+                <a:latin typeface="Courier New" panose="02070309020205020404" pitchFamily="49" charset="0"/>
+                <a:cs typeface="Courier New" panose="02070309020205020404" pitchFamily="49" charset="0"/>
+              </a:rPr>
+              <a:t>2_production_code/exercises/4_testing.py</a:t>
+            </a:r>
+          </a:p>
+          <a:p>
+            <a:pPr marL="457200" indent="-457200">
+              <a:buFont typeface="Arial" panose="020B0604020202020204" pitchFamily="34" charset="0"/>
+              <a:buAutoNum type="arabicPeriod"/>
+            </a:pPr>
+            <a:endParaRPr lang="nl-NL" sz="2000" noProof="0" dirty="0"/>
+          </a:p>
+          <a:p>
+            <a:pPr marL="457200" indent="-457200">
+              <a:buFont typeface="Arial" panose="020B0604020202020204" pitchFamily="34" charset="0"/>
+              <a:buAutoNum type="arabicPeriod"/>
+            </a:pPr>
+            <a:r>
+              <a:rPr lang="nl-NL" sz="2000" dirty="0"/>
+              <a:t>Schrijf unit tests voor de </a:t>
+            </a:r>
+            <a:r>
+              <a:rPr lang="nl-NL" sz="2000" dirty="0">
+                <a:latin typeface="Courier New" panose="02070309020205020404" pitchFamily="49" charset="0"/>
+                <a:cs typeface="Courier New" panose="02070309020205020404" pitchFamily="49" charset="0"/>
+              </a:rPr>
+              <a:t>Points2D</a:t>
+            </a:r>
+            <a:r>
+              <a:rPr lang="nl-NL" sz="2000" dirty="0"/>
+              <a:t> class:</a:t>
+            </a:r>
+          </a:p>
+          <a:p>
+            <a:pPr marL="457200" indent="-457200">
+              <a:buFont typeface="Arial" panose="020B0604020202020204" pitchFamily="34" charset="0"/>
+              <a:buAutoNum type="arabicPeriod"/>
+            </a:pPr>
+            <a:endParaRPr lang="nl-NL" sz="2000" dirty="0"/>
           </a:p>
           <a:p>
             <a:pPr lvl="1"/>
             <a:r>
-              <a:rPr lang="nl-NL" sz="1600" dirty="0"/>
-              <a:t>De functionaliteit met geldige invoer.</a:t>
+              <a:rPr lang="nl-NL" sz="2000" dirty="0"/>
+              <a:t>Gebruik voor alle tests deze punten: </a:t>
+            </a:r>
+            <a:r>
+              <a:rPr lang="nl-NL" sz="2000" dirty="0">
+                <a:latin typeface="Courier New" panose="02070309020205020404" pitchFamily="49" charset="0"/>
+                <a:cs typeface="Courier New" panose="02070309020205020404" pitchFamily="49" charset="0"/>
+              </a:rPr>
+              <a:t>(1, 1), (1, 3), (4, 1), (4, 3)</a:t>
             </a:r>
           </a:p>
           <a:p>
             <a:pPr lvl="1"/>
             <a:r>
-              <a:rPr lang="nl-NL" sz="1600" dirty="0"/>
-              <a:t>Alle configuratie opties die je aanbiedt.</a:t>
+              <a:rPr lang="nl-NL" sz="2000" dirty="0">
+                <a:cs typeface="Courier New" panose="02070309020205020404" pitchFamily="49" charset="0"/>
+              </a:rPr>
+              <a:t>Test verplaatsen met positieve en negatieve waardes.</a:t>
             </a:r>
           </a:p>
           <a:p>
             <a:pPr lvl="1"/>
             <a:r>
-              <a:rPr lang="nl-NL" sz="1600" dirty="0"/>
-              <a:t>Alle foutmeldingen die je afgeeft.</a:t>
-            </a:r>
-          </a:p>
-          <a:p>
-            <a:pPr lvl="1"/>
-            <a:r>
-              <a:rPr lang="nl-NL" sz="1600" dirty="0"/>
-              <a:t>De meest voor-de-hand-liggende “</a:t>
-            </a:r>
-            <a:r>
-              <a:rPr lang="nl-NL" sz="1600" dirty="0" err="1"/>
-              <a:t>edge</a:t>
-            </a:r>
-            <a:r>
-              <a:rPr lang="nl-NL" sz="1600" dirty="0"/>
-              <a:t> cases”.</a:t>
-            </a:r>
-          </a:p>
-          <a:p>
-            <a:pPr marL="0" indent="0">
-              <a:buNone/>
-            </a:pPr>
-            <a:endParaRPr lang="nl-NL" sz="2000" dirty="0"/>
-          </a:p>
-          <a:p>
-            <a:r>
-              <a:rPr lang="nl-NL" sz="2000" dirty="0"/>
-              <a:t>Houd tests in de vorm invoer == resultaat.</a:t>
-            </a:r>
-          </a:p>
-          <a:p>
-            <a:pPr lvl="1"/>
-            <a:r>
-              <a:rPr lang="nl-NL" sz="1600" dirty="0"/>
-              <a:t>Bouw niet de te testen functionaliteit na!</a:t>
-            </a:r>
-          </a:p>
-          <a:p>
-            <a:pPr lvl="1"/>
-            <a:r>
-              <a:rPr lang="nl-NL" sz="1600" dirty="0"/>
-              <a:t>Sla data eventueel op als bestand of </a:t>
-            </a:r>
-            <a:r>
-              <a:rPr lang="nl-NL" sz="1600" dirty="0" err="1"/>
-              <a:t>pickle</a:t>
-            </a:r>
-            <a:r>
-              <a:rPr lang="nl-NL" sz="1600" dirty="0"/>
-              <a:t>.</a:t>
-            </a:r>
-          </a:p>
-          <a:p>
-            <a:endParaRPr lang="nl-NL" sz="2000" dirty="0"/>
-          </a:p>
-          <a:p>
-            <a:r>
-              <a:rPr lang="nl-NL" sz="2000" dirty="0"/>
-              <a:t>Wacht niet te lang met tests schrijven!</a:t>
-            </a:r>
-          </a:p>
-          <a:p>
-            <a:endParaRPr lang="nl-NL" sz="2000" dirty="0"/>
-          </a:p>
-          <a:p>
-            <a:r>
-              <a:rPr lang="nl-NL" sz="2000" dirty="0"/>
-              <a:t>Controleer de dekking van je tests.</a:t>
-            </a:r>
-          </a:p>
-          <a:p>
-            <a:pPr lvl="1"/>
-            <a:r>
-              <a:rPr lang="nl-NL" sz="1600" dirty="0"/>
-              <a:t>Gebruik package </a:t>
-            </a:r>
-            <a:r>
-              <a:rPr lang="nl-NL" sz="1600" dirty="0" err="1">
-                <a:latin typeface="Courier New" panose="02070309020205020404" pitchFamily="49" charset="0"/>
-                <a:cs typeface="Courier New" panose="02070309020205020404" pitchFamily="49" charset="0"/>
-              </a:rPr>
-              <a:t>pytest-cov</a:t>
-            </a:r>
-            <a:r>
-              <a:rPr lang="nl-NL" sz="1600" dirty="0"/>
-              <a:t> voor </a:t>
-            </a:r>
-            <a:r>
-              <a:rPr lang="nl-NL" sz="1600" dirty="0" err="1"/>
-              <a:t>coverage</a:t>
-            </a:r>
-            <a:r>
-              <a:rPr lang="nl-NL" sz="1600" dirty="0"/>
-              <a:t> report.</a:t>
-            </a:r>
-          </a:p>
-          <a:p>
-            <a:pPr lvl="1"/>
-            <a:r>
-              <a:rPr lang="nl-NL" sz="1600" dirty="0"/>
-              <a:t>Dekking zegt niet alles; zijn (alle) zinvolle scenario’s getest?</a:t>
-            </a:r>
+              <a:rPr lang="nl-NL" sz="2000" dirty="0">
+                <a:cs typeface="Courier New" panose="02070309020205020404" pitchFamily="49" charset="0"/>
+              </a:rPr>
+              <a:t>Test schalen met positieve en negatieve waardes.</a:t>
+            </a:r>
+          </a:p>
+          <a:p>
+            <a:pPr marL="457200" lvl="1" indent="0">
+              <a:buNone/>
+            </a:pPr>
+            <a:endParaRPr lang="nl-NL" sz="2000" dirty="0">
+              <a:cs typeface="Courier New" panose="02070309020205020404" pitchFamily="49" charset="0"/>
+            </a:endParaRPr>
           </a:p>
         </p:txBody>
       </p:sp>
     </p:spTree>
     <p:extLst>
       <p:ext uri="{BB962C8B-B14F-4D97-AF65-F5344CB8AC3E}">
-        <p14:creationId xmlns:p14="http://schemas.microsoft.com/office/powerpoint/2010/main" val="3726159237"/>
+        <p14:creationId xmlns:p14="http://schemas.microsoft.com/office/powerpoint/2010/main" val="3867838155"/>
       </p:ext>
     </p:extLst>
   </p:cSld>
@@ -25849,10 +25926,10 @@
       </p:grpSpPr>
       <p:sp>
         <p:nvSpPr>
-          <p:cNvPr id="4" name="Title 3">
-            <a:extLst>
-              <a:ext uri="{FF2B5EF4-FFF2-40B4-BE49-F238E27FC236}">
-                <a16:creationId xmlns:a16="http://schemas.microsoft.com/office/drawing/2014/main" id="{72C925CA-BCA3-3701-E08E-95652380B32E}"/>
+          <p:cNvPr id="2" name="Title 1">
+            <a:extLst>
+              <a:ext uri="{FF2B5EF4-FFF2-40B4-BE49-F238E27FC236}">
+                <a16:creationId xmlns:a16="http://schemas.microsoft.com/office/drawing/2014/main" id="{F0117A71-C343-4E94-A229-F18D53D8BEF6}"/>
               </a:ext>
             </a:extLst>
           </p:cNvPr>
@@ -25869,19 +25946,18 @@
           <a:lstStyle/>
           <a:p>
             <a:r>
-              <a:rPr lang="nl-NL" noProof="0" dirty="0" err="1"/>
-              <a:t>Packaging</a:t>
-            </a:r>
-            <a:endParaRPr lang="nl-NL" noProof="0" dirty="0"/>
+              <a:rPr lang="nl-NL" dirty="0"/>
+              <a:t>Tips &amp; Tricks</a:t>
+            </a:r>
           </a:p>
         </p:txBody>
       </p:sp>
       <p:sp>
         <p:nvSpPr>
-          <p:cNvPr id="5" name="Text Placeholder 4">
-            <a:extLst>
-              <a:ext uri="{FF2B5EF4-FFF2-40B4-BE49-F238E27FC236}">
-                <a16:creationId xmlns:a16="http://schemas.microsoft.com/office/drawing/2014/main" id="{1AB31C95-91AF-DF13-FB58-0DA5F2D9F6F7}"/>
+          <p:cNvPr id="3" name="Content Placeholder 2">
+            <a:extLst>
+              <a:ext uri="{FF2B5EF4-FFF2-40B4-BE49-F238E27FC236}">
+                <a16:creationId xmlns:a16="http://schemas.microsoft.com/office/drawing/2014/main" id="{BAC51C7A-6D7E-4515-BA34-6BEF13D36B55}"/>
               </a:ext>
             </a:extLst>
           </p:cNvPr>
@@ -25889,22 +25965,148 @@
             <a:spLocks noGrp="1"/>
           </p:cNvSpPr>
           <p:nvPr>
-            <p:ph type="body" idx="1"/>
+            <p:ph idx="1"/>
           </p:nvPr>
         </p:nvSpPr>
         <p:spPr/>
         <p:txBody>
-          <a:bodyPr/>
+          <a:bodyPr>
+            <a:normAutofit fontScale="92500" lnSpcReduction="20000"/>
+          </a:bodyPr>
           <a:lstStyle/>
           <a:p>
-            <a:endParaRPr lang="en-NL"/>
+            <a:r>
+              <a:rPr lang="nl-NL" sz="2000" dirty="0"/>
+              <a:t>Test in ieder geval:</a:t>
+            </a:r>
+          </a:p>
+          <a:p>
+            <a:pPr lvl="1"/>
+            <a:r>
+              <a:rPr lang="nl-NL" sz="1600" dirty="0"/>
+              <a:t>De functionaliteit met geldige invoer.</a:t>
+            </a:r>
+          </a:p>
+          <a:p>
+            <a:pPr lvl="1"/>
+            <a:r>
+              <a:rPr lang="nl-NL" sz="1600" dirty="0"/>
+              <a:t>Alle configuratie opties die je aanbiedt.</a:t>
+            </a:r>
+          </a:p>
+          <a:p>
+            <a:pPr lvl="1"/>
+            <a:r>
+              <a:rPr lang="nl-NL" sz="1600" dirty="0"/>
+              <a:t>Alle foutmeldingen die je afgeeft.</a:t>
+            </a:r>
+          </a:p>
+          <a:p>
+            <a:pPr lvl="1"/>
+            <a:r>
+              <a:rPr lang="nl-NL" sz="1600" dirty="0"/>
+              <a:t>De meest voor-de-hand-liggende “</a:t>
+            </a:r>
+            <a:r>
+              <a:rPr lang="nl-NL" sz="1600" dirty="0" err="1"/>
+              <a:t>edge</a:t>
+            </a:r>
+            <a:r>
+              <a:rPr lang="nl-NL" sz="1600" dirty="0"/>
+              <a:t> cases”.</a:t>
+            </a:r>
+          </a:p>
+          <a:p>
+            <a:pPr marL="0" indent="0">
+              <a:buNone/>
+            </a:pPr>
+            <a:endParaRPr lang="nl-NL" sz="2000" dirty="0"/>
+          </a:p>
+          <a:p>
+            <a:r>
+              <a:rPr lang="nl-NL" sz="2000" dirty="0"/>
+              <a:t>Houd tests in de vorm invoer == resultaat.</a:t>
+            </a:r>
+          </a:p>
+          <a:p>
+            <a:pPr lvl="1"/>
+            <a:r>
+              <a:rPr lang="nl-NL" sz="1600" dirty="0"/>
+              <a:t>Bouw niet de te testen functionaliteit na!</a:t>
+            </a:r>
+          </a:p>
+          <a:p>
+            <a:pPr lvl="1"/>
+            <a:r>
+              <a:rPr lang="nl-NL" sz="1600" dirty="0"/>
+              <a:t>Sla data eventueel op als bestand of </a:t>
+            </a:r>
+            <a:r>
+              <a:rPr lang="nl-NL" sz="1600" dirty="0" err="1"/>
+              <a:t>pickle</a:t>
+            </a:r>
+            <a:r>
+              <a:rPr lang="nl-NL" sz="1600" dirty="0"/>
+              <a:t>.</a:t>
+            </a:r>
+          </a:p>
+          <a:p>
+            <a:endParaRPr lang="nl-NL" sz="2000" dirty="0"/>
+          </a:p>
+          <a:p>
+            <a:r>
+              <a:rPr lang="nl-NL" sz="2000" dirty="0"/>
+              <a:t>Wacht niet te lang met tests schrijven!</a:t>
+            </a:r>
+          </a:p>
+          <a:p>
+            <a:endParaRPr lang="nl-NL" sz="2000" dirty="0"/>
+          </a:p>
+          <a:p>
+            <a:r>
+              <a:rPr lang="nl-NL" sz="2000" dirty="0"/>
+              <a:t>Controleer de dekking van je tests.</a:t>
+            </a:r>
+          </a:p>
+          <a:p>
+            <a:pPr lvl="1"/>
+            <a:r>
+              <a:rPr lang="nl-NL" sz="1600" dirty="0"/>
+              <a:t>Gebruik package </a:t>
+            </a:r>
+            <a:r>
+              <a:rPr lang="nl-NL" sz="1600" dirty="0" err="1">
+                <a:latin typeface="Courier New" panose="02070309020205020404" pitchFamily="49" charset="0"/>
+                <a:cs typeface="Courier New" panose="02070309020205020404" pitchFamily="49" charset="0"/>
+              </a:rPr>
+              <a:t>pytest-cov</a:t>
+            </a:r>
+            <a:r>
+              <a:rPr lang="nl-NL" sz="1600" dirty="0"/>
+              <a:t> voor </a:t>
+            </a:r>
+            <a:r>
+              <a:rPr lang="nl-NL" sz="1600" dirty="0" err="1"/>
+              <a:t>coverage</a:t>
+            </a:r>
+            <a:r>
+              <a:rPr lang="nl-NL" sz="1600" dirty="0"/>
+              <a:t> report.</a:t>
+            </a:r>
+          </a:p>
+          <a:p>
+            <a:pPr lvl="1"/>
+            <a:r>
+              <a:rPr lang="nl-NL" sz="1600" dirty="0"/>
+              <a:t>Dekking zegt niet alles; zijn (alle) zinvolle scenario’s getest?</a:t>
+            </a:r>
           </a:p>
         </p:txBody>
       </p:sp>
     </p:spTree>
     <p:extLst>
       <p:ext uri="{BB962C8B-B14F-4D97-AF65-F5344CB8AC3E}">
-        <p14:creationId xmlns:p14="http://schemas.microsoft.com/office/powerpoint/2010/main" val="1927426741"/>
+        <p14:creationId xmlns:p14="http://schemas.microsoft.com/office/powerpoint/2010/main" val="3726159237"/>
       </p:ext>
     </p:extLst>
   </p:cSld>
@@ -25933,10 +26135,10 @@
       </p:grpSpPr>
       <p:sp>
         <p:nvSpPr>
-          <p:cNvPr id="2" name="Title 1">
-            <a:extLst>
-              <a:ext uri="{FF2B5EF4-FFF2-40B4-BE49-F238E27FC236}">
-                <a16:creationId xmlns:a16="http://schemas.microsoft.com/office/drawing/2014/main" id="{F0117A71-C343-4E94-A229-F18D53D8BEF6}"/>
+          <p:cNvPr id="4" name="Title 3">
+            <a:extLst>
+              <a:ext uri="{FF2B5EF4-FFF2-40B4-BE49-F238E27FC236}">
+                <a16:creationId xmlns:a16="http://schemas.microsoft.com/office/drawing/2014/main" id="{72C925CA-BCA3-3701-E08E-95652380B32E}"/>
               </a:ext>
             </a:extLst>
           </p:cNvPr>
@@ -25953,18 +26155,19 @@
           <a:lstStyle/>
           <a:p>
             <a:r>
-              <a:rPr lang="nl-NL" dirty="0"/>
-              <a:t>Package structuur</a:t>
-            </a:r>
+              <a:rPr lang="nl-NL" noProof="0" dirty="0" err="1"/>
+              <a:t>Packaging</a:t>
+            </a:r>
+            <a:endParaRPr lang="nl-NL" noProof="0" dirty="0"/>
           </a:p>
         </p:txBody>
       </p:sp>
       <p:sp>
         <p:nvSpPr>
-          <p:cNvPr id="3" name="Content Placeholder 2">
-            <a:extLst>
-              <a:ext uri="{FF2B5EF4-FFF2-40B4-BE49-F238E27FC236}">
-                <a16:creationId xmlns:a16="http://schemas.microsoft.com/office/drawing/2014/main" id="{BAC51C7A-6D7E-4515-BA34-6BEF13D36B55}"/>
+          <p:cNvPr id="5" name="Text Placeholder 4">
+            <a:extLst>
+              <a:ext uri="{FF2B5EF4-FFF2-40B4-BE49-F238E27FC236}">
+                <a16:creationId xmlns:a16="http://schemas.microsoft.com/office/drawing/2014/main" id="{1AB31C95-91AF-DF13-FB58-0DA5F2D9F6F7}"/>
               </a:ext>
             </a:extLst>
           </p:cNvPr>
@@ -25972,611 +26175,22 @@
             <a:spLocks noGrp="1"/>
           </p:cNvSpPr>
           <p:nvPr>
-            <p:ph idx="1"/>
+            <p:ph type="body" idx="1"/>
           </p:nvPr>
         </p:nvSpPr>
-        <p:spPr>
-          <a:xfrm>
-            <a:off x="838200" y="1825625"/>
-            <a:ext cx="4946650" cy="4351338"/>
-          </a:xfrm>
-        </p:spPr>
+        <p:spPr/>
         <p:txBody>
-          <a:bodyPr>
-            <a:normAutofit/>
-          </a:bodyPr>
+          <a:bodyPr/>
           <a:lstStyle/>
           <a:p>
-            <a:pPr marL="0" indent="0">
-              <a:buNone/>
-            </a:pPr>
-            <a:r>
-              <a:rPr lang="nl-NL" sz="2000" dirty="0"/>
-              <a:t>Een package bevat minimaal:</a:t>
-            </a:r>
-          </a:p>
-          <a:p>
-            <a:pPr marL="0" indent="0">
-              <a:buNone/>
-            </a:pPr>
-            <a:endParaRPr lang="nl-NL" sz="2000" dirty="0"/>
-          </a:p>
-          <a:p>
-            <a:pPr marL="0" indent="0">
-              <a:buNone/>
-            </a:pPr>
-            <a:r>
-              <a:rPr lang="nl-NL" sz="2000" dirty="0"/>
-              <a:t>- Een </a:t>
-            </a:r>
-            <a:r>
-              <a:rPr lang="nl-NL" sz="2000" dirty="0" err="1">
-                <a:latin typeface="Courier New" panose="02070309020205020404" pitchFamily="49" charset="0"/>
-                <a:cs typeface="Courier New" panose="02070309020205020404" pitchFamily="49" charset="0"/>
-              </a:rPr>
-              <a:t>src</a:t>
-            </a:r>
-            <a:r>
-              <a:rPr lang="nl-NL" sz="2000" dirty="0"/>
-              <a:t> directory met je code.</a:t>
-            </a:r>
-          </a:p>
-          <a:p>
-            <a:pPr marL="0" indent="0">
-              <a:buNone/>
-            </a:pPr>
-            <a:endParaRPr lang="nl-NL" sz="2000" dirty="0"/>
-          </a:p>
-          <a:p>
-            <a:pPr>
-              <a:buFontTx/>
-              <a:buChar char="-"/>
-            </a:pPr>
-            <a:r>
-              <a:rPr lang="nl-NL" sz="2000" dirty="0"/>
-              <a:t>Een </a:t>
-            </a:r>
-            <a:r>
-              <a:rPr lang="nl-NL" sz="2000" dirty="0">
-                <a:latin typeface="Courier New" panose="02070309020205020404" pitchFamily="49" charset="0"/>
-                <a:cs typeface="Courier New" panose="02070309020205020404" pitchFamily="49" charset="0"/>
-              </a:rPr>
-              <a:t>tests</a:t>
-            </a:r>
-            <a:r>
-              <a:rPr lang="nl-NL" sz="2000" dirty="0"/>
-              <a:t> directory voor unit tests.</a:t>
-            </a:r>
-          </a:p>
-          <a:p>
-            <a:pPr>
-              <a:buFontTx/>
-              <a:buChar char="-"/>
-            </a:pPr>
-            <a:endParaRPr lang="nl-NL" sz="2000" dirty="0"/>
-          </a:p>
-          <a:p>
-            <a:pPr>
-              <a:buFontTx/>
-              <a:buChar char="-"/>
-            </a:pPr>
-            <a:r>
-              <a:rPr lang="nl-NL" sz="2000" dirty="0"/>
-              <a:t>Een </a:t>
-            </a:r>
-            <a:r>
-              <a:rPr lang="nl-NL" sz="2000" dirty="0">
-                <a:latin typeface="Courier New" panose="02070309020205020404" pitchFamily="49" charset="0"/>
-                <a:cs typeface="Courier New" panose="02070309020205020404" pitchFamily="49" charset="0"/>
-              </a:rPr>
-              <a:t>setup.py</a:t>
-            </a:r>
-            <a:r>
-              <a:rPr lang="nl-NL" sz="2000" dirty="0"/>
-              <a:t> voor installatie.</a:t>
-            </a:r>
-          </a:p>
-        </p:txBody>
-      </p:sp>
-      <p:sp>
-        <p:nvSpPr>
-          <p:cNvPr id="4" name="Content Placeholder 2">
-            <a:extLst>
-              <a:ext uri="{FF2B5EF4-FFF2-40B4-BE49-F238E27FC236}">
-                <a16:creationId xmlns:a16="http://schemas.microsoft.com/office/drawing/2014/main" id="{E2B9FDB3-73D9-C9D2-B8B9-D7E54E12E33B}"/>
-              </a:ext>
-            </a:extLst>
-          </p:cNvPr>
-          <p:cNvSpPr txBox="1">
-            <a:spLocks/>
-          </p:cNvSpPr>
-          <p:nvPr/>
-        </p:nvSpPr>
-        <p:spPr>
-          <a:xfrm>
-            <a:off x="6832602" y="1250950"/>
-            <a:ext cx="4946650" cy="4978401"/>
-          </a:xfrm>
-          <a:prstGeom prst="rect">
-            <a:avLst/>
-          </a:prstGeom>
-        </p:spPr>
-        <p:txBody>
-          <a:bodyPr vert="horz" lIns="91440" tIns="45720" rIns="91440" bIns="45720" rtlCol="0">
-            <a:normAutofit/>
-          </a:bodyPr>
-          <a:lstStyle>
-            <a:lvl1pPr marL="228600" indent="-228600" algn="l" defTabSz="914400" rtl="0" eaLnBrk="1" latinLnBrk="0" hangingPunct="1">
-              <a:lnSpc>
-                <a:spcPct val="90000"/>
-              </a:lnSpc>
-              <a:spcBef>
-                <a:spcPts val="1000"/>
-              </a:spcBef>
-              <a:buFont typeface="Arial" panose="020B0604020202020204" pitchFamily="34" charset="0"/>
-              <a:buChar char="•"/>
-              <a:defRPr sz="2800" kern="1200">
-                <a:solidFill>
-                  <a:schemeClr val="tx1"/>
-                </a:solidFill>
-                <a:latin typeface="+mn-lt"/>
-                <a:ea typeface="+mn-ea"/>
-                <a:cs typeface="+mn-cs"/>
-              </a:defRPr>
-            </a:lvl1pPr>
-            <a:lvl2pPr marL="685800" indent="-228600" algn="l" defTabSz="914400" rtl="0" eaLnBrk="1" latinLnBrk="0" hangingPunct="1">
-              <a:lnSpc>
-                <a:spcPct val="90000"/>
-              </a:lnSpc>
-              <a:spcBef>
-                <a:spcPts val="500"/>
-              </a:spcBef>
-              <a:buFont typeface="Arial" panose="020B0604020202020204" pitchFamily="34" charset="0"/>
-              <a:buChar char="•"/>
-              <a:defRPr sz="2400" kern="1200">
-                <a:solidFill>
-                  <a:schemeClr val="tx1"/>
-                </a:solidFill>
-                <a:latin typeface="+mn-lt"/>
-                <a:ea typeface="+mn-ea"/>
-                <a:cs typeface="+mn-cs"/>
-              </a:defRPr>
-            </a:lvl2pPr>
-            <a:lvl3pPr marL="1143000" indent="-228600" algn="l" defTabSz="914400" rtl="0" eaLnBrk="1" latinLnBrk="0" hangingPunct="1">
-              <a:lnSpc>
-                <a:spcPct val="90000"/>
-              </a:lnSpc>
-              <a:spcBef>
-                <a:spcPts val="500"/>
-              </a:spcBef>
-              <a:buFont typeface="Arial" panose="020B0604020202020204" pitchFamily="34" charset="0"/>
-              <a:buChar char="•"/>
-              <a:defRPr sz="2000" kern="1200">
-                <a:solidFill>
-                  <a:schemeClr val="tx1"/>
-                </a:solidFill>
-                <a:latin typeface="+mn-lt"/>
-                <a:ea typeface="+mn-ea"/>
-                <a:cs typeface="+mn-cs"/>
-              </a:defRPr>
-            </a:lvl3pPr>
-            <a:lvl4pPr marL="1600200" indent="-228600" algn="l" defTabSz="914400" rtl="0" eaLnBrk="1" latinLnBrk="0" hangingPunct="1">
-              <a:lnSpc>
-                <a:spcPct val="90000"/>
-              </a:lnSpc>
-              <a:spcBef>
-                <a:spcPts val="500"/>
-              </a:spcBef>
-              <a:buFont typeface="Arial" panose="020B0604020202020204" pitchFamily="34" charset="0"/>
-              <a:buChar char="•"/>
-              <a:defRPr sz="1800" kern="1200">
-                <a:solidFill>
-                  <a:schemeClr val="tx1"/>
-                </a:solidFill>
-                <a:latin typeface="+mn-lt"/>
-                <a:ea typeface="+mn-ea"/>
-                <a:cs typeface="+mn-cs"/>
-              </a:defRPr>
-            </a:lvl4pPr>
-            <a:lvl5pPr marL="2057400" indent="-228600" algn="l" defTabSz="914400" rtl="0" eaLnBrk="1" latinLnBrk="0" hangingPunct="1">
-              <a:lnSpc>
-                <a:spcPct val="90000"/>
-              </a:lnSpc>
-              <a:spcBef>
-                <a:spcPts val="500"/>
-              </a:spcBef>
-              <a:buFont typeface="Arial" panose="020B0604020202020204" pitchFamily="34" charset="0"/>
-              <a:buChar char="•"/>
-              <a:defRPr sz="1800" kern="1200">
-                <a:solidFill>
-                  <a:schemeClr val="tx1"/>
-                </a:solidFill>
-                <a:latin typeface="+mn-lt"/>
-                <a:ea typeface="+mn-ea"/>
-                <a:cs typeface="+mn-cs"/>
-              </a:defRPr>
-            </a:lvl5pPr>
-            <a:lvl6pPr marL="2514600" indent="-228600" algn="l" defTabSz="914400" rtl="0" eaLnBrk="1" latinLnBrk="0" hangingPunct="1">
-              <a:lnSpc>
-                <a:spcPct val="90000"/>
-              </a:lnSpc>
-              <a:spcBef>
-                <a:spcPts val="500"/>
-              </a:spcBef>
-              <a:buFont typeface="Arial" panose="020B0604020202020204" pitchFamily="34" charset="0"/>
-              <a:buChar char="•"/>
-              <a:defRPr sz="1800" kern="1200">
-                <a:solidFill>
-                  <a:schemeClr val="tx1"/>
-                </a:solidFill>
-                <a:latin typeface="+mn-lt"/>
-                <a:ea typeface="+mn-ea"/>
-                <a:cs typeface="+mn-cs"/>
-              </a:defRPr>
-            </a:lvl6pPr>
-            <a:lvl7pPr marL="2971800" indent="-228600" algn="l" defTabSz="914400" rtl="0" eaLnBrk="1" latinLnBrk="0" hangingPunct="1">
-              <a:lnSpc>
-                <a:spcPct val="90000"/>
-              </a:lnSpc>
-              <a:spcBef>
-                <a:spcPts val="500"/>
-              </a:spcBef>
-              <a:buFont typeface="Arial" panose="020B0604020202020204" pitchFamily="34" charset="0"/>
-              <a:buChar char="•"/>
-              <a:defRPr sz="1800" kern="1200">
-                <a:solidFill>
-                  <a:schemeClr val="tx1"/>
-                </a:solidFill>
-                <a:latin typeface="+mn-lt"/>
-                <a:ea typeface="+mn-ea"/>
-                <a:cs typeface="+mn-cs"/>
-              </a:defRPr>
-            </a:lvl7pPr>
-            <a:lvl8pPr marL="3429000" indent="-228600" algn="l" defTabSz="914400" rtl="0" eaLnBrk="1" latinLnBrk="0" hangingPunct="1">
-              <a:lnSpc>
-                <a:spcPct val="90000"/>
-              </a:lnSpc>
-              <a:spcBef>
-                <a:spcPts val="500"/>
-              </a:spcBef>
-              <a:buFont typeface="Arial" panose="020B0604020202020204" pitchFamily="34" charset="0"/>
-              <a:buChar char="•"/>
-              <a:defRPr sz="1800" kern="1200">
-                <a:solidFill>
-                  <a:schemeClr val="tx1"/>
-                </a:solidFill>
-                <a:latin typeface="+mn-lt"/>
-                <a:ea typeface="+mn-ea"/>
-                <a:cs typeface="+mn-cs"/>
-              </a:defRPr>
-            </a:lvl8pPr>
-            <a:lvl9pPr marL="3886200" indent="-228600" algn="l" defTabSz="914400" rtl="0" eaLnBrk="1" latinLnBrk="0" hangingPunct="1">
-              <a:lnSpc>
-                <a:spcPct val="90000"/>
-              </a:lnSpc>
-              <a:spcBef>
-                <a:spcPts val="500"/>
-              </a:spcBef>
-              <a:buFont typeface="Arial" panose="020B0604020202020204" pitchFamily="34" charset="0"/>
-              <a:buChar char="•"/>
-              <a:defRPr sz="1800" kern="1200">
-                <a:solidFill>
-                  <a:schemeClr val="tx1"/>
-                </a:solidFill>
-                <a:latin typeface="+mn-lt"/>
-                <a:ea typeface="+mn-ea"/>
-                <a:cs typeface="+mn-cs"/>
-              </a:defRPr>
-            </a:lvl9pPr>
-          </a:lstStyle>
-          <a:p>
-            <a:pPr marL="0" indent="0">
-              <a:spcBef>
-                <a:spcPts val="0"/>
-              </a:spcBef>
-              <a:buFont typeface="Arial" panose="020B0604020202020204" pitchFamily="34" charset="0"/>
-              <a:buNone/>
-            </a:pPr>
-            <a:r>
-              <a:rPr lang="nl-NL" sz="2000" dirty="0" err="1">
-                <a:latin typeface="Courier New" panose="02070309020205020404" pitchFamily="49" charset="0"/>
-                <a:cs typeface="Courier New" panose="02070309020205020404" pitchFamily="49" charset="0"/>
-              </a:rPr>
-              <a:t>hello-world</a:t>
-            </a:r>
-            <a:endParaRPr lang="nl-NL" sz="2000" dirty="0">
-              <a:latin typeface="Courier New" panose="02070309020205020404" pitchFamily="49" charset="0"/>
-              <a:cs typeface="Courier New" panose="02070309020205020404" pitchFamily="49" charset="0"/>
-            </a:endParaRPr>
-          </a:p>
-          <a:p>
-            <a:pPr marL="0" indent="0">
-              <a:spcBef>
-                <a:spcPts val="0"/>
-              </a:spcBef>
-              <a:buFont typeface="Arial" panose="020B0604020202020204" pitchFamily="34" charset="0"/>
-              <a:buNone/>
-            </a:pPr>
-            <a:r>
-              <a:rPr lang="nl-NL" sz="2000" dirty="0">
-                <a:latin typeface="Courier New" panose="02070309020205020404" pitchFamily="49" charset="0"/>
-                <a:cs typeface="Courier New" panose="02070309020205020404" pitchFamily="49" charset="0"/>
-              </a:rPr>
-              <a:t>│</a:t>
-            </a:r>
-          </a:p>
-          <a:p>
-            <a:pPr marL="0" indent="0">
-              <a:spcBef>
-                <a:spcPts val="0"/>
-              </a:spcBef>
-              <a:buFont typeface="Arial" panose="020B0604020202020204" pitchFamily="34" charset="0"/>
-              <a:buNone/>
-            </a:pPr>
-            <a:r>
-              <a:rPr lang="nl-NL" sz="2000" dirty="0">
-                <a:latin typeface="Courier New" panose="02070309020205020404" pitchFamily="49" charset="0"/>
-                <a:cs typeface="Courier New" panose="02070309020205020404" pitchFamily="49" charset="0"/>
-              </a:rPr>
-              <a:t>├── </a:t>
-            </a:r>
-            <a:r>
-              <a:rPr lang="nl-NL" sz="2000" dirty="0" err="1">
-                <a:latin typeface="Courier New" panose="02070309020205020404" pitchFamily="49" charset="0"/>
-                <a:cs typeface="Courier New" panose="02070309020205020404" pitchFamily="49" charset="0"/>
-              </a:rPr>
-              <a:t>src</a:t>
-            </a:r>
-            <a:r>
-              <a:rPr lang="nl-NL" sz="2000" dirty="0">
-                <a:latin typeface="Courier New" panose="02070309020205020404" pitchFamily="49" charset="0"/>
-                <a:cs typeface="Courier New" panose="02070309020205020404" pitchFamily="49" charset="0"/>
-              </a:rPr>
-              <a:t>/</a:t>
-            </a:r>
-          </a:p>
-          <a:p>
-            <a:pPr marL="0" indent="0">
-              <a:spcBef>
-                <a:spcPts val="0"/>
-              </a:spcBef>
-              <a:buFont typeface="Arial" panose="020B0604020202020204" pitchFamily="34" charset="0"/>
-              <a:buNone/>
-            </a:pPr>
-            <a:r>
-              <a:rPr lang="nl-NL" sz="2000" dirty="0">
-                <a:latin typeface="Courier New" panose="02070309020205020404" pitchFamily="49" charset="0"/>
-                <a:cs typeface="Courier New" panose="02070309020205020404" pitchFamily="49" charset="0"/>
-              </a:rPr>
-              <a:t>│   │</a:t>
-            </a:r>
-          </a:p>
-          <a:p>
-            <a:pPr marL="0" indent="0">
-              <a:spcBef>
-                <a:spcPts val="0"/>
-              </a:spcBef>
-              <a:buFont typeface="Arial" panose="020B0604020202020204" pitchFamily="34" charset="0"/>
-              <a:buNone/>
-            </a:pPr>
-            <a:r>
-              <a:rPr lang="nl-NL" sz="2000" dirty="0">
-                <a:latin typeface="Courier New" panose="02070309020205020404" pitchFamily="49" charset="0"/>
-                <a:cs typeface="Courier New" panose="02070309020205020404" pitchFamily="49" charset="0"/>
-              </a:rPr>
-              <a:t>│   └── </a:t>
-            </a:r>
-            <a:r>
-              <a:rPr lang="nl-NL" sz="2000" dirty="0" err="1">
-                <a:latin typeface="Courier New" panose="02070309020205020404" pitchFamily="49" charset="0"/>
-                <a:cs typeface="Courier New" panose="02070309020205020404" pitchFamily="49" charset="0"/>
-              </a:rPr>
-              <a:t>hello_world</a:t>
-            </a:r>
-            <a:r>
-              <a:rPr lang="nl-NL" sz="2000" dirty="0">
-                <a:latin typeface="Courier New" panose="02070309020205020404" pitchFamily="49" charset="0"/>
-                <a:cs typeface="Courier New" panose="02070309020205020404" pitchFamily="49" charset="0"/>
-              </a:rPr>
-              <a:t>/</a:t>
-            </a:r>
-          </a:p>
-          <a:p>
-            <a:pPr marL="0" indent="0">
-              <a:spcBef>
-                <a:spcPts val="0"/>
-              </a:spcBef>
-              <a:buFont typeface="Arial" panose="020B0604020202020204" pitchFamily="34" charset="0"/>
-              <a:buNone/>
-            </a:pPr>
-            <a:r>
-              <a:rPr lang="nl-NL" sz="2000" dirty="0">
-                <a:latin typeface="Courier New" panose="02070309020205020404" pitchFamily="49" charset="0"/>
-                <a:cs typeface="Courier New" panose="02070309020205020404" pitchFamily="49" charset="0"/>
-              </a:rPr>
-              <a:t>│       │</a:t>
-            </a:r>
-          </a:p>
-          <a:p>
-            <a:pPr marL="0" indent="0">
-              <a:spcBef>
-                <a:spcPts val="0"/>
-              </a:spcBef>
-              <a:buFont typeface="Arial" panose="020B0604020202020204" pitchFamily="34" charset="0"/>
-              <a:buNone/>
-            </a:pPr>
-            <a:r>
-              <a:rPr lang="nl-NL" sz="2000" dirty="0">
-                <a:latin typeface="Courier New" panose="02070309020205020404" pitchFamily="49" charset="0"/>
-                <a:cs typeface="Courier New" panose="02070309020205020404" pitchFamily="49" charset="0"/>
-              </a:rPr>
-              <a:t>│       ├── __init__.py</a:t>
-            </a:r>
-          </a:p>
-          <a:p>
-            <a:pPr marL="0" indent="0">
-              <a:spcBef>
-                <a:spcPts val="0"/>
-              </a:spcBef>
-              <a:buFont typeface="Arial" panose="020B0604020202020204" pitchFamily="34" charset="0"/>
-              <a:buNone/>
-            </a:pPr>
-            <a:r>
-              <a:rPr lang="nl-NL" sz="2000" dirty="0">
-                <a:latin typeface="Courier New" panose="02070309020205020404" pitchFamily="49" charset="0"/>
-                <a:cs typeface="Courier New" panose="02070309020205020404" pitchFamily="49" charset="0"/>
-              </a:rPr>
-              <a:t>│       └── hello.py</a:t>
-            </a:r>
-          </a:p>
-          <a:p>
-            <a:pPr marL="0" indent="0">
-              <a:spcBef>
-                <a:spcPts val="0"/>
-              </a:spcBef>
-              <a:buFont typeface="Arial" panose="020B0604020202020204" pitchFamily="34" charset="0"/>
-              <a:buNone/>
-            </a:pPr>
-            <a:r>
-              <a:rPr lang="nl-NL" sz="2000" dirty="0">
-                <a:latin typeface="Courier New" panose="02070309020205020404" pitchFamily="49" charset="0"/>
-                <a:cs typeface="Courier New" panose="02070309020205020404" pitchFamily="49" charset="0"/>
-              </a:rPr>
-              <a:t>│</a:t>
-            </a:r>
-          </a:p>
-          <a:p>
-            <a:pPr marL="0" indent="0">
-              <a:spcBef>
-                <a:spcPts val="0"/>
-              </a:spcBef>
-              <a:buFont typeface="Arial" panose="020B0604020202020204" pitchFamily="34" charset="0"/>
-              <a:buNone/>
-            </a:pPr>
-            <a:r>
-              <a:rPr lang="nl-NL" sz="2000" dirty="0">
-                <a:latin typeface="Courier New" panose="02070309020205020404" pitchFamily="49" charset="0"/>
-                <a:cs typeface="Courier New" panose="02070309020205020404" pitchFamily="49" charset="0"/>
-              </a:rPr>
-              <a:t>├── tests/</a:t>
-            </a:r>
-          </a:p>
-          <a:p>
-            <a:pPr marL="0" indent="0">
-              <a:spcBef>
-                <a:spcPts val="0"/>
-              </a:spcBef>
-              <a:buFont typeface="Arial" panose="020B0604020202020204" pitchFamily="34" charset="0"/>
-              <a:buNone/>
-            </a:pPr>
-            <a:r>
-              <a:rPr lang="nl-NL" sz="2000" dirty="0">
-                <a:latin typeface="Courier New" panose="02070309020205020404" pitchFamily="49" charset="0"/>
-                <a:cs typeface="Courier New" panose="02070309020205020404" pitchFamily="49" charset="0"/>
-              </a:rPr>
-              <a:t>│   │</a:t>
-            </a:r>
-          </a:p>
-          <a:p>
-            <a:pPr marL="0" indent="0">
-              <a:spcBef>
-                <a:spcPts val="0"/>
-              </a:spcBef>
-              <a:buFont typeface="Arial" panose="020B0604020202020204" pitchFamily="34" charset="0"/>
-              <a:buNone/>
-            </a:pPr>
-            <a:r>
-              <a:rPr lang="nl-NL" sz="2000" dirty="0">
-                <a:latin typeface="Courier New" panose="02070309020205020404" pitchFamily="49" charset="0"/>
-                <a:cs typeface="Courier New" panose="02070309020205020404" pitchFamily="49" charset="0"/>
-              </a:rPr>
-              <a:t>│   └── </a:t>
-            </a:r>
-            <a:r>
-              <a:rPr lang="nl-NL" sz="2000" dirty="0" err="1">
-                <a:latin typeface="Courier New" panose="02070309020205020404" pitchFamily="49" charset="0"/>
-                <a:cs typeface="Courier New" panose="02070309020205020404" pitchFamily="49" charset="0"/>
-              </a:rPr>
-              <a:t>hello_world</a:t>
-            </a:r>
-            <a:r>
-              <a:rPr lang="nl-NL" sz="2000" dirty="0">
-                <a:latin typeface="Courier New" panose="02070309020205020404" pitchFamily="49" charset="0"/>
-                <a:cs typeface="Courier New" panose="02070309020205020404" pitchFamily="49" charset="0"/>
-              </a:rPr>
-              <a:t>/</a:t>
-            </a:r>
-          </a:p>
-          <a:p>
-            <a:pPr marL="0" indent="0">
-              <a:spcBef>
-                <a:spcPts val="0"/>
-              </a:spcBef>
-              <a:buFont typeface="Arial" panose="020B0604020202020204" pitchFamily="34" charset="0"/>
-              <a:buNone/>
-            </a:pPr>
-            <a:r>
-              <a:rPr lang="nl-NL" sz="2000" dirty="0">
-                <a:latin typeface="Courier New" panose="02070309020205020404" pitchFamily="49" charset="0"/>
-                <a:cs typeface="Courier New" panose="02070309020205020404" pitchFamily="49" charset="0"/>
-              </a:rPr>
-              <a:t>│       │</a:t>
-            </a:r>
-          </a:p>
-          <a:p>
-            <a:pPr marL="0" indent="0">
-              <a:spcBef>
-                <a:spcPts val="0"/>
-              </a:spcBef>
-              <a:buFont typeface="Arial" panose="020B0604020202020204" pitchFamily="34" charset="0"/>
-              <a:buNone/>
-            </a:pPr>
-            <a:r>
-              <a:rPr lang="nl-NL" sz="2000" dirty="0">
-                <a:latin typeface="Courier New" panose="02070309020205020404" pitchFamily="49" charset="0"/>
-                <a:cs typeface="Courier New" panose="02070309020205020404" pitchFamily="49" charset="0"/>
-              </a:rPr>
-              <a:t>│       └── test_hello.py</a:t>
-            </a:r>
-          </a:p>
-          <a:p>
-            <a:pPr marL="0" indent="0">
-              <a:spcBef>
-                <a:spcPts val="0"/>
-              </a:spcBef>
-              <a:buFont typeface="Arial" panose="020B0604020202020204" pitchFamily="34" charset="0"/>
-              <a:buNone/>
-            </a:pPr>
-            <a:r>
-              <a:rPr lang="nl-NL" sz="2000" dirty="0">
-                <a:latin typeface="Courier New" panose="02070309020205020404" pitchFamily="49" charset="0"/>
-                <a:cs typeface="Courier New" panose="02070309020205020404" pitchFamily="49" charset="0"/>
-              </a:rPr>
-              <a:t>│</a:t>
-            </a:r>
-          </a:p>
-          <a:p>
-            <a:pPr marL="0" indent="0">
-              <a:spcBef>
-                <a:spcPts val="0"/>
-              </a:spcBef>
-              <a:buFont typeface="Arial" panose="020B0604020202020204" pitchFamily="34" charset="0"/>
-              <a:buNone/>
-            </a:pPr>
-            <a:r>
-              <a:rPr lang="nl-NL" sz="2000" dirty="0">
-                <a:latin typeface="Courier New" panose="02070309020205020404" pitchFamily="49" charset="0"/>
-                <a:cs typeface="Courier New" panose="02070309020205020404" pitchFamily="49" charset="0"/>
-              </a:rPr>
-              <a:t>└── setup.py</a:t>
-            </a:r>
+            <a:endParaRPr lang="en-NL"/>
           </a:p>
         </p:txBody>
       </p:sp>
     </p:spTree>
     <p:extLst>
       <p:ext uri="{BB962C8B-B14F-4D97-AF65-F5344CB8AC3E}">
-        <p14:creationId xmlns:p14="http://schemas.microsoft.com/office/powerpoint/2010/main" val="2483510688"/>
+        <p14:creationId xmlns:p14="http://schemas.microsoft.com/office/powerpoint/2010/main" val="1927426741"/>
       </p:ext>
     </p:extLst>
   </p:cSld>
@@ -26626,15 +26240,7 @@
           <a:p>
             <a:r>
               <a:rPr lang="nl-NL" dirty="0"/>
-              <a:t>Inhoud </a:t>
-            </a:r>
-            <a:r>
-              <a:rPr lang="nl-NL" dirty="0" err="1"/>
-              <a:t>src</a:t>
-            </a:r>
-            <a:r>
-              <a:rPr lang="nl-NL" dirty="0"/>
-              <a:t> directory</a:t>
+              <a:t>Package structuur</a:t>
             </a:r>
           </a:p>
         </p:txBody>
@@ -26658,12 +26264,12 @@
         <p:spPr>
           <a:xfrm>
             <a:off x="838200" y="1825625"/>
-            <a:ext cx="5416550" cy="4351338"/>
+            <a:ext cx="4946650" cy="4351338"/>
           </a:xfrm>
         </p:spPr>
         <p:txBody>
           <a:bodyPr>
-            <a:normAutofit lnSpcReduction="10000"/>
+            <a:normAutofit/>
           </a:bodyPr>
           <a:lstStyle/>
           <a:p>
@@ -26671,24 +26277,34 @@
               <a:buNone/>
             </a:pPr>
             <a:r>
+              <a:rPr lang="nl-NL" sz="2000" dirty="0"/>
+              <a:t>Een package bevat minimaal:</a:t>
+            </a:r>
+          </a:p>
+          <a:p>
+            <a:pPr marL="0" indent="0">
+              <a:buNone/>
+            </a:pPr>
+            <a:endParaRPr lang="nl-NL" sz="2000" dirty="0"/>
+          </a:p>
+          <a:p>
+            <a:pPr marL="0" indent="0">
+              <a:buNone/>
+            </a:pPr>
+            <a:r>
+              <a:rPr lang="nl-NL" sz="2000" dirty="0"/>
+              <a:t>- Een </a:t>
+            </a:r>
+            <a:r>
               <a:rPr lang="nl-NL" sz="2000" dirty="0" err="1">
                 <a:latin typeface="Courier New" panose="02070309020205020404" pitchFamily="49" charset="0"/>
                 <a:cs typeface="Courier New" panose="02070309020205020404" pitchFamily="49" charset="0"/>
               </a:rPr>
-              <a:t>hello_world</a:t>
-            </a:r>
-            <a:endParaRPr lang="nl-NL" sz="2000" dirty="0">
-              <a:latin typeface="Courier New" panose="02070309020205020404" pitchFamily="49" charset="0"/>
-              <a:cs typeface="Courier New" panose="02070309020205020404" pitchFamily="49" charset="0"/>
-            </a:endParaRPr>
-          </a:p>
-          <a:p>
-            <a:pPr marL="0" indent="0">
-              <a:buNone/>
-            </a:pPr>
+              <a:t>src</a:t>
+            </a:r>
             <a:r>
               <a:rPr lang="nl-NL" sz="2000" dirty="0"/>
-              <a:t>Directory met naam van het package.</a:t>
+              <a:t> directory met je code.</a:t>
             </a:r>
           </a:p>
           <a:p>
@@ -26698,110 +26314,52 @@
             <a:endParaRPr lang="nl-NL" sz="2000" dirty="0"/>
           </a:p>
           <a:p>
-            <a:pPr marL="0" indent="0">
-              <a:buNone/>
-            </a:pPr>
+            <a:pPr>
+              <a:buFontTx/>
+              <a:buChar char="-"/>
+            </a:pPr>
+            <a:r>
+              <a:rPr lang="nl-NL" sz="2000" dirty="0"/>
+              <a:t>Een </a:t>
+            </a:r>
             <a:r>
               <a:rPr lang="nl-NL" sz="2000" dirty="0">
                 <a:latin typeface="Courier New" panose="02070309020205020404" pitchFamily="49" charset="0"/>
                 <a:cs typeface="Courier New" panose="02070309020205020404" pitchFamily="49" charset="0"/>
               </a:rPr>
-              <a:t>__init__.py</a:t>
-            </a:r>
-          </a:p>
-          <a:p>
-            <a:pPr marL="0" indent="0">
-              <a:buNone/>
-            </a:pPr>
+              <a:t>tests</a:t>
+            </a:r>
             <a:r>
               <a:rPr lang="nl-NL" sz="2000" dirty="0"/>
-              <a:t>Vereist om package te kunnen importeren.</a:t>
-            </a:r>
-          </a:p>
-          <a:p>
-            <a:pPr marL="0" indent="0">
-              <a:buNone/>
+              <a:t> directory voor unit tests.</a:t>
+            </a:r>
+          </a:p>
+          <a:p>
+            <a:pPr>
+              <a:buFontTx/>
+              <a:buChar char="-"/>
             </a:pPr>
             <a:endParaRPr lang="nl-NL" sz="2000" dirty="0"/>
           </a:p>
           <a:p>
-            <a:pPr marL="0" indent="0">
-              <a:buNone/>
-            </a:pPr>
+            <a:pPr>
+              <a:buFontTx/>
+              <a:buChar char="-"/>
+            </a:pPr>
+            <a:r>
+              <a:rPr lang="nl-NL" sz="2000" dirty="0"/>
+              <a:t>Een </a:t>
+            </a:r>
             <a:r>
               <a:rPr lang="nl-NL" sz="2000" dirty="0">
                 <a:latin typeface="Courier New" panose="02070309020205020404" pitchFamily="49" charset="0"/>
                 <a:cs typeface="Courier New" panose="02070309020205020404" pitchFamily="49" charset="0"/>
               </a:rPr>
-              <a:t>hello.py</a:t>
-            </a:r>
-          </a:p>
-          <a:p>
-            <a:pPr marL="0" indent="0">
-              <a:buNone/>
-            </a:pPr>
+              <a:t>setup.py</a:t>
+            </a:r>
             <a:r>
               <a:rPr lang="nl-NL" sz="2000" dirty="0"/>
-              <a:t>Module met broncode voor het package.</a:t>
-            </a:r>
-          </a:p>
-          <a:p>
-            <a:pPr marL="0" indent="0">
-              <a:buNone/>
-            </a:pPr>
-            <a:endParaRPr lang="nl-NL" sz="2000" dirty="0"/>
-          </a:p>
-          <a:p>
-            <a:pPr marL="0" indent="0">
-              <a:buNone/>
-            </a:pPr>
-            <a:r>
-              <a:rPr lang="nl-NL" sz="2000" dirty="0" err="1">
-                <a:latin typeface="Courier New" panose="02070309020205020404" pitchFamily="49" charset="0"/>
-                <a:cs typeface="Courier New" panose="02070309020205020404" pitchFamily="49" charset="0"/>
-              </a:rPr>
-              <a:t>from</a:t>
-            </a:r>
-            <a:r>
-              <a:rPr lang="nl-NL" sz="2000" dirty="0">
-                <a:latin typeface="Courier New" panose="02070309020205020404" pitchFamily="49" charset="0"/>
-                <a:cs typeface="Courier New" panose="02070309020205020404" pitchFamily="49" charset="0"/>
-              </a:rPr>
-              <a:t> </a:t>
-            </a:r>
-            <a:r>
-              <a:rPr lang="nl-NL" sz="2000" dirty="0" err="1">
-                <a:latin typeface="Courier New" panose="02070309020205020404" pitchFamily="49" charset="0"/>
-                <a:cs typeface="Courier New" panose="02070309020205020404" pitchFamily="49" charset="0"/>
-              </a:rPr>
-              <a:t>hello_world.hello</a:t>
-            </a:r>
-            <a:r>
-              <a:rPr lang="nl-NL" sz="2000" dirty="0">
-                <a:latin typeface="Courier New" panose="02070309020205020404" pitchFamily="49" charset="0"/>
-                <a:cs typeface="Courier New" panose="02070309020205020404" pitchFamily="49" charset="0"/>
-              </a:rPr>
-              <a:t> import ...</a:t>
-            </a:r>
-          </a:p>
-          <a:p>
-            <a:pPr marL="0" indent="0">
-              <a:buNone/>
-            </a:pPr>
-            <a:r>
-              <a:rPr lang="nl-NL" sz="2000" dirty="0"/>
-              <a:t>Importeren code vanuit de </a:t>
-            </a:r>
-            <a:r>
-              <a:rPr lang="nl-NL" sz="2000" dirty="0">
-                <a:latin typeface="Courier New" panose="02070309020205020404" pitchFamily="49" charset="0"/>
-                <a:cs typeface="Courier New" panose="02070309020205020404" pitchFamily="49" charset="0"/>
-              </a:rPr>
-              <a:t>hello.py</a:t>
-            </a:r>
-            <a:r>
-              <a:rPr lang="nl-NL" sz="2000" dirty="0"/>
-              <a:t> module.</a:t>
+              <a:t> voor installatie.</a:t>
             </a:r>
           </a:p>
         </p:txBody>
@@ -27046,6 +26604,734 @@
                 <a:latin typeface="Courier New" panose="02070309020205020404" pitchFamily="49" charset="0"/>
                 <a:cs typeface="Courier New" panose="02070309020205020404" pitchFamily="49" charset="0"/>
               </a:rPr>
+              <a:t>├── </a:t>
+            </a:r>
+            <a:r>
+              <a:rPr lang="nl-NL" sz="2000" dirty="0" err="1">
+                <a:latin typeface="Courier New" panose="02070309020205020404" pitchFamily="49" charset="0"/>
+                <a:cs typeface="Courier New" panose="02070309020205020404" pitchFamily="49" charset="0"/>
+              </a:rPr>
+              <a:t>src</a:t>
+            </a:r>
+            <a:r>
+              <a:rPr lang="nl-NL" sz="2000" dirty="0">
+                <a:latin typeface="Courier New" panose="02070309020205020404" pitchFamily="49" charset="0"/>
+                <a:cs typeface="Courier New" panose="02070309020205020404" pitchFamily="49" charset="0"/>
+              </a:rPr>
+              <a:t>/</a:t>
+            </a:r>
+          </a:p>
+          <a:p>
+            <a:pPr marL="0" indent="0">
+              <a:spcBef>
+                <a:spcPts val="0"/>
+              </a:spcBef>
+              <a:buFont typeface="Arial" panose="020B0604020202020204" pitchFamily="34" charset="0"/>
+              <a:buNone/>
+            </a:pPr>
+            <a:r>
+              <a:rPr lang="nl-NL" sz="2000" dirty="0">
+                <a:latin typeface="Courier New" panose="02070309020205020404" pitchFamily="49" charset="0"/>
+                <a:cs typeface="Courier New" panose="02070309020205020404" pitchFamily="49" charset="0"/>
+              </a:rPr>
+              <a:t>│   │</a:t>
+            </a:r>
+          </a:p>
+          <a:p>
+            <a:pPr marL="0" indent="0">
+              <a:spcBef>
+                <a:spcPts val="0"/>
+              </a:spcBef>
+              <a:buFont typeface="Arial" panose="020B0604020202020204" pitchFamily="34" charset="0"/>
+              <a:buNone/>
+            </a:pPr>
+            <a:r>
+              <a:rPr lang="nl-NL" sz="2000" dirty="0">
+                <a:latin typeface="Courier New" panose="02070309020205020404" pitchFamily="49" charset="0"/>
+                <a:cs typeface="Courier New" panose="02070309020205020404" pitchFamily="49" charset="0"/>
+              </a:rPr>
+              <a:t>│   └── </a:t>
+            </a:r>
+            <a:r>
+              <a:rPr lang="nl-NL" sz="2000" dirty="0" err="1">
+                <a:latin typeface="Courier New" panose="02070309020205020404" pitchFamily="49" charset="0"/>
+                <a:cs typeface="Courier New" panose="02070309020205020404" pitchFamily="49" charset="0"/>
+              </a:rPr>
+              <a:t>hello_world</a:t>
+            </a:r>
+            <a:r>
+              <a:rPr lang="nl-NL" sz="2000" dirty="0">
+                <a:latin typeface="Courier New" panose="02070309020205020404" pitchFamily="49" charset="0"/>
+                <a:cs typeface="Courier New" panose="02070309020205020404" pitchFamily="49" charset="0"/>
+              </a:rPr>
+              <a:t>/</a:t>
+            </a:r>
+          </a:p>
+          <a:p>
+            <a:pPr marL="0" indent="0">
+              <a:spcBef>
+                <a:spcPts val="0"/>
+              </a:spcBef>
+              <a:buFont typeface="Arial" panose="020B0604020202020204" pitchFamily="34" charset="0"/>
+              <a:buNone/>
+            </a:pPr>
+            <a:r>
+              <a:rPr lang="nl-NL" sz="2000" dirty="0">
+                <a:latin typeface="Courier New" panose="02070309020205020404" pitchFamily="49" charset="0"/>
+                <a:cs typeface="Courier New" panose="02070309020205020404" pitchFamily="49" charset="0"/>
+              </a:rPr>
+              <a:t>│       │</a:t>
+            </a:r>
+          </a:p>
+          <a:p>
+            <a:pPr marL="0" indent="0">
+              <a:spcBef>
+                <a:spcPts val="0"/>
+              </a:spcBef>
+              <a:buFont typeface="Arial" panose="020B0604020202020204" pitchFamily="34" charset="0"/>
+              <a:buNone/>
+            </a:pPr>
+            <a:r>
+              <a:rPr lang="nl-NL" sz="2000" dirty="0">
+                <a:latin typeface="Courier New" panose="02070309020205020404" pitchFamily="49" charset="0"/>
+                <a:cs typeface="Courier New" panose="02070309020205020404" pitchFamily="49" charset="0"/>
+              </a:rPr>
+              <a:t>│       ├── __init__.py</a:t>
+            </a:r>
+          </a:p>
+          <a:p>
+            <a:pPr marL="0" indent="0">
+              <a:spcBef>
+                <a:spcPts val="0"/>
+              </a:spcBef>
+              <a:buFont typeface="Arial" panose="020B0604020202020204" pitchFamily="34" charset="0"/>
+              <a:buNone/>
+            </a:pPr>
+            <a:r>
+              <a:rPr lang="nl-NL" sz="2000" dirty="0">
+                <a:latin typeface="Courier New" panose="02070309020205020404" pitchFamily="49" charset="0"/>
+                <a:cs typeface="Courier New" panose="02070309020205020404" pitchFamily="49" charset="0"/>
+              </a:rPr>
+              <a:t>│       └── hello.py</a:t>
+            </a:r>
+          </a:p>
+          <a:p>
+            <a:pPr marL="0" indent="0">
+              <a:spcBef>
+                <a:spcPts val="0"/>
+              </a:spcBef>
+              <a:buFont typeface="Arial" panose="020B0604020202020204" pitchFamily="34" charset="0"/>
+              <a:buNone/>
+            </a:pPr>
+            <a:r>
+              <a:rPr lang="nl-NL" sz="2000" dirty="0">
+                <a:latin typeface="Courier New" panose="02070309020205020404" pitchFamily="49" charset="0"/>
+                <a:cs typeface="Courier New" panose="02070309020205020404" pitchFamily="49" charset="0"/>
+              </a:rPr>
+              <a:t>│</a:t>
+            </a:r>
+          </a:p>
+          <a:p>
+            <a:pPr marL="0" indent="0">
+              <a:spcBef>
+                <a:spcPts val="0"/>
+              </a:spcBef>
+              <a:buFont typeface="Arial" panose="020B0604020202020204" pitchFamily="34" charset="0"/>
+              <a:buNone/>
+            </a:pPr>
+            <a:r>
+              <a:rPr lang="nl-NL" sz="2000" dirty="0">
+                <a:latin typeface="Courier New" panose="02070309020205020404" pitchFamily="49" charset="0"/>
+                <a:cs typeface="Courier New" panose="02070309020205020404" pitchFamily="49" charset="0"/>
+              </a:rPr>
+              <a:t>├── tests/</a:t>
+            </a:r>
+          </a:p>
+          <a:p>
+            <a:pPr marL="0" indent="0">
+              <a:spcBef>
+                <a:spcPts val="0"/>
+              </a:spcBef>
+              <a:buFont typeface="Arial" panose="020B0604020202020204" pitchFamily="34" charset="0"/>
+              <a:buNone/>
+            </a:pPr>
+            <a:r>
+              <a:rPr lang="nl-NL" sz="2000" dirty="0">
+                <a:latin typeface="Courier New" panose="02070309020205020404" pitchFamily="49" charset="0"/>
+                <a:cs typeface="Courier New" panose="02070309020205020404" pitchFamily="49" charset="0"/>
+              </a:rPr>
+              <a:t>│   │</a:t>
+            </a:r>
+          </a:p>
+          <a:p>
+            <a:pPr marL="0" indent="0">
+              <a:spcBef>
+                <a:spcPts val="0"/>
+              </a:spcBef>
+              <a:buFont typeface="Arial" panose="020B0604020202020204" pitchFamily="34" charset="0"/>
+              <a:buNone/>
+            </a:pPr>
+            <a:r>
+              <a:rPr lang="nl-NL" sz="2000" dirty="0">
+                <a:latin typeface="Courier New" panose="02070309020205020404" pitchFamily="49" charset="0"/>
+                <a:cs typeface="Courier New" panose="02070309020205020404" pitchFamily="49" charset="0"/>
+              </a:rPr>
+              <a:t>│   └── </a:t>
+            </a:r>
+            <a:r>
+              <a:rPr lang="nl-NL" sz="2000" dirty="0" err="1">
+                <a:latin typeface="Courier New" panose="02070309020205020404" pitchFamily="49" charset="0"/>
+                <a:cs typeface="Courier New" panose="02070309020205020404" pitchFamily="49" charset="0"/>
+              </a:rPr>
+              <a:t>hello_world</a:t>
+            </a:r>
+            <a:r>
+              <a:rPr lang="nl-NL" sz="2000" dirty="0">
+                <a:latin typeface="Courier New" panose="02070309020205020404" pitchFamily="49" charset="0"/>
+                <a:cs typeface="Courier New" panose="02070309020205020404" pitchFamily="49" charset="0"/>
+              </a:rPr>
+              <a:t>/</a:t>
+            </a:r>
+          </a:p>
+          <a:p>
+            <a:pPr marL="0" indent="0">
+              <a:spcBef>
+                <a:spcPts val="0"/>
+              </a:spcBef>
+              <a:buFont typeface="Arial" panose="020B0604020202020204" pitchFamily="34" charset="0"/>
+              <a:buNone/>
+            </a:pPr>
+            <a:r>
+              <a:rPr lang="nl-NL" sz="2000" dirty="0">
+                <a:latin typeface="Courier New" panose="02070309020205020404" pitchFamily="49" charset="0"/>
+                <a:cs typeface="Courier New" panose="02070309020205020404" pitchFamily="49" charset="0"/>
+              </a:rPr>
+              <a:t>│       │</a:t>
+            </a:r>
+          </a:p>
+          <a:p>
+            <a:pPr marL="0" indent="0">
+              <a:spcBef>
+                <a:spcPts val="0"/>
+              </a:spcBef>
+              <a:buFont typeface="Arial" panose="020B0604020202020204" pitchFamily="34" charset="0"/>
+              <a:buNone/>
+            </a:pPr>
+            <a:r>
+              <a:rPr lang="nl-NL" sz="2000" dirty="0">
+                <a:latin typeface="Courier New" panose="02070309020205020404" pitchFamily="49" charset="0"/>
+                <a:cs typeface="Courier New" panose="02070309020205020404" pitchFamily="49" charset="0"/>
+              </a:rPr>
+              <a:t>│       └── test_hello.py</a:t>
+            </a:r>
+          </a:p>
+          <a:p>
+            <a:pPr marL="0" indent="0">
+              <a:spcBef>
+                <a:spcPts val="0"/>
+              </a:spcBef>
+              <a:buFont typeface="Arial" panose="020B0604020202020204" pitchFamily="34" charset="0"/>
+              <a:buNone/>
+            </a:pPr>
+            <a:r>
+              <a:rPr lang="nl-NL" sz="2000" dirty="0">
+                <a:latin typeface="Courier New" panose="02070309020205020404" pitchFamily="49" charset="0"/>
+                <a:cs typeface="Courier New" panose="02070309020205020404" pitchFamily="49" charset="0"/>
+              </a:rPr>
+              <a:t>│</a:t>
+            </a:r>
+          </a:p>
+          <a:p>
+            <a:pPr marL="0" indent="0">
+              <a:spcBef>
+                <a:spcPts val="0"/>
+              </a:spcBef>
+              <a:buFont typeface="Arial" panose="020B0604020202020204" pitchFamily="34" charset="0"/>
+              <a:buNone/>
+            </a:pPr>
+            <a:r>
+              <a:rPr lang="nl-NL" sz="2000" dirty="0">
+                <a:latin typeface="Courier New" panose="02070309020205020404" pitchFamily="49" charset="0"/>
+                <a:cs typeface="Courier New" panose="02070309020205020404" pitchFamily="49" charset="0"/>
+              </a:rPr>
+              <a:t>└── setup.py</a:t>
+            </a:r>
+          </a:p>
+        </p:txBody>
+      </p:sp>
+    </p:spTree>
+    <p:extLst>
+      <p:ext uri="{BB962C8B-B14F-4D97-AF65-F5344CB8AC3E}">
+        <p14:creationId xmlns:p14="http://schemas.microsoft.com/office/powerpoint/2010/main" val="2483510688"/>
+      </p:ext>
+    </p:extLst>
+  </p:cSld>
+  <p:clrMapOvr>
+    <a:masterClrMapping/>
+  </p:clrMapOvr>
+</p:sld>
+</file>
+
+<file path=ppt/slides/slide54.xml><?xml version="1.0" encoding="utf-8"?>
+<p:sld xmlns:a="http://schemas.openxmlformats.org/drawingml/2006/main" xmlns:r="http://schemas.openxmlformats.org/officeDocument/2006/relationships" xmlns:p="http://schemas.openxmlformats.org/presentationml/2006/main">
+  <p:cSld>
+    <p:spTree>
+      <p:nvGrpSpPr>
+        <p:cNvPr id="1" name=""/>
+        <p:cNvGrpSpPr/>
+        <p:nvPr/>
+      </p:nvGrpSpPr>
+      <p:grpSpPr>
+        <a:xfrm>
+          <a:off x="0" y="0"/>
+          <a:ext cx="0" cy="0"/>
+          <a:chOff x="0" y="0"/>
+          <a:chExt cx="0" cy="0"/>
+        </a:xfrm>
+      </p:grpSpPr>
+      <p:sp>
+        <p:nvSpPr>
+          <p:cNvPr id="2" name="Title 1">
+            <a:extLst>
+              <a:ext uri="{FF2B5EF4-FFF2-40B4-BE49-F238E27FC236}">
+                <a16:creationId xmlns:a16="http://schemas.microsoft.com/office/drawing/2014/main" id="{F0117A71-C343-4E94-A229-F18D53D8BEF6}"/>
+              </a:ext>
+            </a:extLst>
+          </p:cNvPr>
+          <p:cNvSpPr>
+            <a:spLocks noGrp="1"/>
+          </p:cNvSpPr>
+          <p:nvPr>
+            <p:ph type="title"/>
+          </p:nvPr>
+        </p:nvSpPr>
+        <p:spPr/>
+        <p:txBody>
+          <a:bodyPr/>
+          <a:lstStyle/>
+          <a:p>
+            <a:r>
+              <a:rPr lang="nl-NL" dirty="0"/>
+              <a:t>Inhoud </a:t>
+            </a:r>
+            <a:r>
+              <a:rPr lang="nl-NL" dirty="0" err="1"/>
+              <a:t>src</a:t>
+            </a:r>
+            <a:r>
+              <a:rPr lang="nl-NL" dirty="0"/>
+              <a:t> directory</a:t>
+            </a:r>
+          </a:p>
+        </p:txBody>
+      </p:sp>
+      <p:sp>
+        <p:nvSpPr>
+          <p:cNvPr id="3" name="Content Placeholder 2">
+            <a:extLst>
+              <a:ext uri="{FF2B5EF4-FFF2-40B4-BE49-F238E27FC236}">
+                <a16:creationId xmlns:a16="http://schemas.microsoft.com/office/drawing/2014/main" id="{BAC51C7A-6D7E-4515-BA34-6BEF13D36B55}"/>
+              </a:ext>
+            </a:extLst>
+          </p:cNvPr>
+          <p:cNvSpPr>
+            <a:spLocks noGrp="1"/>
+          </p:cNvSpPr>
+          <p:nvPr>
+            <p:ph idx="1"/>
+          </p:nvPr>
+        </p:nvSpPr>
+        <p:spPr>
+          <a:xfrm>
+            <a:off x="838200" y="1825625"/>
+            <a:ext cx="5416550" cy="4351338"/>
+          </a:xfrm>
+        </p:spPr>
+        <p:txBody>
+          <a:bodyPr>
+            <a:normAutofit lnSpcReduction="10000"/>
+          </a:bodyPr>
+          <a:lstStyle/>
+          <a:p>
+            <a:pPr marL="0" indent="0">
+              <a:buNone/>
+            </a:pPr>
+            <a:r>
+              <a:rPr lang="nl-NL" sz="2000" dirty="0" err="1">
+                <a:latin typeface="Courier New" panose="02070309020205020404" pitchFamily="49" charset="0"/>
+                <a:cs typeface="Courier New" panose="02070309020205020404" pitchFamily="49" charset="0"/>
+              </a:rPr>
+              <a:t>hello_world</a:t>
+            </a:r>
+            <a:endParaRPr lang="nl-NL" sz="2000" dirty="0">
+              <a:latin typeface="Courier New" panose="02070309020205020404" pitchFamily="49" charset="0"/>
+              <a:cs typeface="Courier New" panose="02070309020205020404" pitchFamily="49" charset="0"/>
+            </a:endParaRPr>
+          </a:p>
+          <a:p>
+            <a:pPr marL="0" indent="0">
+              <a:buNone/>
+            </a:pPr>
+            <a:r>
+              <a:rPr lang="nl-NL" sz="2000" dirty="0"/>
+              <a:t>Directory met naam van het package.</a:t>
+            </a:r>
+          </a:p>
+          <a:p>
+            <a:pPr marL="0" indent="0">
+              <a:buNone/>
+            </a:pPr>
+            <a:endParaRPr lang="nl-NL" sz="2000" dirty="0"/>
+          </a:p>
+          <a:p>
+            <a:pPr marL="0" indent="0">
+              <a:buNone/>
+            </a:pPr>
+            <a:r>
+              <a:rPr lang="nl-NL" sz="2000" dirty="0">
+                <a:latin typeface="Courier New" panose="02070309020205020404" pitchFamily="49" charset="0"/>
+                <a:cs typeface="Courier New" panose="02070309020205020404" pitchFamily="49" charset="0"/>
+              </a:rPr>
+              <a:t>__init__.py</a:t>
+            </a:r>
+          </a:p>
+          <a:p>
+            <a:pPr marL="0" indent="0">
+              <a:buNone/>
+            </a:pPr>
+            <a:r>
+              <a:rPr lang="nl-NL" sz="2000" dirty="0"/>
+              <a:t>Vereist om package te kunnen importeren.</a:t>
+            </a:r>
+          </a:p>
+          <a:p>
+            <a:pPr marL="0" indent="0">
+              <a:buNone/>
+            </a:pPr>
+            <a:endParaRPr lang="nl-NL" sz="2000" dirty="0"/>
+          </a:p>
+          <a:p>
+            <a:pPr marL="0" indent="0">
+              <a:buNone/>
+            </a:pPr>
+            <a:r>
+              <a:rPr lang="nl-NL" sz="2000" dirty="0">
+                <a:latin typeface="Courier New" panose="02070309020205020404" pitchFamily="49" charset="0"/>
+                <a:cs typeface="Courier New" panose="02070309020205020404" pitchFamily="49" charset="0"/>
+              </a:rPr>
+              <a:t>hello.py</a:t>
+            </a:r>
+          </a:p>
+          <a:p>
+            <a:pPr marL="0" indent="0">
+              <a:buNone/>
+            </a:pPr>
+            <a:r>
+              <a:rPr lang="nl-NL" sz="2000" dirty="0"/>
+              <a:t>Module met broncode voor het package.</a:t>
+            </a:r>
+          </a:p>
+          <a:p>
+            <a:pPr marL="0" indent="0">
+              <a:buNone/>
+            </a:pPr>
+            <a:endParaRPr lang="nl-NL" sz="2000" dirty="0"/>
+          </a:p>
+          <a:p>
+            <a:pPr marL="0" indent="0">
+              <a:buNone/>
+            </a:pPr>
+            <a:r>
+              <a:rPr lang="nl-NL" sz="2000" dirty="0" err="1">
+                <a:latin typeface="Courier New" panose="02070309020205020404" pitchFamily="49" charset="0"/>
+                <a:cs typeface="Courier New" panose="02070309020205020404" pitchFamily="49" charset="0"/>
+              </a:rPr>
+              <a:t>from</a:t>
+            </a:r>
+            <a:r>
+              <a:rPr lang="nl-NL" sz="2000" dirty="0">
+                <a:latin typeface="Courier New" panose="02070309020205020404" pitchFamily="49" charset="0"/>
+                <a:cs typeface="Courier New" panose="02070309020205020404" pitchFamily="49" charset="0"/>
+              </a:rPr>
+              <a:t> </a:t>
+            </a:r>
+            <a:r>
+              <a:rPr lang="nl-NL" sz="2000" dirty="0" err="1">
+                <a:latin typeface="Courier New" panose="02070309020205020404" pitchFamily="49" charset="0"/>
+                <a:cs typeface="Courier New" panose="02070309020205020404" pitchFamily="49" charset="0"/>
+              </a:rPr>
+              <a:t>hello_world.hello</a:t>
+            </a:r>
+            <a:r>
+              <a:rPr lang="nl-NL" sz="2000" dirty="0">
+                <a:latin typeface="Courier New" panose="02070309020205020404" pitchFamily="49" charset="0"/>
+                <a:cs typeface="Courier New" panose="02070309020205020404" pitchFamily="49" charset="0"/>
+              </a:rPr>
+              <a:t> import ...</a:t>
+            </a:r>
+          </a:p>
+          <a:p>
+            <a:pPr marL="0" indent="0">
+              <a:buNone/>
+            </a:pPr>
+            <a:r>
+              <a:rPr lang="nl-NL" sz="2000" dirty="0"/>
+              <a:t>Importeren code vanuit de </a:t>
+            </a:r>
+            <a:r>
+              <a:rPr lang="nl-NL" sz="2000" dirty="0">
+                <a:latin typeface="Courier New" panose="02070309020205020404" pitchFamily="49" charset="0"/>
+                <a:cs typeface="Courier New" panose="02070309020205020404" pitchFamily="49" charset="0"/>
+              </a:rPr>
+              <a:t>hello.py</a:t>
+            </a:r>
+            <a:r>
+              <a:rPr lang="nl-NL" sz="2000" dirty="0"/>
+              <a:t> module.</a:t>
+            </a:r>
+          </a:p>
+        </p:txBody>
+      </p:sp>
+      <p:sp>
+        <p:nvSpPr>
+          <p:cNvPr id="4" name="Content Placeholder 2">
+            <a:extLst>
+              <a:ext uri="{FF2B5EF4-FFF2-40B4-BE49-F238E27FC236}">
+                <a16:creationId xmlns:a16="http://schemas.microsoft.com/office/drawing/2014/main" id="{E2B9FDB3-73D9-C9D2-B8B9-D7E54E12E33B}"/>
+              </a:ext>
+            </a:extLst>
+          </p:cNvPr>
+          <p:cNvSpPr txBox="1">
+            <a:spLocks/>
+          </p:cNvSpPr>
+          <p:nvPr/>
+        </p:nvSpPr>
+        <p:spPr>
+          <a:xfrm>
+            <a:off x="6832602" y="1250950"/>
+            <a:ext cx="4946650" cy="4978401"/>
+          </a:xfrm>
+          <a:prstGeom prst="rect">
+            <a:avLst/>
+          </a:prstGeom>
+        </p:spPr>
+        <p:txBody>
+          <a:bodyPr vert="horz" lIns="91440" tIns="45720" rIns="91440" bIns="45720" rtlCol="0">
+            <a:normAutofit/>
+          </a:bodyPr>
+          <a:lstStyle>
+            <a:lvl1pPr marL="228600" indent="-228600" algn="l" defTabSz="914400" rtl="0" eaLnBrk="1" latinLnBrk="0" hangingPunct="1">
+              <a:lnSpc>
+                <a:spcPct val="90000"/>
+              </a:lnSpc>
+              <a:spcBef>
+                <a:spcPts val="1000"/>
+              </a:spcBef>
+              <a:buFont typeface="Arial" panose="020B0604020202020204" pitchFamily="34" charset="0"/>
+              <a:buChar char="•"/>
+              <a:defRPr sz="2800" kern="1200">
+                <a:solidFill>
+                  <a:schemeClr val="tx1"/>
+                </a:solidFill>
+                <a:latin typeface="+mn-lt"/>
+                <a:ea typeface="+mn-ea"/>
+                <a:cs typeface="+mn-cs"/>
+              </a:defRPr>
+            </a:lvl1pPr>
+            <a:lvl2pPr marL="685800" indent="-228600" algn="l" defTabSz="914400" rtl="0" eaLnBrk="1" latinLnBrk="0" hangingPunct="1">
+              <a:lnSpc>
+                <a:spcPct val="90000"/>
+              </a:lnSpc>
+              <a:spcBef>
+                <a:spcPts val="500"/>
+              </a:spcBef>
+              <a:buFont typeface="Arial" panose="020B0604020202020204" pitchFamily="34" charset="0"/>
+              <a:buChar char="•"/>
+              <a:defRPr sz="2400" kern="1200">
+                <a:solidFill>
+                  <a:schemeClr val="tx1"/>
+                </a:solidFill>
+                <a:latin typeface="+mn-lt"/>
+                <a:ea typeface="+mn-ea"/>
+                <a:cs typeface="+mn-cs"/>
+              </a:defRPr>
+            </a:lvl2pPr>
+            <a:lvl3pPr marL="1143000" indent="-228600" algn="l" defTabSz="914400" rtl="0" eaLnBrk="1" latinLnBrk="0" hangingPunct="1">
+              <a:lnSpc>
+                <a:spcPct val="90000"/>
+              </a:lnSpc>
+              <a:spcBef>
+                <a:spcPts val="500"/>
+              </a:spcBef>
+              <a:buFont typeface="Arial" panose="020B0604020202020204" pitchFamily="34" charset="0"/>
+              <a:buChar char="•"/>
+              <a:defRPr sz="2000" kern="1200">
+                <a:solidFill>
+                  <a:schemeClr val="tx1"/>
+                </a:solidFill>
+                <a:latin typeface="+mn-lt"/>
+                <a:ea typeface="+mn-ea"/>
+                <a:cs typeface="+mn-cs"/>
+              </a:defRPr>
+            </a:lvl3pPr>
+            <a:lvl4pPr marL="1600200" indent="-228600" algn="l" defTabSz="914400" rtl="0" eaLnBrk="1" latinLnBrk="0" hangingPunct="1">
+              <a:lnSpc>
+                <a:spcPct val="90000"/>
+              </a:lnSpc>
+              <a:spcBef>
+                <a:spcPts val="500"/>
+              </a:spcBef>
+              <a:buFont typeface="Arial" panose="020B0604020202020204" pitchFamily="34" charset="0"/>
+              <a:buChar char="•"/>
+              <a:defRPr sz="1800" kern="1200">
+                <a:solidFill>
+                  <a:schemeClr val="tx1"/>
+                </a:solidFill>
+                <a:latin typeface="+mn-lt"/>
+                <a:ea typeface="+mn-ea"/>
+                <a:cs typeface="+mn-cs"/>
+              </a:defRPr>
+            </a:lvl4pPr>
+            <a:lvl5pPr marL="2057400" indent="-228600" algn="l" defTabSz="914400" rtl="0" eaLnBrk="1" latinLnBrk="0" hangingPunct="1">
+              <a:lnSpc>
+                <a:spcPct val="90000"/>
+              </a:lnSpc>
+              <a:spcBef>
+                <a:spcPts val="500"/>
+              </a:spcBef>
+              <a:buFont typeface="Arial" panose="020B0604020202020204" pitchFamily="34" charset="0"/>
+              <a:buChar char="•"/>
+              <a:defRPr sz="1800" kern="1200">
+                <a:solidFill>
+                  <a:schemeClr val="tx1"/>
+                </a:solidFill>
+                <a:latin typeface="+mn-lt"/>
+                <a:ea typeface="+mn-ea"/>
+                <a:cs typeface="+mn-cs"/>
+              </a:defRPr>
+            </a:lvl5pPr>
+            <a:lvl6pPr marL="2514600" indent="-228600" algn="l" defTabSz="914400" rtl="0" eaLnBrk="1" latinLnBrk="0" hangingPunct="1">
+              <a:lnSpc>
+                <a:spcPct val="90000"/>
+              </a:lnSpc>
+              <a:spcBef>
+                <a:spcPts val="500"/>
+              </a:spcBef>
+              <a:buFont typeface="Arial" panose="020B0604020202020204" pitchFamily="34" charset="0"/>
+              <a:buChar char="•"/>
+              <a:defRPr sz="1800" kern="1200">
+                <a:solidFill>
+                  <a:schemeClr val="tx1"/>
+                </a:solidFill>
+                <a:latin typeface="+mn-lt"/>
+                <a:ea typeface="+mn-ea"/>
+                <a:cs typeface="+mn-cs"/>
+              </a:defRPr>
+            </a:lvl6pPr>
+            <a:lvl7pPr marL="2971800" indent="-228600" algn="l" defTabSz="914400" rtl="0" eaLnBrk="1" latinLnBrk="0" hangingPunct="1">
+              <a:lnSpc>
+                <a:spcPct val="90000"/>
+              </a:lnSpc>
+              <a:spcBef>
+                <a:spcPts val="500"/>
+              </a:spcBef>
+              <a:buFont typeface="Arial" panose="020B0604020202020204" pitchFamily="34" charset="0"/>
+              <a:buChar char="•"/>
+              <a:defRPr sz="1800" kern="1200">
+                <a:solidFill>
+                  <a:schemeClr val="tx1"/>
+                </a:solidFill>
+                <a:latin typeface="+mn-lt"/>
+                <a:ea typeface="+mn-ea"/>
+                <a:cs typeface="+mn-cs"/>
+              </a:defRPr>
+            </a:lvl7pPr>
+            <a:lvl8pPr marL="3429000" indent="-228600" algn="l" defTabSz="914400" rtl="0" eaLnBrk="1" latinLnBrk="0" hangingPunct="1">
+              <a:lnSpc>
+                <a:spcPct val="90000"/>
+              </a:lnSpc>
+              <a:spcBef>
+                <a:spcPts val="500"/>
+              </a:spcBef>
+              <a:buFont typeface="Arial" panose="020B0604020202020204" pitchFamily="34" charset="0"/>
+              <a:buChar char="•"/>
+              <a:defRPr sz="1800" kern="1200">
+                <a:solidFill>
+                  <a:schemeClr val="tx1"/>
+                </a:solidFill>
+                <a:latin typeface="+mn-lt"/>
+                <a:ea typeface="+mn-ea"/>
+                <a:cs typeface="+mn-cs"/>
+              </a:defRPr>
+            </a:lvl8pPr>
+            <a:lvl9pPr marL="3886200" indent="-228600" algn="l" defTabSz="914400" rtl="0" eaLnBrk="1" latinLnBrk="0" hangingPunct="1">
+              <a:lnSpc>
+                <a:spcPct val="90000"/>
+              </a:lnSpc>
+              <a:spcBef>
+                <a:spcPts val="500"/>
+              </a:spcBef>
+              <a:buFont typeface="Arial" panose="020B0604020202020204" pitchFamily="34" charset="0"/>
+              <a:buChar char="•"/>
+              <a:defRPr sz="1800" kern="1200">
+                <a:solidFill>
+                  <a:schemeClr val="tx1"/>
+                </a:solidFill>
+                <a:latin typeface="+mn-lt"/>
+                <a:ea typeface="+mn-ea"/>
+                <a:cs typeface="+mn-cs"/>
+              </a:defRPr>
+            </a:lvl9pPr>
+          </a:lstStyle>
+          <a:p>
+            <a:pPr marL="0" indent="0">
+              <a:spcBef>
+                <a:spcPts val="0"/>
+              </a:spcBef>
+              <a:buFont typeface="Arial" panose="020B0604020202020204" pitchFamily="34" charset="0"/>
+              <a:buNone/>
+            </a:pPr>
+            <a:r>
+              <a:rPr lang="nl-NL" sz="2000" dirty="0" err="1">
+                <a:latin typeface="Courier New" panose="02070309020205020404" pitchFamily="49" charset="0"/>
+                <a:cs typeface="Courier New" panose="02070309020205020404" pitchFamily="49" charset="0"/>
+              </a:rPr>
+              <a:t>hello-world</a:t>
+            </a:r>
+            <a:endParaRPr lang="nl-NL" sz="2000" dirty="0">
+              <a:latin typeface="Courier New" panose="02070309020205020404" pitchFamily="49" charset="0"/>
+              <a:cs typeface="Courier New" panose="02070309020205020404" pitchFamily="49" charset="0"/>
+            </a:endParaRPr>
+          </a:p>
+          <a:p>
+            <a:pPr marL="0" indent="0">
+              <a:spcBef>
+                <a:spcPts val="0"/>
+              </a:spcBef>
+              <a:buFont typeface="Arial" panose="020B0604020202020204" pitchFamily="34" charset="0"/>
+              <a:buNone/>
+            </a:pPr>
+            <a:r>
+              <a:rPr lang="nl-NL" sz="2000" dirty="0">
+                <a:latin typeface="Courier New" panose="02070309020205020404" pitchFamily="49" charset="0"/>
+                <a:cs typeface="Courier New" panose="02070309020205020404" pitchFamily="49" charset="0"/>
+              </a:rPr>
+              <a:t>│</a:t>
+            </a:r>
+          </a:p>
+          <a:p>
+            <a:pPr marL="0" indent="0">
+              <a:spcBef>
+                <a:spcPts val="0"/>
+              </a:spcBef>
+              <a:buFont typeface="Arial" panose="020B0604020202020204" pitchFamily="34" charset="0"/>
+              <a:buNone/>
+            </a:pPr>
+            <a:r>
+              <a:rPr lang="nl-NL" sz="2000" dirty="0">
+                <a:latin typeface="Courier New" panose="02070309020205020404" pitchFamily="49" charset="0"/>
+                <a:cs typeface="Courier New" panose="02070309020205020404" pitchFamily="49" charset="0"/>
+              </a:rPr>
               <a:t>└── </a:t>
             </a:r>
             <a:r>
@@ -27185,7 +27471,7 @@
 </p:sld>
 </file>
 
-<file path=ppt/slides/slide54.xml><?xml version="1.0" encoding="utf-8"?>
+<file path=ppt/slides/slide55.xml><?xml version="1.0" encoding="utf-8"?>
 <p:sld xmlns:a="http://schemas.openxmlformats.org/drawingml/2006/main" xmlns:r="http://schemas.openxmlformats.org/officeDocument/2006/relationships" xmlns:p="http://schemas.openxmlformats.org/presentationml/2006/main">
   <p:cSld>
     <p:spTree>
@@ -27924,7 +28210,7 @@
 </p:sld>
 </file>
 
-<file path=ppt/slides/slide55.xml><?xml version="1.0" encoding="utf-8"?>
+<file path=ppt/slides/slide56.xml><?xml version="1.0" encoding="utf-8"?>
 <p:sld xmlns:a="http://schemas.openxmlformats.org/drawingml/2006/main" xmlns:r="http://schemas.openxmlformats.org/officeDocument/2006/relationships" xmlns:p="http://schemas.openxmlformats.org/presentationml/2006/main">
   <p:cSld>
     <p:spTree>
@@ -28172,7 +28458,7 @@
 </p:sld>
 </file>
 
-<file path=ppt/slides/slide56.xml><?xml version="1.0" encoding="utf-8"?>
+<file path=ppt/slides/slide57.xml><?xml version="1.0" encoding="utf-8"?>
 <p:sld xmlns:a="http://schemas.openxmlformats.org/drawingml/2006/main" xmlns:r="http://schemas.openxmlformats.org/officeDocument/2006/relationships" xmlns:p="http://schemas.openxmlformats.org/presentationml/2006/main">
   <p:cSld>
     <p:spTree>

--- a/python_trainees/2_production_code/python_traineeship_2.pptx
+++ b/python_trainees/2_production_code/python_traineeship_2.pptx
@@ -4,6 +4,9 @@
   <p:sldMasterIdLst>
     <p:sldMasterId id="2147483648" r:id="rId1"/>
   </p:sldMasterIdLst>
+  <p:notesMasterIdLst>
+    <p:notesMasterId r:id="rId62"/>
+  </p:notesMasterIdLst>
   <p:sldIdLst>
     <p:sldId id="322" r:id="rId2"/>
     <p:sldId id="257" r:id="rId3"/>
@@ -25,45 +28,46 @@
     <p:sldId id="330" r:id="rId19"/>
     <p:sldId id="342" r:id="rId20"/>
     <p:sldId id="337" r:id="rId21"/>
-    <p:sldId id="295" r:id="rId22"/>
-    <p:sldId id="347" r:id="rId23"/>
-    <p:sldId id="356" r:id="rId24"/>
-    <p:sldId id="326" r:id="rId25"/>
-    <p:sldId id="305" r:id="rId26"/>
-    <p:sldId id="303" r:id="rId27"/>
-    <p:sldId id="312" r:id="rId28"/>
-    <p:sldId id="314" r:id="rId29"/>
-    <p:sldId id="313" r:id="rId30"/>
-    <p:sldId id="365" r:id="rId31"/>
-    <p:sldId id="338" r:id="rId32"/>
-    <p:sldId id="306" r:id="rId33"/>
-    <p:sldId id="339" r:id="rId34"/>
-    <p:sldId id="315" r:id="rId35"/>
-    <p:sldId id="362" r:id="rId36"/>
-    <p:sldId id="319" r:id="rId37"/>
-    <p:sldId id="343" r:id="rId38"/>
-    <p:sldId id="317" r:id="rId39"/>
-    <p:sldId id="318" r:id="rId40"/>
-    <p:sldId id="320" r:id="rId41"/>
-    <p:sldId id="321" r:id="rId42"/>
-    <p:sldId id="340" r:id="rId43"/>
-    <p:sldId id="341" r:id="rId44"/>
-    <p:sldId id="262" r:id="rId45"/>
-    <p:sldId id="264" r:id="rId46"/>
-    <p:sldId id="272" r:id="rId47"/>
-    <p:sldId id="266" r:id="rId48"/>
-    <p:sldId id="346" r:id="rId49"/>
-    <p:sldId id="344" r:id="rId50"/>
-    <p:sldId id="267" r:id="rId51"/>
-    <p:sldId id="363" r:id="rId52"/>
-    <p:sldId id="364" r:id="rId53"/>
-    <p:sldId id="345" r:id="rId54"/>
-    <p:sldId id="263" r:id="rId55"/>
-    <p:sldId id="349" r:id="rId56"/>
-    <p:sldId id="360" r:id="rId57"/>
-    <p:sldId id="359" r:id="rId58"/>
-    <p:sldId id="352" r:id="rId59"/>
-    <p:sldId id="353" r:id="rId60"/>
+    <p:sldId id="366" r:id="rId22"/>
+    <p:sldId id="295" r:id="rId23"/>
+    <p:sldId id="347" r:id="rId24"/>
+    <p:sldId id="356" r:id="rId25"/>
+    <p:sldId id="326" r:id="rId26"/>
+    <p:sldId id="305" r:id="rId27"/>
+    <p:sldId id="303" r:id="rId28"/>
+    <p:sldId id="312" r:id="rId29"/>
+    <p:sldId id="314" r:id="rId30"/>
+    <p:sldId id="313" r:id="rId31"/>
+    <p:sldId id="365" r:id="rId32"/>
+    <p:sldId id="338" r:id="rId33"/>
+    <p:sldId id="306" r:id="rId34"/>
+    <p:sldId id="339" r:id="rId35"/>
+    <p:sldId id="315" r:id="rId36"/>
+    <p:sldId id="362" r:id="rId37"/>
+    <p:sldId id="319" r:id="rId38"/>
+    <p:sldId id="343" r:id="rId39"/>
+    <p:sldId id="317" r:id="rId40"/>
+    <p:sldId id="318" r:id="rId41"/>
+    <p:sldId id="320" r:id="rId42"/>
+    <p:sldId id="321" r:id="rId43"/>
+    <p:sldId id="340" r:id="rId44"/>
+    <p:sldId id="341" r:id="rId45"/>
+    <p:sldId id="262" r:id="rId46"/>
+    <p:sldId id="264" r:id="rId47"/>
+    <p:sldId id="272" r:id="rId48"/>
+    <p:sldId id="266" r:id="rId49"/>
+    <p:sldId id="346" r:id="rId50"/>
+    <p:sldId id="344" r:id="rId51"/>
+    <p:sldId id="267" r:id="rId52"/>
+    <p:sldId id="363" r:id="rId53"/>
+    <p:sldId id="364" r:id="rId54"/>
+    <p:sldId id="345" r:id="rId55"/>
+    <p:sldId id="263" r:id="rId56"/>
+    <p:sldId id="349" r:id="rId57"/>
+    <p:sldId id="360" r:id="rId58"/>
+    <p:sldId id="359" r:id="rId59"/>
+    <p:sldId id="352" r:id="rId60"/>
+    <p:sldId id="353" r:id="rId61"/>
   </p:sldIdLst>
   <p:sldSz cx="12192000" cy="6858000"/>
   <p:notesSz cx="6858000" cy="9144000"/>
@@ -182,6 +186,836 @@
 </p:cmAuthorLst>
 </file>
 
+<file path=ppt/notesMasters/notesMaster1.xml><?xml version="1.0" encoding="utf-8"?>
+<p:notesMaster xmlns:a="http://schemas.openxmlformats.org/drawingml/2006/main" xmlns:r="http://schemas.openxmlformats.org/officeDocument/2006/relationships" xmlns:p="http://schemas.openxmlformats.org/presentationml/2006/main">
+  <p:cSld>
+    <p:bg>
+      <p:bgRef idx="1001">
+        <a:schemeClr val="bg1"/>
+      </p:bgRef>
+    </p:bg>
+    <p:spTree>
+      <p:nvGrpSpPr>
+        <p:cNvPr id="1" name=""/>
+        <p:cNvGrpSpPr/>
+        <p:nvPr/>
+      </p:nvGrpSpPr>
+      <p:grpSpPr>
+        <a:xfrm>
+          <a:off x="0" y="0"/>
+          <a:ext cx="0" cy="0"/>
+          <a:chOff x="0" y="0"/>
+          <a:chExt cx="0" cy="0"/>
+        </a:xfrm>
+      </p:grpSpPr>
+      <p:sp>
+        <p:nvSpPr>
+          <p:cNvPr id="2" name="Header Placeholder 1"/>
+          <p:cNvSpPr>
+            <a:spLocks noGrp="1"/>
+          </p:cNvSpPr>
+          <p:nvPr>
+            <p:ph type="hdr" sz="quarter"/>
+          </p:nvPr>
+        </p:nvSpPr>
+        <p:spPr>
+          <a:xfrm>
+            <a:off x="0" y="0"/>
+            <a:ext cx="2971800" cy="458788"/>
+          </a:xfrm>
+          <a:prstGeom prst="rect">
+            <a:avLst/>
+          </a:prstGeom>
+        </p:spPr>
+        <p:txBody>
+          <a:bodyPr vert="horz" lIns="91440" tIns="45720" rIns="91440" bIns="45720" rtlCol="0"/>
+          <a:lstStyle>
+            <a:lvl1pPr algn="l">
+              <a:defRPr sz="1200"/>
+            </a:lvl1pPr>
+          </a:lstStyle>
+          <a:p>
+            <a:endParaRPr lang="nl-NL"/>
+          </a:p>
+        </p:txBody>
+      </p:sp>
+      <p:sp>
+        <p:nvSpPr>
+          <p:cNvPr id="3" name="Date Placeholder 2"/>
+          <p:cNvSpPr>
+            <a:spLocks noGrp="1"/>
+          </p:cNvSpPr>
+          <p:nvPr>
+            <p:ph type="dt" idx="1"/>
+          </p:nvPr>
+        </p:nvSpPr>
+        <p:spPr>
+          <a:xfrm>
+            <a:off x="3884613" y="0"/>
+            <a:ext cx="2971800" cy="458788"/>
+          </a:xfrm>
+          <a:prstGeom prst="rect">
+            <a:avLst/>
+          </a:prstGeom>
+        </p:spPr>
+        <p:txBody>
+          <a:bodyPr vert="horz" lIns="91440" tIns="45720" rIns="91440" bIns="45720" rtlCol="0"/>
+          <a:lstStyle>
+            <a:lvl1pPr algn="r">
+              <a:defRPr sz="1200"/>
+            </a:lvl1pPr>
+          </a:lstStyle>
+          <a:p>
+            <a:fld id="{7D183437-14DE-4969-B062-63D9C4A2E219}" type="datetimeFigureOut">
+              <a:rPr lang="nl-NL" smtClean="0"/>
+              <a:t>26-9-2023</a:t>
+            </a:fld>
+            <a:endParaRPr lang="nl-NL"/>
+          </a:p>
+        </p:txBody>
+      </p:sp>
+      <p:sp>
+        <p:nvSpPr>
+          <p:cNvPr id="4" name="Slide Image Placeholder 3"/>
+          <p:cNvSpPr>
+            <a:spLocks noGrp="1" noRot="1" noChangeAspect="1"/>
+          </p:cNvSpPr>
+          <p:nvPr>
+            <p:ph type="sldImg" idx="2"/>
+          </p:nvPr>
+        </p:nvSpPr>
+        <p:spPr>
+          <a:xfrm>
+            <a:off x="685800" y="1143000"/>
+            <a:ext cx="5486400" cy="3086100"/>
+          </a:xfrm>
+          <a:prstGeom prst="rect">
+            <a:avLst/>
+          </a:prstGeom>
+          <a:noFill/>
+          <a:ln w="12700">
+            <a:solidFill>
+              <a:prstClr val="black"/>
+            </a:solidFill>
+          </a:ln>
+        </p:spPr>
+        <p:txBody>
+          <a:bodyPr vert="horz" lIns="91440" tIns="45720" rIns="91440" bIns="45720" rtlCol="0" anchor="ctr"/>
+          <a:lstStyle/>
+          <a:p>
+            <a:endParaRPr lang="nl-NL"/>
+          </a:p>
+        </p:txBody>
+      </p:sp>
+      <p:sp>
+        <p:nvSpPr>
+          <p:cNvPr id="5" name="Notes Placeholder 4"/>
+          <p:cNvSpPr>
+            <a:spLocks noGrp="1"/>
+          </p:cNvSpPr>
+          <p:nvPr>
+            <p:ph type="body" sz="quarter" idx="3"/>
+          </p:nvPr>
+        </p:nvSpPr>
+        <p:spPr>
+          <a:xfrm>
+            <a:off x="685800" y="4400550"/>
+            <a:ext cx="5486400" cy="3600450"/>
+          </a:xfrm>
+          <a:prstGeom prst="rect">
+            <a:avLst/>
+          </a:prstGeom>
+        </p:spPr>
+        <p:txBody>
+          <a:bodyPr vert="horz" lIns="91440" tIns="45720" rIns="91440" bIns="45720" rtlCol="0"/>
+          <a:lstStyle/>
+          <a:p>
+            <a:pPr lvl="0"/>
+            <a:r>
+              <a:rPr lang="en-US"/>
+              <a:t>Click to edit Master text styles</a:t>
+            </a:r>
+          </a:p>
+          <a:p>
+            <a:pPr lvl="1"/>
+            <a:r>
+              <a:rPr lang="en-US"/>
+              <a:t>Second level</a:t>
+            </a:r>
+          </a:p>
+          <a:p>
+            <a:pPr lvl="2"/>
+            <a:r>
+              <a:rPr lang="en-US"/>
+              <a:t>Third level</a:t>
+            </a:r>
+          </a:p>
+          <a:p>
+            <a:pPr lvl="3"/>
+            <a:r>
+              <a:rPr lang="en-US"/>
+              <a:t>Fourth level</a:t>
+            </a:r>
+          </a:p>
+          <a:p>
+            <a:pPr lvl="4"/>
+            <a:r>
+              <a:rPr lang="en-US"/>
+              <a:t>Fifth level</a:t>
+            </a:r>
+            <a:endParaRPr lang="nl-NL"/>
+          </a:p>
+        </p:txBody>
+      </p:sp>
+      <p:sp>
+        <p:nvSpPr>
+          <p:cNvPr id="6" name="Footer Placeholder 5"/>
+          <p:cNvSpPr>
+            <a:spLocks noGrp="1"/>
+          </p:cNvSpPr>
+          <p:nvPr>
+            <p:ph type="ftr" sz="quarter" idx="4"/>
+          </p:nvPr>
+        </p:nvSpPr>
+        <p:spPr>
+          <a:xfrm>
+            <a:off x="0" y="8685213"/>
+            <a:ext cx="2971800" cy="458787"/>
+          </a:xfrm>
+          <a:prstGeom prst="rect">
+            <a:avLst/>
+          </a:prstGeom>
+        </p:spPr>
+        <p:txBody>
+          <a:bodyPr vert="horz" lIns="91440" tIns="45720" rIns="91440" bIns="45720" rtlCol="0" anchor="b"/>
+          <a:lstStyle>
+            <a:lvl1pPr algn="l">
+              <a:defRPr sz="1200"/>
+            </a:lvl1pPr>
+          </a:lstStyle>
+          <a:p>
+            <a:endParaRPr lang="nl-NL"/>
+          </a:p>
+        </p:txBody>
+      </p:sp>
+      <p:sp>
+        <p:nvSpPr>
+          <p:cNvPr id="7" name="Slide Number Placeholder 6"/>
+          <p:cNvSpPr>
+            <a:spLocks noGrp="1"/>
+          </p:cNvSpPr>
+          <p:nvPr>
+            <p:ph type="sldNum" sz="quarter" idx="5"/>
+          </p:nvPr>
+        </p:nvSpPr>
+        <p:spPr>
+          <a:xfrm>
+            <a:off x="3884613" y="8685213"/>
+            <a:ext cx="2971800" cy="458787"/>
+          </a:xfrm>
+          <a:prstGeom prst="rect">
+            <a:avLst/>
+          </a:prstGeom>
+        </p:spPr>
+        <p:txBody>
+          <a:bodyPr vert="horz" lIns="91440" tIns="45720" rIns="91440" bIns="45720" rtlCol="0" anchor="b"/>
+          <a:lstStyle>
+            <a:lvl1pPr algn="r">
+              <a:defRPr sz="1200"/>
+            </a:lvl1pPr>
+          </a:lstStyle>
+          <a:p>
+            <a:fld id="{9583DEA5-E342-4DB2-B087-D0B9C490B19E}" type="slidenum">
+              <a:rPr lang="nl-NL" smtClean="0"/>
+              <a:t>‹#›</a:t>
+            </a:fld>
+            <a:endParaRPr lang="nl-NL"/>
+          </a:p>
+        </p:txBody>
+      </p:sp>
+    </p:spTree>
+    <p:extLst>
+      <p:ext uri="{BB962C8B-B14F-4D97-AF65-F5344CB8AC3E}">
+        <p14:creationId xmlns:p14="http://schemas.microsoft.com/office/powerpoint/2010/main" val="2820861830"/>
+      </p:ext>
+    </p:extLst>
+  </p:cSld>
+  <p:clrMap bg1="lt1" tx1="dk1" bg2="lt2" tx2="dk2" accent1="accent1" accent2="accent2" accent3="accent3" accent4="accent4" accent5="accent5" accent6="accent6" hlink="hlink" folHlink="folHlink"/>
+  <p:notesStyle>
+    <a:lvl1pPr marL="0" algn="l" defTabSz="914400" rtl="0" eaLnBrk="1" latinLnBrk="0" hangingPunct="1">
+      <a:defRPr sz="1200" kern="1200">
+        <a:solidFill>
+          <a:schemeClr val="tx1"/>
+        </a:solidFill>
+        <a:latin typeface="+mn-lt"/>
+        <a:ea typeface="+mn-ea"/>
+        <a:cs typeface="+mn-cs"/>
+      </a:defRPr>
+    </a:lvl1pPr>
+    <a:lvl2pPr marL="457200" algn="l" defTabSz="914400" rtl="0" eaLnBrk="1" latinLnBrk="0" hangingPunct="1">
+      <a:defRPr sz="1200" kern="1200">
+        <a:solidFill>
+          <a:schemeClr val="tx1"/>
+        </a:solidFill>
+        <a:latin typeface="+mn-lt"/>
+        <a:ea typeface="+mn-ea"/>
+        <a:cs typeface="+mn-cs"/>
+      </a:defRPr>
+    </a:lvl2pPr>
+    <a:lvl3pPr marL="914400" algn="l" defTabSz="914400" rtl="0" eaLnBrk="1" latinLnBrk="0" hangingPunct="1">
+      <a:defRPr sz="1200" kern="1200">
+        <a:solidFill>
+          <a:schemeClr val="tx1"/>
+        </a:solidFill>
+        <a:latin typeface="+mn-lt"/>
+        <a:ea typeface="+mn-ea"/>
+        <a:cs typeface="+mn-cs"/>
+      </a:defRPr>
+    </a:lvl3pPr>
+    <a:lvl4pPr marL="1371600" algn="l" defTabSz="914400" rtl="0" eaLnBrk="1" latinLnBrk="0" hangingPunct="1">
+      <a:defRPr sz="1200" kern="1200">
+        <a:solidFill>
+          <a:schemeClr val="tx1"/>
+        </a:solidFill>
+        <a:latin typeface="+mn-lt"/>
+        <a:ea typeface="+mn-ea"/>
+        <a:cs typeface="+mn-cs"/>
+      </a:defRPr>
+    </a:lvl4pPr>
+    <a:lvl5pPr marL="1828800" algn="l" defTabSz="914400" rtl="0" eaLnBrk="1" latinLnBrk="0" hangingPunct="1">
+      <a:defRPr sz="1200" kern="1200">
+        <a:solidFill>
+          <a:schemeClr val="tx1"/>
+        </a:solidFill>
+        <a:latin typeface="+mn-lt"/>
+        <a:ea typeface="+mn-ea"/>
+        <a:cs typeface="+mn-cs"/>
+      </a:defRPr>
+    </a:lvl5pPr>
+    <a:lvl6pPr marL="2286000" algn="l" defTabSz="914400" rtl="0" eaLnBrk="1" latinLnBrk="0" hangingPunct="1">
+      <a:defRPr sz="1200" kern="1200">
+        <a:solidFill>
+          <a:schemeClr val="tx1"/>
+        </a:solidFill>
+        <a:latin typeface="+mn-lt"/>
+        <a:ea typeface="+mn-ea"/>
+        <a:cs typeface="+mn-cs"/>
+      </a:defRPr>
+    </a:lvl6pPr>
+    <a:lvl7pPr marL="2743200" algn="l" defTabSz="914400" rtl="0" eaLnBrk="1" latinLnBrk="0" hangingPunct="1">
+      <a:defRPr sz="1200" kern="1200">
+        <a:solidFill>
+          <a:schemeClr val="tx1"/>
+        </a:solidFill>
+        <a:latin typeface="+mn-lt"/>
+        <a:ea typeface="+mn-ea"/>
+        <a:cs typeface="+mn-cs"/>
+      </a:defRPr>
+    </a:lvl7pPr>
+    <a:lvl8pPr marL="3200400" algn="l" defTabSz="914400" rtl="0" eaLnBrk="1" latinLnBrk="0" hangingPunct="1">
+      <a:defRPr sz="1200" kern="1200">
+        <a:solidFill>
+          <a:schemeClr val="tx1"/>
+        </a:solidFill>
+        <a:latin typeface="+mn-lt"/>
+        <a:ea typeface="+mn-ea"/>
+        <a:cs typeface="+mn-cs"/>
+      </a:defRPr>
+    </a:lvl8pPr>
+    <a:lvl9pPr marL="3657600" algn="l" defTabSz="914400" rtl="0" eaLnBrk="1" latinLnBrk="0" hangingPunct="1">
+      <a:defRPr sz="1200" kern="1200">
+        <a:solidFill>
+          <a:schemeClr val="tx1"/>
+        </a:solidFill>
+        <a:latin typeface="+mn-lt"/>
+        <a:ea typeface="+mn-ea"/>
+        <a:cs typeface="+mn-cs"/>
+      </a:defRPr>
+    </a:lvl9pPr>
+  </p:notesStyle>
+</p:notesMaster>
+</file>
+
+<file path=ppt/notesSlides/notesSlide1.xml><?xml version="1.0" encoding="utf-8"?>
+<p:notes xmlns:a="http://schemas.openxmlformats.org/drawingml/2006/main" xmlns:r="http://schemas.openxmlformats.org/officeDocument/2006/relationships" xmlns:p="http://schemas.openxmlformats.org/presentationml/2006/main">
+  <p:cSld>
+    <p:spTree>
+      <p:nvGrpSpPr>
+        <p:cNvPr id="1" name=""/>
+        <p:cNvGrpSpPr/>
+        <p:nvPr/>
+      </p:nvGrpSpPr>
+      <p:grpSpPr>
+        <a:xfrm>
+          <a:off x="0" y="0"/>
+          <a:ext cx="0" cy="0"/>
+          <a:chOff x="0" y="0"/>
+          <a:chExt cx="0" cy="0"/>
+        </a:xfrm>
+      </p:grpSpPr>
+      <p:sp>
+        <p:nvSpPr>
+          <p:cNvPr id="2" name="Slide Image Placeholder 1"/>
+          <p:cNvSpPr>
+            <a:spLocks noGrp="1" noRot="1" noChangeAspect="1"/>
+          </p:cNvSpPr>
+          <p:nvPr>
+            <p:ph type="sldImg"/>
+          </p:nvPr>
+        </p:nvSpPr>
+        <p:spPr/>
+      </p:sp>
+      <p:sp>
+        <p:nvSpPr>
+          <p:cNvPr id="3" name="Notes Placeholder 2"/>
+          <p:cNvSpPr>
+            <a:spLocks noGrp="1"/>
+          </p:cNvSpPr>
+          <p:nvPr>
+            <p:ph type="body" idx="1"/>
+          </p:nvPr>
+        </p:nvSpPr>
+        <p:spPr/>
+        <p:txBody>
+          <a:bodyPr/>
+          <a:lstStyle/>
+          <a:p>
+            <a:r>
+              <a:rPr lang="en-US" dirty="0" err="1"/>
+              <a:t>Naar</a:t>
+            </a:r>
+            <a:r>
+              <a:rPr lang="en-US" dirty="0"/>
+              <a:t> </a:t>
+            </a:r>
+            <a:r>
+              <a:rPr lang="en-US" dirty="0" err="1"/>
+              <a:t>mkdocs</a:t>
+            </a:r>
+            <a:r>
+              <a:rPr lang="en-US" dirty="0"/>
+              <a:t> </a:t>
+            </a:r>
+            <a:r>
+              <a:rPr lang="en-US" dirty="0" err="1"/>
+              <a:t>voorbeeld</a:t>
+            </a:r>
+            <a:endParaRPr lang="nl-NL" dirty="0"/>
+          </a:p>
+        </p:txBody>
+      </p:sp>
+      <p:sp>
+        <p:nvSpPr>
+          <p:cNvPr id="4" name="Slide Number Placeholder 3"/>
+          <p:cNvSpPr>
+            <a:spLocks noGrp="1"/>
+          </p:cNvSpPr>
+          <p:nvPr>
+            <p:ph type="sldNum" sz="quarter" idx="5"/>
+          </p:nvPr>
+        </p:nvSpPr>
+        <p:spPr/>
+        <p:txBody>
+          <a:bodyPr/>
+          <a:lstStyle/>
+          <a:p>
+            <a:fld id="{9583DEA5-E342-4DB2-B087-D0B9C490B19E}" type="slidenum">
+              <a:rPr lang="nl-NL" smtClean="0"/>
+              <a:t>9</a:t>
+            </a:fld>
+            <a:endParaRPr lang="nl-NL"/>
+          </a:p>
+        </p:txBody>
+      </p:sp>
+    </p:spTree>
+    <p:extLst>
+      <p:ext uri="{BB962C8B-B14F-4D97-AF65-F5344CB8AC3E}">
+        <p14:creationId xmlns:p14="http://schemas.microsoft.com/office/powerpoint/2010/main" val="3002235451"/>
+      </p:ext>
+    </p:extLst>
+  </p:cSld>
+  <p:clrMapOvr>
+    <a:masterClrMapping/>
+  </p:clrMapOvr>
+</p:notes>
+</file>
+
+<file path=ppt/notesSlides/notesSlide2.xml><?xml version="1.0" encoding="utf-8"?>
+<p:notes xmlns:a="http://schemas.openxmlformats.org/drawingml/2006/main" xmlns:r="http://schemas.openxmlformats.org/officeDocument/2006/relationships" xmlns:p="http://schemas.openxmlformats.org/presentationml/2006/main">
+  <p:cSld>
+    <p:spTree>
+      <p:nvGrpSpPr>
+        <p:cNvPr id="1" name=""/>
+        <p:cNvGrpSpPr/>
+        <p:nvPr/>
+      </p:nvGrpSpPr>
+      <p:grpSpPr>
+        <a:xfrm>
+          <a:off x="0" y="0"/>
+          <a:ext cx="0" cy="0"/>
+          <a:chOff x="0" y="0"/>
+          <a:chExt cx="0" cy="0"/>
+        </a:xfrm>
+      </p:grpSpPr>
+      <p:sp>
+        <p:nvSpPr>
+          <p:cNvPr id="2" name="Slide Image Placeholder 1"/>
+          <p:cNvSpPr>
+            <a:spLocks noGrp="1" noRot="1" noChangeAspect="1"/>
+          </p:cNvSpPr>
+          <p:nvPr>
+            <p:ph type="sldImg"/>
+          </p:nvPr>
+        </p:nvSpPr>
+        <p:spPr/>
+      </p:sp>
+      <p:sp>
+        <p:nvSpPr>
+          <p:cNvPr id="3" name="Notes Placeholder 2"/>
+          <p:cNvSpPr>
+            <a:spLocks noGrp="1"/>
+          </p:cNvSpPr>
+          <p:nvPr>
+            <p:ph type="body" idx="1"/>
+          </p:nvPr>
+        </p:nvSpPr>
+        <p:spPr/>
+        <p:txBody>
+          <a:bodyPr/>
+          <a:lstStyle/>
+          <a:p>
+            <a:r>
+              <a:rPr lang="en-US" dirty="0" err="1"/>
+              <a:t>Naar</a:t>
+            </a:r>
+            <a:r>
+              <a:rPr lang="en-US" dirty="0"/>
+              <a:t> logging Notebook</a:t>
+            </a:r>
+            <a:endParaRPr lang="nl-NL" dirty="0"/>
+          </a:p>
+        </p:txBody>
+      </p:sp>
+      <p:sp>
+        <p:nvSpPr>
+          <p:cNvPr id="4" name="Slide Number Placeholder 3"/>
+          <p:cNvSpPr>
+            <a:spLocks noGrp="1"/>
+          </p:cNvSpPr>
+          <p:nvPr>
+            <p:ph type="sldNum" sz="quarter" idx="5"/>
+          </p:nvPr>
+        </p:nvSpPr>
+        <p:spPr/>
+        <p:txBody>
+          <a:bodyPr/>
+          <a:lstStyle/>
+          <a:p>
+            <a:fld id="{9583DEA5-E342-4DB2-B087-D0B9C490B19E}" type="slidenum">
+              <a:rPr lang="nl-NL" smtClean="0"/>
+              <a:t>33</a:t>
+            </a:fld>
+            <a:endParaRPr lang="nl-NL"/>
+          </a:p>
+        </p:txBody>
+      </p:sp>
+    </p:spTree>
+    <p:extLst>
+      <p:ext uri="{BB962C8B-B14F-4D97-AF65-F5344CB8AC3E}">
+        <p14:creationId xmlns:p14="http://schemas.microsoft.com/office/powerpoint/2010/main" val="1164881300"/>
+      </p:ext>
+    </p:extLst>
+  </p:cSld>
+  <p:clrMapOvr>
+    <a:masterClrMapping/>
+  </p:clrMapOvr>
+</p:notes>
+</file>
+
+<file path=ppt/notesSlides/notesSlide3.xml><?xml version="1.0" encoding="utf-8"?>
+<p:notes xmlns:a="http://schemas.openxmlformats.org/drawingml/2006/main" xmlns:r="http://schemas.openxmlformats.org/officeDocument/2006/relationships" xmlns:p="http://schemas.openxmlformats.org/presentationml/2006/main">
+  <p:cSld>
+    <p:spTree>
+      <p:nvGrpSpPr>
+        <p:cNvPr id="1" name=""/>
+        <p:cNvGrpSpPr/>
+        <p:nvPr/>
+      </p:nvGrpSpPr>
+      <p:grpSpPr>
+        <a:xfrm>
+          <a:off x="0" y="0"/>
+          <a:ext cx="0" cy="0"/>
+          <a:chOff x="0" y="0"/>
+          <a:chExt cx="0" cy="0"/>
+        </a:xfrm>
+      </p:grpSpPr>
+      <p:sp>
+        <p:nvSpPr>
+          <p:cNvPr id="2" name="Slide Image Placeholder 1"/>
+          <p:cNvSpPr>
+            <a:spLocks noGrp="1" noRot="1" noChangeAspect="1"/>
+          </p:cNvSpPr>
+          <p:nvPr>
+            <p:ph type="sldImg"/>
+          </p:nvPr>
+        </p:nvSpPr>
+        <p:spPr/>
+      </p:sp>
+      <p:sp>
+        <p:nvSpPr>
+          <p:cNvPr id="3" name="Notes Placeholder 2"/>
+          <p:cNvSpPr>
+            <a:spLocks noGrp="1"/>
+          </p:cNvSpPr>
+          <p:nvPr>
+            <p:ph type="body" idx="1"/>
+          </p:nvPr>
+        </p:nvSpPr>
+        <p:spPr/>
+        <p:txBody>
+          <a:bodyPr/>
+          <a:lstStyle/>
+          <a:p>
+            <a:r>
+              <a:rPr lang="en-US" dirty="0" err="1"/>
+              <a:t>Naar</a:t>
+            </a:r>
+            <a:r>
+              <a:rPr lang="en-US" dirty="0"/>
+              <a:t> exception.py / VS Code debugger</a:t>
+            </a:r>
+            <a:endParaRPr lang="nl-NL" dirty="0"/>
+          </a:p>
+        </p:txBody>
+      </p:sp>
+      <p:sp>
+        <p:nvSpPr>
+          <p:cNvPr id="4" name="Slide Number Placeholder 3"/>
+          <p:cNvSpPr>
+            <a:spLocks noGrp="1"/>
+          </p:cNvSpPr>
+          <p:nvPr>
+            <p:ph type="sldNum" sz="quarter" idx="5"/>
+          </p:nvPr>
+        </p:nvSpPr>
+        <p:spPr/>
+        <p:txBody>
+          <a:bodyPr/>
+          <a:lstStyle/>
+          <a:p>
+            <a:fld id="{9583DEA5-E342-4DB2-B087-D0B9C490B19E}" type="slidenum">
+              <a:rPr lang="nl-NL" smtClean="0"/>
+              <a:t>38</a:t>
+            </a:fld>
+            <a:endParaRPr lang="nl-NL"/>
+          </a:p>
+        </p:txBody>
+      </p:sp>
+    </p:spTree>
+    <p:extLst>
+      <p:ext uri="{BB962C8B-B14F-4D97-AF65-F5344CB8AC3E}">
+        <p14:creationId xmlns:p14="http://schemas.microsoft.com/office/powerpoint/2010/main" val="2010717564"/>
+      </p:ext>
+    </p:extLst>
+  </p:cSld>
+  <p:clrMapOvr>
+    <a:masterClrMapping/>
+  </p:clrMapOvr>
+</p:notes>
+</file>
+
+<file path=ppt/notesSlides/notesSlide4.xml><?xml version="1.0" encoding="utf-8"?>
+<p:notes xmlns:a="http://schemas.openxmlformats.org/drawingml/2006/main" xmlns:r="http://schemas.openxmlformats.org/officeDocument/2006/relationships" xmlns:p="http://schemas.openxmlformats.org/presentationml/2006/main">
+  <p:cSld>
+    <p:spTree>
+      <p:nvGrpSpPr>
+        <p:cNvPr id="1" name=""/>
+        <p:cNvGrpSpPr/>
+        <p:nvPr/>
+      </p:nvGrpSpPr>
+      <p:grpSpPr>
+        <a:xfrm>
+          <a:off x="0" y="0"/>
+          <a:ext cx="0" cy="0"/>
+          <a:chOff x="0" y="0"/>
+          <a:chExt cx="0" cy="0"/>
+        </a:xfrm>
+      </p:grpSpPr>
+      <p:sp>
+        <p:nvSpPr>
+          <p:cNvPr id="2" name="Slide Image Placeholder 1"/>
+          <p:cNvSpPr>
+            <a:spLocks noGrp="1" noRot="1" noChangeAspect="1"/>
+          </p:cNvSpPr>
+          <p:nvPr>
+            <p:ph type="sldImg"/>
+          </p:nvPr>
+        </p:nvSpPr>
+        <p:spPr/>
+      </p:sp>
+      <p:sp>
+        <p:nvSpPr>
+          <p:cNvPr id="3" name="Notes Placeholder 2"/>
+          <p:cNvSpPr>
+            <a:spLocks noGrp="1"/>
+          </p:cNvSpPr>
+          <p:nvPr>
+            <p:ph type="body" idx="1"/>
+          </p:nvPr>
+        </p:nvSpPr>
+        <p:spPr/>
+        <p:txBody>
+          <a:bodyPr/>
+          <a:lstStyle/>
+          <a:p>
+            <a:r>
+              <a:rPr lang="en-US" dirty="0" err="1"/>
+              <a:t>Naar</a:t>
+            </a:r>
+            <a:r>
+              <a:rPr lang="en-US" dirty="0"/>
+              <a:t> basic unit tests.</a:t>
+            </a:r>
+            <a:endParaRPr lang="nl-NL" dirty="0"/>
+          </a:p>
+        </p:txBody>
+      </p:sp>
+      <p:sp>
+        <p:nvSpPr>
+          <p:cNvPr id="4" name="Slide Number Placeholder 3"/>
+          <p:cNvSpPr>
+            <a:spLocks noGrp="1"/>
+          </p:cNvSpPr>
+          <p:nvPr>
+            <p:ph type="sldNum" sz="quarter" idx="5"/>
+          </p:nvPr>
+        </p:nvSpPr>
+        <p:spPr/>
+        <p:txBody>
+          <a:bodyPr/>
+          <a:lstStyle/>
+          <a:p>
+            <a:fld id="{9583DEA5-E342-4DB2-B087-D0B9C490B19E}" type="slidenum">
+              <a:rPr lang="nl-NL" smtClean="0"/>
+              <a:t>48</a:t>
+            </a:fld>
+            <a:endParaRPr lang="nl-NL"/>
+          </a:p>
+        </p:txBody>
+      </p:sp>
+    </p:spTree>
+    <p:extLst>
+      <p:ext uri="{BB962C8B-B14F-4D97-AF65-F5344CB8AC3E}">
+        <p14:creationId xmlns:p14="http://schemas.microsoft.com/office/powerpoint/2010/main" val="3485926939"/>
+      </p:ext>
+    </p:extLst>
+  </p:cSld>
+  <p:clrMapOvr>
+    <a:masterClrMapping/>
+  </p:clrMapOvr>
+</p:notes>
+</file>
+
+<file path=ppt/notesSlides/notesSlide5.xml><?xml version="1.0" encoding="utf-8"?>
+<p:notes xmlns:a="http://schemas.openxmlformats.org/drawingml/2006/main" xmlns:r="http://schemas.openxmlformats.org/officeDocument/2006/relationships" xmlns:p="http://schemas.openxmlformats.org/presentationml/2006/main">
+  <p:cSld>
+    <p:spTree>
+      <p:nvGrpSpPr>
+        <p:cNvPr id="1" name=""/>
+        <p:cNvGrpSpPr/>
+        <p:nvPr/>
+      </p:nvGrpSpPr>
+      <p:grpSpPr>
+        <a:xfrm>
+          <a:off x="0" y="0"/>
+          <a:ext cx="0" cy="0"/>
+          <a:chOff x="0" y="0"/>
+          <a:chExt cx="0" cy="0"/>
+        </a:xfrm>
+      </p:grpSpPr>
+      <p:sp>
+        <p:nvSpPr>
+          <p:cNvPr id="2" name="Slide Image Placeholder 1"/>
+          <p:cNvSpPr>
+            <a:spLocks noGrp="1" noRot="1" noChangeAspect="1"/>
+          </p:cNvSpPr>
+          <p:nvPr>
+            <p:ph type="sldImg"/>
+          </p:nvPr>
+        </p:nvSpPr>
+        <p:spPr/>
+      </p:sp>
+      <p:sp>
+        <p:nvSpPr>
+          <p:cNvPr id="3" name="Notes Placeholder 2"/>
+          <p:cNvSpPr>
+            <a:spLocks noGrp="1"/>
+          </p:cNvSpPr>
+          <p:nvPr>
+            <p:ph type="body" idx="1"/>
+          </p:nvPr>
+        </p:nvSpPr>
+        <p:spPr/>
+        <p:txBody>
+          <a:bodyPr/>
+          <a:lstStyle/>
+          <a:p>
+            <a:r>
+              <a:rPr lang="en-US" dirty="0" err="1"/>
+              <a:t>Naar</a:t>
+            </a:r>
+            <a:r>
+              <a:rPr lang="en-US" dirty="0"/>
+              <a:t> </a:t>
+            </a:r>
+            <a:r>
+              <a:rPr lang="en-US" dirty="0" err="1"/>
+              <a:t>pytest</a:t>
+            </a:r>
+            <a:r>
+              <a:rPr lang="en-US" dirty="0"/>
+              <a:t> parameters</a:t>
+            </a:r>
+            <a:endParaRPr lang="nl-NL" dirty="0"/>
+          </a:p>
+        </p:txBody>
+      </p:sp>
+      <p:sp>
+        <p:nvSpPr>
+          <p:cNvPr id="4" name="Slide Number Placeholder 3"/>
+          <p:cNvSpPr>
+            <a:spLocks noGrp="1"/>
+          </p:cNvSpPr>
+          <p:nvPr>
+            <p:ph type="sldNum" sz="quarter" idx="5"/>
+          </p:nvPr>
+        </p:nvSpPr>
+        <p:spPr/>
+        <p:txBody>
+          <a:bodyPr/>
+          <a:lstStyle/>
+          <a:p>
+            <a:fld id="{9583DEA5-E342-4DB2-B087-D0B9C490B19E}" type="slidenum">
+              <a:rPr lang="nl-NL" smtClean="0"/>
+              <a:t>51</a:t>
+            </a:fld>
+            <a:endParaRPr lang="nl-NL"/>
+          </a:p>
+        </p:txBody>
+      </p:sp>
+    </p:spTree>
+    <p:extLst>
+      <p:ext uri="{BB962C8B-B14F-4D97-AF65-F5344CB8AC3E}">
+        <p14:creationId xmlns:p14="http://schemas.microsoft.com/office/powerpoint/2010/main" val="4089944845"/>
+      </p:ext>
+    </p:extLst>
+  </p:cSld>
+  <p:clrMapOvr>
+    <a:masterClrMapping/>
+  </p:clrMapOvr>
+</p:notes>
+</file>
+
 <file path=ppt/slideLayouts/slideLayout1.xml><?xml version="1.0" encoding="utf-8"?>
 <p:sldLayout xmlns:a="http://schemas.openxmlformats.org/drawingml/2006/main" xmlns:r="http://schemas.openxmlformats.org/officeDocument/2006/relationships" xmlns:p="http://schemas.openxmlformats.org/presentationml/2006/main" type="title" preserve="1">
   <p:cSld name="Title Slide">
@@ -331,7 +1165,7 @@
           <a:p>
             <a:fld id="{0EBB069A-003F-4FC0-8534-236B0C5C7B5F}" type="datetimeFigureOut">
               <a:rPr lang="en-NL" smtClean="0"/>
-              <a:t>25/09/2023</a:t>
+              <a:t>26/09/2023</a:t>
             </a:fld>
             <a:endParaRPr lang="en-NL"/>
           </a:p>
@@ -531,7 +1365,7 @@
           <a:p>
             <a:fld id="{0EBB069A-003F-4FC0-8534-236B0C5C7B5F}" type="datetimeFigureOut">
               <a:rPr lang="en-NL" smtClean="0"/>
-              <a:t>25/09/2023</a:t>
+              <a:t>26/09/2023</a:t>
             </a:fld>
             <a:endParaRPr lang="en-NL"/>
           </a:p>
@@ -741,7 +1575,7 @@
           <a:p>
             <a:fld id="{0EBB069A-003F-4FC0-8534-236B0C5C7B5F}" type="datetimeFigureOut">
               <a:rPr lang="en-NL" smtClean="0"/>
-              <a:t>25/09/2023</a:t>
+              <a:t>26/09/2023</a:t>
             </a:fld>
             <a:endParaRPr lang="en-NL"/>
           </a:p>
@@ -941,7 +1775,7 @@
           <a:p>
             <a:fld id="{0EBB069A-003F-4FC0-8534-236B0C5C7B5F}" type="datetimeFigureOut">
               <a:rPr lang="en-NL" smtClean="0"/>
-              <a:t>25/09/2023</a:t>
+              <a:t>26/09/2023</a:t>
             </a:fld>
             <a:endParaRPr lang="en-NL"/>
           </a:p>
@@ -1217,7 +2051,7 @@
           <a:p>
             <a:fld id="{0EBB069A-003F-4FC0-8534-236B0C5C7B5F}" type="datetimeFigureOut">
               <a:rPr lang="en-NL" smtClean="0"/>
-              <a:t>25/09/2023</a:t>
+              <a:t>26/09/2023</a:t>
             </a:fld>
             <a:endParaRPr lang="en-NL"/>
           </a:p>
@@ -1485,7 +2319,7 @@
           <a:p>
             <a:fld id="{0EBB069A-003F-4FC0-8534-236B0C5C7B5F}" type="datetimeFigureOut">
               <a:rPr lang="en-NL" smtClean="0"/>
-              <a:t>25/09/2023</a:t>
+              <a:t>26/09/2023</a:t>
             </a:fld>
             <a:endParaRPr lang="en-NL"/>
           </a:p>
@@ -1900,7 +2734,7 @@
           <a:p>
             <a:fld id="{0EBB069A-003F-4FC0-8534-236B0C5C7B5F}" type="datetimeFigureOut">
               <a:rPr lang="en-NL" smtClean="0"/>
-              <a:t>25/09/2023</a:t>
+              <a:t>26/09/2023</a:t>
             </a:fld>
             <a:endParaRPr lang="en-NL"/>
           </a:p>
@@ -2042,7 +2876,7 @@
           <a:p>
             <a:fld id="{0EBB069A-003F-4FC0-8534-236B0C5C7B5F}" type="datetimeFigureOut">
               <a:rPr lang="en-NL" smtClean="0"/>
-              <a:t>25/09/2023</a:t>
+              <a:t>26/09/2023</a:t>
             </a:fld>
             <a:endParaRPr lang="en-NL"/>
           </a:p>
@@ -2155,7 +2989,7 @@
           <a:p>
             <a:fld id="{0EBB069A-003F-4FC0-8534-236B0C5C7B5F}" type="datetimeFigureOut">
               <a:rPr lang="en-NL" smtClean="0"/>
-              <a:t>25/09/2023</a:t>
+              <a:t>26/09/2023</a:t>
             </a:fld>
             <a:endParaRPr lang="en-NL"/>
           </a:p>
@@ -2468,7 +3302,7 @@
           <a:p>
             <a:fld id="{0EBB069A-003F-4FC0-8534-236B0C5C7B5F}" type="datetimeFigureOut">
               <a:rPr lang="en-NL" smtClean="0"/>
-              <a:t>25/09/2023</a:t>
+              <a:t>26/09/2023</a:t>
             </a:fld>
             <a:endParaRPr lang="en-NL"/>
           </a:p>
@@ -2757,7 +3591,7 @@
           <a:p>
             <a:fld id="{0EBB069A-003F-4FC0-8534-236B0C5C7B5F}" type="datetimeFigureOut">
               <a:rPr lang="en-NL" smtClean="0"/>
-              <a:t>25/09/2023</a:t>
+              <a:t>26/09/2023</a:t>
             </a:fld>
             <a:endParaRPr lang="en-NL"/>
           </a:p>
@@ -3000,7 +3834,7 @@
           <a:p>
             <a:fld id="{0EBB069A-003F-4FC0-8534-236B0C5C7B5F}" type="datetimeFigureOut">
               <a:rPr lang="en-NL" smtClean="0"/>
-              <a:t>25/09/2023</a:t>
+              <a:t>26/09/2023</a:t>
             </a:fld>
             <a:endParaRPr lang="en-NL"/>
           </a:p>
@@ -10283,7 +11117,7 @@
         </p:nvCxnSpPr>
         <p:spPr>
           <a:xfrm>
-            <a:off x="6076950" y="1456267"/>
+            <a:off x="6096000" y="1456267"/>
             <a:ext cx="0" cy="4809066"/>
           </a:xfrm>
           <a:prstGeom prst="line">
@@ -10694,16 +11528,14 @@
         </p:nvSpPr>
         <p:spPr>
           <a:xfrm>
-            <a:off x="6369052" y="1456267"/>
+            <a:off x="6369050" y="1456267"/>
             <a:ext cx="4984750" cy="4720696"/>
           </a:xfrm>
           <a:prstGeom prst="rect">
             <a:avLst/>
           </a:prstGeom>
           <a:ln>
-            <a:solidFill>
-              <a:schemeClr val="tx1"/>
-            </a:solidFill>
+            <a:noFill/>
           </a:ln>
         </p:spPr>
         <p:txBody>
@@ -11022,7 +11854,7 @@
                 <a:latin typeface="Courier New" panose="02070309020205020404" pitchFamily="49" charset="0"/>
                 <a:cs typeface="Courier New" panose="02070309020205020404" pitchFamily="49" charset="0"/>
               </a:rPr>
-              <a:t># Get rid of multiple spaces in input.</a:t>
+              <a:t># Split and join words.</a:t>
             </a:r>
           </a:p>
           <a:p>
@@ -11057,6 +11889,44 @@
           </a:p>
         </p:txBody>
       </p:sp>
+      <p:cxnSp>
+        <p:nvCxnSpPr>
+          <p:cNvPr id="5" name="Straight Connector 4">
+            <a:extLst>
+              <a:ext uri="{FF2B5EF4-FFF2-40B4-BE49-F238E27FC236}">
+                <a16:creationId xmlns:a16="http://schemas.microsoft.com/office/drawing/2014/main" id="{644697AE-6BEB-25A1-CAD3-A1DC0008A188}"/>
+              </a:ext>
+            </a:extLst>
+          </p:cNvPr>
+          <p:cNvCxnSpPr>
+            <a:cxnSpLocks/>
+          </p:cNvCxnSpPr>
+          <p:nvPr/>
+        </p:nvCxnSpPr>
+        <p:spPr>
+          <a:xfrm>
+            <a:off x="6096000" y="1456267"/>
+            <a:ext cx="0" cy="4809066"/>
+          </a:xfrm>
+          <a:prstGeom prst="line">
+            <a:avLst/>
+          </a:prstGeom>
+        </p:spPr>
+        <p:style>
+          <a:lnRef idx="3">
+            <a:schemeClr val="dk1"/>
+          </a:lnRef>
+          <a:fillRef idx="0">
+            <a:schemeClr val="dk1"/>
+          </a:fillRef>
+          <a:effectRef idx="2">
+            <a:schemeClr val="dk1"/>
+          </a:effectRef>
+          <a:fontRef idx="minor">
+            <a:schemeClr val="tx1"/>
+          </a:fontRef>
+        </p:style>
+      </p:cxnSp>
     </p:spTree>
     <p:extLst>
       <p:ext uri="{BB962C8B-B14F-4D97-AF65-F5344CB8AC3E}">
@@ -11116,8 +11986,8 @@
           <a:lstStyle/>
           <a:p>
             <a:r>
-              <a:rPr lang="nl-NL" sz="3600" noProof="0" dirty="0"/>
-              <a:t>Oefeningen I</a:t>
+              <a:rPr lang="nl-NL" sz="3600"/>
+              <a:t>Expliciet is beter dan impliciet</a:t>
             </a:r>
           </a:p>
         </p:txBody>
@@ -11141,7 +12011,7 @@
         <p:spPr>
           <a:xfrm>
             <a:off x="838200" y="1456267"/>
-            <a:ext cx="10375900" cy="4720696"/>
+            <a:ext cx="5378450" cy="4720696"/>
           </a:xfrm>
         </p:spPr>
         <p:txBody>
@@ -11150,103 +12020,537 @@
           </a:bodyPr>
           <a:lstStyle/>
           <a:p>
-            <a:pPr marL="457200" indent="-457200">
-              <a:buFont typeface="Arial" panose="020B0604020202020204" pitchFamily="34" charset="0"/>
-              <a:buAutoNum type="arabicPeriod"/>
+            <a:pPr marL="0" indent="0">
+              <a:buNone/>
+            </a:pPr>
+            <a:r>
+              <a:rPr lang="nl-NL" sz="2000" b="1" dirty="0"/>
+              <a:t>Maak keuzes expliciet, bijvoorbeeld:</a:t>
+            </a:r>
+          </a:p>
+          <a:p>
+            <a:pPr>
+              <a:buFontTx/>
+              <a:buChar char="-"/>
             </a:pPr>
             <a:r>
               <a:rPr lang="nl-NL" sz="2000" dirty="0"/>
-              <a:t>Open </a:t>
-            </a:r>
-            <a:r>
-              <a:rPr lang="nl-NL" sz="2000" dirty="0">
-                <a:latin typeface="Courier New" panose="02070309020205020404" pitchFamily="49" charset="0"/>
-                <a:cs typeface="Courier New" panose="02070309020205020404" pitchFamily="49" charset="0"/>
-              </a:rPr>
-              <a:t>exercises/1_refactor.py</a:t>
-            </a:r>
-          </a:p>
-          <a:p>
-            <a:pPr marL="457200" indent="-457200">
-              <a:buFont typeface="Arial" panose="020B0604020202020204" pitchFamily="34" charset="0"/>
-              <a:buAutoNum type="arabicPeriod"/>
-            </a:pPr>
-            <a:endParaRPr lang="nl-NL" sz="2000" noProof="0" dirty="0"/>
-          </a:p>
-          <a:p>
-            <a:pPr marL="457200" indent="-457200">
-              <a:buFont typeface="Arial" panose="020B0604020202020204" pitchFamily="34" charset="0"/>
-              <a:buAutoNum type="arabicPeriod"/>
-            </a:pPr>
-            <a:r>
-              <a:rPr lang="nl-NL" sz="2000" noProof="0" dirty="0"/>
-              <a:t>Bekijk de code en verbeter deze.</a:t>
-            </a:r>
-          </a:p>
-          <a:p>
-            <a:pPr marL="457200" indent="-457200">
-              <a:buFont typeface="Arial" panose="020B0604020202020204" pitchFamily="34" charset="0"/>
-              <a:buAutoNum type="arabicPeriod"/>
+              <a:t>Wat is het doel van een class / functie?</a:t>
+            </a:r>
+          </a:p>
+          <a:p>
+            <a:pPr>
+              <a:buFontTx/>
+              <a:buChar char="-"/>
+            </a:pPr>
+            <a:r>
+              <a:rPr lang="nl-NL" sz="2000" dirty="0"/>
+              <a:t>Wat zijn geldige opties of waardes?</a:t>
+            </a:r>
+          </a:p>
+          <a:p>
+            <a:pPr>
+              <a:buFontTx/>
+              <a:buChar char="-"/>
+            </a:pPr>
+            <a:r>
+              <a:rPr lang="nl-NL" sz="2000" dirty="0"/>
+              <a:t>Wat gebeurt er bij ongeldige of ontbrekende waardes?</a:t>
+            </a:r>
+          </a:p>
+          <a:p>
+            <a:pPr marL="0" indent="0">
+              <a:buNone/>
             </a:pPr>
             <a:endParaRPr lang="nl-NL" sz="2000" dirty="0"/>
           </a:p>
           <a:p>
-            <a:pPr marL="457200" indent="-457200">
-              <a:buFont typeface="Arial" panose="020B0604020202020204" pitchFamily="34" charset="0"/>
-              <a:buAutoNum type="arabicPeriod"/>
-            </a:pPr>
-            <a:r>
-              <a:rPr lang="nl-NL" sz="2000" noProof="0" dirty="0"/>
-              <a:t>Let daarbij op de volgende zaken:</a:t>
-            </a:r>
-          </a:p>
-          <a:p>
-            <a:pPr marL="457200" indent="-457200">
-              <a:buFont typeface="Arial" panose="020B0604020202020204" pitchFamily="34" charset="0"/>
-              <a:buAutoNum type="arabicPeriod"/>
-            </a:pPr>
-            <a:endParaRPr lang="nl-NL" sz="2000" noProof="0" dirty="0"/>
-          </a:p>
-          <a:p>
-            <a:pPr lvl="1"/>
+            <a:pPr marL="0" indent="0">
+              <a:buNone/>
+            </a:pPr>
+            <a:endParaRPr lang="nl-NL" sz="2000" dirty="0"/>
+          </a:p>
+          <a:p>
+            <a:pPr marL="0" indent="0">
+              <a:buNone/>
+            </a:pPr>
+            <a:endParaRPr lang="nl-NL" sz="2000" dirty="0"/>
+          </a:p>
+          <a:p>
+            <a:pPr marL="0" indent="0">
+              <a:buNone/>
+            </a:pPr>
+            <a:r>
+              <a:rPr lang="nl-NL" sz="2000" b="1" dirty="0"/>
+              <a:t>Documenteer je keuzes:</a:t>
+            </a:r>
+          </a:p>
+          <a:p>
+            <a:pPr>
+              <a:buFontTx/>
+              <a:buChar char="-"/>
+            </a:pPr>
             <a:r>
               <a:rPr lang="nl-NL" sz="2000" dirty="0"/>
-              <a:t>Welke taken voert het script uit?</a:t>
-            </a:r>
-          </a:p>
-          <a:p>
-            <a:pPr lvl="1"/>
-            <a:r>
-              <a:rPr lang="nl-NL" sz="2000" noProof="0" dirty="0"/>
-              <a:t>Kun je deze taken beter scheiden?</a:t>
-            </a:r>
-          </a:p>
-          <a:p>
-            <a:pPr lvl="1"/>
+              <a:t>Leg uit </a:t>
+            </a:r>
+            <a:r>
+              <a:rPr lang="nl-NL" sz="2000" u="sng" dirty="0"/>
+              <a:t>waarom</a:t>
+            </a:r>
             <a:r>
               <a:rPr lang="nl-NL" sz="2000" dirty="0"/>
-              <a:t>Kan de leesbaarheid van het script beter?</a:t>
-            </a:r>
-          </a:p>
-          <a:p>
-            <a:pPr lvl="1"/>
+              <a:t> je een bepaalde aanpak kiest.</a:t>
+            </a:r>
+          </a:p>
+          <a:p>
+            <a:pPr>
+              <a:buFontTx/>
+              <a:buChar char="-"/>
+            </a:pPr>
             <a:r>
               <a:rPr lang="nl-NL" sz="2000" dirty="0"/>
-              <a:t>Kun de documentatie beter?</a:t>
-            </a:r>
-          </a:p>
-          <a:p>
-            <a:pPr marL="0" indent="0">
-              <a:buNone/>
-            </a:pPr>
-            <a:endParaRPr lang="nl-NL" sz="2000" noProof="0" dirty="0"/>
+              <a:t>Wat je code doet zou duidelijk moeten zijn.</a:t>
+            </a:r>
           </a:p>
         </p:txBody>
       </p:sp>
+      <p:sp>
+        <p:nvSpPr>
+          <p:cNvPr id="4" name="Content Placeholder 2">
+            <a:extLst>
+              <a:ext uri="{FF2B5EF4-FFF2-40B4-BE49-F238E27FC236}">
+                <a16:creationId xmlns:a16="http://schemas.microsoft.com/office/drawing/2014/main" id="{589C9090-9E09-B7D8-7596-5264F9D0DC68}"/>
+              </a:ext>
+            </a:extLst>
+          </p:cNvPr>
+          <p:cNvSpPr txBox="1">
+            <a:spLocks/>
+          </p:cNvSpPr>
+          <p:nvPr/>
+        </p:nvSpPr>
+        <p:spPr>
+          <a:xfrm>
+            <a:off x="6369052" y="1456267"/>
+            <a:ext cx="5144924" cy="4720696"/>
+          </a:xfrm>
+          <a:prstGeom prst="rect">
+            <a:avLst/>
+          </a:prstGeom>
+          <a:ln>
+            <a:noFill/>
+          </a:ln>
+        </p:spPr>
+        <p:txBody>
+          <a:bodyPr vert="horz" lIns="91440" tIns="45720" rIns="91440" bIns="45720" rtlCol="0">
+            <a:normAutofit/>
+          </a:bodyPr>
+          <a:lstStyle>
+            <a:lvl1pPr marL="228600" indent="-228600" algn="l" defTabSz="914400" rtl="0" eaLnBrk="1" latinLnBrk="0" hangingPunct="1">
+              <a:lnSpc>
+                <a:spcPct val="90000"/>
+              </a:lnSpc>
+              <a:spcBef>
+                <a:spcPts val="1000"/>
+              </a:spcBef>
+              <a:buFont typeface="Arial" panose="020B0604020202020204" pitchFamily="34" charset="0"/>
+              <a:buChar char="•"/>
+              <a:defRPr sz="2800" kern="1200">
+                <a:solidFill>
+                  <a:schemeClr val="tx1"/>
+                </a:solidFill>
+                <a:latin typeface="+mn-lt"/>
+                <a:ea typeface="+mn-ea"/>
+                <a:cs typeface="+mn-cs"/>
+              </a:defRPr>
+            </a:lvl1pPr>
+            <a:lvl2pPr marL="685800" indent="-228600" algn="l" defTabSz="914400" rtl="0" eaLnBrk="1" latinLnBrk="0" hangingPunct="1">
+              <a:lnSpc>
+                <a:spcPct val="90000"/>
+              </a:lnSpc>
+              <a:spcBef>
+                <a:spcPts val="500"/>
+              </a:spcBef>
+              <a:buFont typeface="Arial" panose="020B0604020202020204" pitchFamily="34" charset="0"/>
+              <a:buChar char="•"/>
+              <a:defRPr sz="2400" kern="1200">
+                <a:solidFill>
+                  <a:schemeClr val="tx1"/>
+                </a:solidFill>
+                <a:latin typeface="+mn-lt"/>
+                <a:ea typeface="+mn-ea"/>
+                <a:cs typeface="+mn-cs"/>
+              </a:defRPr>
+            </a:lvl2pPr>
+            <a:lvl3pPr marL="1143000" indent="-228600" algn="l" defTabSz="914400" rtl="0" eaLnBrk="1" latinLnBrk="0" hangingPunct="1">
+              <a:lnSpc>
+                <a:spcPct val="90000"/>
+              </a:lnSpc>
+              <a:spcBef>
+                <a:spcPts val="500"/>
+              </a:spcBef>
+              <a:buFont typeface="Arial" panose="020B0604020202020204" pitchFamily="34" charset="0"/>
+              <a:buChar char="•"/>
+              <a:defRPr sz="2000" kern="1200">
+                <a:solidFill>
+                  <a:schemeClr val="tx1"/>
+                </a:solidFill>
+                <a:latin typeface="+mn-lt"/>
+                <a:ea typeface="+mn-ea"/>
+                <a:cs typeface="+mn-cs"/>
+              </a:defRPr>
+            </a:lvl3pPr>
+            <a:lvl4pPr marL="1600200" indent="-228600" algn="l" defTabSz="914400" rtl="0" eaLnBrk="1" latinLnBrk="0" hangingPunct="1">
+              <a:lnSpc>
+                <a:spcPct val="90000"/>
+              </a:lnSpc>
+              <a:spcBef>
+                <a:spcPts val="500"/>
+              </a:spcBef>
+              <a:buFont typeface="Arial" panose="020B0604020202020204" pitchFamily="34" charset="0"/>
+              <a:buChar char="•"/>
+              <a:defRPr sz="1800" kern="1200">
+                <a:solidFill>
+                  <a:schemeClr val="tx1"/>
+                </a:solidFill>
+                <a:latin typeface="+mn-lt"/>
+                <a:ea typeface="+mn-ea"/>
+                <a:cs typeface="+mn-cs"/>
+              </a:defRPr>
+            </a:lvl4pPr>
+            <a:lvl5pPr marL="2057400" indent="-228600" algn="l" defTabSz="914400" rtl="0" eaLnBrk="1" latinLnBrk="0" hangingPunct="1">
+              <a:lnSpc>
+                <a:spcPct val="90000"/>
+              </a:lnSpc>
+              <a:spcBef>
+                <a:spcPts val="500"/>
+              </a:spcBef>
+              <a:buFont typeface="Arial" panose="020B0604020202020204" pitchFamily="34" charset="0"/>
+              <a:buChar char="•"/>
+              <a:defRPr sz="1800" kern="1200">
+                <a:solidFill>
+                  <a:schemeClr val="tx1"/>
+                </a:solidFill>
+                <a:latin typeface="+mn-lt"/>
+                <a:ea typeface="+mn-ea"/>
+                <a:cs typeface="+mn-cs"/>
+              </a:defRPr>
+            </a:lvl5pPr>
+            <a:lvl6pPr marL="2514600" indent="-228600" algn="l" defTabSz="914400" rtl="0" eaLnBrk="1" latinLnBrk="0" hangingPunct="1">
+              <a:lnSpc>
+                <a:spcPct val="90000"/>
+              </a:lnSpc>
+              <a:spcBef>
+                <a:spcPts val="500"/>
+              </a:spcBef>
+              <a:buFont typeface="Arial" panose="020B0604020202020204" pitchFamily="34" charset="0"/>
+              <a:buChar char="•"/>
+              <a:defRPr sz="1800" kern="1200">
+                <a:solidFill>
+                  <a:schemeClr val="tx1"/>
+                </a:solidFill>
+                <a:latin typeface="+mn-lt"/>
+                <a:ea typeface="+mn-ea"/>
+                <a:cs typeface="+mn-cs"/>
+              </a:defRPr>
+            </a:lvl6pPr>
+            <a:lvl7pPr marL="2971800" indent="-228600" algn="l" defTabSz="914400" rtl="0" eaLnBrk="1" latinLnBrk="0" hangingPunct="1">
+              <a:lnSpc>
+                <a:spcPct val="90000"/>
+              </a:lnSpc>
+              <a:spcBef>
+                <a:spcPts val="500"/>
+              </a:spcBef>
+              <a:buFont typeface="Arial" panose="020B0604020202020204" pitchFamily="34" charset="0"/>
+              <a:buChar char="•"/>
+              <a:defRPr sz="1800" kern="1200">
+                <a:solidFill>
+                  <a:schemeClr val="tx1"/>
+                </a:solidFill>
+                <a:latin typeface="+mn-lt"/>
+                <a:ea typeface="+mn-ea"/>
+                <a:cs typeface="+mn-cs"/>
+              </a:defRPr>
+            </a:lvl7pPr>
+            <a:lvl8pPr marL="3429000" indent="-228600" algn="l" defTabSz="914400" rtl="0" eaLnBrk="1" latinLnBrk="0" hangingPunct="1">
+              <a:lnSpc>
+                <a:spcPct val="90000"/>
+              </a:lnSpc>
+              <a:spcBef>
+                <a:spcPts val="500"/>
+              </a:spcBef>
+              <a:buFont typeface="Arial" panose="020B0604020202020204" pitchFamily="34" charset="0"/>
+              <a:buChar char="•"/>
+              <a:defRPr sz="1800" kern="1200">
+                <a:solidFill>
+                  <a:schemeClr val="tx1"/>
+                </a:solidFill>
+                <a:latin typeface="+mn-lt"/>
+                <a:ea typeface="+mn-ea"/>
+                <a:cs typeface="+mn-cs"/>
+              </a:defRPr>
+            </a:lvl8pPr>
+            <a:lvl9pPr marL="3886200" indent="-228600" algn="l" defTabSz="914400" rtl="0" eaLnBrk="1" latinLnBrk="0" hangingPunct="1">
+              <a:lnSpc>
+                <a:spcPct val="90000"/>
+              </a:lnSpc>
+              <a:spcBef>
+                <a:spcPts val="500"/>
+              </a:spcBef>
+              <a:buFont typeface="Arial" panose="020B0604020202020204" pitchFamily="34" charset="0"/>
+              <a:buChar char="•"/>
+              <a:defRPr sz="1800" kern="1200">
+                <a:solidFill>
+                  <a:schemeClr val="tx1"/>
+                </a:solidFill>
+                <a:latin typeface="+mn-lt"/>
+                <a:ea typeface="+mn-ea"/>
+                <a:cs typeface="+mn-cs"/>
+              </a:defRPr>
+            </a:lvl9pPr>
+          </a:lstStyle>
+          <a:p>
+            <a:pPr marL="0" indent="0">
+              <a:buNone/>
+            </a:pPr>
+            <a:r>
+              <a:rPr lang="en-US" sz="1600" b="1" dirty="0">
+                <a:latin typeface="Courier New" panose="02070309020205020404" pitchFamily="49" charset="0"/>
+                <a:cs typeface="Courier New" panose="02070309020205020404" pitchFamily="49" charset="0"/>
+              </a:rPr>
+              <a:t>def mean(values: list) -&gt; float:</a:t>
+            </a:r>
+          </a:p>
+          <a:p>
+            <a:pPr marL="0" indent="0">
+              <a:buNone/>
+            </a:pPr>
+            <a:r>
+              <a:rPr lang="en-US" sz="1600" dirty="0">
+                <a:solidFill>
+                  <a:schemeClr val="accent6">
+                    <a:lumMod val="75000"/>
+                  </a:schemeClr>
+                </a:solidFill>
+                <a:latin typeface="Courier New" panose="02070309020205020404" pitchFamily="49" charset="0"/>
+                <a:cs typeface="Courier New" panose="02070309020205020404" pitchFamily="49" charset="0"/>
+              </a:rPr>
+              <a:t>  """Compute mean of values.</a:t>
+            </a:r>
+          </a:p>
+          <a:p>
+            <a:pPr marL="0" indent="0">
+              <a:buNone/>
+            </a:pPr>
+            <a:endParaRPr lang="en-US" sz="1600" dirty="0">
+              <a:solidFill>
+                <a:schemeClr val="accent6">
+                  <a:lumMod val="75000"/>
+                </a:schemeClr>
+              </a:solidFill>
+              <a:latin typeface="Courier New" panose="02070309020205020404" pitchFamily="49" charset="0"/>
+              <a:cs typeface="Courier New" panose="02070309020205020404" pitchFamily="49" charset="0"/>
+            </a:endParaRPr>
+          </a:p>
+          <a:p>
+            <a:pPr marL="0" indent="0">
+              <a:buNone/>
+            </a:pPr>
+            <a:r>
+              <a:rPr lang="en-US" sz="1600" dirty="0">
+                <a:solidFill>
+                  <a:schemeClr val="accent6">
+                    <a:lumMod val="75000"/>
+                  </a:schemeClr>
+                </a:solidFill>
+                <a:latin typeface="Courier New" panose="02070309020205020404" pitchFamily="49" charset="0"/>
+                <a:cs typeface="Courier New" panose="02070309020205020404" pitchFamily="49" charset="0"/>
+              </a:rPr>
+              <a:t>  Missing values are dropped from</a:t>
+            </a:r>
+          </a:p>
+          <a:p>
+            <a:pPr marL="0" indent="0">
+              <a:buNone/>
+            </a:pPr>
+            <a:r>
+              <a:rPr lang="en-US" sz="1600" dirty="0">
+                <a:solidFill>
+                  <a:schemeClr val="accent6">
+                    <a:lumMod val="75000"/>
+                  </a:schemeClr>
+                </a:solidFill>
+                <a:latin typeface="Courier New" panose="02070309020205020404" pitchFamily="49" charset="0"/>
+                <a:cs typeface="Courier New" panose="02070309020205020404" pitchFamily="49" charset="0"/>
+              </a:rPr>
+              <a:t>  the mean.</a:t>
+            </a:r>
+          </a:p>
+          <a:p>
+            <a:pPr marL="0" indent="0">
+              <a:buNone/>
+            </a:pPr>
+            <a:r>
+              <a:rPr lang="en-US" sz="1600" dirty="0">
+                <a:solidFill>
+                  <a:schemeClr val="accent6">
+                    <a:lumMod val="75000"/>
+                  </a:schemeClr>
+                </a:solidFill>
+                <a:latin typeface="Courier New" panose="02070309020205020404" pitchFamily="49" charset="0"/>
+                <a:cs typeface="Courier New" panose="02070309020205020404" pitchFamily="49" charset="0"/>
+              </a:rPr>
+              <a:t>  """</a:t>
+            </a:r>
+          </a:p>
+          <a:p>
+            <a:pPr marL="0" indent="0">
+              <a:buNone/>
+            </a:pPr>
+            <a:r>
+              <a:rPr lang="en-US" sz="1600" dirty="0">
+                <a:latin typeface="Courier New" panose="02070309020205020404" pitchFamily="49" charset="0"/>
+                <a:cs typeface="Courier New" panose="02070309020205020404" pitchFamily="49" charset="0"/>
+              </a:rPr>
+              <a:t>  ...</a:t>
+            </a:r>
+          </a:p>
+          <a:p>
+            <a:pPr marL="0" indent="0">
+              <a:buNone/>
+            </a:pPr>
+            <a:endParaRPr lang="en-US" sz="1600" dirty="0">
+              <a:solidFill>
+                <a:schemeClr val="accent6">
+                  <a:lumMod val="75000"/>
+                </a:schemeClr>
+              </a:solidFill>
+              <a:latin typeface="Courier New" panose="02070309020205020404" pitchFamily="49" charset="0"/>
+              <a:cs typeface="Courier New" panose="02070309020205020404" pitchFamily="49" charset="0"/>
+            </a:endParaRPr>
+          </a:p>
+          <a:p>
+            <a:pPr marL="0" indent="0">
+              <a:buNone/>
+            </a:pPr>
+            <a:endParaRPr lang="en-US" sz="1600" dirty="0">
+              <a:solidFill>
+                <a:schemeClr val="accent6">
+                  <a:lumMod val="75000"/>
+                </a:schemeClr>
+              </a:solidFill>
+              <a:latin typeface="Courier New" panose="02070309020205020404" pitchFamily="49" charset="0"/>
+              <a:cs typeface="Courier New" panose="02070309020205020404" pitchFamily="49" charset="0"/>
+            </a:endParaRPr>
+          </a:p>
+          <a:p>
+            <a:pPr marL="0" indent="0">
+              <a:buNone/>
+            </a:pPr>
+            <a:r>
+              <a:rPr lang="en-US" sz="1600" dirty="0">
+                <a:solidFill>
+                  <a:schemeClr val="accent6">
+                    <a:lumMod val="75000"/>
+                  </a:schemeClr>
+                </a:solidFill>
+                <a:latin typeface="Courier New" panose="02070309020205020404" pitchFamily="49" charset="0"/>
+                <a:cs typeface="Courier New" panose="02070309020205020404" pitchFamily="49" charset="0"/>
+              </a:rPr>
+              <a:t># Convert whitespace to a single space.</a:t>
+            </a:r>
+          </a:p>
+          <a:p>
+            <a:pPr marL="0" indent="0">
+              <a:buNone/>
+            </a:pPr>
+            <a:r>
+              <a:rPr lang="en-US" sz="1600" dirty="0">
+                <a:solidFill>
+                  <a:schemeClr val="accent6">
+                    <a:lumMod val="75000"/>
+                  </a:schemeClr>
+                </a:solidFill>
+                <a:latin typeface="Courier New" panose="02070309020205020404" pitchFamily="49" charset="0"/>
+                <a:cs typeface="Courier New" panose="02070309020205020404" pitchFamily="49" charset="0"/>
+              </a:rPr>
+              <a:t># Removes new lines, double spaces, etc.</a:t>
+            </a:r>
+          </a:p>
+          <a:p>
+            <a:pPr marL="0" indent="0">
+              <a:buNone/>
+            </a:pPr>
+            <a:r>
+              <a:rPr lang="en-US" sz="1600" b="1" dirty="0">
+                <a:latin typeface="Courier New" panose="02070309020205020404" pitchFamily="49" charset="0"/>
+                <a:cs typeface="Courier New" panose="02070309020205020404" pitchFamily="49" charset="0"/>
+              </a:rPr>
+              <a:t>" ".join(</a:t>
+            </a:r>
+            <a:r>
+              <a:rPr lang="en-US" sz="1600" b="1" dirty="0" err="1">
+                <a:latin typeface="Courier New" panose="02070309020205020404" pitchFamily="49" charset="0"/>
+                <a:cs typeface="Courier New" panose="02070309020205020404" pitchFamily="49" charset="0"/>
+              </a:rPr>
+              <a:t>text_input.split</a:t>
+            </a:r>
+            <a:r>
+              <a:rPr lang="en-US" sz="1600" b="1" dirty="0">
+                <a:latin typeface="Courier New" panose="02070309020205020404" pitchFamily="49" charset="0"/>
+                <a:cs typeface="Courier New" panose="02070309020205020404" pitchFamily="49" charset="0"/>
+              </a:rPr>
+              <a:t>())</a:t>
+            </a:r>
+            <a:endParaRPr lang="en-US" sz="1600" dirty="0">
+              <a:latin typeface="Courier New" panose="02070309020205020404" pitchFamily="49" charset="0"/>
+              <a:cs typeface="Courier New" panose="02070309020205020404" pitchFamily="49" charset="0"/>
+            </a:endParaRPr>
+          </a:p>
+        </p:txBody>
+      </p:sp>
+      <p:cxnSp>
+        <p:nvCxnSpPr>
+          <p:cNvPr id="5" name="Straight Connector 4">
+            <a:extLst>
+              <a:ext uri="{FF2B5EF4-FFF2-40B4-BE49-F238E27FC236}">
+                <a16:creationId xmlns:a16="http://schemas.microsoft.com/office/drawing/2014/main" id="{1B3DF63C-CBAC-53E3-DC10-A8DA019D4EFC}"/>
+              </a:ext>
+            </a:extLst>
+          </p:cNvPr>
+          <p:cNvCxnSpPr>
+            <a:cxnSpLocks/>
+          </p:cNvCxnSpPr>
+          <p:nvPr/>
+        </p:nvCxnSpPr>
+        <p:spPr>
+          <a:xfrm>
+            <a:off x="6096000" y="1456267"/>
+            <a:ext cx="0" cy="4809066"/>
+          </a:xfrm>
+          <a:prstGeom prst="line">
+            <a:avLst/>
+          </a:prstGeom>
+        </p:spPr>
+        <p:style>
+          <a:lnRef idx="3">
+            <a:schemeClr val="dk1"/>
+          </a:lnRef>
+          <a:fillRef idx="0">
+            <a:schemeClr val="dk1"/>
+          </a:fillRef>
+          <a:effectRef idx="2">
+            <a:schemeClr val="dk1"/>
+          </a:effectRef>
+          <a:fontRef idx="minor">
+            <a:schemeClr val="tx1"/>
+          </a:fontRef>
+        </p:style>
+      </p:cxnSp>
     </p:spTree>
     <p:extLst>
       <p:ext uri="{BB962C8B-B14F-4D97-AF65-F5344CB8AC3E}">
-        <p14:creationId xmlns:p14="http://schemas.microsoft.com/office/powerpoint/2010/main" val="2639598204"/>
+        <p14:creationId xmlns:p14="http://schemas.microsoft.com/office/powerpoint/2010/main" val="641685055"/>
       </p:ext>
     </p:extLst>
   </p:cSld>
@@ -11303,6 +12607,192 @@
           <a:p>
             <a:r>
               <a:rPr lang="nl-NL" sz="3600" noProof="0" dirty="0"/>
+              <a:t>Oefeningen I</a:t>
+            </a:r>
+          </a:p>
+        </p:txBody>
+      </p:sp>
+      <p:sp>
+        <p:nvSpPr>
+          <p:cNvPr id="3" name="Content Placeholder 2">
+            <a:extLst>
+              <a:ext uri="{FF2B5EF4-FFF2-40B4-BE49-F238E27FC236}">
+                <a16:creationId xmlns:a16="http://schemas.microsoft.com/office/drawing/2014/main" id="{F4C2D286-E049-0AAB-1360-B7157E11AD7E}"/>
+              </a:ext>
+            </a:extLst>
+          </p:cNvPr>
+          <p:cNvSpPr>
+            <a:spLocks noGrp="1"/>
+          </p:cNvSpPr>
+          <p:nvPr>
+            <p:ph idx="1"/>
+          </p:nvPr>
+        </p:nvSpPr>
+        <p:spPr>
+          <a:xfrm>
+            <a:off x="838200" y="1456267"/>
+            <a:ext cx="10375900" cy="4720696"/>
+          </a:xfrm>
+        </p:spPr>
+        <p:txBody>
+          <a:bodyPr>
+            <a:normAutofit/>
+          </a:bodyPr>
+          <a:lstStyle/>
+          <a:p>
+            <a:pPr marL="457200" indent="-457200">
+              <a:buFont typeface="Arial" panose="020B0604020202020204" pitchFamily="34" charset="0"/>
+              <a:buAutoNum type="arabicPeriod"/>
+            </a:pPr>
+            <a:r>
+              <a:rPr lang="nl-NL" sz="2000" dirty="0"/>
+              <a:t>Open </a:t>
+            </a:r>
+            <a:r>
+              <a:rPr lang="nl-NL" sz="2000" dirty="0">
+                <a:latin typeface="Courier New" panose="02070309020205020404" pitchFamily="49" charset="0"/>
+                <a:cs typeface="Courier New" panose="02070309020205020404" pitchFamily="49" charset="0"/>
+              </a:rPr>
+              <a:t>exercises/1_refactor.py</a:t>
+            </a:r>
+          </a:p>
+          <a:p>
+            <a:pPr marL="457200" indent="-457200">
+              <a:buFont typeface="Arial" panose="020B0604020202020204" pitchFamily="34" charset="0"/>
+              <a:buAutoNum type="arabicPeriod"/>
+            </a:pPr>
+            <a:endParaRPr lang="nl-NL" sz="2000" noProof="0" dirty="0"/>
+          </a:p>
+          <a:p>
+            <a:pPr marL="457200" indent="-457200">
+              <a:buFont typeface="Arial" panose="020B0604020202020204" pitchFamily="34" charset="0"/>
+              <a:buAutoNum type="arabicPeriod"/>
+            </a:pPr>
+            <a:r>
+              <a:rPr lang="nl-NL" sz="2000" noProof="0" dirty="0"/>
+              <a:t>Bekijk de code en verbeter deze.</a:t>
+            </a:r>
+          </a:p>
+          <a:p>
+            <a:pPr marL="457200" indent="-457200">
+              <a:buFont typeface="Arial" panose="020B0604020202020204" pitchFamily="34" charset="0"/>
+              <a:buAutoNum type="arabicPeriod"/>
+            </a:pPr>
+            <a:endParaRPr lang="nl-NL" sz="2000" dirty="0"/>
+          </a:p>
+          <a:p>
+            <a:pPr marL="457200" indent="-457200">
+              <a:buFont typeface="Arial" panose="020B0604020202020204" pitchFamily="34" charset="0"/>
+              <a:buAutoNum type="arabicPeriod"/>
+            </a:pPr>
+            <a:r>
+              <a:rPr lang="nl-NL" sz="2000" noProof="0" dirty="0"/>
+              <a:t>Let daarbij op de volgende zaken:</a:t>
+            </a:r>
+          </a:p>
+          <a:p>
+            <a:pPr marL="457200" indent="-457200">
+              <a:buFont typeface="Arial" panose="020B0604020202020204" pitchFamily="34" charset="0"/>
+              <a:buAutoNum type="arabicPeriod"/>
+            </a:pPr>
+            <a:endParaRPr lang="nl-NL" sz="2000" noProof="0" dirty="0"/>
+          </a:p>
+          <a:p>
+            <a:pPr lvl="1"/>
+            <a:r>
+              <a:rPr lang="nl-NL" sz="2000" dirty="0"/>
+              <a:t>Welke taken voert het script uit?</a:t>
+            </a:r>
+          </a:p>
+          <a:p>
+            <a:pPr lvl="1"/>
+            <a:r>
+              <a:rPr lang="nl-NL" sz="2000" noProof="0" dirty="0"/>
+              <a:t>Kun je deze taken beter scheiden?</a:t>
+            </a:r>
+          </a:p>
+          <a:p>
+            <a:pPr lvl="1"/>
+            <a:r>
+              <a:rPr lang="nl-NL" sz="2000" dirty="0"/>
+              <a:t>Kan de leesbaarheid van het script beter?</a:t>
+            </a:r>
+          </a:p>
+          <a:p>
+            <a:pPr lvl="1"/>
+            <a:r>
+              <a:rPr lang="nl-NL" sz="2000" dirty="0"/>
+              <a:t>Kun de documentatie beter?</a:t>
+            </a:r>
+          </a:p>
+          <a:p>
+            <a:pPr marL="0" indent="0">
+              <a:buNone/>
+            </a:pPr>
+            <a:endParaRPr lang="nl-NL" sz="2000" noProof="0" dirty="0"/>
+          </a:p>
+        </p:txBody>
+      </p:sp>
+    </p:spTree>
+    <p:extLst>
+      <p:ext uri="{BB962C8B-B14F-4D97-AF65-F5344CB8AC3E}">
+        <p14:creationId xmlns:p14="http://schemas.microsoft.com/office/powerpoint/2010/main" val="2639598204"/>
+      </p:ext>
+    </p:extLst>
+  </p:cSld>
+  <p:clrMapOvr>
+    <a:masterClrMapping/>
+  </p:clrMapOvr>
+</p:sld>
+</file>
+
+<file path=ppt/slides/slide23.xml><?xml version="1.0" encoding="utf-8"?>
+<p:sld xmlns:a="http://schemas.openxmlformats.org/drawingml/2006/main" xmlns:r="http://schemas.openxmlformats.org/officeDocument/2006/relationships" xmlns:p="http://schemas.openxmlformats.org/presentationml/2006/main">
+  <p:cSld>
+    <p:spTree>
+      <p:nvGrpSpPr>
+        <p:cNvPr id="1" name=""/>
+        <p:cNvGrpSpPr/>
+        <p:nvPr/>
+      </p:nvGrpSpPr>
+      <p:grpSpPr>
+        <a:xfrm>
+          <a:off x="0" y="0"/>
+          <a:ext cx="0" cy="0"/>
+          <a:chOff x="0" y="0"/>
+          <a:chExt cx="0" cy="0"/>
+        </a:xfrm>
+      </p:grpSpPr>
+      <p:sp>
+        <p:nvSpPr>
+          <p:cNvPr id="2" name="Title 1">
+            <a:extLst>
+              <a:ext uri="{FF2B5EF4-FFF2-40B4-BE49-F238E27FC236}">
+                <a16:creationId xmlns:a16="http://schemas.microsoft.com/office/drawing/2014/main" id="{39A1D606-8DD1-369C-5C09-471CDD551AD5}"/>
+              </a:ext>
+            </a:extLst>
+          </p:cNvPr>
+          <p:cNvSpPr>
+            <a:spLocks noGrp="1"/>
+          </p:cNvSpPr>
+          <p:nvPr>
+            <p:ph type="title"/>
+          </p:nvPr>
+        </p:nvSpPr>
+        <p:spPr>
+          <a:xfrm>
+            <a:off x="838200" y="365126"/>
+            <a:ext cx="10515600" cy="718608"/>
+          </a:xfrm>
+        </p:spPr>
+        <p:txBody>
+          <a:bodyPr>
+            <a:normAutofit/>
+          </a:bodyPr>
+          <a:lstStyle/>
+          <a:p>
+            <a:r>
+              <a:rPr lang="nl-NL" sz="3600" noProof="0" dirty="0"/>
               <a:t>Oplossing I</a:t>
             </a:r>
           </a:p>
@@ -11903,7 +13393,7 @@
 </p:sld>
 </file>
 
-<file path=ppt/slides/slide23.xml><?xml version="1.0" encoding="utf-8"?>
+<file path=ppt/slides/slide24.xml><?xml version="1.0" encoding="utf-8"?>
 <p:sld xmlns:a="http://schemas.openxmlformats.org/drawingml/2006/main" xmlns:r="http://schemas.openxmlformats.org/officeDocument/2006/relationships" xmlns:p="http://schemas.openxmlformats.org/presentationml/2006/main">
   <p:cSld>
     <p:spTree>
@@ -11987,7 +13477,7 @@
 </p:sld>
 </file>
 
-<file path=ppt/slides/slide24.xml><?xml version="1.0" encoding="utf-8"?>
+<file path=ppt/slides/slide25.xml><?xml version="1.0" encoding="utf-8"?>
 <p:sld xmlns:a="http://schemas.openxmlformats.org/drawingml/2006/main" xmlns:r="http://schemas.openxmlformats.org/officeDocument/2006/relationships" xmlns:p="http://schemas.openxmlformats.org/presentationml/2006/main">
   <p:cSld>
     <p:spTree>
@@ -12612,7 +14102,7 @@
 </p:sld>
 </file>
 
-<file path=ppt/slides/slide25.xml><?xml version="1.0" encoding="utf-8"?>
+<file path=ppt/slides/slide26.xml><?xml version="1.0" encoding="utf-8"?>
 <p:sld xmlns:a="http://schemas.openxmlformats.org/drawingml/2006/main" xmlns:r="http://schemas.openxmlformats.org/officeDocument/2006/relationships" xmlns:p="http://schemas.openxmlformats.org/presentationml/2006/main">
   <p:cSld>
     <p:spTree>
@@ -13655,7 +15145,7 @@
 </p:sld>
 </file>
 
-<file path=ppt/slides/slide26.xml><?xml version="1.0" encoding="utf-8"?>
+<file path=ppt/slides/slide27.xml><?xml version="1.0" encoding="utf-8"?>
 <p:sld xmlns:a="http://schemas.openxmlformats.org/drawingml/2006/main" xmlns:r="http://schemas.openxmlformats.org/officeDocument/2006/relationships" xmlns:p="http://schemas.openxmlformats.org/presentationml/2006/main">
   <p:cSld>
     <p:spTree>
@@ -14513,7 +16003,7 @@
 </p:sld>
 </file>
 
-<file path=ppt/slides/slide27.xml><?xml version="1.0" encoding="utf-8"?>
+<file path=ppt/slides/slide28.xml><?xml version="1.0" encoding="utf-8"?>
 <p:sld xmlns:a="http://schemas.openxmlformats.org/drawingml/2006/main" xmlns:r="http://schemas.openxmlformats.org/officeDocument/2006/relationships" xmlns:p="http://schemas.openxmlformats.org/presentationml/2006/main">
   <p:cSld>
     <p:spTree>
@@ -15306,7 +16796,7 @@
 </p:sld>
 </file>
 
-<file path=ppt/slides/slide28.xml><?xml version="1.0" encoding="utf-8"?>
+<file path=ppt/slides/slide29.xml><?xml version="1.0" encoding="utf-8"?>
 <p:sld xmlns:a="http://schemas.openxmlformats.org/drawingml/2006/main" xmlns:r="http://schemas.openxmlformats.org/officeDocument/2006/relationships" xmlns:p="http://schemas.openxmlformats.org/presentationml/2006/main">
   <p:cSld>
     <p:spTree>
@@ -15918,7 +17408,90 @@
 </p:sld>
 </file>
 
-<file path=ppt/slides/slide29.xml><?xml version="1.0" encoding="utf-8"?>
+<file path=ppt/slides/slide3.xml><?xml version="1.0" encoding="utf-8"?>
+<p:sld xmlns:a="http://schemas.openxmlformats.org/drawingml/2006/main" xmlns:r="http://schemas.openxmlformats.org/officeDocument/2006/relationships" xmlns:p="http://schemas.openxmlformats.org/presentationml/2006/main">
+  <p:cSld>
+    <p:spTree>
+      <p:nvGrpSpPr>
+        <p:cNvPr id="1" name=""/>
+        <p:cNvGrpSpPr/>
+        <p:nvPr/>
+      </p:nvGrpSpPr>
+      <p:grpSpPr>
+        <a:xfrm>
+          <a:off x="0" y="0"/>
+          <a:ext cx="0" cy="0"/>
+          <a:chOff x="0" y="0"/>
+          <a:chExt cx="0" cy="0"/>
+        </a:xfrm>
+      </p:grpSpPr>
+      <p:sp>
+        <p:nvSpPr>
+          <p:cNvPr id="4" name="Title 3">
+            <a:extLst>
+              <a:ext uri="{FF2B5EF4-FFF2-40B4-BE49-F238E27FC236}">
+                <a16:creationId xmlns:a16="http://schemas.microsoft.com/office/drawing/2014/main" id="{72C925CA-BCA3-3701-E08E-95652380B32E}"/>
+              </a:ext>
+            </a:extLst>
+          </p:cNvPr>
+          <p:cNvSpPr>
+            <a:spLocks noGrp="1"/>
+          </p:cNvSpPr>
+          <p:nvPr>
+            <p:ph type="title"/>
+          </p:nvPr>
+        </p:nvSpPr>
+        <p:spPr/>
+        <p:txBody>
+          <a:bodyPr/>
+          <a:lstStyle/>
+          <a:p>
+            <a:r>
+              <a:rPr lang="nl-NL" dirty="0"/>
+              <a:t>Goede principes</a:t>
+            </a:r>
+          </a:p>
+        </p:txBody>
+      </p:sp>
+      <p:sp>
+        <p:nvSpPr>
+          <p:cNvPr id="5" name="Text Placeholder 4">
+            <a:extLst>
+              <a:ext uri="{FF2B5EF4-FFF2-40B4-BE49-F238E27FC236}">
+                <a16:creationId xmlns:a16="http://schemas.microsoft.com/office/drawing/2014/main" id="{1AB31C95-91AF-DF13-FB58-0DA5F2D9F6F7}"/>
+              </a:ext>
+            </a:extLst>
+          </p:cNvPr>
+          <p:cNvSpPr>
+            <a:spLocks noGrp="1"/>
+          </p:cNvSpPr>
+          <p:nvPr>
+            <p:ph type="body" idx="1"/>
+          </p:nvPr>
+        </p:nvSpPr>
+        <p:spPr/>
+        <p:txBody>
+          <a:bodyPr/>
+          <a:lstStyle/>
+          <a:p>
+            <a:endParaRPr lang="en-NL"/>
+          </a:p>
+        </p:txBody>
+      </p:sp>
+    </p:spTree>
+    <p:extLst>
+      <p:ext uri="{BB962C8B-B14F-4D97-AF65-F5344CB8AC3E}">
+        <p14:creationId xmlns:p14="http://schemas.microsoft.com/office/powerpoint/2010/main" val="530448944"/>
+      </p:ext>
+    </p:extLst>
+  </p:cSld>
+  <p:clrMapOvr>
+    <a:masterClrMapping/>
+  </p:clrMapOvr>
+</p:sld>
+</file>
+
+<file path=ppt/slides/slide30.xml><?xml version="1.0" encoding="utf-8"?>
 <p:sld xmlns:a="http://schemas.openxmlformats.org/drawingml/2006/main" xmlns:r="http://schemas.openxmlformats.org/officeDocument/2006/relationships" xmlns:p="http://schemas.openxmlformats.org/presentationml/2006/main">
   <p:cSld>
     <p:spTree>
@@ -16672,90 +18245,7 @@
 </p:sld>
 </file>
 
-<file path=ppt/slides/slide3.xml><?xml version="1.0" encoding="utf-8"?>
-<p:sld xmlns:a="http://schemas.openxmlformats.org/drawingml/2006/main" xmlns:r="http://schemas.openxmlformats.org/officeDocument/2006/relationships" xmlns:p="http://schemas.openxmlformats.org/presentationml/2006/main">
-  <p:cSld>
-    <p:spTree>
-      <p:nvGrpSpPr>
-        <p:cNvPr id="1" name=""/>
-        <p:cNvGrpSpPr/>
-        <p:nvPr/>
-      </p:nvGrpSpPr>
-      <p:grpSpPr>
-        <a:xfrm>
-          <a:off x="0" y="0"/>
-          <a:ext cx="0" cy="0"/>
-          <a:chOff x="0" y="0"/>
-          <a:chExt cx="0" cy="0"/>
-        </a:xfrm>
-      </p:grpSpPr>
-      <p:sp>
-        <p:nvSpPr>
-          <p:cNvPr id="4" name="Title 3">
-            <a:extLst>
-              <a:ext uri="{FF2B5EF4-FFF2-40B4-BE49-F238E27FC236}">
-                <a16:creationId xmlns:a16="http://schemas.microsoft.com/office/drawing/2014/main" id="{72C925CA-BCA3-3701-E08E-95652380B32E}"/>
-              </a:ext>
-            </a:extLst>
-          </p:cNvPr>
-          <p:cNvSpPr>
-            <a:spLocks noGrp="1"/>
-          </p:cNvSpPr>
-          <p:nvPr>
-            <p:ph type="title"/>
-          </p:nvPr>
-        </p:nvSpPr>
-        <p:spPr/>
-        <p:txBody>
-          <a:bodyPr/>
-          <a:lstStyle/>
-          <a:p>
-            <a:r>
-              <a:rPr lang="nl-NL" dirty="0"/>
-              <a:t>Goede principes</a:t>
-            </a:r>
-          </a:p>
-        </p:txBody>
-      </p:sp>
-      <p:sp>
-        <p:nvSpPr>
-          <p:cNvPr id="5" name="Text Placeholder 4">
-            <a:extLst>
-              <a:ext uri="{FF2B5EF4-FFF2-40B4-BE49-F238E27FC236}">
-                <a16:creationId xmlns:a16="http://schemas.microsoft.com/office/drawing/2014/main" id="{1AB31C95-91AF-DF13-FB58-0DA5F2D9F6F7}"/>
-              </a:ext>
-            </a:extLst>
-          </p:cNvPr>
-          <p:cNvSpPr>
-            <a:spLocks noGrp="1"/>
-          </p:cNvSpPr>
-          <p:nvPr>
-            <p:ph type="body" idx="1"/>
-          </p:nvPr>
-        </p:nvSpPr>
-        <p:spPr/>
-        <p:txBody>
-          <a:bodyPr/>
-          <a:lstStyle/>
-          <a:p>
-            <a:endParaRPr lang="en-NL"/>
-          </a:p>
-        </p:txBody>
-      </p:sp>
-    </p:spTree>
-    <p:extLst>
-      <p:ext uri="{BB962C8B-B14F-4D97-AF65-F5344CB8AC3E}">
-        <p14:creationId xmlns:p14="http://schemas.microsoft.com/office/powerpoint/2010/main" val="530448944"/>
-      </p:ext>
-    </p:extLst>
-  </p:cSld>
-  <p:clrMapOvr>
-    <a:masterClrMapping/>
-  </p:clrMapOvr>
-</p:sld>
-</file>
-
-<file path=ppt/slides/slide30.xml><?xml version="1.0" encoding="utf-8"?>
+<file path=ppt/slides/slide31.xml><?xml version="1.0" encoding="utf-8"?>
 <p:sld xmlns:a="http://schemas.openxmlformats.org/drawingml/2006/main" xmlns:r="http://schemas.openxmlformats.org/officeDocument/2006/relationships" xmlns:p="http://schemas.openxmlformats.org/presentationml/2006/main">
   <p:cSld>
     <p:spTree>
@@ -17606,7 +19096,7 @@
 </p:sld>
 </file>
 
-<file path=ppt/slides/slide31.xml><?xml version="1.0" encoding="utf-8"?>
+<file path=ppt/slides/slide32.xml><?xml version="1.0" encoding="utf-8"?>
 <p:sld xmlns:a="http://schemas.openxmlformats.org/drawingml/2006/main" xmlns:r="http://schemas.openxmlformats.org/officeDocument/2006/relationships" xmlns:p="http://schemas.openxmlformats.org/presentationml/2006/main">
   <p:cSld>
     <p:spTree>
@@ -18677,7 +20167,7 @@
 </p:sld>
 </file>
 
-<file path=ppt/slides/slide32.xml><?xml version="1.0" encoding="utf-8"?>
+<file path=ppt/slides/slide33.xml><?xml version="1.0" encoding="utf-8"?>
 <p:sld xmlns:a="http://schemas.openxmlformats.org/drawingml/2006/main" xmlns:r="http://schemas.openxmlformats.org/officeDocument/2006/relationships" xmlns:p="http://schemas.openxmlformats.org/presentationml/2006/main">
   <p:cSld>
     <p:spTree>
@@ -19534,7 +21024,7 @@
 </p:sld>
 </file>
 
-<file path=ppt/slides/slide33.xml><?xml version="1.0" encoding="utf-8"?>
+<file path=ppt/slides/slide34.xml><?xml version="1.0" encoding="utf-8"?>
 <p:sld xmlns:a="http://schemas.openxmlformats.org/drawingml/2006/main" xmlns:r="http://schemas.openxmlformats.org/officeDocument/2006/relationships" xmlns:p="http://schemas.openxmlformats.org/presentationml/2006/main">
   <p:cSld>
     <p:spTree>
@@ -19744,7 +21234,7 @@
 </p:sld>
 </file>
 
-<file path=ppt/slides/slide34.xml><?xml version="1.0" encoding="utf-8"?>
+<file path=ppt/slides/slide35.xml><?xml version="1.0" encoding="utf-8"?>
 <p:sld xmlns:a="http://schemas.openxmlformats.org/drawingml/2006/main" xmlns:r="http://schemas.openxmlformats.org/officeDocument/2006/relationships" xmlns:p="http://schemas.openxmlformats.org/presentationml/2006/main">
   <p:cSld>
     <p:spTree>
@@ -19827,7 +21317,7 @@
 </p:sld>
 </file>
 
-<file path=ppt/slides/slide35.xml><?xml version="1.0" encoding="utf-8"?>
+<file path=ppt/slides/slide36.xml><?xml version="1.0" encoding="utf-8"?>
 <p:sld xmlns:a="http://schemas.openxmlformats.org/drawingml/2006/main" xmlns:r="http://schemas.openxmlformats.org/officeDocument/2006/relationships" xmlns:p="http://schemas.openxmlformats.org/presentationml/2006/main">
   <p:cSld>
     <p:spTree>
@@ -21081,7 +22571,7 @@
 </p:sld>
 </file>
 
-<file path=ppt/slides/slide36.xml><?xml version="1.0" encoding="utf-8"?>
+<file path=ppt/slides/slide37.xml><?xml version="1.0" encoding="utf-8"?>
 <p:sld xmlns:a="http://schemas.openxmlformats.org/drawingml/2006/main" xmlns:r="http://schemas.openxmlformats.org/officeDocument/2006/relationships" xmlns:p="http://schemas.openxmlformats.org/presentationml/2006/main">
   <p:cSld>
     <p:spTree>
@@ -21920,7 +23410,7 @@
 </p:sld>
 </file>
 
-<file path=ppt/slides/slide37.xml><?xml version="1.0" encoding="utf-8"?>
+<file path=ppt/slides/slide38.xml><?xml version="1.0" encoding="utf-8"?>
 <p:sld xmlns:a="http://schemas.openxmlformats.org/drawingml/2006/main" xmlns:r="http://schemas.openxmlformats.org/officeDocument/2006/relationships" xmlns:p="http://schemas.openxmlformats.org/presentationml/2006/main">
   <p:cSld>
     <p:spTree>
@@ -23126,7 +24616,7 @@
 </p:sld>
 </file>
 
-<file path=ppt/slides/slide38.xml><?xml version="1.0" encoding="utf-8"?>
+<file path=ppt/slides/slide39.xml><?xml version="1.0" encoding="utf-8"?>
 <p:sld xmlns:a="http://schemas.openxmlformats.org/drawingml/2006/main" xmlns:r="http://schemas.openxmlformats.org/officeDocument/2006/relationships" xmlns:p="http://schemas.openxmlformats.org/presentationml/2006/main">
   <p:cSld>
     <p:spTree>
@@ -23773,641 +25263,6 @@
     <p:extLst>
       <p:ext uri="{BB962C8B-B14F-4D97-AF65-F5344CB8AC3E}">
         <p14:creationId xmlns:p14="http://schemas.microsoft.com/office/powerpoint/2010/main" val="2342474981"/>
-      </p:ext>
-    </p:extLst>
-  </p:cSld>
-  <p:clrMapOvr>
-    <a:masterClrMapping/>
-  </p:clrMapOvr>
-</p:sld>
-</file>
-
-<file path=ppt/slides/slide39.xml><?xml version="1.0" encoding="utf-8"?>
-<p:sld xmlns:a="http://schemas.openxmlformats.org/drawingml/2006/main" xmlns:r="http://schemas.openxmlformats.org/officeDocument/2006/relationships" xmlns:p="http://schemas.openxmlformats.org/presentationml/2006/main">
-  <p:cSld>
-    <p:spTree>
-      <p:nvGrpSpPr>
-        <p:cNvPr id="1" name=""/>
-        <p:cNvGrpSpPr/>
-        <p:nvPr/>
-      </p:nvGrpSpPr>
-      <p:grpSpPr>
-        <a:xfrm>
-          <a:off x="0" y="0"/>
-          <a:ext cx="0" cy="0"/>
-          <a:chOff x="0" y="0"/>
-          <a:chExt cx="0" cy="0"/>
-        </a:xfrm>
-      </p:grpSpPr>
-      <p:sp>
-        <p:nvSpPr>
-          <p:cNvPr id="2" name="Title 1">
-            <a:extLst>
-              <a:ext uri="{FF2B5EF4-FFF2-40B4-BE49-F238E27FC236}">
-                <a16:creationId xmlns:a16="http://schemas.microsoft.com/office/drawing/2014/main" id="{39A1D606-8DD1-369C-5C09-471CDD551AD5}"/>
-              </a:ext>
-            </a:extLst>
-          </p:cNvPr>
-          <p:cNvSpPr>
-            <a:spLocks noGrp="1"/>
-          </p:cNvSpPr>
-          <p:nvPr>
-            <p:ph type="title"/>
-          </p:nvPr>
-        </p:nvSpPr>
-        <p:spPr>
-          <a:xfrm>
-            <a:off x="838200" y="365126"/>
-            <a:ext cx="10515600" cy="718608"/>
-          </a:xfrm>
-        </p:spPr>
-        <p:txBody>
-          <a:bodyPr>
-            <a:normAutofit/>
-          </a:bodyPr>
-          <a:lstStyle/>
-          <a:p>
-            <a:r>
-              <a:rPr lang="nl-NL" sz="3600" noProof="0" dirty="0"/>
-              <a:t>Wanneer zelf</a:t>
-            </a:r>
-            <a:r>
-              <a:rPr lang="nl-NL" sz="3600" dirty="0"/>
-              <a:t> afhandelen?</a:t>
-            </a:r>
-            <a:endParaRPr lang="nl-NL" sz="3600" noProof="0" dirty="0"/>
-          </a:p>
-        </p:txBody>
-      </p:sp>
-      <p:sp>
-        <p:nvSpPr>
-          <p:cNvPr id="3" name="Content Placeholder 2">
-            <a:extLst>
-              <a:ext uri="{FF2B5EF4-FFF2-40B4-BE49-F238E27FC236}">
-                <a16:creationId xmlns:a16="http://schemas.microsoft.com/office/drawing/2014/main" id="{F4C2D286-E049-0AAB-1360-B7157E11AD7E}"/>
-              </a:ext>
-            </a:extLst>
-          </p:cNvPr>
-          <p:cNvSpPr>
-            <a:spLocks noGrp="1"/>
-          </p:cNvSpPr>
-          <p:nvPr>
-            <p:ph idx="1"/>
-          </p:nvPr>
-        </p:nvSpPr>
-        <p:spPr>
-          <a:xfrm>
-            <a:off x="838200" y="1456267"/>
-            <a:ext cx="4571999" cy="4720696"/>
-          </a:xfrm>
-        </p:spPr>
-        <p:txBody>
-          <a:bodyPr>
-            <a:normAutofit/>
-          </a:bodyPr>
-          <a:lstStyle/>
-          <a:p>
-            <a:pPr marL="0" indent="0">
-              <a:buNone/>
-            </a:pPr>
-            <a:r>
-              <a:rPr lang="nl-NL" sz="2000" b="1" dirty="0"/>
-              <a:t>Betere afhandeling:</a:t>
-            </a:r>
-          </a:p>
-          <a:p>
-            <a:pPr>
-              <a:buFontTx/>
-              <a:buChar char="-"/>
-            </a:pPr>
-            <a:r>
-              <a:rPr lang="nl-NL" sz="2000" dirty="0"/>
-              <a:t>Je hebt een oplossing voor de fout.</a:t>
-            </a:r>
-          </a:p>
-          <a:p>
-            <a:pPr>
-              <a:buFontTx/>
-              <a:buChar char="-"/>
-            </a:pPr>
-            <a:r>
-              <a:rPr lang="nl-NL" sz="2000" dirty="0"/>
-              <a:t>Je hoeft niet het hele proces te stoppen.</a:t>
-            </a:r>
-          </a:p>
-          <a:p>
-            <a:pPr marL="0" indent="0">
-              <a:buNone/>
-            </a:pPr>
-            <a:endParaRPr lang="nl-NL" sz="2000" b="1" dirty="0"/>
-          </a:p>
-          <a:p>
-            <a:pPr marL="0" indent="0">
-              <a:buNone/>
-            </a:pPr>
-            <a:r>
-              <a:rPr lang="nl-NL" sz="2000" b="1" dirty="0"/>
-              <a:t>Betere informatie:</a:t>
-            </a:r>
-            <a:endParaRPr lang="nl-NL" sz="2000" dirty="0"/>
-          </a:p>
-          <a:p>
-            <a:pPr>
-              <a:buFontTx/>
-              <a:buChar char="-"/>
-            </a:pPr>
-            <a:r>
-              <a:rPr lang="nl-NL" sz="2000" dirty="0"/>
-              <a:t>Wie is je gebruiker: </a:t>
-            </a:r>
-            <a:r>
-              <a:rPr lang="nl-NL" sz="2000" noProof="0" dirty="0"/>
-              <a:t>Developers snappen Python foutmeldingen, gebruikers niet.</a:t>
-            </a:r>
-          </a:p>
-          <a:p>
-            <a:pPr>
-              <a:buFontTx/>
-              <a:buChar char="-"/>
-            </a:pPr>
-            <a:endParaRPr lang="nl-NL" sz="2000" dirty="0"/>
-          </a:p>
-          <a:p>
-            <a:pPr>
-              <a:buFontTx/>
-              <a:buChar char="-"/>
-            </a:pPr>
-            <a:r>
-              <a:rPr lang="nl-NL" sz="2000" noProof="0" dirty="0"/>
-              <a:t>Kun je meer informatie geven dan de standaard melding?</a:t>
-            </a:r>
-          </a:p>
-        </p:txBody>
-      </p:sp>
-      <p:cxnSp>
-        <p:nvCxnSpPr>
-          <p:cNvPr id="6" name="Straight Connector 5">
-            <a:extLst>
-              <a:ext uri="{FF2B5EF4-FFF2-40B4-BE49-F238E27FC236}">
-                <a16:creationId xmlns:a16="http://schemas.microsoft.com/office/drawing/2014/main" id="{7F162173-AD9E-1ED9-F92B-186066229DD6}"/>
-              </a:ext>
-            </a:extLst>
-          </p:cNvPr>
-          <p:cNvCxnSpPr>
-            <a:cxnSpLocks/>
-          </p:cNvCxnSpPr>
-          <p:nvPr/>
-        </p:nvCxnSpPr>
-        <p:spPr>
-          <a:xfrm>
-            <a:off x="5655733" y="1456267"/>
-            <a:ext cx="0" cy="4809066"/>
-          </a:xfrm>
-          <a:prstGeom prst="line">
-            <a:avLst/>
-          </a:prstGeom>
-        </p:spPr>
-        <p:style>
-          <a:lnRef idx="3">
-            <a:schemeClr val="dk1"/>
-          </a:lnRef>
-          <a:fillRef idx="0">
-            <a:schemeClr val="dk1"/>
-          </a:fillRef>
-          <a:effectRef idx="2">
-            <a:schemeClr val="dk1"/>
-          </a:effectRef>
-          <a:fontRef idx="minor">
-            <a:schemeClr val="tx1"/>
-          </a:fontRef>
-        </p:style>
-      </p:cxnSp>
-      <p:sp>
-        <p:nvSpPr>
-          <p:cNvPr id="4" name="Content Placeholder 2">
-            <a:extLst>
-              <a:ext uri="{FF2B5EF4-FFF2-40B4-BE49-F238E27FC236}">
-                <a16:creationId xmlns:a16="http://schemas.microsoft.com/office/drawing/2014/main" id="{55A68BA1-1C81-749D-5CC8-F3CF85C4B902}"/>
-              </a:ext>
-            </a:extLst>
-          </p:cNvPr>
-          <p:cNvSpPr txBox="1">
-            <a:spLocks/>
-          </p:cNvSpPr>
-          <p:nvPr/>
-        </p:nvSpPr>
-        <p:spPr>
-          <a:xfrm>
-            <a:off x="6095999" y="1456267"/>
-            <a:ext cx="5063067" cy="4720696"/>
-          </a:xfrm>
-          <a:prstGeom prst="rect">
-            <a:avLst/>
-          </a:prstGeom>
-        </p:spPr>
-        <p:txBody>
-          <a:bodyPr vert="horz" lIns="91440" tIns="45720" rIns="91440" bIns="45720" rtlCol="0">
-            <a:normAutofit/>
-          </a:bodyPr>
-          <a:lstStyle>
-            <a:lvl1pPr marL="228600" indent="-228600" algn="l" defTabSz="914400" rtl="0" eaLnBrk="1" latinLnBrk="0" hangingPunct="1">
-              <a:lnSpc>
-                <a:spcPct val="90000"/>
-              </a:lnSpc>
-              <a:spcBef>
-                <a:spcPts val="1000"/>
-              </a:spcBef>
-              <a:buFont typeface="Arial" panose="020B0604020202020204" pitchFamily="34" charset="0"/>
-              <a:buChar char="•"/>
-              <a:defRPr sz="2800" kern="1200">
-                <a:solidFill>
-                  <a:schemeClr val="tx1"/>
-                </a:solidFill>
-                <a:latin typeface="+mn-lt"/>
-                <a:ea typeface="+mn-ea"/>
-                <a:cs typeface="+mn-cs"/>
-              </a:defRPr>
-            </a:lvl1pPr>
-            <a:lvl2pPr marL="685800" indent="-228600" algn="l" defTabSz="914400" rtl="0" eaLnBrk="1" latinLnBrk="0" hangingPunct="1">
-              <a:lnSpc>
-                <a:spcPct val="90000"/>
-              </a:lnSpc>
-              <a:spcBef>
-                <a:spcPts val="500"/>
-              </a:spcBef>
-              <a:buFont typeface="Arial" panose="020B0604020202020204" pitchFamily="34" charset="0"/>
-              <a:buChar char="•"/>
-              <a:defRPr sz="2400" kern="1200">
-                <a:solidFill>
-                  <a:schemeClr val="tx1"/>
-                </a:solidFill>
-                <a:latin typeface="+mn-lt"/>
-                <a:ea typeface="+mn-ea"/>
-                <a:cs typeface="+mn-cs"/>
-              </a:defRPr>
-            </a:lvl2pPr>
-            <a:lvl3pPr marL="1143000" indent="-228600" algn="l" defTabSz="914400" rtl="0" eaLnBrk="1" latinLnBrk="0" hangingPunct="1">
-              <a:lnSpc>
-                <a:spcPct val="90000"/>
-              </a:lnSpc>
-              <a:spcBef>
-                <a:spcPts val="500"/>
-              </a:spcBef>
-              <a:buFont typeface="Arial" panose="020B0604020202020204" pitchFamily="34" charset="0"/>
-              <a:buChar char="•"/>
-              <a:defRPr sz="2000" kern="1200">
-                <a:solidFill>
-                  <a:schemeClr val="tx1"/>
-                </a:solidFill>
-                <a:latin typeface="+mn-lt"/>
-                <a:ea typeface="+mn-ea"/>
-                <a:cs typeface="+mn-cs"/>
-              </a:defRPr>
-            </a:lvl3pPr>
-            <a:lvl4pPr marL="1600200" indent="-228600" algn="l" defTabSz="914400" rtl="0" eaLnBrk="1" latinLnBrk="0" hangingPunct="1">
-              <a:lnSpc>
-                <a:spcPct val="90000"/>
-              </a:lnSpc>
-              <a:spcBef>
-                <a:spcPts val="500"/>
-              </a:spcBef>
-              <a:buFont typeface="Arial" panose="020B0604020202020204" pitchFamily="34" charset="0"/>
-              <a:buChar char="•"/>
-              <a:defRPr sz="1800" kern="1200">
-                <a:solidFill>
-                  <a:schemeClr val="tx1"/>
-                </a:solidFill>
-                <a:latin typeface="+mn-lt"/>
-                <a:ea typeface="+mn-ea"/>
-                <a:cs typeface="+mn-cs"/>
-              </a:defRPr>
-            </a:lvl4pPr>
-            <a:lvl5pPr marL="2057400" indent="-228600" algn="l" defTabSz="914400" rtl="0" eaLnBrk="1" latinLnBrk="0" hangingPunct="1">
-              <a:lnSpc>
-                <a:spcPct val="90000"/>
-              </a:lnSpc>
-              <a:spcBef>
-                <a:spcPts val="500"/>
-              </a:spcBef>
-              <a:buFont typeface="Arial" panose="020B0604020202020204" pitchFamily="34" charset="0"/>
-              <a:buChar char="•"/>
-              <a:defRPr sz="1800" kern="1200">
-                <a:solidFill>
-                  <a:schemeClr val="tx1"/>
-                </a:solidFill>
-                <a:latin typeface="+mn-lt"/>
-                <a:ea typeface="+mn-ea"/>
-                <a:cs typeface="+mn-cs"/>
-              </a:defRPr>
-            </a:lvl5pPr>
-            <a:lvl6pPr marL="2514600" indent="-228600" algn="l" defTabSz="914400" rtl="0" eaLnBrk="1" latinLnBrk="0" hangingPunct="1">
-              <a:lnSpc>
-                <a:spcPct val="90000"/>
-              </a:lnSpc>
-              <a:spcBef>
-                <a:spcPts val="500"/>
-              </a:spcBef>
-              <a:buFont typeface="Arial" panose="020B0604020202020204" pitchFamily="34" charset="0"/>
-              <a:buChar char="•"/>
-              <a:defRPr sz="1800" kern="1200">
-                <a:solidFill>
-                  <a:schemeClr val="tx1"/>
-                </a:solidFill>
-                <a:latin typeface="+mn-lt"/>
-                <a:ea typeface="+mn-ea"/>
-                <a:cs typeface="+mn-cs"/>
-              </a:defRPr>
-            </a:lvl6pPr>
-            <a:lvl7pPr marL="2971800" indent="-228600" algn="l" defTabSz="914400" rtl="0" eaLnBrk="1" latinLnBrk="0" hangingPunct="1">
-              <a:lnSpc>
-                <a:spcPct val="90000"/>
-              </a:lnSpc>
-              <a:spcBef>
-                <a:spcPts val="500"/>
-              </a:spcBef>
-              <a:buFont typeface="Arial" panose="020B0604020202020204" pitchFamily="34" charset="0"/>
-              <a:buChar char="•"/>
-              <a:defRPr sz="1800" kern="1200">
-                <a:solidFill>
-                  <a:schemeClr val="tx1"/>
-                </a:solidFill>
-                <a:latin typeface="+mn-lt"/>
-                <a:ea typeface="+mn-ea"/>
-                <a:cs typeface="+mn-cs"/>
-              </a:defRPr>
-            </a:lvl7pPr>
-            <a:lvl8pPr marL="3429000" indent="-228600" algn="l" defTabSz="914400" rtl="0" eaLnBrk="1" latinLnBrk="0" hangingPunct="1">
-              <a:lnSpc>
-                <a:spcPct val="90000"/>
-              </a:lnSpc>
-              <a:spcBef>
-                <a:spcPts val="500"/>
-              </a:spcBef>
-              <a:buFont typeface="Arial" panose="020B0604020202020204" pitchFamily="34" charset="0"/>
-              <a:buChar char="•"/>
-              <a:defRPr sz="1800" kern="1200">
-                <a:solidFill>
-                  <a:schemeClr val="tx1"/>
-                </a:solidFill>
-                <a:latin typeface="+mn-lt"/>
-                <a:ea typeface="+mn-ea"/>
-                <a:cs typeface="+mn-cs"/>
-              </a:defRPr>
-            </a:lvl8pPr>
-            <a:lvl9pPr marL="3886200" indent="-228600" algn="l" defTabSz="914400" rtl="0" eaLnBrk="1" latinLnBrk="0" hangingPunct="1">
-              <a:lnSpc>
-                <a:spcPct val="90000"/>
-              </a:lnSpc>
-              <a:spcBef>
-                <a:spcPts val="500"/>
-              </a:spcBef>
-              <a:buFont typeface="Arial" panose="020B0604020202020204" pitchFamily="34" charset="0"/>
-              <a:buChar char="•"/>
-              <a:defRPr sz="1800" kern="1200">
-                <a:solidFill>
-                  <a:schemeClr val="tx1"/>
-                </a:solidFill>
-                <a:latin typeface="+mn-lt"/>
-                <a:ea typeface="+mn-ea"/>
-                <a:cs typeface="+mn-cs"/>
-              </a:defRPr>
-            </a:lvl9pPr>
-          </a:lstStyle>
-          <a:p>
-            <a:pPr marL="0" indent="0">
-              <a:buFont typeface="Arial" panose="020B0604020202020204" pitchFamily="34" charset="0"/>
-              <a:buNone/>
-            </a:pPr>
-            <a:endParaRPr lang="en-US" sz="1600" b="1" dirty="0">
-              <a:latin typeface="Courier New" panose="02070309020205020404" pitchFamily="49" charset="0"/>
-              <a:cs typeface="Courier New" panose="02070309020205020404" pitchFamily="49" charset="0"/>
-            </a:endParaRPr>
-          </a:p>
-          <a:p>
-            <a:pPr marL="0" indent="0">
-              <a:buFont typeface="Arial" panose="020B0604020202020204" pitchFamily="34" charset="0"/>
-              <a:buNone/>
-            </a:pPr>
-            <a:endParaRPr lang="en-US" sz="1600" b="1" dirty="0">
-              <a:latin typeface="Courier New" panose="02070309020205020404" pitchFamily="49" charset="0"/>
-              <a:cs typeface="Courier New" panose="02070309020205020404" pitchFamily="49" charset="0"/>
-            </a:endParaRPr>
-          </a:p>
-          <a:p>
-            <a:pPr marL="0" indent="0">
-              <a:buFont typeface="Arial" panose="020B0604020202020204" pitchFamily="34" charset="0"/>
-              <a:buNone/>
-            </a:pPr>
-            <a:r>
-              <a:rPr lang="en-US" sz="1600" b="1" dirty="0">
-                <a:latin typeface="Courier New" panose="02070309020205020404" pitchFamily="49" charset="0"/>
-                <a:cs typeface="Courier New" panose="02070309020205020404" pitchFamily="49" charset="0"/>
-              </a:rPr>
-              <a:t>for record in data:</a:t>
-            </a:r>
-          </a:p>
-          <a:p>
-            <a:pPr marL="0" indent="0">
-              <a:buFont typeface="Arial" panose="020B0604020202020204" pitchFamily="34" charset="0"/>
-              <a:buNone/>
-            </a:pPr>
-            <a:r>
-              <a:rPr lang="en-US" sz="1600" b="1" dirty="0">
-                <a:latin typeface="Courier New" panose="02070309020205020404" pitchFamily="49" charset="0"/>
-                <a:cs typeface="Courier New" panose="02070309020205020404" pitchFamily="49" charset="0"/>
-              </a:rPr>
-              <a:t>  try:</a:t>
-            </a:r>
-          </a:p>
-          <a:p>
-            <a:pPr marL="0" indent="0">
-              <a:buFont typeface="Arial" panose="020B0604020202020204" pitchFamily="34" charset="0"/>
-              <a:buNone/>
-            </a:pPr>
-            <a:r>
-              <a:rPr lang="en-US" sz="1600" dirty="0">
-                <a:latin typeface="Courier New" panose="02070309020205020404" pitchFamily="49" charset="0"/>
-                <a:cs typeface="Courier New" panose="02070309020205020404" pitchFamily="49" charset="0"/>
-              </a:rPr>
-              <a:t>    age = int(record[</a:t>
-            </a:r>
-            <a:r>
-              <a:rPr lang="en-US" sz="1600" dirty="0">
-                <a:solidFill>
-                  <a:schemeClr val="accent2">
-                    <a:lumMod val="75000"/>
-                  </a:schemeClr>
-                </a:solidFill>
-                <a:latin typeface="Courier New" panose="02070309020205020404" pitchFamily="49" charset="0"/>
-                <a:cs typeface="Courier New" panose="02070309020205020404" pitchFamily="49" charset="0"/>
-              </a:rPr>
-              <a:t>"age"</a:t>
-            </a:r>
-            <a:r>
-              <a:rPr lang="en-US" sz="1600" dirty="0">
-                <a:latin typeface="Courier New" panose="02070309020205020404" pitchFamily="49" charset="0"/>
-                <a:cs typeface="Courier New" panose="02070309020205020404" pitchFamily="49" charset="0"/>
-              </a:rPr>
-              <a:t>])</a:t>
-            </a:r>
-          </a:p>
-          <a:p>
-            <a:pPr marL="0" indent="0">
-              <a:buFont typeface="Arial" panose="020B0604020202020204" pitchFamily="34" charset="0"/>
-              <a:buNone/>
-            </a:pPr>
-            <a:r>
-              <a:rPr lang="en-US" sz="1600" b="1" dirty="0">
-                <a:latin typeface="Courier New" panose="02070309020205020404" pitchFamily="49" charset="0"/>
-                <a:cs typeface="Courier New" panose="02070309020205020404" pitchFamily="49" charset="0"/>
-              </a:rPr>
-              <a:t>  except (</a:t>
-            </a:r>
-            <a:r>
-              <a:rPr lang="en-US" sz="1600" b="1" dirty="0" err="1">
-                <a:latin typeface="Courier New" panose="02070309020205020404" pitchFamily="49" charset="0"/>
-                <a:cs typeface="Courier New" panose="02070309020205020404" pitchFamily="49" charset="0"/>
-              </a:rPr>
-              <a:t>TypeError</a:t>
-            </a:r>
-            <a:r>
-              <a:rPr lang="en-US" sz="1600" b="1" dirty="0">
-                <a:latin typeface="Courier New" panose="02070309020205020404" pitchFamily="49" charset="0"/>
-                <a:cs typeface="Courier New" panose="02070309020205020404" pitchFamily="49" charset="0"/>
-              </a:rPr>
-              <a:t>, </a:t>
-            </a:r>
-            <a:r>
-              <a:rPr lang="en-US" sz="1600" b="1" dirty="0" err="1">
-                <a:latin typeface="Courier New" panose="02070309020205020404" pitchFamily="49" charset="0"/>
-                <a:cs typeface="Courier New" panose="02070309020205020404" pitchFamily="49" charset="0"/>
-              </a:rPr>
-              <a:t>ValueError</a:t>
-            </a:r>
-            <a:r>
-              <a:rPr lang="en-US" sz="1600" b="1" dirty="0">
-                <a:latin typeface="Courier New" panose="02070309020205020404" pitchFamily="49" charset="0"/>
-                <a:cs typeface="Courier New" panose="02070309020205020404" pitchFamily="49" charset="0"/>
-              </a:rPr>
-              <a:t>):</a:t>
-            </a:r>
-          </a:p>
-          <a:p>
-            <a:pPr marL="0" indent="0">
-              <a:buFont typeface="Arial" panose="020B0604020202020204" pitchFamily="34" charset="0"/>
-              <a:buNone/>
-            </a:pPr>
-            <a:r>
-              <a:rPr lang="en-US" sz="1600" dirty="0">
-                <a:latin typeface="Courier New" panose="02070309020205020404" pitchFamily="49" charset="0"/>
-                <a:cs typeface="Courier New" panose="02070309020205020404" pitchFamily="49" charset="0"/>
-              </a:rPr>
-              <a:t>    </a:t>
-            </a:r>
-            <a:r>
-              <a:rPr lang="en-US" sz="1600" dirty="0" err="1">
-                <a:latin typeface="Courier New" panose="02070309020205020404" pitchFamily="49" charset="0"/>
-                <a:cs typeface="Courier New" panose="02070309020205020404" pitchFamily="49" charset="0"/>
-              </a:rPr>
-              <a:t>logging.warning</a:t>
-            </a:r>
-            <a:r>
-              <a:rPr lang="en-US" sz="1600" dirty="0">
-                <a:latin typeface="Courier New" panose="02070309020205020404" pitchFamily="49" charset="0"/>
-                <a:cs typeface="Courier New" panose="02070309020205020404" pitchFamily="49" charset="0"/>
-              </a:rPr>
-              <a:t>(</a:t>
-            </a:r>
-          </a:p>
-          <a:p>
-            <a:pPr marL="0" indent="0">
-              <a:buFont typeface="Arial" panose="020B0604020202020204" pitchFamily="34" charset="0"/>
-              <a:buNone/>
-            </a:pPr>
-            <a:r>
-              <a:rPr lang="en-US" sz="1600" dirty="0">
-                <a:latin typeface="Courier New" panose="02070309020205020404" pitchFamily="49" charset="0"/>
-                <a:cs typeface="Courier New" panose="02070309020205020404" pitchFamily="49" charset="0"/>
-              </a:rPr>
-              <a:t>      </a:t>
-            </a:r>
-            <a:r>
-              <a:rPr lang="en-US" sz="1600" dirty="0">
-                <a:solidFill>
-                  <a:schemeClr val="accent2">
-                    <a:lumMod val="75000"/>
-                  </a:schemeClr>
-                </a:solidFill>
-                <a:latin typeface="Courier New" panose="02070309020205020404" pitchFamily="49" charset="0"/>
-                <a:cs typeface="Courier New" panose="02070309020205020404" pitchFamily="49" charset="0"/>
-              </a:rPr>
-              <a:t>"Invalid age for record: "</a:t>
-            </a:r>
-          </a:p>
-          <a:p>
-            <a:pPr marL="0" indent="0">
-              <a:buFont typeface="Arial" panose="020B0604020202020204" pitchFamily="34" charset="0"/>
-              <a:buNone/>
-            </a:pPr>
-            <a:r>
-              <a:rPr lang="en-US" sz="1600" dirty="0">
-                <a:latin typeface="Courier New" panose="02070309020205020404" pitchFamily="49" charset="0"/>
-                <a:cs typeface="Courier New" panose="02070309020205020404" pitchFamily="49" charset="0"/>
-              </a:rPr>
-              <a:t>      record[</a:t>
-            </a:r>
-            <a:r>
-              <a:rPr lang="en-US" sz="1600" dirty="0">
-                <a:solidFill>
-                  <a:schemeClr val="accent2">
-                    <a:lumMod val="75000"/>
-                  </a:schemeClr>
-                </a:solidFill>
-                <a:latin typeface="Courier New" panose="02070309020205020404" pitchFamily="49" charset="0"/>
-                <a:cs typeface="Courier New" panose="02070309020205020404" pitchFamily="49" charset="0"/>
-              </a:rPr>
-              <a:t>"naam"</a:t>
-            </a:r>
-            <a:r>
-              <a:rPr lang="en-US" sz="1600" dirty="0">
-                <a:latin typeface="Courier New" panose="02070309020205020404" pitchFamily="49" charset="0"/>
-                <a:cs typeface="Courier New" panose="02070309020205020404" pitchFamily="49" charset="0"/>
-              </a:rPr>
-              <a:t>]</a:t>
-            </a:r>
-          </a:p>
-          <a:p>
-            <a:pPr marL="0" indent="0">
-              <a:buFont typeface="Arial" panose="020B0604020202020204" pitchFamily="34" charset="0"/>
-              <a:buNone/>
-            </a:pPr>
-            <a:r>
-              <a:rPr lang="en-US" sz="1600" dirty="0">
-                <a:latin typeface="Courier New" panose="02070309020205020404" pitchFamily="49" charset="0"/>
-                <a:cs typeface="Courier New" panose="02070309020205020404" pitchFamily="49" charset="0"/>
-              </a:rPr>
-              <a:t>    )</a:t>
-            </a:r>
-          </a:p>
-          <a:p>
-            <a:pPr marL="0" indent="0">
-              <a:buFont typeface="Arial" panose="020B0604020202020204" pitchFamily="34" charset="0"/>
-              <a:buNone/>
-            </a:pPr>
-            <a:r>
-              <a:rPr lang="en-US" sz="1600" dirty="0">
-                <a:latin typeface="Courier New" panose="02070309020205020404" pitchFamily="49" charset="0"/>
-                <a:cs typeface="Courier New" panose="02070309020205020404" pitchFamily="49" charset="0"/>
-              </a:rPr>
-              <a:t>    continue</a:t>
-            </a:r>
-          </a:p>
-        </p:txBody>
-      </p:sp>
-    </p:spTree>
-    <p:extLst>
-      <p:ext uri="{BB962C8B-B14F-4D97-AF65-F5344CB8AC3E}">
-        <p14:creationId xmlns:p14="http://schemas.microsoft.com/office/powerpoint/2010/main" val="213760964"/>
       </p:ext>
     </p:extLst>
   </p:cSld>
@@ -25408,8 +26263,13 @@
           <a:p>
             <a:r>
               <a:rPr lang="nl-NL" sz="3600" noProof="0" dirty="0"/>
-              <a:t>Python afsluiten</a:t>
-            </a:r>
+              <a:t>Wanneer zelf</a:t>
+            </a:r>
+            <a:r>
+              <a:rPr lang="nl-NL" sz="3600" dirty="0"/>
+              <a:t> afhandelen?</a:t>
+            </a:r>
+            <a:endParaRPr lang="nl-NL" sz="3600" noProof="0" dirty="0"/>
           </a:p>
         </p:txBody>
       </p:sp>
@@ -25445,82 +26305,76 @@
               <a:buNone/>
             </a:pPr>
             <a:r>
+              <a:rPr lang="nl-NL" sz="2000" b="1" dirty="0"/>
+              <a:t>Betere afhandeling:</a:t>
+            </a:r>
+          </a:p>
+          <a:p>
+            <a:pPr>
+              <a:buFontTx/>
+              <a:buChar char="-"/>
+            </a:pPr>
+            <a:r>
               <a:rPr lang="nl-NL" sz="2000" dirty="0"/>
-              <a:t>Je kunt </a:t>
-            </a:r>
-            <a:r>
-              <a:rPr lang="nl-NL" sz="2000" dirty="0" err="1">
-                <a:latin typeface="Courier New" panose="02070309020205020404" pitchFamily="49" charset="0"/>
-                <a:cs typeface="Courier New" panose="02070309020205020404" pitchFamily="49" charset="0"/>
-              </a:rPr>
-              <a:t>sys.exit</a:t>
-            </a:r>
-            <a:r>
-              <a:rPr lang="nl-NL" sz="2000" dirty="0">
-                <a:latin typeface="Courier New" panose="02070309020205020404" pitchFamily="49" charset="0"/>
-                <a:cs typeface="Courier New" panose="02070309020205020404" pitchFamily="49" charset="0"/>
-              </a:rPr>
-              <a:t>()</a:t>
-            </a:r>
+              <a:t>Je hebt een oplossing voor de fout.</a:t>
+            </a:r>
+          </a:p>
+          <a:p>
+            <a:pPr>
+              <a:buFontTx/>
+              <a:buChar char="-"/>
+            </a:pPr>
             <a:r>
               <a:rPr lang="nl-NL" sz="2000" dirty="0"/>
-              <a:t> gebruiken om Python af te sluiten.</a:t>
-            </a:r>
-          </a:p>
-          <a:p>
-            <a:pPr marL="0" indent="0">
-              <a:buNone/>
-            </a:pPr>
-            <a:endParaRPr lang="nl-NL" sz="2000" noProof="0" dirty="0"/>
-          </a:p>
-          <a:p>
-            <a:pPr marL="0" indent="0">
-              <a:buNone/>
+              <a:t>Je hoeft niet het hele proces te stoppen.</a:t>
+            </a:r>
+          </a:p>
+          <a:p>
+            <a:pPr marL="0" indent="0">
+              <a:buNone/>
+            </a:pPr>
+            <a:endParaRPr lang="nl-NL" sz="2000" b="1" dirty="0"/>
+          </a:p>
+          <a:p>
+            <a:pPr marL="0" indent="0">
+              <a:buNone/>
+            </a:pPr>
+            <a:r>
+              <a:rPr lang="nl-NL" sz="2000" b="1" dirty="0"/>
+              <a:t>Betere informatie:</a:t>
+            </a:r>
+            <a:endParaRPr lang="nl-NL" sz="2000" dirty="0"/>
+          </a:p>
+          <a:p>
+            <a:pPr>
+              <a:buFontTx/>
+              <a:buChar char="-"/>
             </a:pPr>
             <a:r>
               <a:rPr lang="nl-NL" sz="2000" dirty="0"/>
-              <a:t>Je kunt een argument meegeven, bijvoorbeeld een foutcode of melding.</a:t>
-            </a:r>
-            <a:endParaRPr lang="nl-NL" sz="2000" noProof="0" dirty="0"/>
-          </a:p>
-          <a:p>
-            <a:pPr marL="0" indent="0">
-              <a:buNone/>
-            </a:pPr>
-            <a:endParaRPr lang="nl-NL" sz="2000" noProof="0" dirty="0"/>
-          </a:p>
-          <a:p>
-            <a:pPr marL="0" indent="0">
-              <a:buNone/>
-            </a:pPr>
-            <a:r>
-              <a:rPr lang="nl-NL" sz="2000" dirty="0"/>
-              <a:t>Conventie:</a:t>
-            </a:r>
-          </a:p>
-          <a:p>
-            <a:pPr marL="0" indent="0">
-              <a:buNone/>
-            </a:pPr>
-            <a:r>
-              <a:rPr lang="nl-NL" sz="2000" dirty="0"/>
-              <a:t>   0 	= 	Alles is goed gegaan</a:t>
-            </a:r>
-          </a:p>
-          <a:p>
-            <a:pPr marL="0" indent="0">
-              <a:buNone/>
-            </a:pPr>
+              <a:t>Wie is je gebruiker: </a:t>
+            </a:r>
             <a:r>
               <a:rPr lang="nl-NL" sz="2000" noProof="0" dirty="0"/>
-              <a:t>&gt; 0	= 	Fout opgetreden</a:t>
-            </a:r>
-          </a:p>
-          <a:p>
-            <a:pPr marL="0" indent="0">
-              <a:buNone/>
-            </a:pPr>
-            <a:endParaRPr lang="nl-NL" sz="2000" noProof="0" dirty="0"/>
+              <a:t>Developers snappen Python foutmeldingen, gebruikers niet.</a:t>
+            </a:r>
+          </a:p>
+          <a:p>
+            <a:pPr>
+              <a:buFontTx/>
+              <a:buChar char="-"/>
+            </a:pPr>
+            <a:endParaRPr lang="nl-NL" sz="2000" dirty="0"/>
+          </a:p>
+          <a:p>
+            <a:pPr>
+              <a:buFontTx/>
+              <a:buChar char="-"/>
+            </a:pPr>
+            <a:r>
+              <a:rPr lang="nl-NL" sz="2000" noProof="0" dirty="0"/>
+              <a:t>Kun je meer informatie geven dan de standaard melding?</a:t>
+            </a:r>
           </a:p>
         </p:txBody>
       </p:sp>
@@ -25758,21 +26612,7 @@
               <a:buFont typeface="Arial" panose="020B0604020202020204" pitchFamily="34" charset="0"/>
               <a:buNone/>
             </a:pPr>
-            <a:r>
-              <a:rPr lang="nl-NL" sz="1600" b="1" dirty="0">
-                <a:latin typeface="Courier New" panose="02070309020205020404" pitchFamily="49" charset="0"/>
-                <a:cs typeface="Courier New" panose="02070309020205020404" pitchFamily="49" charset="0"/>
-              </a:rPr>
-              <a:t>import </a:t>
-            </a:r>
-            <a:r>
-              <a:rPr lang="nl-NL" sz="1600" b="1" dirty="0" err="1">
-                <a:latin typeface="Courier New" panose="02070309020205020404" pitchFamily="49" charset="0"/>
-                <a:cs typeface="Courier New" panose="02070309020205020404" pitchFamily="49" charset="0"/>
-              </a:rPr>
-              <a:t>sys</a:t>
-            </a:r>
-            <a:endParaRPr lang="nl-NL" sz="1600" b="1" dirty="0">
+            <a:endParaRPr lang="en-US" sz="1600" b="1" dirty="0">
               <a:latin typeface="Courier New" panose="02070309020205020404" pitchFamily="49" charset="0"/>
               <a:cs typeface="Courier New" panose="02070309020205020404" pitchFamily="49" charset="0"/>
             </a:endParaRPr>
@@ -25782,7 +26622,7 @@
               <a:buFont typeface="Arial" panose="020B0604020202020204" pitchFamily="34" charset="0"/>
               <a:buNone/>
             </a:pPr>
-            <a:endParaRPr lang="nl-NL" sz="1600" b="1" dirty="0">
+            <a:endParaRPr lang="en-US" sz="1600" b="1" dirty="0">
               <a:latin typeface="Courier New" panose="02070309020205020404" pitchFamily="49" charset="0"/>
               <a:cs typeface="Courier New" panose="02070309020205020404" pitchFamily="49" charset="0"/>
             </a:endParaRPr>
@@ -25903,7 +26743,7 @@
                 <a:latin typeface="Courier New" panose="02070309020205020404" pitchFamily="49" charset="0"/>
                 <a:cs typeface="Courier New" panose="02070309020205020404" pitchFamily="49" charset="0"/>
               </a:rPr>
-              <a:t>logging.error</a:t>
+              <a:t>logging.warning</a:t>
             </a:r>
             <a:r>
               <a:rPr lang="en-US" sz="1600" dirty="0">
@@ -25989,40 +26829,11 @@
               <a:buNone/>
             </a:pPr>
             <a:r>
-              <a:rPr lang="nl-NL" sz="1600" b="1" dirty="0">
-                <a:solidFill>
-                  <a:schemeClr val="accent5">
-                    <a:lumMod val="75000"/>
-                  </a:schemeClr>
-                </a:solidFill>
-                <a:latin typeface="Courier New" panose="02070309020205020404" pitchFamily="49" charset="0"/>
-                <a:cs typeface="Courier New" panose="02070309020205020404" pitchFamily="49" charset="0"/>
-              </a:rPr>
-              <a:t>    </a:t>
-            </a:r>
-            <a:r>
-              <a:rPr lang="nl-NL" sz="1600" b="1" dirty="0" err="1">
-                <a:solidFill>
-                  <a:schemeClr val="accent5">
-                    <a:lumMod val="75000"/>
-                  </a:schemeClr>
-                </a:solidFill>
-                <a:latin typeface="Courier New" panose="02070309020205020404" pitchFamily="49" charset="0"/>
-                <a:cs typeface="Courier New" panose="02070309020205020404" pitchFamily="49" charset="0"/>
-              </a:rPr>
-              <a:t>sys.exit</a:t>
-            </a:r>
-            <a:r>
-              <a:rPr lang="nl-NL" sz="1600" b="1" dirty="0">
-                <a:solidFill>
-                  <a:schemeClr val="accent5">
-                    <a:lumMod val="75000"/>
-                  </a:schemeClr>
-                </a:solidFill>
-                <a:latin typeface="Courier New" panose="02070309020205020404" pitchFamily="49" charset="0"/>
-                <a:cs typeface="Courier New" panose="02070309020205020404" pitchFamily="49" charset="0"/>
-              </a:rPr>
-              <a:t>(1)</a:t>
+              <a:rPr lang="en-US" sz="1600" dirty="0">
+                <a:latin typeface="Courier New" panose="02070309020205020404" pitchFamily="49" charset="0"/>
+                <a:cs typeface="Courier New" panose="02070309020205020404" pitchFamily="49" charset="0"/>
+              </a:rPr>
+              <a:t>    continue</a:t>
             </a:r>
           </a:p>
         </p:txBody>
@@ -26030,7 +26841,7 @@
     </p:spTree>
     <p:extLst>
       <p:ext uri="{BB962C8B-B14F-4D97-AF65-F5344CB8AC3E}">
-        <p14:creationId xmlns:p14="http://schemas.microsoft.com/office/powerpoint/2010/main" val="2143757814"/>
+        <p14:creationId xmlns:p14="http://schemas.microsoft.com/office/powerpoint/2010/main" val="213760964"/>
       </p:ext>
     </p:extLst>
   </p:cSld>
@@ -26087,7 +26898,7 @@
           <a:p>
             <a:r>
               <a:rPr lang="nl-NL" sz="3600" noProof="0" dirty="0"/>
-              <a:t>Foutmelding aanmaken</a:t>
+              <a:t>Python afsluiten</a:t>
             </a:r>
           </a:p>
         </p:txBody>
@@ -26124,68 +26935,76 @@
               <a:buNone/>
             </a:pPr>
             <a:r>
+              <a:rPr lang="nl-NL" sz="2000" dirty="0"/>
+              <a:t>Je kunt </a:t>
+            </a:r>
+            <a:r>
+              <a:rPr lang="nl-NL" sz="2000" dirty="0" err="1">
+                <a:latin typeface="Courier New" panose="02070309020205020404" pitchFamily="49" charset="0"/>
+                <a:cs typeface="Courier New" panose="02070309020205020404" pitchFamily="49" charset="0"/>
+              </a:rPr>
+              <a:t>sys.exit</a:t>
+            </a:r>
+            <a:r>
+              <a:rPr lang="nl-NL" sz="2000" dirty="0">
+                <a:latin typeface="Courier New" panose="02070309020205020404" pitchFamily="49" charset="0"/>
+                <a:cs typeface="Courier New" panose="02070309020205020404" pitchFamily="49" charset="0"/>
+              </a:rPr>
+              <a:t>()</a:t>
+            </a:r>
+            <a:r>
+              <a:rPr lang="nl-NL" sz="2000" dirty="0"/>
+              <a:t> gebruiken om Python af te sluiten.</a:t>
+            </a:r>
+          </a:p>
+          <a:p>
+            <a:pPr marL="0" indent="0">
+              <a:buNone/>
+            </a:pPr>
+            <a:endParaRPr lang="nl-NL" sz="2000" noProof="0" dirty="0"/>
+          </a:p>
+          <a:p>
+            <a:pPr marL="0" indent="0">
+              <a:buNone/>
+            </a:pPr>
+            <a:r>
+              <a:rPr lang="nl-NL" sz="2000" dirty="0"/>
+              <a:t>Je kunt een argument meegeven, bijvoorbeeld een foutcode of melding.</a:t>
+            </a:r>
+            <a:endParaRPr lang="nl-NL" sz="2000" noProof="0" dirty="0"/>
+          </a:p>
+          <a:p>
+            <a:pPr marL="0" indent="0">
+              <a:buNone/>
+            </a:pPr>
+            <a:endParaRPr lang="nl-NL" sz="2000" noProof="0" dirty="0"/>
+          </a:p>
+          <a:p>
+            <a:pPr marL="0" indent="0">
+              <a:buNone/>
+            </a:pPr>
+            <a:r>
+              <a:rPr lang="nl-NL" sz="2000" dirty="0"/>
+              <a:t>Conventie:</a:t>
+            </a:r>
+          </a:p>
+          <a:p>
+            <a:pPr marL="0" indent="0">
+              <a:buNone/>
+            </a:pPr>
+            <a:r>
+              <a:rPr lang="nl-NL" sz="2000" dirty="0"/>
+              <a:t>   0 	= 	Alles is goed gegaan</a:t>
+            </a:r>
+          </a:p>
+          <a:p>
+            <a:pPr marL="0" indent="0">
+              <a:buNone/>
+            </a:pPr>
+            <a:r>
               <a:rPr lang="nl-NL" sz="2000" noProof="0" dirty="0"/>
-              <a:t>Gebruik </a:t>
-            </a:r>
-            <a:r>
-              <a:rPr lang="nl-NL" sz="2000" noProof="0" dirty="0" err="1">
-                <a:latin typeface="Courier New" panose="02070309020205020404" pitchFamily="49" charset="0"/>
-                <a:cs typeface="Courier New" panose="02070309020205020404" pitchFamily="49" charset="0"/>
-              </a:rPr>
-              <a:t>raise</a:t>
-            </a:r>
-            <a:r>
-              <a:rPr lang="nl-NL" sz="2000" noProof="0" dirty="0"/>
-              <a:t> om zelf een foutmelding aan te maken.</a:t>
-            </a:r>
-          </a:p>
-          <a:p>
-            <a:pPr marL="0" indent="0">
-              <a:buNone/>
-            </a:pPr>
-            <a:endParaRPr lang="nl-NL" sz="2000" dirty="0"/>
-          </a:p>
-          <a:p>
-            <a:pPr marL="0" indent="0">
-              <a:buNone/>
-            </a:pPr>
-            <a:r>
-              <a:rPr lang="nl-NL" sz="2000" dirty="0"/>
-              <a:t>Kies zelf een fouttype en beschrijving.</a:t>
-            </a:r>
-          </a:p>
-          <a:p>
-            <a:pPr marL="0" indent="0">
-              <a:buNone/>
-            </a:pPr>
-            <a:endParaRPr lang="nl-NL" sz="2000" dirty="0"/>
-          </a:p>
-          <a:p>
-            <a:pPr marL="0" indent="0">
-              <a:buNone/>
-            </a:pPr>
-            <a:r>
-              <a:rPr lang="nl-NL" sz="2000" noProof="0" dirty="0"/>
-              <a:t>Afhandeling zoals een standaard foutmelding van Python.</a:t>
-            </a:r>
-          </a:p>
-          <a:p>
-            <a:pPr marL="0" indent="0">
-              <a:buNone/>
-            </a:pPr>
-            <a:endParaRPr lang="nl-NL" sz="2000" dirty="0"/>
-          </a:p>
-          <a:p>
-            <a:pPr marL="0" indent="0">
-              <a:buNone/>
-            </a:pPr>
-            <a:endParaRPr lang="nl-NL" sz="2000" noProof="0" dirty="0"/>
-          </a:p>
-          <a:p>
-            <a:pPr marL="0" indent="0">
-              <a:buNone/>
-            </a:pPr>
-            <a:endParaRPr lang="nl-NL" sz="2000" dirty="0"/>
+              <a:t>&gt; 0	= 	Fout opgetreden</a:t>
+            </a:r>
           </a:p>
           <a:p>
             <a:pPr marL="0" indent="0">
@@ -26430,123 +27249,74 @@
               <a:buNone/>
             </a:pPr>
             <a:r>
+              <a:rPr lang="nl-NL" sz="1600" b="1" dirty="0">
+                <a:latin typeface="Courier New" panose="02070309020205020404" pitchFamily="49" charset="0"/>
+                <a:cs typeface="Courier New" panose="02070309020205020404" pitchFamily="49" charset="0"/>
+              </a:rPr>
+              <a:t>import </a:t>
+            </a:r>
+            <a:r>
               <a:rPr lang="nl-NL" sz="1600" b="1" dirty="0" err="1">
                 <a:latin typeface="Courier New" panose="02070309020205020404" pitchFamily="49" charset="0"/>
                 <a:cs typeface="Courier New" panose="02070309020205020404" pitchFamily="49" charset="0"/>
               </a:rPr>
-              <a:t>if</a:t>
-            </a:r>
-            <a:r>
-              <a:rPr lang="nl-NL" sz="1600" b="1" dirty="0">
-                <a:latin typeface="Courier New" panose="02070309020205020404" pitchFamily="49" charset="0"/>
-                <a:cs typeface="Courier New" panose="02070309020205020404" pitchFamily="49" charset="0"/>
-              </a:rPr>
-              <a:t> </a:t>
-            </a:r>
-            <a:r>
-              <a:rPr lang="nl-NL" sz="1600" b="1" dirty="0" err="1">
-                <a:latin typeface="Courier New" panose="02070309020205020404" pitchFamily="49" charset="0"/>
-                <a:cs typeface="Courier New" panose="02070309020205020404" pitchFamily="49" charset="0"/>
-              </a:rPr>
-              <a:t>not</a:t>
-            </a:r>
-            <a:r>
-              <a:rPr lang="nl-NL" sz="1600" b="1" dirty="0">
-                <a:latin typeface="Courier New" panose="02070309020205020404" pitchFamily="49" charset="0"/>
-                <a:cs typeface="Courier New" panose="02070309020205020404" pitchFamily="49" charset="0"/>
-              </a:rPr>
-              <a:t> 0 &lt; </a:t>
-            </a:r>
-            <a:r>
-              <a:rPr lang="nl-NL" sz="1600" b="1" dirty="0" err="1">
-                <a:latin typeface="Courier New" panose="02070309020205020404" pitchFamily="49" charset="0"/>
-                <a:cs typeface="Courier New" panose="02070309020205020404" pitchFamily="49" charset="0"/>
-              </a:rPr>
-              <a:t>age</a:t>
-            </a:r>
-            <a:r>
-              <a:rPr lang="nl-NL" sz="1600" b="1" dirty="0">
-                <a:latin typeface="Courier New" panose="02070309020205020404" pitchFamily="49" charset="0"/>
-                <a:cs typeface="Courier New" panose="02070309020205020404" pitchFamily="49" charset="0"/>
-              </a:rPr>
-              <a:t> &lt; 110:</a:t>
-            </a:r>
-          </a:p>
-          <a:p>
-            <a:pPr marL="0" indent="0">
-              <a:buFont typeface="Arial" panose="020B0604020202020204" pitchFamily="34" charset="0"/>
-              <a:buNone/>
-            </a:pPr>
-            <a:r>
-              <a:rPr lang="nl-NL" sz="1600" dirty="0">
-                <a:latin typeface="Courier New" panose="02070309020205020404" pitchFamily="49" charset="0"/>
-                <a:cs typeface="Courier New" panose="02070309020205020404" pitchFamily="49" charset="0"/>
-              </a:rPr>
-              <a:t>  </a:t>
-            </a:r>
-          </a:p>
-          <a:p>
-            <a:pPr marL="0" indent="0">
-              <a:buFont typeface="Arial" panose="020B0604020202020204" pitchFamily="34" charset="0"/>
-              <a:buNone/>
-            </a:pPr>
-            <a:r>
-              <a:rPr lang="nl-NL" sz="1600" b="1" dirty="0">
-                <a:latin typeface="Courier New" panose="02070309020205020404" pitchFamily="49" charset="0"/>
-                <a:cs typeface="Courier New" panose="02070309020205020404" pitchFamily="49" charset="0"/>
-              </a:rPr>
-              <a:t>  </a:t>
-            </a:r>
-            <a:r>
-              <a:rPr lang="nl-NL" sz="1600" b="1" dirty="0" err="1">
-                <a:latin typeface="Courier New" panose="02070309020205020404" pitchFamily="49" charset="0"/>
-                <a:cs typeface="Courier New" panose="02070309020205020404" pitchFamily="49" charset="0"/>
-              </a:rPr>
-              <a:t>raise</a:t>
-            </a:r>
-            <a:r>
-              <a:rPr lang="nl-NL" sz="1600" b="1" dirty="0">
-                <a:latin typeface="Courier New" panose="02070309020205020404" pitchFamily="49" charset="0"/>
-                <a:cs typeface="Courier New" panose="02070309020205020404" pitchFamily="49" charset="0"/>
-              </a:rPr>
-              <a:t> </a:t>
-            </a:r>
-            <a:r>
-              <a:rPr lang="nl-NL" sz="1600" b="1" dirty="0" err="1">
-                <a:latin typeface="Courier New" panose="02070309020205020404" pitchFamily="49" charset="0"/>
-                <a:cs typeface="Courier New" panose="02070309020205020404" pitchFamily="49" charset="0"/>
-              </a:rPr>
-              <a:t>ValueError</a:t>
-            </a:r>
-            <a:r>
-              <a:rPr lang="nl-NL" sz="1600" dirty="0">
-                <a:latin typeface="Courier New" panose="02070309020205020404" pitchFamily="49" charset="0"/>
-                <a:cs typeface="Courier New" panose="02070309020205020404" pitchFamily="49" charset="0"/>
-              </a:rPr>
-              <a:t>(</a:t>
-            </a:r>
-          </a:p>
-          <a:p>
-            <a:pPr marL="0" indent="0">
-              <a:buFont typeface="Arial" panose="020B0604020202020204" pitchFamily="34" charset="0"/>
-              <a:buNone/>
-            </a:pPr>
-            <a:r>
-              <a:rPr lang="nl-NL" sz="1600" dirty="0">
-                <a:latin typeface="Courier New" panose="02070309020205020404" pitchFamily="49" charset="0"/>
-                <a:cs typeface="Courier New" panose="02070309020205020404" pitchFamily="49" charset="0"/>
-              </a:rPr>
-              <a:t>    </a:t>
-            </a:r>
-            <a:r>
-              <a:rPr lang="nl-NL" sz="1600" dirty="0" err="1">
-                <a:latin typeface="Courier New" panose="02070309020205020404" pitchFamily="49" charset="0"/>
-                <a:cs typeface="Courier New" panose="02070309020205020404" pitchFamily="49" charset="0"/>
-              </a:rPr>
-              <a:t>f</a:t>
-            </a:r>
-            <a:r>
-              <a:rPr lang="nl-NL" sz="1600" dirty="0" err="1">
+              <a:t>sys</a:t>
+            </a:r>
+            <a:endParaRPr lang="nl-NL" sz="1600" b="1" dirty="0">
+              <a:latin typeface="Courier New" panose="02070309020205020404" pitchFamily="49" charset="0"/>
+              <a:cs typeface="Courier New" panose="02070309020205020404" pitchFamily="49" charset="0"/>
+            </a:endParaRPr>
+          </a:p>
+          <a:p>
+            <a:pPr marL="0" indent="0">
+              <a:buFont typeface="Arial" panose="020B0604020202020204" pitchFamily="34" charset="0"/>
+              <a:buNone/>
+            </a:pPr>
+            <a:endParaRPr lang="nl-NL" sz="1600" b="1" dirty="0">
+              <a:latin typeface="Courier New" panose="02070309020205020404" pitchFamily="49" charset="0"/>
+              <a:cs typeface="Courier New" panose="02070309020205020404" pitchFamily="49" charset="0"/>
+            </a:endParaRPr>
+          </a:p>
+          <a:p>
+            <a:pPr marL="0" indent="0">
+              <a:buFont typeface="Arial" panose="020B0604020202020204" pitchFamily="34" charset="0"/>
+              <a:buNone/>
+            </a:pPr>
+            <a:r>
+              <a:rPr lang="en-US" sz="1600" b="1" dirty="0">
+                <a:latin typeface="Courier New" panose="02070309020205020404" pitchFamily="49" charset="0"/>
+                <a:cs typeface="Courier New" panose="02070309020205020404" pitchFamily="49" charset="0"/>
+              </a:rPr>
+              <a:t>for record in data:</a:t>
+            </a:r>
+          </a:p>
+          <a:p>
+            <a:pPr marL="0" indent="0">
+              <a:buFont typeface="Arial" panose="020B0604020202020204" pitchFamily="34" charset="0"/>
+              <a:buNone/>
+            </a:pPr>
+            <a:r>
+              <a:rPr lang="en-US" sz="1600" b="1" dirty="0">
+                <a:latin typeface="Courier New" panose="02070309020205020404" pitchFamily="49" charset="0"/>
+                <a:cs typeface="Courier New" panose="02070309020205020404" pitchFamily="49" charset="0"/>
+              </a:rPr>
+              <a:t>  try:</a:t>
+            </a:r>
+          </a:p>
+          <a:p>
+            <a:pPr marL="0" indent="0">
+              <a:buFont typeface="Arial" panose="020B0604020202020204" pitchFamily="34" charset="0"/>
+              <a:buNone/>
+            </a:pPr>
+            <a:r>
+              <a:rPr lang="en-US" sz="1600" dirty="0">
+                <a:latin typeface="Courier New" panose="02070309020205020404" pitchFamily="49" charset="0"/>
+                <a:cs typeface="Courier New" panose="02070309020205020404" pitchFamily="49" charset="0"/>
+              </a:rPr>
+              <a:t>    age = int(record[</a:t>
+            </a:r>
+            <a:r>
+              <a:rPr lang="en-US" sz="1600" dirty="0">
                 <a:solidFill>
                   <a:schemeClr val="accent2">
                     <a:lumMod val="75000"/>
@@ -26555,10 +27325,98 @@
                 <a:latin typeface="Courier New" panose="02070309020205020404" pitchFamily="49" charset="0"/>
                 <a:cs typeface="Courier New" panose="02070309020205020404" pitchFamily="49" charset="0"/>
               </a:rPr>
-              <a:t>"Age</a:t>
-            </a:r>
-            <a:r>
-              <a:rPr lang="nl-NL" sz="1600" dirty="0">
+              <a:t>"age"</a:t>
+            </a:r>
+            <a:r>
+              <a:rPr lang="en-US" sz="1600" dirty="0">
+                <a:latin typeface="Courier New" panose="02070309020205020404" pitchFamily="49" charset="0"/>
+                <a:cs typeface="Courier New" panose="02070309020205020404" pitchFamily="49" charset="0"/>
+              </a:rPr>
+              <a:t>])</a:t>
+            </a:r>
+          </a:p>
+          <a:p>
+            <a:pPr marL="0" indent="0">
+              <a:buFont typeface="Arial" panose="020B0604020202020204" pitchFamily="34" charset="0"/>
+              <a:buNone/>
+            </a:pPr>
+            <a:r>
+              <a:rPr lang="en-US" sz="1600" b="1" dirty="0">
+                <a:latin typeface="Courier New" panose="02070309020205020404" pitchFamily="49" charset="0"/>
+                <a:cs typeface="Courier New" panose="02070309020205020404" pitchFamily="49" charset="0"/>
+              </a:rPr>
+              <a:t>  except (</a:t>
+            </a:r>
+            <a:r>
+              <a:rPr lang="en-US" sz="1600" b="1" dirty="0" err="1">
+                <a:latin typeface="Courier New" panose="02070309020205020404" pitchFamily="49" charset="0"/>
+                <a:cs typeface="Courier New" panose="02070309020205020404" pitchFamily="49" charset="0"/>
+              </a:rPr>
+              <a:t>TypeError</a:t>
+            </a:r>
+            <a:r>
+              <a:rPr lang="en-US" sz="1600" b="1" dirty="0">
+                <a:latin typeface="Courier New" panose="02070309020205020404" pitchFamily="49" charset="0"/>
+                <a:cs typeface="Courier New" panose="02070309020205020404" pitchFamily="49" charset="0"/>
+              </a:rPr>
+              <a:t>, </a:t>
+            </a:r>
+            <a:r>
+              <a:rPr lang="en-US" sz="1600" b="1" dirty="0" err="1">
+                <a:latin typeface="Courier New" panose="02070309020205020404" pitchFamily="49" charset="0"/>
+                <a:cs typeface="Courier New" panose="02070309020205020404" pitchFamily="49" charset="0"/>
+              </a:rPr>
+              <a:t>ValueError</a:t>
+            </a:r>
+            <a:r>
+              <a:rPr lang="en-US" sz="1600" b="1" dirty="0">
+                <a:latin typeface="Courier New" panose="02070309020205020404" pitchFamily="49" charset="0"/>
+                <a:cs typeface="Courier New" panose="02070309020205020404" pitchFamily="49" charset="0"/>
+              </a:rPr>
+              <a:t>):</a:t>
+            </a:r>
+          </a:p>
+          <a:p>
+            <a:pPr marL="0" indent="0">
+              <a:buFont typeface="Arial" panose="020B0604020202020204" pitchFamily="34" charset="0"/>
+              <a:buNone/>
+            </a:pPr>
+            <a:r>
+              <a:rPr lang="en-US" sz="1600" dirty="0">
+                <a:latin typeface="Courier New" panose="02070309020205020404" pitchFamily="49" charset="0"/>
+                <a:cs typeface="Courier New" panose="02070309020205020404" pitchFamily="49" charset="0"/>
+              </a:rPr>
+              <a:t>    </a:t>
+            </a:r>
+            <a:r>
+              <a:rPr lang="en-US" sz="1600" dirty="0" err="1">
+                <a:latin typeface="Courier New" panose="02070309020205020404" pitchFamily="49" charset="0"/>
+                <a:cs typeface="Courier New" panose="02070309020205020404" pitchFamily="49" charset="0"/>
+              </a:rPr>
+              <a:t>logging.error</a:t>
+            </a:r>
+            <a:r>
+              <a:rPr lang="en-US" sz="1600" dirty="0">
+                <a:latin typeface="Courier New" panose="02070309020205020404" pitchFamily="49" charset="0"/>
+                <a:cs typeface="Courier New" panose="02070309020205020404" pitchFamily="49" charset="0"/>
+              </a:rPr>
+              <a:t>(</a:t>
+            </a:r>
+          </a:p>
+          <a:p>
+            <a:pPr marL="0" indent="0">
+              <a:buFont typeface="Arial" panose="020B0604020202020204" pitchFamily="34" charset="0"/>
+              <a:buNone/>
+            </a:pPr>
+            <a:r>
+              <a:rPr lang="en-US" sz="1600" dirty="0">
+                <a:latin typeface="Courier New" panose="02070309020205020404" pitchFamily="49" charset="0"/>
+                <a:cs typeface="Courier New" panose="02070309020205020404" pitchFamily="49" charset="0"/>
+              </a:rPr>
+              <a:t>      </a:t>
+            </a:r>
+            <a:r>
+              <a:rPr lang="en-US" sz="1600" dirty="0">
                 <a:solidFill>
                   <a:schemeClr val="accent2">
                     <a:lumMod val="75000"/>
@@ -26567,31 +27425,23 @@
                 <a:latin typeface="Courier New" panose="02070309020205020404" pitchFamily="49" charset="0"/>
                 <a:cs typeface="Courier New" panose="02070309020205020404" pitchFamily="49" charset="0"/>
               </a:rPr>
-              <a:t> </a:t>
-            </a:r>
-            <a:r>
-              <a:rPr lang="nl-NL" sz="1600" dirty="0">
-                <a:latin typeface="Courier New" panose="02070309020205020404" pitchFamily="49" charset="0"/>
-                <a:cs typeface="Courier New" panose="02070309020205020404" pitchFamily="49" charset="0"/>
-              </a:rPr>
-              <a:t>{</a:t>
-            </a:r>
-            <a:r>
-              <a:rPr lang="nl-NL" sz="1600" dirty="0" err="1">
-                <a:latin typeface="Courier New" panose="02070309020205020404" pitchFamily="49" charset="0"/>
-                <a:cs typeface="Courier New" panose="02070309020205020404" pitchFamily="49" charset="0"/>
-              </a:rPr>
-              <a:t>age</a:t>
-            </a:r>
-            <a:r>
-              <a:rPr lang="nl-NL" sz="1600" dirty="0">
-                <a:latin typeface="Courier New" panose="02070309020205020404" pitchFamily="49" charset="0"/>
-                <a:cs typeface="Courier New" panose="02070309020205020404" pitchFamily="49" charset="0"/>
-              </a:rPr>
-              <a:t>}</a:t>
-            </a:r>
-            <a:r>
-              <a:rPr lang="nl-NL" sz="1600" dirty="0">
+              <a:t>"Invalid age for record: "</a:t>
+            </a:r>
+          </a:p>
+          <a:p>
+            <a:pPr marL="0" indent="0">
+              <a:buFont typeface="Arial" panose="020B0604020202020204" pitchFamily="34" charset="0"/>
+              <a:buNone/>
+            </a:pPr>
+            <a:r>
+              <a:rPr lang="en-US" sz="1600" dirty="0">
+                <a:latin typeface="Courier New" panose="02070309020205020404" pitchFamily="49" charset="0"/>
+                <a:cs typeface="Courier New" panose="02070309020205020404" pitchFamily="49" charset="0"/>
+              </a:rPr>
+              <a:t>      record[</a:t>
+            </a:r>
+            <a:r>
+              <a:rPr lang="en-US" sz="1600" dirty="0">
                 <a:solidFill>
                   <a:schemeClr val="accent2">
                     <a:lumMod val="75000"/>
@@ -26600,86 +27450,69 @@
                 <a:latin typeface="Courier New" panose="02070309020205020404" pitchFamily="49" charset="0"/>
                 <a:cs typeface="Courier New" panose="02070309020205020404" pitchFamily="49" charset="0"/>
               </a:rPr>
-              <a:t> is </a:t>
-            </a:r>
-            <a:r>
-              <a:rPr lang="nl-NL" sz="1600" dirty="0" err="1">
-                <a:solidFill>
-                  <a:schemeClr val="accent2">
+              <a:t>"naam"</a:t>
+            </a:r>
+            <a:r>
+              <a:rPr lang="en-US" sz="1600" dirty="0">
+                <a:latin typeface="Courier New" panose="02070309020205020404" pitchFamily="49" charset="0"/>
+                <a:cs typeface="Courier New" panose="02070309020205020404" pitchFamily="49" charset="0"/>
+              </a:rPr>
+              <a:t>]</a:t>
+            </a:r>
+          </a:p>
+          <a:p>
+            <a:pPr marL="0" indent="0">
+              <a:buFont typeface="Arial" panose="020B0604020202020204" pitchFamily="34" charset="0"/>
+              <a:buNone/>
+            </a:pPr>
+            <a:r>
+              <a:rPr lang="en-US" sz="1600" dirty="0">
+                <a:latin typeface="Courier New" panose="02070309020205020404" pitchFamily="49" charset="0"/>
+                <a:cs typeface="Courier New" panose="02070309020205020404" pitchFamily="49" charset="0"/>
+              </a:rPr>
+              <a:t>    )</a:t>
+            </a:r>
+          </a:p>
+          <a:p>
+            <a:pPr marL="0" indent="0">
+              <a:buFont typeface="Arial" panose="020B0604020202020204" pitchFamily="34" charset="0"/>
+              <a:buNone/>
+            </a:pPr>
+            <a:r>
+              <a:rPr lang="nl-NL" sz="1600" b="1" dirty="0">
+                <a:solidFill>
+                  <a:schemeClr val="accent5">
                     <a:lumMod val="75000"/>
                   </a:schemeClr>
                 </a:solidFill>
                 <a:latin typeface="Courier New" panose="02070309020205020404" pitchFamily="49" charset="0"/>
                 <a:cs typeface="Courier New" panose="02070309020205020404" pitchFamily="49" charset="0"/>
               </a:rPr>
-              <a:t>outside</a:t>
-            </a:r>
-            <a:r>
-              <a:rPr lang="nl-NL" sz="1600" dirty="0">
-                <a:solidFill>
-                  <a:schemeClr val="accent2">
+              <a:t>    </a:t>
+            </a:r>
+            <a:r>
+              <a:rPr lang="nl-NL" sz="1600" b="1" dirty="0" err="1">
+                <a:solidFill>
+                  <a:schemeClr val="accent5">
                     <a:lumMod val="75000"/>
                   </a:schemeClr>
                 </a:solidFill>
                 <a:latin typeface="Courier New" panose="02070309020205020404" pitchFamily="49" charset="0"/>
                 <a:cs typeface="Courier New" panose="02070309020205020404" pitchFamily="49" charset="0"/>
               </a:rPr>
-              <a:t> "</a:t>
-            </a:r>
-          </a:p>
-          <a:p>
-            <a:pPr marL="0" indent="0">
-              <a:buFont typeface="Arial" panose="020B0604020202020204" pitchFamily="34" charset="0"/>
-              <a:buNone/>
-            </a:pPr>
-            <a:r>
-              <a:rPr lang="nl-NL" sz="1600" dirty="0">
-                <a:solidFill>
-                  <a:schemeClr val="accent2">
+              <a:t>sys.exit</a:t>
+            </a:r>
+            <a:r>
+              <a:rPr lang="nl-NL" sz="1600" b="1" dirty="0">
+                <a:solidFill>
+                  <a:schemeClr val="accent5">
                     <a:lumMod val="75000"/>
                   </a:schemeClr>
                 </a:solidFill>
                 <a:latin typeface="Courier New" panose="02070309020205020404" pitchFamily="49" charset="0"/>
                 <a:cs typeface="Courier New" panose="02070309020205020404" pitchFamily="49" charset="0"/>
               </a:rPr>
-              <a:t>    "</a:t>
-            </a:r>
-            <a:r>
-              <a:rPr lang="nl-NL" sz="1600" dirty="0" err="1">
-                <a:solidFill>
-                  <a:schemeClr val="accent2">
-                    <a:lumMod val="75000"/>
-                  </a:schemeClr>
-                </a:solidFill>
-                <a:latin typeface="Courier New" panose="02070309020205020404" pitchFamily="49" charset="0"/>
-                <a:cs typeface="Courier New" panose="02070309020205020404" pitchFamily="49" charset="0"/>
-              </a:rPr>
-              <a:t>valid</a:t>
-            </a:r>
-            <a:r>
-              <a:rPr lang="nl-NL" sz="1600" dirty="0">
-                <a:solidFill>
-                  <a:schemeClr val="accent2">
-                    <a:lumMod val="75000"/>
-                  </a:schemeClr>
-                </a:solidFill>
-                <a:latin typeface="Courier New" panose="02070309020205020404" pitchFamily="49" charset="0"/>
-                <a:cs typeface="Courier New" panose="02070309020205020404" pitchFamily="49" charset="0"/>
-              </a:rPr>
-              <a:t> range (0 – 110)."</a:t>
-            </a:r>
-          </a:p>
-          <a:p>
-            <a:pPr marL="0" indent="0">
-              <a:buFont typeface="Arial" panose="020B0604020202020204" pitchFamily="34" charset="0"/>
-              <a:buNone/>
-            </a:pPr>
-            <a:r>
-              <a:rPr lang="nl-NL" sz="1600" dirty="0">
-                <a:latin typeface="Courier New" panose="02070309020205020404" pitchFamily="49" charset="0"/>
-                <a:cs typeface="Courier New" panose="02070309020205020404" pitchFamily="49" charset="0"/>
-              </a:rPr>
-              <a:t>  )</a:t>
+              <a:t>(1)</a:t>
             </a:r>
           </a:p>
         </p:txBody>
@@ -26687,7 +27520,7 @@
     </p:spTree>
     <p:extLst>
       <p:ext uri="{BB962C8B-B14F-4D97-AF65-F5344CB8AC3E}">
-        <p14:creationId xmlns:p14="http://schemas.microsoft.com/office/powerpoint/2010/main" val="1323158799"/>
+        <p14:creationId xmlns:p14="http://schemas.microsoft.com/office/powerpoint/2010/main" val="2143757814"/>
       </p:ext>
     </p:extLst>
   </p:cSld>
@@ -26744,6 +27577,663 @@
           <a:p>
             <a:r>
               <a:rPr lang="nl-NL" sz="3600" noProof="0" dirty="0"/>
+              <a:t>Foutmelding aanmaken</a:t>
+            </a:r>
+          </a:p>
+        </p:txBody>
+      </p:sp>
+      <p:sp>
+        <p:nvSpPr>
+          <p:cNvPr id="3" name="Content Placeholder 2">
+            <a:extLst>
+              <a:ext uri="{FF2B5EF4-FFF2-40B4-BE49-F238E27FC236}">
+                <a16:creationId xmlns:a16="http://schemas.microsoft.com/office/drawing/2014/main" id="{F4C2D286-E049-0AAB-1360-B7157E11AD7E}"/>
+              </a:ext>
+            </a:extLst>
+          </p:cNvPr>
+          <p:cNvSpPr>
+            <a:spLocks noGrp="1"/>
+          </p:cNvSpPr>
+          <p:nvPr>
+            <p:ph idx="1"/>
+          </p:nvPr>
+        </p:nvSpPr>
+        <p:spPr>
+          <a:xfrm>
+            <a:off x="838200" y="1456267"/>
+            <a:ext cx="4571999" cy="4720696"/>
+          </a:xfrm>
+        </p:spPr>
+        <p:txBody>
+          <a:bodyPr>
+            <a:normAutofit/>
+          </a:bodyPr>
+          <a:lstStyle/>
+          <a:p>
+            <a:pPr marL="0" indent="0">
+              <a:buNone/>
+            </a:pPr>
+            <a:r>
+              <a:rPr lang="nl-NL" sz="2000" noProof="0" dirty="0"/>
+              <a:t>Gebruik </a:t>
+            </a:r>
+            <a:r>
+              <a:rPr lang="nl-NL" sz="2000" noProof="0" dirty="0" err="1">
+                <a:latin typeface="Courier New" panose="02070309020205020404" pitchFamily="49" charset="0"/>
+                <a:cs typeface="Courier New" panose="02070309020205020404" pitchFamily="49" charset="0"/>
+              </a:rPr>
+              <a:t>raise</a:t>
+            </a:r>
+            <a:r>
+              <a:rPr lang="nl-NL" sz="2000" noProof="0" dirty="0"/>
+              <a:t> om zelf een foutmelding aan te maken.</a:t>
+            </a:r>
+          </a:p>
+          <a:p>
+            <a:pPr marL="0" indent="0">
+              <a:buNone/>
+            </a:pPr>
+            <a:endParaRPr lang="nl-NL" sz="2000" dirty="0"/>
+          </a:p>
+          <a:p>
+            <a:pPr marL="0" indent="0">
+              <a:buNone/>
+            </a:pPr>
+            <a:r>
+              <a:rPr lang="nl-NL" sz="2000" dirty="0"/>
+              <a:t>Kies zelf een fouttype en beschrijving.</a:t>
+            </a:r>
+          </a:p>
+          <a:p>
+            <a:pPr marL="0" indent="0">
+              <a:buNone/>
+            </a:pPr>
+            <a:endParaRPr lang="nl-NL" sz="2000" dirty="0"/>
+          </a:p>
+          <a:p>
+            <a:pPr marL="0" indent="0">
+              <a:buNone/>
+            </a:pPr>
+            <a:r>
+              <a:rPr lang="nl-NL" sz="2000" noProof="0" dirty="0"/>
+              <a:t>Afhandeling zoals een standaard foutmelding van Python.</a:t>
+            </a:r>
+          </a:p>
+          <a:p>
+            <a:pPr marL="0" indent="0">
+              <a:buNone/>
+            </a:pPr>
+            <a:endParaRPr lang="nl-NL" sz="2000" dirty="0"/>
+          </a:p>
+          <a:p>
+            <a:pPr marL="0" indent="0">
+              <a:buNone/>
+            </a:pPr>
+            <a:endParaRPr lang="nl-NL" sz="2000" noProof="0" dirty="0"/>
+          </a:p>
+          <a:p>
+            <a:pPr marL="0" indent="0">
+              <a:buNone/>
+            </a:pPr>
+            <a:endParaRPr lang="nl-NL" sz="2000" dirty="0"/>
+          </a:p>
+          <a:p>
+            <a:pPr marL="0" indent="0">
+              <a:buNone/>
+            </a:pPr>
+            <a:endParaRPr lang="nl-NL" sz="2000" noProof="0" dirty="0"/>
+          </a:p>
+        </p:txBody>
+      </p:sp>
+      <p:cxnSp>
+        <p:nvCxnSpPr>
+          <p:cNvPr id="6" name="Straight Connector 5">
+            <a:extLst>
+              <a:ext uri="{FF2B5EF4-FFF2-40B4-BE49-F238E27FC236}">
+                <a16:creationId xmlns:a16="http://schemas.microsoft.com/office/drawing/2014/main" id="{7F162173-AD9E-1ED9-F92B-186066229DD6}"/>
+              </a:ext>
+            </a:extLst>
+          </p:cNvPr>
+          <p:cNvCxnSpPr>
+            <a:cxnSpLocks/>
+          </p:cNvCxnSpPr>
+          <p:nvPr/>
+        </p:nvCxnSpPr>
+        <p:spPr>
+          <a:xfrm>
+            <a:off x="5655733" y="1456267"/>
+            <a:ext cx="0" cy="4809066"/>
+          </a:xfrm>
+          <a:prstGeom prst="line">
+            <a:avLst/>
+          </a:prstGeom>
+        </p:spPr>
+        <p:style>
+          <a:lnRef idx="3">
+            <a:schemeClr val="dk1"/>
+          </a:lnRef>
+          <a:fillRef idx="0">
+            <a:schemeClr val="dk1"/>
+          </a:fillRef>
+          <a:effectRef idx="2">
+            <a:schemeClr val="dk1"/>
+          </a:effectRef>
+          <a:fontRef idx="minor">
+            <a:schemeClr val="tx1"/>
+          </a:fontRef>
+        </p:style>
+      </p:cxnSp>
+      <p:sp>
+        <p:nvSpPr>
+          <p:cNvPr id="4" name="Content Placeholder 2">
+            <a:extLst>
+              <a:ext uri="{FF2B5EF4-FFF2-40B4-BE49-F238E27FC236}">
+                <a16:creationId xmlns:a16="http://schemas.microsoft.com/office/drawing/2014/main" id="{55A68BA1-1C81-749D-5CC8-F3CF85C4B902}"/>
+              </a:ext>
+            </a:extLst>
+          </p:cNvPr>
+          <p:cNvSpPr txBox="1">
+            <a:spLocks/>
+          </p:cNvSpPr>
+          <p:nvPr/>
+        </p:nvSpPr>
+        <p:spPr>
+          <a:xfrm>
+            <a:off x="6095999" y="1456267"/>
+            <a:ext cx="5063067" cy="4720696"/>
+          </a:xfrm>
+          <a:prstGeom prst="rect">
+            <a:avLst/>
+          </a:prstGeom>
+        </p:spPr>
+        <p:txBody>
+          <a:bodyPr vert="horz" lIns="91440" tIns="45720" rIns="91440" bIns="45720" rtlCol="0">
+            <a:normAutofit/>
+          </a:bodyPr>
+          <a:lstStyle>
+            <a:lvl1pPr marL="228600" indent="-228600" algn="l" defTabSz="914400" rtl="0" eaLnBrk="1" latinLnBrk="0" hangingPunct="1">
+              <a:lnSpc>
+                <a:spcPct val="90000"/>
+              </a:lnSpc>
+              <a:spcBef>
+                <a:spcPts val="1000"/>
+              </a:spcBef>
+              <a:buFont typeface="Arial" panose="020B0604020202020204" pitchFamily="34" charset="0"/>
+              <a:buChar char="•"/>
+              <a:defRPr sz="2800" kern="1200">
+                <a:solidFill>
+                  <a:schemeClr val="tx1"/>
+                </a:solidFill>
+                <a:latin typeface="+mn-lt"/>
+                <a:ea typeface="+mn-ea"/>
+                <a:cs typeface="+mn-cs"/>
+              </a:defRPr>
+            </a:lvl1pPr>
+            <a:lvl2pPr marL="685800" indent="-228600" algn="l" defTabSz="914400" rtl="0" eaLnBrk="1" latinLnBrk="0" hangingPunct="1">
+              <a:lnSpc>
+                <a:spcPct val="90000"/>
+              </a:lnSpc>
+              <a:spcBef>
+                <a:spcPts val="500"/>
+              </a:spcBef>
+              <a:buFont typeface="Arial" panose="020B0604020202020204" pitchFamily="34" charset="0"/>
+              <a:buChar char="•"/>
+              <a:defRPr sz="2400" kern="1200">
+                <a:solidFill>
+                  <a:schemeClr val="tx1"/>
+                </a:solidFill>
+                <a:latin typeface="+mn-lt"/>
+                <a:ea typeface="+mn-ea"/>
+                <a:cs typeface="+mn-cs"/>
+              </a:defRPr>
+            </a:lvl2pPr>
+            <a:lvl3pPr marL="1143000" indent="-228600" algn="l" defTabSz="914400" rtl="0" eaLnBrk="1" latinLnBrk="0" hangingPunct="1">
+              <a:lnSpc>
+                <a:spcPct val="90000"/>
+              </a:lnSpc>
+              <a:spcBef>
+                <a:spcPts val="500"/>
+              </a:spcBef>
+              <a:buFont typeface="Arial" panose="020B0604020202020204" pitchFamily="34" charset="0"/>
+              <a:buChar char="•"/>
+              <a:defRPr sz="2000" kern="1200">
+                <a:solidFill>
+                  <a:schemeClr val="tx1"/>
+                </a:solidFill>
+                <a:latin typeface="+mn-lt"/>
+                <a:ea typeface="+mn-ea"/>
+                <a:cs typeface="+mn-cs"/>
+              </a:defRPr>
+            </a:lvl3pPr>
+            <a:lvl4pPr marL="1600200" indent="-228600" algn="l" defTabSz="914400" rtl="0" eaLnBrk="1" latinLnBrk="0" hangingPunct="1">
+              <a:lnSpc>
+                <a:spcPct val="90000"/>
+              </a:lnSpc>
+              <a:spcBef>
+                <a:spcPts val="500"/>
+              </a:spcBef>
+              <a:buFont typeface="Arial" panose="020B0604020202020204" pitchFamily="34" charset="0"/>
+              <a:buChar char="•"/>
+              <a:defRPr sz="1800" kern="1200">
+                <a:solidFill>
+                  <a:schemeClr val="tx1"/>
+                </a:solidFill>
+                <a:latin typeface="+mn-lt"/>
+                <a:ea typeface="+mn-ea"/>
+                <a:cs typeface="+mn-cs"/>
+              </a:defRPr>
+            </a:lvl4pPr>
+            <a:lvl5pPr marL="2057400" indent="-228600" algn="l" defTabSz="914400" rtl="0" eaLnBrk="1" latinLnBrk="0" hangingPunct="1">
+              <a:lnSpc>
+                <a:spcPct val="90000"/>
+              </a:lnSpc>
+              <a:spcBef>
+                <a:spcPts val="500"/>
+              </a:spcBef>
+              <a:buFont typeface="Arial" panose="020B0604020202020204" pitchFamily="34" charset="0"/>
+              <a:buChar char="•"/>
+              <a:defRPr sz="1800" kern="1200">
+                <a:solidFill>
+                  <a:schemeClr val="tx1"/>
+                </a:solidFill>
+                <a:latin typeface="+mn-lt"/>
+                <a:ea typeface="+mn-ea"/>
+                <a:cs typeface="+mn-cs"/>
+              </a:defRPr>
+            </a:lvl5pPr>
+            <a:lvl6pPr marL="2514600" indent="-228600" algn="l" defTabSz="914400" rtl="0" eaLnBrk="1" latinLnBrk="0" hangingPunct="1">
+              <a:lnSpc>
+                <a:spcPct val="90000"/>
+              </a:lnSpc>
+              <a:spcBef>
+                <a:spcPts val="500"/>
+              </a:spcBef>
+              <a:buFont typeface="Arial" panose="020B0604020202020204" pitchFamily="34" charset="0"/>
+              <a:buChar char="•"/>
+              <a:defRPr sz="1800" kern="1200">
+                <a:solidFill>
+                  <a:schemeClr val="tx1"/>
+                </a:solidFill>
+                <a:latin typeface="+mn-lt"/>
+                <a:ea typeface="+mn-ea"/>
+                <a:cs typeface="+mn-cs"/>
+              </a:defRPr>
+            </a:lvl6pPr>
+            <a:lvl7pPr marL="2971800" indent="-228600" algn="l" defTabSz="914400" rtl="0" eaLnBrk="1" latinLnBrk="0" hangingPunct="1">
+              <a:lnSpc>
+                <a:spcPct val="90000"/>
+              </a:lnSpc>
+              <a:spcBef>
+                <a:spcPts val="500"/>
+              </a:spcBef>
+              <a:buFont typeface="Arial" panose="020B0604020202020204" pitchFamily="34" charset="0"/>
+              <a:buChar char="•"/>
+              <a:defRPr sz="1800" kern="1200">
+                <a:solidFill>
+                  <a:schemeClr val="tx1"/>
+                </a:solidFill>
+                <a:latin typeface="+mn-lt"/>
+                <a:ea typeface="+mn-ea"/>
+                <a:cs typeface="+mn-cs"/>
+              </a:defRPr>
+            </a:lvl7pPr>
+            <a:lvl8pPr marL="3429000" indent="-228600" algn="l" defTabSz="914400" rtl="0" eaLnBrk="1" latinLnBrk="0" hangingPunct="1">
+              <a:lnSpc>
+                <a:spcPct val="90000"/>
+              </a:lnSpc>
+              <a:spcBef>
+                <a:spcPts val="500"/>
+              </a:spcBef>
+              <a:buFont typeface="Arial" panose="020B0604020202020204" pitchFamily="34" charset="0"/>
+              <a:buChar char="•"/>
+              <a:defRPr sz="1800" kern="1200">
+                <a:solidFill>
+                  <a:schemeClr val="tx1"/>
+                </a:solidFill>
+                <a:latin typeface="+mn-lt"/>
+                <a:ea typeface="+mn-ea"/>
+                <a:cs typeface="+mn-cs"/>
+              </a:defRPr>
+            </a:lvl8pPr>
+            <a:lvl9pPr marL="3886200" indent="-228600" algn="l" defTabSz="914400" rtl="0" eaLnBrk="1" latinLnBrk="0" hangingPunct="1">
+              <a:lnSpc>
+                <a:spcPct val="90000"/>
+              </a:lnSpc>
+              <a:spcBef>
+                <a:spcPts val="500"/>
+              </a:spcBef>
+              <a:buFont typeface="Arial" panose="020B0604020202020204" pitchFamily="34" charset="0"/>
+              <a:buChar char="•"/>
+              <a:defRPr sz="1800" kern="1200">
+                <a:solidFill>
+                  <a:schemeClr val="tx1"/>
+                </a:solidFill>
+                <a:latin typeface="+mn-lt"/>
+                <a:ea typeface="+mn-ea"/>
+                <a:cs typeface="+mn-cs"/>
+              </a:defRPr>
+            </a:lvl9pPr>
+          </a:lstStyle>
+          <a:p>
+            <a:pPr marL="0" indent="0">
+              <a:buFont typeface="Arial" panose="020B0604020202020204" pitchFamily="34" charset="0"/>
+              <a:buNone/>
+            </a:pPr>
+            <a:r>
+              <a:rPr lang="nl-NL" sz="1600" b="1" dirty="0" err="1">
+                <a:latin typeface="Courier New" panose="02070309020205020404" pitchFamily="49" charset="0"/>
+                <a:cs typeface="Courier New" panose="02070309020205020404" pitchFamily="49" charset="0"/>
+              </a:rPr>
+              <a:t>if</a:t>
+            </a:r>
+            <a:r>
+              <a:rPr lang="nl-NL" sz="1600" b="1" dirty="0">
+                <a:latin typeface="Courier New" panose="02070309020205020404" pitchFamily="49" charset="0"/>
+                <a:cs typeface="Courier New" panose="02070309020205020404" pitchFamily="49" charset="0"/>
+              </a:rPr>
+              <a:t> </a:t>
+            </a:r>
+            <a:r>
+              <a:rPr lang="nl-NL" sz="1600" b="1" dirty="0" err="1">
+                <a:latin typeface="Courier New" panose="02070309020205020404" pitchFamily="49" charset="0"/>
+                <a:cs typeface="Courier New" panose="02070309020205020404" pitchFamily="49" charset="0"/>
+              </a:rPr>
+              <a:t>not</a:t>
+            </a:r>
+            <a:r>
+              <a:rPr lang="nl-NL" sz="1600" b="1" dirty="0">
+                <a:latin typeface="Courier New" panose="02070309020205020404" pitchFamily="49" charset="0"/>
+                <a:cs typeface="Courier New" panose="02070309020205020404" pitchFamily="49" charset="0"/>
+              </a:rPr>
+              <a:t> 0 &lt; </a:t>
+            </a:r>
+            <a:r>
+              <a:rPr lang="nl-NL" sz="1600" b="1" dirty="0" err="1">
+                <a:latin typeface="Courier New" panose="02070309020205020404" pitchFamily="49" charset="0"/>
+                <a:cs typeface="Courier New" panose="02070309020205020404" pitchFamily="49" charset="0"/>
+              </a:rPr>
+              <a:t>age</a:t>
+            </a:r>
+            <a:r>
+              <a:rPr lang="nl-NL" sz="1600" b="1" dirty="0">
+                <a:latin typeface="Courier New" panose="02070309020205020404" pitchFamily="49" charset="0"/>
+                <a:cs typeface="Courier New" panose="02070309020205020404" pitchFamily="49" charset="0"/>
+              </a:rPr>
+              <a:t> &lt; 110:</a:t>
+            </a:r>
+          </a:p>
+          <a:p>
+            <a:pPr marL="0" indent="0">
+              <a:buFont typeface="Arial" panose="020B0604020202020204" pitchFamily="34" charset="0"/>
+              <a:buNone/>
+            </a:pPr>
+            <a:r>
+              <a:rPr lang="nl-NL" sz="1600" dirty="0">
+                <a:latin typeface="Courier New" panose="02070309020205020404" pitchFamily="49" charset="0"/>
+                <a:cs typeface="Courier New" panose="02070309020205020404" pitchFamily="49" charset="0"/>
+              </a:rPr>
+              <a:t>  </a:t>
+            </a:r>
+          </a:p>
+          <a:p>
+            <a:pPr marL="0" indent="0">
+              <a:buFont typeface="Arial" panose="020B0604020202020204" pitchFamily="34" charset="0"/>
+              <a:buNone/>
+            </a:pPr>
+            <a:r>
+              <a:rPr lang="nl-NL" sz="1600" b="1" dirty="0">
+                <a:latin typeface="Courier New" panose="02070309020205020404" pitchFamily="49" charset="0"/>
+                <a:cs typeface="Courier New" panose="02070309020205020404" pitchFamily="49" charset="0"/>
+              </a:rPr>
+              <a:t>  </a:t>
+            </a:r>
+            <a:r>
+              <a:rPr lang="nl-NL" sz="1600" b="1" dirty="0" err="1">
+                <a:latin typeface="Courier New" panose="02070309020205020404" pitchFamily="49" charset="0"/>
+                <a:cs typeface="Courier New" panose="02070309020205020404" pitchFamily="49" charset="0"/>
+              </a:rPr>
+              <a:t>raise</a:t>
+            </a:r>
+            <a:r>
+              <a:rPr lang="nl-NL" sz="1600" b="1" dirty="0">
+                <a:latin typeface="Courier New" panose="02070309020205020404" pitchFamily="49" charset="0"/>
+                <a:cs typeface="Courier New" panose="02070309020205020404" pitchFamily="49" charset="0"/>
+              </a:rPr>
+              <a:t> </a:t>
+            </a:r>
+            <a:r>
+              <a:rPr lang="nl-NL" sz="1600" b="1" dirty="0" err="1">
+                <a:latin typeface="Courier New" panose="02070309020205020404" pitchFamily="49" charset="0"/>
+                <a:cs typeface="Courier New" panose="02070309020205020404" pitchFamily="49" charset="0"/>
+              </a:rPr>
+              <a:t>ValueError</a:t>
+            </a:r>
+            <a:r>
+              <a:rPr lang="nl-NL" sz="1600" dirty="0">
+                <a:latin typeface="Courier New" panose="02070309020205020404" pitchFamily="49" charset="0"/>
+                <a:cs typeface="Courier New" panose="02070309020205020404" pitchFamily="49" charset="0"/>
+              </a:rPr>
+              <a:t>(</a:t>
+            </a:r>
+          </a:p>
+          <a:p>
+            <a:pPr marL="0" indent="0">
+              <a:buFont typeface="Arial" panose="020B0604020202020204" pitchFamily="34" charset="0"/>
+              <a:buNone/>
+            </a:pPr>
+            <a:r>
+              <a:rPr lang="nl-NL" sz="1600" dirty="0">
+                <a:latin typeface="Courier New" panose="02070309020205020404" pitchFamily="49" charset="0"/>
+                <a:cs typeface="Courier New" panose="02070309020205020404" pitchFamily="49" charset="0"/>
+              </a:rPr>
+              <a:t>    </a:t>
+            </a:r>
+            <a:r>
+              <a:rPr lang="nl-NL" sz="1600" dirty="0" err="1">
+                <a:latin typeface="Courier New" panose="02070309020205020404" pitchFamily="49" charset="0"/>
+                <a:cs typeface="Courier New" panose="02070309020205020404" pitchFamily="49" charset="0"/>
+              </a:rPr>
+              <a:t>f</a:t>
+            </a:r>
+            <a:r>
+              <a:rPr lang="nl-NL" sz="1600" dirty="0" err="1">
+                <a:solidFill>
+                  <a:schemeClr val="accent2">
+                    <a:lumMod val="75000"/>
+                  </a:schemeClr>
+                </a:solidFill>
+                <a:latin typeface="Courier New" panose="02070309020205020404" pitchFamily="49" charset="0"/>
+                <a:cs typeface="Courier New" panose="02070309020205020404" pitchFamily="49" charset="0"/>
+              </a:rPr>
+              <a:t>"Age</a:t>
+            </a:r>
+            <a:r>
+              <a:rPr lang="nl-NL" sz="1600" dirty="0">
+                <a:solidFill>
+                  <a:schemeClr val="accent2">
+                    <a:lumMod val="75000"/>
+                  </a:schemeClr>
+                </a:solidFill>
+                <a:latin typeface="Courier New" panose="02070309020205020404" pitchFamily="49" charset="0"/>
+                <a:cs typeface="Courier New" panose="02070309020205020404" pitchFamily="49" charset="0"/>
+              </a:rPr>
+              <a:t> </a:t>
+            </a:r>
+            <a:r>
+              <a:rPr lang="nl-NL" sz="1600" dirty="0">
+                <a:latin typeface="Courier New" panose="02070309020205020404" pitchFamily="49" charset="0"/>
+                <a:cs typeface="Courier New" panose="02070309020205020404" pitchFamily="49" charset="0"/>
+              </a:rPr>
+              <a:t>{</a:t>
+            </a:r>
+            <a:r>
+              <a:rPr lang="nl-NL" sz="1600" dirty="0" err="1">
+                <a:latin typeface="Courier New" panose="02070309020205020404" pitchFamily="49" charset="0"/>
+                <a:cs typeface="Courier New" panose="02070309020205020404" pitchFamily="49" charset="0"/>
+              </a:rPr>
+              <a:t>age</a:t>
+            </a:r>
+            <a:r>
+              <a:rPr lang="nl-NL" sz="1600" dirty="0">
+                <a:latin typeface="Courier New" panose="02070309020205020404" pitchFamily="49" charset="0"/>
+                <a:cs typeface="Courier New" panose="02070309020205020404" pitchFamily="49" charset="0"/>
+              </a:rPr>
+              <a:t>}</a:t>
+            </a:r>
+            <a:r>
+              <a:rPr lang="nl-NL" sz="1600" dirty="0">
+                <a:solidFill>
+                  <a:schemeClr val="accent2">
+                    <a:lumMod val="75000"/>
+                  </a:schemeClr>
+                </a:solidFill>
+                <a:latin typeface="Courier New" panose="02070309020205020404" pitchFamily="49" charset="0"/>
+                <a:cs typeface="Courier New" panose="02070309020205020404" pitchFamily="49" charset="0"/>
+              </a:rPr>
+              <a:t> is </a:t>
+            </a:r>
+            <a:r>
+              <a:rPr lang="nl-NL" sz="1600" dirty="0" err="1">
+                <a:solidFill>
+                  <a:schemeClr val="accent2">
+                    <a:lumMod val="75000"/>
+                  </a:schemeClr>
+                </a:solidFill>
+                <a:latin typeface="Courier New" panose="02070309020205020404" pitchFamily="49" charset="0"/>
+                <a:cs typeface="Courier New" panose="02070309020205020404" pitchFamily="49" charset="0"/>
+              </a:rPr>
+              <a:t>outside</a:t>
+            </a:r>
+            <a:r>
+              <a:rPr lang="nl-NL" sz="1600" dirty="0">
+                <a:solidFill>
+                  <a:schemeClr val="accent2">
+                    <a:lumMod val="75000"/>
+                  </a:schemeClr>
+                </a:solidFill>
+                <a:latin typeface="Courier New" panose="02070309020205020404" pitchFamily="49" charset="0"/>
+                <a:cs typeface="Courier New" panose="02070309020205020404" pitchFamily="49" charset="0"/>
+              </a:rPr>
+              <a:t> "</a:t>
+            </a:r>
+          </a:p>
+          <a:p>
+            <a:pPr marL="0" indent="0">
+              <a:buFont typeface="Arial" panose="020B0604020202020204" pitchFamily="34" charset="0"/>
+              <a:buNone/>
+            </a:pPr>
+            <a:r>
+              <a:rPr lang="nl-NL" sz="1600" dirty="0">
+                <a:solidFill>
+                  <a:schemeClr val="accent2">
+                    <a:lumMod val="75000"/>
+                  </a:schemeClr>
+                </a:solidFill>
+                <a:latin typeface="Courier New" panose="02070309020205020404" pitchFamily="49" charset="0"/>
+                <a:cs typeface="Courier New" panose="02070309020205020404" pitchFamily="49" charset="0"/>
+              </a:rPr>
+              <a:t>    "</a:t>
+            </a:r>
+            <a:r>
+              <a:rPr lang="nl-NL" sz="1600" dirty="0" err="1">
+                <a:solidFill>
+                  <a:schemeClr val="accent2">
+                    <a:lumMod val="75000"/>
+                  </a:schemeClr>
+                </a:solidFill>
+                <a:latin typeface="Courier New" panose="02070309020205020404" pitchFamily="49" charset="0"/>
+                <a:cs typeface="Courier New" panose="02070309020205020404" pitchFamily="49" charset="0"/>
+              </a:rPr>
+              <a:t>valid</a:t>
+            </a:r>
+            <a:r>
+              <a:rPr lang="nl-NL" sz="1600" dirty="0">
+                <a:solidFill>
+                  <a:schemeClr val="accent2">
+                    <a:lumMod val="75000"/>
+                  </a:schemeClr>
+                </a:solidFill>
+                <a:latin typeface="Courier New" panose="02070309020205020404" pitchFamily="49" charset="0"/>
+                <a:cs typeface="Courier New" panose="02070309020205020404" pitchFamily="49" charset="0"/>
+              </a:rPr>
+              <a:t> range (0 – 110)."</a:t>
+            </a:r>
+          </a:p>
+          <a:p>
+            <a:pPr marL="0" indent="0">
+              <a:buFont typeface="Arial" panose="020B0604020202020204" pitchFamily="34" charset="0"/>
+              <a:buNone/>
+            </a:pPr>
+            <a:r>
+              <a:rPr lang="nl-NL" sz="1600" dirty="0">
+                <a:latin typeface="Courier New" panose="02070309020205020404" pitchFamily="49" charset="0"/>
+                <a:cs typeface="Courier New" panose="02070309020205020404" pitchFamily="49" charset="0"/>
+              </a:rPr>
+              <a:t>  )</a:t>
+            </a:r>
+          </a:p>
+        </p:txBody>
+      </p:sp>
+    </p:spTree>
+    <p:extLst>
+      <p:ext uri="{BB962C8B-B14F-4D97-AF65-F5344CB8AC3E}">
+        <p14:creationId xmlns:p14="http://schemas.microsoft.com/office/powerpoint/2010/main" val="1323158799"/>
+      </p:ext>
+    </p:extLst>
+  </p:cSld>
+  <p:clrMapOvr>
+    <a:masterClrMapping/>
+  </p:clrMapOvr>
+</p:sld>
+</file>
+
+<file path=ppt/slides/slide43.xml><?xml version="1.0" encoding="utf-8"?>
+<p:sld xmlns:a="http://schemas.openxmlformats.org/drawingml/2006/main" xmlns:r="http://schemas.openxmlformats.org/officeDocument/2006/relationships" xmlns:p="http://schemas.openxmlformats.org/presentationml/2006/main">
+  <p:cSld>
+    <p:spTree>
+      <p:nvGrpSpPr>
+        <p:cNvPr id="1" name=""/>
+        <p:cNvGrpSpPr/>
+        <p:nvPr/>
+      </p:nvGrpSpPr>
+      <p:grpSpPr>
+        <a:xfrm>
+          <a:off x="0" y="0"/>
+          <a:ext cx="0" cy="0"/>
+          <a:chOff x="0" y="0"/>
+          <a:chExt cx="0" cy="0"/>
+        </a:xfrm>
+      </p:grpSpPr>
+      <p:sp>
+        <p:nvSpPr>
+          <p:cNvPr id="2" name="Title 1">
+            <a:extLst>
+              <a:ext uri="{FF2B5EF4-FFF2-40B4-BE49-F238E27FC236}">
+                <a16:creationId xmlns:a16="http://schemas.microsoft.com/office/drawing/2014/main" id="{39A1D606-8DD1-369C-5C09-471CDD551AD5}"/>
+              </a:ext>
+            </a:extLst>
+          </p:cNvPr>
+          <p:cNvSpPr>
+            <a:spLocks noGrp="1"/>
+          </p:cNvSpPr>
+          <p:nvPr>
+            <p:ph type="title"/>
+          </p:nvPr>
+        </p:nvSpPr>
+        <p:spPr>
+          <a:xfrm>
+            <a:off x="838200" y="365126"/>
+            <a:ext cx="10515600" cy="718608"/>
+          </a:xfrm>
+        </p:spPr>
+        <p:txBody>
+          <a:bodyPr>
+            <a:normAutofit/>
+          </a:bodyPr>
+          <a:lstStyle/>
+          <a:p>
+            <a:r>
+              <a:rPr lang="nl-NL" sz="3600" noProof="0" dirty="0"/>
               <a:t>Oefeningen III</a:t>
             </a:r>
           </a:p>
@@ -26955,7 +28445,7 @@
 </p:sld>
 </file>
 
-<file path=ppt/slides/slide43.xml><?xml version="1.0" encoding="utf-8"?>
+<file path=ppt/slides/slide44.xml><?xml version="1.0" encoding="utf-8"?>
 <p:sld xmlns:a="http://schemas.openxmlformats.org/drawingml/2006/main" xmlns:r="http://schemas.openxmlformats.org/officeDocument/2006/relationships" xmlns:p="http://schemas.openxmlformats.org/presentationml/2006/main">
   <p:cSld>
     <p:spTree>
@@ -27038,7 +28528,7 @@
 </p:sld>
 </file>
 
-<file path=ppt/slides/slide44.xml><?xml version="1.0" encoding="utf-8"?>
+<file path=ppt/slides/slide45.xml><?xml version="1.0" encoding="utf-8"?>
 <p:sld xmlns:a="http://schemas.openxmlformats.org/drawingml/2006/main" xmlns:r="http://schemas.openxmlformats.org/officeDocument/2006/relationships" xmlns:p="http://schemas.openxmlformats.org/presentationml/2006/main">
   <p:cSld>
     <p:spTree>
@@ -27840,7 +29330,7 @@
 </p:sld>
 </file>
 
-<file path=ppt/slides/slide45.xml><?xml version="1.0" encoding="utf-8"?>
+<file path=ppt/slides/slide46.xml><?xml version="1.0" encoding="utf-8"?>
 <p:sld xmlns:a="http://schemas.openxmlformats.org/drawingml/2006/main" xmlns:r="http://schemas.openxmlformats.org/officeDocument/2006/relationships" xmlns:p="http://schemas.openxmlformats.org/presentationml/2006/main">
   <p:cSld>
     <p:spTree>
@@ -28018,7 +29508,7 @@
 </p:sld>
 </file>
 
-<file path=ppt/slides/slide46.xml><?xml version="1.0" encoding="utf-8"?>
+<file path=ppt/slides/slide47.xml><?xml version="1.0" encoding="utf-8"?>
 <p:sld xmlns:a="http://schemas.openxmlformats.org/drawingml/2006/main" xmlns:r="http://schemas.openxmlformats.org/officeDocument/2006/relationships" xmlns:p="http://schemas.openxmlformats.org/presentationml/2006/main">
   <p:cSld>
     <p:spTree>
@@ -28493,7 +29983,7 @@
 </p:sld>
 </file>
 
-<file path=ppt/slides/slide47.xml><?xml version="1.0" encoding="utf-8"?>
+<file path=ppt/slides/slide48.xml><?xml version="1.0" encoding="utf-8"?>
 <p:sld xmlns:a="http://schemas.openxmlformats.org/drawingml/2006/main" xmlns:r="http://schemas.openxmlformats.org/officeDocument/2006/relationships" xmlns:p="http://schemas.openxmlformats.org/presentationml/2006/main">
   <p:cSld>
     <p:spTree>
@@ -29004,7 +30494,7 @@
 </p:sld>
 </file>
 
-<file path=ppt/slides/slide48.xml><?xml version="1.0" encoding="utf-8"?>
+<file path=ppt/slides/slide49.xml><?xml version="1.0" encoding="utf-8"?>
 <p:sld xmlns:a="http://schemas.openxmlformats.org/drawingml/2006/main" xmlns:r="http://schemas.openxmlformats.org/officeDocument/2006/relationships" xmlns:p="http://schemas.openxmlformats.org/presentationml/2006/main">
   <p:cSld>
     <p:spTree>
@@ -29580,219 +31070,6 @@
     <p:extLst>
       <p:ext uri="{BB962C8B-B14F-4D97-AF65-F5344CB8AC3E}">
         <p14:creationId xmlns:p14="http://schemas.microsoft.com/office/powerpoint/2010/main" val="140553053"/>
-      </p:ext>
-    </p:extLst>
-  </p:cSld>
-  <p:clrMapOvr>
-    <a:masterClrMapping/>
-  </p:clrMapOvr>
-</p:sld>
-</file>
-
-<file path=ppt/slides/slide49.xml><?xml version="1.0" encoding="utf-8"?>
-<p:sld xmlns:a="http://schemas.openxmlformats.org/drawingml/2006/main" xmlns:r="http://schemas.openxmlformats.org/officeDocument/2006/relationships" xmlns:p="http://schemas.openxmlformats.org/presentationml/2006/main">
-  <p:cSld>
-    <p:spTree>
-      <p:nvGrpSpPr>
-        <p:cNvPr id="1" name=""/>
-        <p:cNvGrpSpPr/>
-        <p:nvPr/>
-      </p:nvGrpSpPr>
-      <p:grpSpPr>
-        <a:xfrm>
-          <a:off x="0" y="0"/>
-          <a:ext cx="0" cy="0"/>
-          <a:chOff x="0" y="0"/>
-          <a:chExt cx="0" cy="0"/>
-        </a:xfrm>
-      </p:grpSpPr>
-      <p:sp>
-        <p:nvSpPr>
-          <p:cNvPr id="2" name="Title 1">
-            <a:extLst>
-              <a:ext uri="{FF2B5EF4-FFF2-40B4-BE49-F238E27FC236}">
-                <a16:creationId xmlns:a16="http://schemas.microsoft.com/office/drawing/2014/main" id="{39A1D606-8DD1-369C-5C09-471CDD551AD5}"/>
-              </a:ext>
-            </a:extLst>
-          </p:cNvPr>
-          <p:cNvSpPr>
-            <a:spLocks noGrp="1"/>
-          </p:cNvSpPr>
-          <p:nvPr>
-            <p:ph type="title"/>
-          </p:nvPr>
-        </p:nvSpPr>
-        <p:spPr>
-          <a:xfrm>
-            <a:off x="838200" y="365126"/>
-            <a:ext cx="10515600" cy="718608"/>
-          </a:xfrm>
-        </p:spPr>
-        <p:txBody>
-          <a:bodyPr>
-            <a:normAutofit/>
-          </a:bodyPr>
-          <a:lstStyle/>
-          <a:p>
-            <a:r>
-              <a:rPr lang="nl-NL" sz="3600" noProof="0" dirty="0"/>
-              <a:t>Oefeningen IV</a:t>
-            </a:r>
-          </a:p>
-        </p:txBody>
-      </p:sp>
-      <p:sp>
-        <p:nvSpPr>
-          <p:cNvPr id="3" name="Content Placeholder 2">
-            <a:extLst>
-              <a:ext uri="{FF2B5EF4-FFF2-40B4-BE49-F238E27FC236}">
-                <a16:creationId xmlns:a16="http://schemas.microsoft.com/office/drawing/2014/main" id="{F4C2D286-E049-0AAB-1360-B7157E11AD7E}"/>
-              </a:ext>
-            </a:extLst>
-          </p:cNvPr>
-          <p:cNvSpPr>
-            <a:spLocks noGrp="1"/>
-          </p:cNvSpPr>
-          <p:nvPr>
-            <p:ph idx="1"/>
-          </p:nvPr>
-        </p:nvSpPr>
-        <p:spPr>
-          <a:xfrm>
-            <a:off x="838200" y="1456267"/>
-            <a:ext cx="10375900" cy="4720696"/>
-          </a:xfrm>
-        </p:spPr>
-        <p:txBody>
-          <a:bodyPr>
-            <a:normAutofit/>
-          </a:bodyPr>
-          <a:lstStyle/>
-          <a:p>
-            <a:pPr marL="457200" indent="-457200">
-              <a:buFont typeface="Arial" panose="020B0604020202020204" pitchFamily="34" charset="0"/>
-              <a:buAutoNum type="arabicPeriod"/>
-            </a:pPr>
-            <a:r>
-              <a:rPr lang="nl-NL" sz="2000" dirty="0"/>
-              <a:t>Open het bestand: </a:t>
-            </a:r>
-            <a:r>
-              <a:rPr lang="nl-NL" sz="2000" dirty="0">
-                <a:latin typeface="Courier New" panose="02070309020205020404" pitchFamily="49" charset="0"/>
-                <a:cs typeface="Courier New" panose="02070309020205020404" pitchFamily="49" charset="0"/>
-              </a:rPr>
-              <a:t>exercises/4_testing_basic/test_utils.py</a:t>
-            </a:r>
-          </a:p>
-          <a:p>
-            <a:pPr marL="457200" indent="-457200">
-              <a:buFont typeface="Arial" panose="020B0604020202020204" pitchFamily="34" charset="0"/>
-              <a:buAutoNum type="arabicPeriod"/>
-            </a:pPr>
-            <a:endParaRPr lang="nl-NL" sz="2000" noProof="0" dirty="0"/>
-          </a:p>
-          <a:p>
-            <a:pPr marL="457200" indent="-457200">
-              <a:buFont typeface="Arial" panose="020B0604020202020204" pitchFamily="34" charset="0"/>
-              <a:buAutoNum type="arabicPeriod"/>
-            </a:pPr>
-            <a:r>
-              <a:rPr lang="nl-NL" sz="2000" dirty="0"/>
-              <a:t>Schrijf unit tests voor de </a:t>
-            </a:r>
-            <a:r>
-              <a:rPr lang="nl-NL" sz="2000" dirty="0" err="1">
-                <a:latin typeface="Courier New" panose="02070309020205020404" pitchFamily="49" charset="0"/>
-                <a:cs typeface="Courier New" panose="02070309020205020404" pitchFamily="49" charset="0"/>
-              </a:rPr>
-              <a:t>mean</a:t>
-            </a:r>
-            <a:r>
-              <a:rPr lang="nl-NL" sz="2000" dirty="0">
-                <a:cs typeface="Courier New" panose="02070309020205020404" pitchFamily="49" charset="0"/>
-              </a:rPr>
-              <a:t> </a:t>
-            </a:r>
-            <a:r>
-              <a:rPr lang="nl-NL" sz="2000" dirty="0"/>
-              <a:t>functie:</a:t>
-            </a:r>
-          </a:p>
-          <a:p>
-            <a:pPr marL="457200" indent="-457200">
-              <a:buFont typeface="Arial" panose="020B0604020202020204" pitchFamily="34" charset="0"/>
-              <a:buAutoNum type="arabicPeriod"/>
-            </a:pPr>
-            <a:endParaRPr lang="nl-NL" sz="2000" dirty="0"/>
-          </a:p>
-          <a:p>
-            <a:pPr lvl="1"/>
-            <a:r>
-              <a:rPr lang="nl-NL" sz="2000" dirty="0"/>
-              <a:t>Welke scenario's zou je willen testen?</a:t>
-            </a:r>
-          </a:p>
-          <a:p>
-            <a:pPr lvl="1"/>
-            <a:r>
-              <a:rPr lang="nl-NL" sz="2000" dirty="0"/>
-              <a:t>Hoe kun je de foutmeldingen testen?</a:t>
-            </a:r>
-          </a:p>
-          <a:p>
-            <a:pPr marL="457200" indent="-457200">
-              <a:buFont typeface="Arial" panose="020B0604020202020204" pitchFamily="34" charset="0"/>
-              <a:buAutoNum type="arabicPeriod"/>
-            </a:pPr>
-            <a:endParaRPr lang="nl-NL" sz="2000" noProof="0" dirty="0"/>
-          </a:p>
-          <a:p>
-            <a:pPr marL="457200" indent="-457200">
-              <a:buFont typeface="Arial" panose="020B0604020202020204" pitchFamily="34" charset="0"/>
-              <a:buAutoNum type="arabicPeriod"/>
-            </a:pPr>
-            <a:r>
-              <a:rPr lang="nl-NL" sz="2000" noProof="0" dirty="0"/>
-              <a:t>Schrijf unit tests voor de </a:t>
-            </a:r>
-            <a:r>
-              <a:rPr lang="nl-NL" sz="2000" noProof="0" dirty="0" err="1">
-                <a:latin typeface="Courier New" panose="02070309020205020404" pitchFamily="49" charset="0"/>
-                <a:cs typeface="Courier New" panose="02070309020205020404" pitchFamily="49" charset="0"/>
-              </a:rPr>
-              <a:t>absmean</a:t>
-            </a:r>
-            <a:r>
-              <a:rPr lang="nl-NL" sz="2000" noProof="0" dirty="0"/>
-              <a:t> functie:</a:t>
-            </a:r>
-          </a:p>
-          <a:p>
-            <a:pPr marL="457200" indent="-457200">
-              <a:buFont typeface="Arial" panose="020B0604020202020204" pitchFamily="34" charset="0"/>
-              <a:buAutoNum type="arabicPeriod"/>
-            </a:pPr>
-            <a:endParaRPr lang="nl-NL" sz="2000" noProof="0" dirty="0"/>
-          </a:p>
-          <a:p>
-            <a:pPr lvl="1"/>
-            <a:r>
-              <a:rPr lang="nl-NL" sz="2000" dirty="0"/>
-              <a:t>Welke nieuwe scenario's zou je </a:t>
-            </a:r>
-            <a:r>
-              <a:rPr lang="nl-NL" sz="2000"/>
-              <a:t>willen testen?</a:t>
-            </a:r>
-            <a:endParaRPr lang="nl-NL" sz="2000" dirty="0"/>
-          </a:p>
-        </p:txBody>
-      </p:sp>
-    </p:spTree>
-    <p:extLst>
-      <p:ext uri="{BB962C8B-B14F-4D97-AF65-F5344CB8AC3E}">
-        <p14:creationId xmlns:p14="http://schemas.microsoft.com/office/powerpoint/2010/main" val="2010912532"/>
       </p:ext>
     </p:extLst>
   </p:cSld>
@@ -30437,6 +31714,219 @@
           <p:cNvPr id="2" name="Title 1">
             <a:extLst>
               <a:ext uri="{FF2B5EF4-FFF2-40B4-BE49-F238E27FC236}">
+                <a16:creationId xmlns:a16="http://schemas.microsoft.com/office/drawing/2014/main" id="{39A1D606-8DD1-369C-5C09-471CDD551AD5}"/>
+              </a:ext>
+            </a:extLst>
+          </p:cNvPr>
+          <p:cNvSpPr>
+            <a:spLocks noGrp="1"/>
+          </p:cNvSpPr>
+          <p:nvPr>
+            <p:ph type="title"/>
+          </p:nvPr>
+        </p:nvSpPr>
+        <p:spPr>
+          <a:xfrm>
+            <a:off x="838200" y="365126"/>
+            <a:ext cx="10515600" cy="718608"/>
+          </a:xfrm>
+        </p:spPr>
+        <p:txBody>
+          <a:bodyPr>
+            <a:normAutofit/>
+          </a:bodyPr>
+          <a:lstStyle/>
+          <a:p>
+            <a:r>
+              <a:rPr lang="nl-NL" sz="3600" noProof="0" dirty="0"/>
+              <a:t>Oefeningen IV</a:t>
+            </a:r>
+          </a:p>
+        </p:txBody>
+      </p:sp>
+      <p:sp>
+        <p:nvSpPr>
+          <p:cNvPr id="3" name="Content Placeholder 2">
+            <a:extLst>
+              <a:ext uri="{FF2B5EF4-FFF2-40B4-BE49-F238E27FC236}">
+                <a16:creationId xmlns:a16="http://schemas.microsoft.com/office/drawing/2014/main" id="{F4C2D286-E049-0AAB-1360-B7157E11AD7E}"/>
+              </a:ext>
+            </a:extLst>
+          </p:cNvPr>
+          <p:cNvSpPr>
+            <a:spLocks noGrp="1"/>
+          </p:cNvSpPr>
+          <p:nvPr>
+            <p:ph idx="1"/>
+          </p:nvPr>
+        </p:nvSpPr>
+        <p:spPr>
+          <a:xfrm>
+            <a:off x="838200" y="1456267"/>
+            <a:ext cx="10375900" cy="4720696"/>
+          </a:xfrm>
+        </p:spPr>
+        <p:txBody>
+          <a:bodyPr>
+            <a:normAutofit/>
+          </a:bodyPr>
+          <a:lstStyle/>
+          <a:p>
+            <a:pPr marL="457200" indent="-457200">
+              <a:buFont typeface="Arial" panose="020B0604020202020204" pitchFamily="34" charset="0"/>
+              <a:buAutoNum type="arabicPeriod"/>
+            </a:pPr>
+            <a:r>
+              <a:rPr lang="nl-NL" sz="2000" dirty="0"/>
+              <a:t>Open het bestand: </a:t>
+            </a:r>
+            <a:r>
+              <a:rPr lang="nl-NL" sz="2000" dirty="0">
+                <a:latin typeface="Courier New" panose="02070309020205020404" pitchFamily="49" charset="0"/>
+                <a:cs typeface="Courier New" panose="02070309020205020404" pitchFamily="49" charset="0"/>
+              </a:rPr>
+              <a:t>exercises/4_testing_basic/test_utils.py</a:t>
+            </a:r>
+          </a:p>
+          <a:p>
+            <a:pPr marL="457200" indent="-457200">
+              <a:buFont typeface="Arial" panose="020B0604020202020204" pitchFamily="34" charset="0"/>
+              <a:buAutoNum type="arabicPeriod"/>
+            </a:pPr>
+            <a:endParaRPr lang="nl-NL" sz="2000" noProof="0" dirty="0"/>
+          </a:p>
+          <a:p>
+            <a:pPr marL="457200" indent="-457200">
+              <a:buFont typeface="Arial" panose="020B0604020202020204" pitchFamily="34" charset="0"/>
+              <a:buAutoNum type="arabicPeriod"/>
+            </a:pPr>
+            <a:r>
+              <a:rPr lang="nl-NL" sz="2000" dirty="0"/>
+              <a:t>Schrijf unit tests voor de </a:t>
+            </a:r>
+            <a:r>
+              <a:rPr lang="nl-NL" sz="2000" dirty="0" err="1">
+                <a:latin typeface="Courier New" panose="02070309020205020404" pitchFamily="49" charset="0"/>
+                <a:cs typeface="Courier New" panose="02070309020205020404" pitchFamily="49" charset="0"/>
+              </a:rPr>
+              <a:t>mean</a:t>
+            </a:r>
+            <a:r>
+              <a:rPr lang="nl-NL" sz="2000" dirty="0">
+                <a:cs typeface="Courier New" panose="02070309020205020404" pitchFamily="49" charset="0"/>
+              </a:rPr>
+              <a:t> </a:t>
+            </a:r>
+            <a:r>
+              <a:rPr lang="nl-NL" sz="2000" dirty="0"/>
+              <a:t>functie:</a:t>
+            </a:r>
+          </a:p>
+          <a:p>
+            <a:pPr marL="457200" indent="-457200">
+              <a:buFont typeface="Arial" panose="020B0604020202020204" pitchFamily="34" charset="0"/>
+              <a:buAutoNum type="arabicPeriod"/>
+            </a:pPr>
+            <a:endParaRPr lang="nl-NL" sz="2000" dirty="0"/>
+          </a:p>
+          <a:p>
+            <a:pPr lvl="1"/>
+            <a:r>
+              <a:rPr lang="nl-NL" sz="2000" dirty="0"/>
+              <a:t>Welke scenario's zou je willen testen?</a:t>
+            </a:r>
+          </a:p>
+          <a:p>
+            <a:pPr lvl="1"/>
+            <a:r>
+              <a:rPr lang="nl-NL" sz="2000" dirty="0"/>
+              <a:t>Hoe kun je de foutmeldingen testen?</a:t>
+            </a:r>
+          </a:p>
+          <a:p>
+            <a:pPr marL="457200" indent="-457200">
+              <a:buFont typeface="Arial" panose="020B0604020202020204" pitchFamily="34" charset="0"/>
+              <a:buAutoNum type="arabicPeriod"/>
+            </a:pPr>
+            <a:endParaRPr lang="nl-NL" sz="2000" noProof="0" dirty="0"/>
+          </a:p>
+          <a:p>
+            <a:pPr marL="457200" indent="-457200">
+              <a:buFont typeface="Arial" panose="020B0604020202020204" pitchFamily="34" charset="0"/>
+              <a:buAutoNum type="arabicPeriod"/>
+            </a:pPr>
+            <a:r>
+              <a:rPr lang="nl-NL" sz="2000" noProof="0" dirty="0"/>
+              <a:t>Schrijf unit tests voor de </a:t>
+            </a:r>
+            <a:r>
+              <a:rPr lang="nl-NL" sz="2000" noProof="0" dirty="0" err="1">
+                <a:latin typeface="Courier New" panose="02070309020205020404" pitchFamily="49" charset="0"/>
+                <a:cs typeface="Courier New" panose="02070309020205020404" pitchFamily="49" charset="0"/>
+              </a:rPr>
+              <a:t>absmean</a:t>
+            </a:r>
+            <a:r>
+              <a:rPr lang="nl-NL" sz="2000" noProof="0" dirty="0"/>
+              <a:t> functie:</a:t>
+            </a:r>
+          </a:p>
+          <a:p>
+            <a:pPr marL="457200" indent="-457200">
+              <a:buFont typeface="Arial" panose="020B0604020202020204" pitchFamily="34" charset="0"/>
+              <a:buAutoNum type="arabicPeriod"/>
+            </a:pPr>
+            <a:endParaRPr lang="nl-NL" sz="2000" noProof="0" dirty="0"/>
+          </a:p>
+          <a:p>
+            <a:pPr lvl="1"/>
+            <a:r>
+              <a:rPr lang="nl-NL" sz="2000" dirty="0"/>
+              <a:t>Welke nieuwe scenario's zou je </a:t>
+            </a:r>
+            <a:r>
+              <a:rPr lang="nl-NL" sz="2000"/>
+              <a:t>willen testen?</a:t>
+            </a:r>
+            <a:endParaRPr lang="nl-NL" sz="2000" dirty="0"/>
+          </a:p>
+        </p:txBody>
+      </p:sp>
+    </p:spTree>
+    <p:extLst>
+      <p:ext uri="{BB962C8B-B14F-4D97-AF65-F5344CB8AC3E}">
+        <p14:creationId xmlns:p14="http://schemas.microsoft.com/office/powerpoint/2010/main" val="2010912532"/>
+      </p:ext>
+    </p:extLst>
+  </p:cSld>
+  <p:clrMapOvr>
+    <a:masterClrMapping/>
+  </p:clrMapOvr>
+</p:sld>
+</file>
+
+<file path=ppt/slides/slide51.xml><?xml version="1.0" encoding="utf-8"?>
+<p:sld xmlns:a="http://schemas.openxmlformats.org/drawingml/2006/main" xmlns:r="http://schemas.openxmlformats.org/officeDocument/2006/relationships" xmlns:p="http://schemas.openxmlformats.org/presentationml/2006/main">
+  <p:cSld>
+    <p:spTree>
+      <p:nvGrpSpPr>
+        <p:cNvPr id="1" name=""/>
+        <p:cNvGrpSpPr/>
+        <p:nvPr/>
+      </p:nvGrpSpPr>
+      <p:grpSpPr>
+        <a:xfrm>
+          <a:off x="0" y="0"/>
+          <a:ext cx="0" cy="0"/>
+          <a:chOff x="0" y="0"/>
+          <a:chExt cx="0" cy="0"/>
+        </a:xfrm>
+      </p:grpSpPr>
+      <p:sp>
+        <p:nvSpPr>
+          <p:cNvPr id="2" name="Title 1">
+            <a:extLst>
+              <a:ext uri="{FF2B5EF4-FFF2-40B4-BE49-F238E27FC236}">
                 <a16:creationId xmlns:a16="http://schemas.microsoft.com/office/drawing/2014/main" id="{F0117A71-C343-4E94-A229-F18D53D8BEF6}"/>
               </a:ext>
             </a:extLst>
@@ -30969,7 +32459,7 @@
 </p:sld>
 </file>
 
-<file path=ppt/slides/slide51.xml><?xml version="1.0" encoding="utf-8"?>
+<file path=ppt/slides/slide52.xml><?xml version="1.0" encoding="utf-8"?>
 <p:sld xmlns:a="http://schemas.openxmlformats.org/drawingml/2006/main" xmlns:r="http://schemas.openxmlformats.org/officeDocument/2006/relationships" xmlns:p="http://schemas.openxmlformats.org/presentationml/2006/main">
   <p:cSld>
     <p:spTree>
@@ -31719,7 +33209,7 @@
 </p:sld>
 </file>
 
-<file path=ppt/slides/slide52.xml><?xml version="1.0" encoding="utf-8"?>
+<file path=ppt/slides/slide53.xml><?xml version="1.0" encoding="utf-8"?>
 <p:sld xmlns:a="http://schemas.openxmlformats.org/drawingml/2006/main" xmlns:r="http://schemas.openxmlformats.org/officeDocument/2006/relationships" xmlns:p="http://schemas.openxmlformats.org/presentationml/2006/main">
   <p:cSld>
     <p:spTree>
@@ -32628,7 +34118,7 @@
 </p:sld>
 </file>
 
-<file path=ppt/slides/slide53.xml><?xml version="1.0" encoding="utf-8"?>
+<file path=ppt/slides/slide54.xml><?xml version="1.0" encoding="utf-8"?>
 <p:sld xmlns:a="http://schemas.openxmlformats.org/drawingml/2006/main" xmlns:r="http://schemas.openxmlformats.org/officeDocument/2006/relationships" xmlns:p="http://schemas.openxmlformats.org/presentationml/2006/main">
   <p:cSld>
     <p:spTree>
@@ -32856,7 +34346,7 @@
 </p:sld>
 </file>
 
-<file path=ppt/slides/slide54.xml><?xml version="1.0" encoding="utf-8"?>
+<file path=ppt/slides/slide55.xml><?xml version="1.0" encoding="utf-8"?>
 <p:sld xmlns:a="http://schemas.openxmlformats.org/drawingml/2006/main" xmlns:r="http://schemas.openxmlformats.org/officeDocument/2006/relationships" xmlns:p="http://schemas.openxmlformats.org/presentationml/2006/main">
   <p:cSld>
     <p:spTree>
@@ -33464,7 +34954,7 @@
 </p:sld>
 </file>
 
-<file path=ppt/slides/slide55.xml><?xml version="1.0" encoding="utf-8"?>
+<file path=ppt/slides/slide56.xml><?xml version="1.0" encoding="utf-8"?>
 <p:sld xmlns:a="http://schemas.openxmlformats.org/drawingml/2006/main" xmlns:r="http://schemas.openxmlformats.org/officeDocument/2006/relationships" xmlns:p="http://schemas.openxmlformats.org/presentationml/2006/main">
   <p:cSld>
     <p:spTree>
@@ -33548,7 +35038,7 @@
 </p:sld>
 </file>
 
-<file path=ppt/slides/slide56.xml><?xml version="1.0" encoding="utf-8"?>
+<file path=ppt/slides/slide57.xml><?xml version="1.0" encoding="utf-8"?>
 <p:sld xmlns:a="http://schemas.openxmlformats.org/drawingml/2006/main" xmlns:r="http://schemas.openxmlformats.org/officeDocument/2006/relationships" xmlns:p="http://schemas.openxmlformats.org/presentationml/2006/main">
   <p:cSld>
     <p:spTree>
@@ -34562,7 +36052,7 @@
 </p:sld>
 </file>
 
-<file path=ppt/slides/slide57.xml><?xml version="1.0" encoding="utf-8"?>
+<file path=ppt/slides/slide58.xml><?xml version="1.0" encoding="utf-8"?>
 <p:sld xmlns:a="http://schemas.openxmlformats.org/drawingml/2006/main" xmlns:r="http://schemas.openxmlformats.org/officeDocument/2006/relationships" xmlns:p="http://schemas.openxmlformats.org/presentationml/2006/main">
   <p:cSld>
     <p:spTree>
@@ -35479,7 +36969,7 @@
 </p:sld>
 </file>
 
-<file path=ppt/slides/slide58.xml><?xml version="1.0" encoding="utf-8"?>
+<file path=ppt/slides/slide59.xml><?xml version="1.0" encoding="utf-8"?>
 <p:sld xmlns:a="http://schemas.openxmlformats.org/drawingml/2006/main" xmlns:r="http://schemas.openxmlformats.org/officeDocument/2006/relationships" xmlns:p="http://schemas.openxmlformats.org/presentationml/2006/main">
   <p:cSld>
     <p:spTree>
@@ -35821,305 +37311,6 @@
     <p:extLst>
       <p:ext uri="{BB962C8B-B14F-4D97-AF65-F5344CB8AC3E}">
         <p14:creationId xmlns:p14="http://schemas.microsoft.com/office/powerpoint/2010/main" val="2135857492"/>
-      </p:ext>
-    </p:extLst>
-  </p:cSld>
-  <p:clrMapOvr>
-    <a:masterClrMapping/>
-  </p:clrMapOvr>
-</p:sld>
-</file>
-
-<file path=ppt/slides/slide59.xml><?xml version="1.0" encoding="utf-8"?>
-<p:sld xmlns:a="http://schemas.openxmlformats.org/drawingml/2006/main" xmlns:r="http://schemas.openxmlformats.org/officeDocument/2006/relationships" xmlns:p="http://schemas.openxmlformats.org/presentationml/2006/main">
-  <p:cSld>
-    <p:spTree>
-      <p:nvGrpSpPr>
-        <p:cNvPr id="1" name=""/>
-        <p:cNvGrpSpPr/>
-        <p:nvPr/>
-      </p:nvGrpSpPr>
-      <p:grpSpPr>
-        <a:xfrm>
-          <a:off x="0" y="0"/>
-          <a:ext cx="0" cy="0"/>
-          <a:chOff x="0" y="0"/>
-          <a:chExt cx="0" cy="0"/>
-        </a:xfrm>
-      </p:grpSpPr>
-      <p:sp>
-        <p:nvSpPr>
-          <p:cNvPr id="2" name="Title 1">
-            <a:extLst>
-              <a:ext uri="{FF2B5EF4-FFF2-40B4-BE49-F238E27FC236}">
-                <a16:creationId xmlns:a16="http://schemas.microsoft.com/office/drawing/2014/main" id="{39A1D606-8DD1-369C-5C09-471CDD551AD5}"/>
-              </a:ext>
-            </a:extLst>
-          </p:cNvPr>
-          <p:cNvSpPr>
-            <a:spLocks noGrp="1"/>
-          </p:cNvSpPr>
-          <p:nvPr>
-            <p:ph type="title"/>
-          </p:nvPr>
-        </p:nvSpPr>
-        <p:spPr>
-          <a:xfrm>
-            <a:off x="838200" y="365126"/>
-            <a:ext cx="10515600" cy="718608"/>
-          </a:xfrm>
-        </p:spPr>
-        <p:txBody>
-          <a:bodyPr>
-            <a:normAutofit/>
-          </a:bodyPr>
-          <a:lstStyle/>
-          <a:p>
-            <a:r>
-              <a:rPr lang="nl-NL" sz="3600" noProof="0" dirty="0"/>
-              <a:t>Oefeningen VI</a:t>
-            </a:r>
-          </a:p>
-        </p:txBody>
-      </p:sp>
-      <p:sp>
-        <p:nvSpPr>
-          <p:cNvPr id="3" name="Content Placeholder 2">
-            <a:extLst>
-              <a:ext uri="{FF2B5EF4-FFF2-40B4-BE49-F238E27FC236}">
-                <a16:creationId xmlns:a16="http://schemas.microsoft.com/office/drawing/2014/main" id="{F4C2D286-E049-0AAB-1360-B7157E11AD7E}"/>
-              </a:ext>
-            </a:extLst>
-          </p:cNvPr>
-          <p:cNvSpPr>
-            <a:spLocks noGrp="1"/>
-          </p:cNvSpPr>
-          <p:nvPr>
-            <p:ph idx="1"/>
-          </p:nvPr>
-        </p:nvSpPr>
-        <p:spPr>
-          <a:xfrm>
-            <a:off x="838200" y="1456267"/>
-            <a:ext cx="10375900" cy="4720696"/>
-          </a:xfrm>
-        </p:spPr>
-        <p:txBody>
-          <a:bodyPr>
-            <a:normAutofit/>
-          </a:bodyPr>
-          <a:lstStyle/>
-          <a:p>
-            <a:pPr marL="457200" indent="-457200">
-              <a:buFont typeface="Arial" panose="020B0604020202020204" pitchFamily="34" charset="0"/>
-              <a:buAutoNum type="arabicPeriod"/>
-            </a:pPr>
-            <a:r>
-              <a:rPr lang="nl-NL" sz="2000" dirty="0"/>
-              <a:t>Maak de bestandsstructuur na van de voorgaande slides.</a:t>
-            </a:r>
-          </a:p>
-          <a:p>
-            <a:pPr marL="457200" indent="-457200">
-              <a:buFont typeface="Arial" panose="020B0604020202020204" pitchFamily="34" charset="0"/>
-              <a:buAutoNum type="arabicPeriod"/>
-            </a:pPr>
-            <a:endParaRPr lang="nl-NL" sz="2000" dirty="0">
-              <a:cs typeface="Courier New" panose="02070309020205020404" pitchFamily="49" charset="0"/>
-            </a:endParaRPr>
-          </a:p>
-          <a:p>
-            <a:pPr marL="457200" indent="-457200">
-              <a:buFont typeface="Arial" panose="020B0604020202020204" pitchFamily="34" charset="0"/>
-              <a:buAutoNum type="arabicPeriod"/>
-            </a:pPr>
-            <a:r>
-              <a:rPr lang="nl-NL" sz="2000" dirty="0">
-                <a:cs typeface="Courier New" panose="02070309020205020404" pitchFamily="49" charset="0"/>
-              </a:rPr>
-              <a:t>Vul de </a:t>
-            </a:r>
-            <a:r>
-              <a:rPr lang="nl-NL" sz="2000" dirty="0" err="1">
-                <a:latin typeface="Courier New" panose="02070309020205020404" pitchFamily="49" charset="0"/>
-                <a:cs typeface="Courier New" panose="02070309020205020404" pitchFamily="49" charset="0"/>
-              </a:rPr>
-              <a:t>pyproject.toml</a:t>
-            </a:r>
-            <a:r>
-              <a:rPr lang="nl-NL" sz="2000" dirty="0">
-                <a:latin typeface="Courier New" panose="02070309020205020404" pitchFamily="49" charset="0"/>
-                <a:cs typeface="Courier New" panose="02070309020205020404" pitchFamily="49" charset="0"/>
-              </a:rPr>
-              <a:t> </a:t>
-            </a:r>
-            <a:r>
-              <a:rPr lang="nl-NL" sz="2000" dirty="0">
-                <a:cs typeface="Courier New" panose="02070309020205020404" pitchFamily="49" charset="0"/>
-              </a:rPr>
-              <a:t>in voor het </a:t>
-            </a:r>
-            <a:r>
-              <a:rPr lang="nl-NL" sz="2000" dirty="0" err="1">
-                <a:latin typeface="Courier New" panose="02070309020205020404" pitchFamily="49" charset="0"/>
-                <a:cs typeface="Courier New" panose="02070309020205020404" pitchFamily="49" charset="0"/>
-              </a:rPr>
-              <a:t>hello_world</a:t>
-            </a:r>
-            <a:r>
-              <a:rPr lang="nl-NL" sz="2000" dirty="0">
-                <a:cs typeface="Courier New" panose="02070309020205020404" pitchFamily="49" charset="0"/>
-              </a:rPr>
-              <a:t> package.</a:t>
-            </a:r>
-          </a:p>
-          <a:p>
-            <a:pPr marL="457200" indent="-457200">
-              <a:buFont typeface="Arial" panose="020B0604020202020204" pitchFamily="34" charset="0"/>
-              <a:buAutoNum type="arabicPeriod"/>
-            </a:pPr>
-            <a:endParaRPr lang="nl-NL" sz="2000" dirty="0">
-              <a:cs typeface="Courier New" panose="02070309020205020404" pitchFamily="49" charset="0"/>
-            </a:endParaRPr>
-          </a:p>
-          <a:p>
-            <a:pPr marL="457200" indent="-457200">
-              <a:buFont typeface="Arial" panose="020B0604020202020204" pitchFamily="34" charset="0"/>
-              <a:buAutoNum type="arabicPeriod"/>
-            </a:pPr>
-            <a:r>
-              <a:rPr lang="nl-NL" sz="2000" dirty="0">
-                <a:cs typeface="Courier New" panose="02070309020205020404" pitchFamily="49" charset="0"/>
-              </a:rPr>
-              <a:t>Voeg een </a:t>
-            </a:r>
-            <a:r>
-              <a:rPr lang="nl-NL" sz="2000" dirty="0" err="1">
-                <a:latin typeface="Courier New" panose="02070309020205020404" pitchFamily="49" charset="0"/>
-                <a:cs typeface="Courier New" panose="02070309020205020404" pitchFamily="49" charset="0"/>
-              </a:rPr>
-              <a:t>say_hi</a:t>
-            </a:r>
-            <a:r>
-              <a:rPr lang="nl-NL" sz="2000" dirty="0">
-                <a:cs typeface="Courier New" panose="02070309020205020404" pitchFamily="49" charset="0"/>
-              </a:rPr>
-              <a:t> functie </a:t>
-            </a:r>
-            <a:r>
-              <a:rPr lang="nl-NL" sz="2000" dirty="0" err="1">
-                <a:cs typeface="Courier New" panose="02070309020205020404" pitchFamily="49" charset="0"/>
-              </a:rPr>
-              <a:t>to</a:t>
-            </a:r>
-            <a:r>
-              <a:rPr lang="nl-NL" sz="2000" dirty="0">
-                <a:cs typeface="Courier New" panose="02070309020205020404" pitchFamily="49" charset="0"/>
-              </a:rPr>
-              <a:t> aan  </a:t>
-            </a:r>
-            <a:r>
-              <a:rPr lang="nl-NL" sz="2000" dirty="0">
-                <a:latin typeface="Courier New" panose="02070309020205020404" pitchFamily="49" charset="0"/>
-                <a:cs typeface="Courier New" panose="02070309020205020404" pitchFamily="49" charset="0"/>
-              </a:rPr>
-              <a:t>hello.py</a:t>
-            </a:r>
-            <a:r>
-              <a:rPr lang="nl-NL" sz="2000" dirty="0">
-                <a:cs typeface="Courier New" panose="02070309020205020404" pitchFamily="49" charset="0"/>
-              </a:rPr>
-              <a:t> die </a:t>
-            </a:r>
-            <a:r>
-              <a:rPr lang="nl-NL" sz="2000" dirty="0">
-                <a:latin typeface="Courier New" panose="02070309020205020404" pitchFamily="49" charset="0"/>
-                <a:cs typeface="Courier New" panose="02070309020205020404" pitchFamily="49" charset="0"/>
-              </a:rPr>
-              <a:t>"</a:t>
-            </a:r>
-            <a:r>
-              <a:rPr lang="nl-NL" sz="2000" dirty="0" err="1">
-                <a:latin typeface="Courier New" panose="02070309020205020404" pitchFamily="49" charset="0"/>
-                <a:cs typeface="Courier New" panose="02070309020205020404" pitchFamily="49" charset="0"/>
-              </a:rPr>
-              <a:t>Hello</a:t>
-            </a:r>
-            <a:r>
-              <a:rPr lang="nl-NL" sz="2000" dirty="0">
-                <a:latin typeface="Courier New" panose="02070309020205020404" pitchFamily="49" charset="0"/>
-                <a:cs typeface="Courier New" panose="02070309020205020404" pitchFamily="49" charset="0"/>
-              </a:rPr>
-              <a:t> World!"</a:t>
-            </a:r>
-            <a:r>
-              <a:rPr lang="nl-NL" sz="2000" dirty="0">
-                <a:cs typeface="Courier New" panose="02070309020205020404" pitchFamily="49" charset="0"/>
-              </a:rPr>
-              <a:t> retourneert.</a:t>
-            </a:r>
-          </a:p>
-          <a:p>
-            <a:pPr marL="457200" indent="-457200">
-              <a:buFont typeface="Arial" panose="020B0604020202020204" pitchFamily="34" charset="0"/>
-              <a:buAutoNum type="arabicPeriod"/>
-            </a:pPr>
-            <a:endParaRPr lang="nl-NL" sz="2000" dirty="0">
-              <a:cs typeface="Courier New" panose="02070309020205020404" pitchFamily="49" charset="0"/>
-            </a:endParaRPr>
-          </a:p>
-          <a:p>
-            <a:pPr marL="457200" indent="-457200">
-              <a:buFont typeface="Arial" panose="020B0604020202020204" pitchFamily="34" charset="0"/>
-              <a:buAutoNum type="arabicPeriod"/>
-            </a:pPr>
-            <a:r>
-              <a:rPr lang="nl-NL" sz="2000" dirty="0">
-                <a:cs typeface="Courier New" panose="02070309020205020404" pitchFamily="49" charset="0"/>
-              </a:rPr>
-              <a:t>Installeer je </a:t>
-            </a:r>
-            <a:r>
-              <a:rPr lang="nl-NL" sz="2000" dirty="0" err="1">
-                <a:latin typeface="Courier New" panose="02070309020205020404" pitchFamily="49" charset="0"/>
-                <a:cs typeface="Courier New" panose="02070309020205020404" pitchFamily="49" charset="0"/>
-              </a:rPr>
-              <a:t>hello_world</a:t>
-            </a:r>
-            <a:r>
-              <a:rPr lang="nl-NL" sz="2000" dirty="0">
-                <a:cs typeface="Courier New" panose="02070309020205020404" pitchFamily="49" charset="0"/>
-              </a:rPr>
-              <a:t> package met </a:t>
-            </a:r>
-            <a:r>
-              <a:rPr lang="nl-NL" sz="2000" dirty="0">
-                <a:latin typeface="Courier New" panose="02070309020205020404" pitchFamily="49" charset="0"/>
-                <a:cs typeface="Courier New" panose="02070309020205020404" pitchFamily="49" charset="0"/>
-              </a:rPr>
-              <a:t>python –m pip </a:t>
-            </a:r>
-            <a:r>
-              <a:rPr lang="nl-NL" sz="2000" dirty="0" err="1">
-                <a:latin typeface="Courier New" panose="02070309020205020404" pitchFamily="49" charset="0"/>
-                <a:cs typeface="Courier New" panose="02070309020205020404" pitchFamily="49" charset="0"/>
-              </a:rPr>
-              <a:t>install</a:t>
-            </a:r>
-            <a:r>
-              <a:rPr lang="nl-NL" sz="2000" dirty="0">
-                <a:latin typeface="Courier New" panose="02070309020205020404" pitchFamily="49" charset="0"/>
-                <a:cs typeface="Courier New" panose="02070309020205020404" pitchFamily="49" charset="0"/>
-              </a:rPr>
-              <a:t> .</a:t>
-            </a:r>
-          </a:p>
-        </p:txBody>
-      </p:sp>
-    </p:spTree>
-    <p:extLst>
-      <p:ext uri="{BB962C8B-B14F-4D97-AF65-F5344CB8AC3E}">
-        <p14:creationId xmlns:p14="http://schemas.microsoft.com/office/powerpoint/2010/main" val="3963350015"/>
       </p:ext>
     </p:extLst>
   </p:cSld>
@@ -36273,6 +37464,15 @@
             <a:pPr marL="0" indent="0">
               <a:buNone/>
             </a:pPr>
+            <a:endParaRPr lang="nl-NL" sz="2000" noProof="0" dirty="0">
+              <a:latin typeface="Courier New" panose="02070309020205020404" pitchFamily="49" charset="0"/>
+              <a:cs typeface="Courier New" panose="02070309020205020404" pitchFamily="49" charset="0"/>
+            </a:endParaRPr>
+          </a:p>
+          <a:p>
+            <a:pPr marL="0" indent="0">
+              <a:buNone/>
+            </a:pPr>
             <a:r>
               <a:rPr lang="nl-NL" sz="2000" noProof="0" dirty="0">
                 <a:latin typeface="Courier New" panose="02070309020205020404" pitchFamily="49" charset="0"/>
@@ -36389,6 +37589,15 @@
               </a:rPr>
               <a:t>	=&gt;	Minder strikt, mist wel eens iets…</a:t>
             </a:r>
+          </a:p>
+          <a:p>
+            <a:pPr marL="0" indent="0">
+              <a:buNone/>
+            </a:pPr>
+            <a:endParaRPr lang="nl-NL" sz="2000" noProof="0" dirty="0">
+              <a:latin typeface="Courier New" panose="02070309020205020404" pitchFamily="49" charset="0"/>
+              <a:cs typeface="Courier New" panose="02070309020205020404" pitchFamily="49" charset="0"/>
+            </a:endParaRPr>
           </a:p>
           <a:p>
             <a:pPr marL="0" indent="0">
@@ -36455,6 +37664,305 @@
     <p:extLst>
       <p:ext uri="{BB962C8B-B14F-4D97-AF65-F5344CB8AC3E}">
         <p14:creationId xmlns:p14="http://schemas.microsoft.com/office/powerpoint/2010/main" val="3427711018"/>
+      </p:ext>
+    </p:extLst>
+  </p:cSld>
+  <p:clrMapOvr>
+    <a:masterClrMapping/>
+  </p:clrMapOvr>
+</p:sld>
+</file>
+
+<file path=ppt/slides/slide60.xml><?xml version="1.0" encoding="utf-8"?>
+<p:sld xmlns:a="http://schemas.openxmlformats.org/drawingml/2006/main" xmlns:r="http://schemas.openxmlformats.org/officeDocument/2006/relationships" xmlns:p="http://schemas.openxmlformats.org/presentationml/2006/main">
+  <p:cSld>
+    <p:spTree>
+      <p:nvGrpSpPr>
+        <p:cNvPr id="1" name=""/>
+        <p:cNvGrpSpPr/>
+        <p:nvPr/>
+      </p:nvGrpSpPr>
+      <p:grpSpPr>
+        <a:xfrm>
+          <a:off x="0" y="0"/>
+          <a:ext cx="0" cy="0"/>
+          <a:chOff x="0" y="0"/>
+          <a:chExt cx="0" cy="0"/>
+        </a:xfrm>
+      </p:grpSpPr>
+      <p:sp>
+        <p:nvSpPr>
+          <p:cNvPr id="2" name="Title 1">
+            <a:extLst>
+              <a:ext uri="{FF2B5EF4-FFF2-40B4-BE49-F238E27FC236}">
+                <a16:creationId xmlns:a16="http://schemas.microsoft.com/office/drawing/2014/main" id="{39A1D606-8DD1-369C-5C09-471CDD551AD5}"/>
+              </a:ext>
+            </a:extLst>
+          </p:cNvPr>
+          <p:cNvSpPr>
+            <a:spLocks noGrp="1"/>
+          </p:cNvSpPr>
+          <p:nvPr>
+            <p:ph type="title"/>
+          </p:nvPr>
+        </p:nvSpPr>
+        <p:spPr>
+          <a:xfrm>
+            <a:off x="838200" y="365126"/>
+            <a:ext cx="10515600" cy="718608"/>
+          </a:xfrm>
+        </p:spPr>
+        <p:txBody>
+          <a:bodyPr>
+            <a:normAutofit/>
+          </a:bodyPr>
+          <a:lstStyle/>
+          <a:p>
+            <a:r>
+              <a:rPr lang="nl-NL" sz="3600" noProof="0" dirty="0"/>
+              <a:t>Oefeningen VI</a:t>
+            </a:r>
+          </a:p>
+        </p:txBody>
+      </p:sp>
+      <p:sp>
+        <p:nvSpPr>
+          <p:cNvPr id="3" name="Content Placeholder 2">
+            <a:extLst>
+              <a:ext uri="{FF2B5EF4-FFF2-40B4-BE49-F238E27FC236}">
+                <a16:creationId xmlns:a16="http://schemas.microsoft.com/office/drawing/2014/main" id="{F4C2D286-E049-0AAB-1360-B7157E11AD7E}"/>
+              </a:ext>
+            </a:extLst>
+          </p:cNvPr>
+          <p:cNvSpPr>
+            <a:spLocks noGrp="1"/>
+          </p:cNvSpPr>
+          <p:nvPr>
+            <p:ph idx="1"/>
+          </p:nvPr>
+        </p:nvSpPr>
+        <p:spPr>
+          <a:xfrm>
+            <a:off x="838200" y="1456267"/>
+            <a:ext cx="10375900" cy="4720696"/>
+          </a:xfrm>
+        </p:spPr>
+        <p:txBody>
+          <a:bodyPr>
+            <a:normAutofit/>
+          </a:bodyPr>
+          <a:lstStyle/>
+          <a:p>
+            <a:pPr marL="457200" indent="-457200">
+              <a:buFont typeface="Arial" panose="020B0604020202020204" pitchFamily="34" charset="0"/>
+              <a:buAutoNum type="arabicPeriod"/>
+            </a:pPr>
+            <a:r>
+              <a:rPr lang="nl-NL" sz="2000" dirty="0"/>
+              <a:t>Maak de bestandsstructuur na van de voorgaande slides.</a:t>
+            </a:r>
+          </a:p>
+          <a:p>
+            <a:pPr marL="457200" indent="-457200">
+              <a:buFont typeface="Arial" panose="020B0604020202020204" pitchFamily="34" charset="0"/>
+              <a:buAutoNum type="arabicPeriod"/>
+            </a:pPr>
+            <a:endParaRPr lang="nl-NL" sz="2000" dirty="0">
+              <a:cs typeface="Courier New" panose="02070309020205020404" pitchFamily="49" charset="0"/>
+            </a:endParaRPr>
+          </a:p>
+          <a:p>
+            <a:pPr marL="457200" indent="-457200">
+              <a:buFont typeface="Arial" panose="020B0604020202020204" pitchFamily="34" charset="0"/>
+              <a:buAutoNum type="arabicPeriod"/>
+            </a:pPr>
+            <a:r>
+              <a:rPr lang="nl-NL" sz="2000" dirty="0">
+                <a:cs typeface="Courier New" panose="02070309020205020404" pitchFamily="49" charset="0"/>
+              </a:rPr>
+              <a:t>Vul de </a:t>
+            </a:r>
+            <a:r>
+              <a:rPr lang="nl-NL" sz="2000" dirty="0" err="1">
+                <a:latin typeface="Courier New" panose="02070309020205020404" pitchFamily="49" charset="0"/>
+                <a:cs typeface="Courier New" panose="02070309020205020404" pitchFamily="49" charset="0"/>
+              </a:rPr>
+              <a:t>pyproject.toml</a:t>
+            </a:r>
+            <a:r>
+              <a:rPr lang="nl-NL" sz="2000" dirty="0">
+                <a:latin typeface="Courier New" panose="02070309020205020404" pitchFamily="49" charset="0"/>
+                <a:cs typeface="Courier New" panose="02070309020205020404" pitchFamily="49" charset="0"/>
+              </a:rPr>
+              <a:t> </a:t>
+            </a:r>
+            <a:r>
+              <a:rPr lang="nl-NL" sz="2000" dirty="0">
+                <a:cs typeface="Courier New" panose="02070309020205020404" pitchFamily="49" charset="0"/>
+              </a:rPr>
+              <a:t>in voor het </a:t>
+            </a:r>
+            <a:r>
+              <a:rPr lang="nl-NL" sz="2000" dirty="0" err="1">
+                <a:latin typeface="Courier New" panose="02070309020205020404" pitchFamily="49" charset="0"/>
+                <a:cs typeface="Courier New" panose="02070309020205020404" pitchFamily="49" charset="0"/>
+              </a:rPr>
+              <a:t>hello_world</a:t>
+            </a:r>
+            <a:r>
+              <a:rPr lang="nl-NL" sz="2000" dirty="0">
+                <a:cs typeface="Courier New" panose="02070309020205020404" pitchFamily="49" charset="0"/>
+              </a:rPr>
+              <a:t> package.</a:t>
+            </a:r>
+          </a:p>
+          <a:p>
+            <a:pPr marL="457200" indent="-457200">
+              <a:buFont typeface="Arial" panose="020B0604020202020204" pitchFamily="34" charset="0"/>
+              <a:buAutoNum type="arabicPeriod"/>
+            </a:pPr>
+            <a:endParaRPr lang="nl-NL" sz="2000" dirty="0">
+              <a:cs typeface="Courier New" panose="02070309020205020404" pitchFamily="49" charset="0"/>
+            </a:endParaRPr>
+          </a:p>
+          <a:p>
+            <a:pPr marL="457200" indent="-457200">
+              <a:buFont typeface="Arial" panose="020B0604020202020204" pitchFamily="34" charset="0"/>
+              <a:buAutoNum type="arabicPeriod"/>
+            </a:pPr>
+            <a:r>
+              <a:rPr lang="nl-NL" sz="2000" dirty="0">
+                <a:cs typeface="Courier New" panose="02070309020205020404" pitchFamily="49" charset="0"/>
+              </a:rPr>
+              <a:t>Voeg een </a:t>
+            </a:r>
+            <a:r>
+              <a:rPr lang="nl-NL" sz="2000" dirty="0" err="1">
+                <a:latin typeface="Courier New" panose="02070309020205020404" pitchFamily="49" charset="0"/>
+                <a:cs typeface="Courier New" panose="02070309020205020404" pitchFamily="49" charset="0"/>
+              </a:rPr>
+              <a:t>say_hi</a:t>
+            </a:r>
+            <a:r>
+              <a:rPr lang="nl-NL" sz="2000" dirty="0">
+                <a:cs typeface="Courier New" panose="02070309020205020404" pitchFamily="49" charset="0"/>
+              </a:rPr>
+              <a:t> functie </a:t>
+            </a:r>
+            <a:r>
+              <a:rPr lang="nl-NL" sz="2000" dirty="0" err="1">
+                <a:cs typeface="Courier New" panose="02070309020205020404" pitchFamily="49" charset="0"/>
+              </a:rPr>
+              <a:t>to</a:t>
+            </a:r>
+            <a:r>
+              <a:rPr lang="nl-NL" sz="2000" dirty="0">
+                <a:cs typeface="Courier New" panose="02070309020205020404" pitchFamily="49" charset="0"/>
+              </a:rPr>
+              <a:t> aan  </a:t>
+            </a:r>
+            <a:r>
+              <a:rPr lang="nl-NL" sz="2000" dirty="0">
+                <a:latin typeface="Courier New" panose="02070309020205020404" pitchFamily="49" charset="0"/>
+                <a:cs typeface="Courier New" panose="02070309020205020404" pitchFamily="49" charset="0"/>
+              </a:rPr>
+              <a:t>hello.py</a:t>
+            </a:r>
+            <a:r>
+              <a:rPr lang="nl-NL" sz="2000" dirty="0">
+                <a:cs typeface="Courier New" panose="02070309020205020404" pitchFamily="49" charset="0"/>
+              </a:rPr>
+              <a:t> die </a:t>
+            </a:r>
+            <a:r>
+              <a:rPr lang="nl-NL" sz="2000" dirty="0">
+                <a:latin typeface="Courier New" panose="02070309020205020404" pitchFamily="49" charset="0"/>
+                <a:cs typeface="Courier New" panose="02070309020205020404" pitchFamily="49" charset="0"/>
+              </a:rPr>
+              <a:t>"</a:t>
+            </a:r>
+            <a:r>
+              <a:rPr lang="nl-NL" sz="2000" dirty="0" err="1">
+                <a:latin typeface="Courier New" panose="02070309020205020404" pitchFamily="49" charset="0"/>
+                <a:cs typeface="Courier New" panose="02070309020205020404" pitchFamily="49" charset="0"/>
+              </a:rPr>
+              <a:t>Hello</a:t>
+            </a:r>
+            <a:r>
+              <a:rPr lang="nl-NL" sz="2000" dirty="0">
+                <a:latin typeface="Courier New" panose="02070309020205020404" pitchFamily="49" charset="0"/>
+                <a:cs typeface="Courier New" panose="02070309020205020404" pitchFamily="49" charset="0"/>
+              </a:rPr>
+              <a:t> World!"</a:t>
+            </a:r>
+            <a:r>
+              <a:rPr lang="nl-NL" sz="2000" dirty="0">
+                <a:cs typeface="Courier New" panose="02070309020205020404" pitchFamily="49" charset="0"/>
+              </a:rPr>
+              <a:t> retourneert.</a:t>
+            </a:r>
+          </a:p>
+          <a:p>
+            <a:pPr marL="457200" indent="-457200">
+              <a:buFont typeface="Arial" panose="020B0604020202020204" pitchFamily="34" charset="0"/>
+              <a:buAutoNum type="arabicPeriod"/>
+            </a:pPr>
+            <a:endParaRPr lang="nl-NL" sz="2000" dirty="0">
+              <a:cs typeface="Courier New" panose="02070309020205020404" pitchFamily="49" charset="0"/>
+            </a:endParaRPr>
+          </a:p>
+          <a:p>
+            <a:pPr marL="457200" indent="-457200">
+              <a:buFont typeface="Arial" panose="020B0604020202020204" pitchFamily="34" charset="0"/>
+              <a:buAutoNum type="arabicPeriod"/>
+            </a:pPr>
+            <a:r>
+              <a:rPr lang="nl-NL" sz="2000" dirty="0">
+                <a:cs typeface="Courier New" panose="02070309020205020404" pitchFamily="49" charset="0"/>
+              </a:rPr>
+              <a:t>Installeer je </a:t>
+            </a:r>
+            <a:r>
+              <a:rPr lang="nl-NL" sz="2000" dirty="0" err="1">
+                <a:latin typeface="Courier New" panose="02070309020205020404" pitchFamily="49" charset="0"/>
+                <a:cs typeface="Courier New" panose="02070309020205020404" pitchFamily="49" charset="0"/>
+              </a:rPr>
+              <a:t>hello_world</a:t>
+            </a:r>
+            <a:r>
+              <a:rPr lang="nl-NL" sz="2000" dirty="0">
+                <a:cs typeface="Courier New" panose="02070309020205020404" pitchFamily="49" charset="0"/>
+              </a:rPr>
+              <a:t> package met </a:t>
+            </a:r>
+            <a:r>
+              <a:rPr lang="nl-NL" sz="2000" dirty="0">
+                <a:latin typeface="Courier New" panose="02070309020205020404" pitchFamily="49" charset="0"/>
+                <a:cs typeface="Courier New" panose="02070309020205020404" pitchFamily="49" charset="0"/>
+              </a:rPr>
+              <a:t>python –m pip </a:t>
+            </a:r>
+            <a:r>
+              <a:rPr lang="nl-NL" sz="2000" dirty="0" err="1">
+                <a:latin typeface="Courier New" panose="02070309020205020404" pitchFamily="49" charset="0"/>
+                <a:cs typeface="Courier New" panose="02070309020205020404" pitchFamily="49" charset="0"/>
+              </a:rPr>
+              <a:t>install</a:t>
+            </a:r>
+            <a:r>
+              <a:rPr lang="nl-NL" sz="2000" dirty="0">
+                <a:latin typeface="Courier New" panose="02070309020205020404" pitchFamily="49" charset="0"/>
+                <a:cs typeface="Courier New" panose="02070309020205020404" pitchFamily="49" charset="0"/>
+              </a:rPr>
+              <a:t> .</a:t>
+            </a:r>
+          </a:p>
+        </p:txBody>
+      </p:sp>
+    </p:spTree>
+    <p:extLst>
+      <p:ext uri="{BB962C8B-B14F-4D97-AF65-F5344CB8AC3E}">
+        <p14:creationId xmlns:p14="http://schemas.microsoft.com/office/powerpoint/2010/main" val="3963350015"/>
       </p:ext>
     </p:extLst>
   </p:cSld>
@@ -36627,6 +38135,14 @@
             <a:pPr marL="0" indent="0">
               <a:buNone/>
             </a:pPr>
+            <a:endParaRPr lang="nl-NL" sz="1800" b="1" noProof="0" dirty="0">
+              <a:cs typeface="Courier New" panose="02070309020205020404" pitchFamily="49" charset="0"/>
+            </a:endParaRPr>
+          </a:p>
+          <a:p>
+            <a:pPr marL="0" indent="0">
+              <a:buNone/>
+            </a:pPr>
             <a:r>
               <a:rPr lang="nl-NL" sz="1800" b="1" noProof="0" dirty="0" err="1">
                 <a:cs typeface="Courier New" panose="02070309020205020404" pitchFamily="49" charset="0"/>
@@ -36701,8 +38217,38 @@
         </p:blipFill>
         <p:spPr>
           <a:xfrm>
-            <a:off x="7162801" y="1456267"/>
+            <a:off x="7134809" y="495214"/>
             <a:ext cx="4640792" cy="3760267"/>
+          </a:xfrm>
+          <a:prstGeom prst="rect">
+            <a:avLst/>
+          </a:prstGeom>
+        </p:spPr>
+      </p:pic>
+      <p:pic>
+        <p:nvPicPr>
+          <p:cNvPr id="6" name="Picture 5">
+            <a:extLst>
+              <a:ext uri="{FF2B5EF4-FFF2-40B4-BE49-F238E27FC236}">
+                <a16:creationId xmlns:a16="http://schemas.microsoft.com/office/drawing/2014/main" id="{41A0BA48-7FE6-D44F-C1F8-DAA9744A8BE8}"/>
+              </a:ext>
+            </a:extLst>
+          </p:cNvPr>
+          <p:cNvPicPr>
+            <a:picLocks noChangeAspect="1"/>
+          </p:cNvPicPr>
+          <p:nvPr/>
+        </p:nvPicPr>
+        <p:blipFill>
+          <a:blip r:embed="rId4"/>
+          <a:stretch>
+            <a:fillRect/>
+          </a:stretch>
+        </p:blipFill>
+        <p:spPr>
+          <a:xfrm>
+            <a:off x="7134809" y="4602894"/>
+            <a:ext cx="4640792" cy="1574070"/>
           </a:xfrm>
           <a:prstGeom prst="rect">
             <a:avLst/>
@@ -37040,7 +38586,7 @@
             <a:r>
               <a:rPr lang="nl-NL" sz="2000" noProof="0" dirty="0">
                 <a:cs typeface="Courier New" panose="02070309020205020404" pitchFamily="49" charset="0"/>
-                <a:hlinkClick r:id="rId2"/>
+                <a:hlinkClick r:id="rId3"/>
               </a:rPr>
               <a:t>https://marketplace.visualstudio.com/items?itemName=njpwerner.autodocstring</a:t>
             </a:r>
@@ -37170,7 +38716,7 @@
             <a:r>
               <a:rPr lang="nl-NL" sz="2000" dirty="0">
                 <a:cs typeface="Courier New" panose="02070309020205020404" pitchFamily="49" charset="0"/>
-                <a:hlinkClick r:id="rId3"/>
+                <a:hlinkClick r:id="rId4"/>
               </a:rPr>
               <a:t>https://marketplace.visualstudio.com/items?itemName=yzhang.markdown-all-in-one</a:t>
             </a:r>
@@ -37532,4 +39078,299 @@
     </a:ext>
   </a:extLst>
 </a:theme>
+</file>
+
+<file path=ppt/theme/theme2.xml><?xml version="1.0" encoding="utf-8"?>
+<a:theme xmlns:a="http://schemas.openxmlformats.org/drawingml/2006/main" name="Office Theme">
+  <a:themeElements>
+    <a:clrScheme name="Office">
+      <a:dk1>
+        <a:sysClr val="windowText" lastClr="000000"/>
+      </a:dk1>
+      <a:lt1>
+        <a:sysClr val="window" lastClr="FFFFFF"/>
+      </a:lt1>
+      <a:dk2>
+        <a:srgbClr val="44546A"/>
+      </a:dk2>
+      <a:lt2>
+        <a:srgbClr val="E7E6E6"/>
+      </a:lt2>
+      <a:accent1>
+        <a:srgbClr val="4472C4"/>
+      </a:accent1>
+      <a:accent2>
+        <a:srgbClr val="ED7D31"/>
+      </a:accent2>
+      <a:accent3>
+        <a:srgbClr val="A5A5A5"/>
+      </a:accent3>
+      <a:accent4>
+        <a:srgbClr val="FFC000"/>
+      </a:accent4>
+      <a:accent5>
+        <a:srgbClr val="5B9BD5"/>
+      </a:accent5>
+      <a:accent6>
+        <a:srgbClr val="70AD47"/>
+      </a:accent6>
+      <a:hlink>
+        <a:srgbClr val="0563C1"/>
+      </a:hlink>
+      <a:folHlink>
+        <a:srgbClr val="954F72"/>
+      </a:folHlink>
+    </a:clrScheme>
+    <a:fontScheme name="Office">
+      <a:majorFont>
+        <a:latin typeface="Calibri Light" panose="020F0302020204030204"/>
+        <a:ea typeface=""/>
+        <a:cs typeface=""/>
+        <a:font script="Jpan" typeface="游ゴシック Light"/>
+        <a:font script="Hang" typeface="맑은 고딕"/>
+        <a:font script="Hans" typeface="等线 Light"/>
+        <a:font script="Hant" typeface="新細明體"/>
+        <a:font script="Arab" typeface="Times New Roman"/>
+        <a:font script="Hebr" typeface="Times New Roman"/>
+        <a:font script="Thai" typeface="Angsana New"/>
+        <a:font script="Ethi" typeface="Nyala"/>
+        <a:font script="Beng" typeface="Vrinda"/>
+        <a:font script="Gujr" typeface="Shruti"/>
+        <a:font script="Khmr" typeface="MoolBoran"/>
+        <a:font script="Knda" typeface="Tunga"/>
+        <a:font script="Guru" typeface="Raavi"/>
+        <a:font script="Cans" typeface="Euphemia"/>
+        <a:font script="Cher" typeface="Plantagenet Cherokee"/>
+        <a:font script="Yiii" typeface="Microsoft Yi Baiti"/>
+        <a:font script="Tibt" typeface="Microsoft Himalaya"/>
+        <a:font script="Thaa" typeface="MV Boli"/>
+        <a:font script="Deva" typeface="Mangal"/>
+        <a:font script="Telu" typeface="Gautami"/>
+        <a:font script="Taml" typeface="Latha"/>
+        <a:font script="Syrc" typeface="Estrangelo Edessa"/>
+        <a:font script="Orya" typeface="Kalinga"/>
+        <a:font script="Mlym" typeface="Kartika"/>
+        <a:font script="Laoo" typeface="DokChampa"/>
+        <a:font script="Sinh" typeface="Iskoola Pota"/>
+        <a:font script="Mong" typeface="Mongolian Baiti"/>
+        <a:font script="Viet" typeface="Times New Roman"/>
+        <a:font script="Uigh" typeface="Microsoft Uighur"/>
+        <a:font script="Geor" typeface="Sylfaen"/>
+        <a:font script="Armn" typeface="Arial"/>
+        <a:font script="Bugi" typeface="Leelawadee UI"/>
+        <a:font script="Bopo" typeface="Microsoft JhengHei"/>
+        <a:font script="Java" typeface="Javanese Text"/>
+        <a:font script="Lisu" typeface="Segoe UI"/>
+        <a:font script="Mymr" typeface="Myanmar Text"/>
+        <a:font script="Nkoo" typeface="Ebrima"/>
+        <a:font script="Olck" typeface="Nirmala UI"/>
+        <a:font script="Osma" typeface="Ebrima"/>
+        <a:font script="Phag" typeface="Phagspa"/>
+        <a:font script="Syrn" typeface="Estrangelo Edessa"/>
+        <a:font script="Syrj" typeface="Estrangelo Edessa"/>
+        <a:font script="Syre" typeface="Estrangelo Edessa"/>
+        <a:font script="Sora" typeface="Nirmala UI"/>
+        <a:font script="Tale" typeface="Microsoft Tai Le"/>
+        <a:font script="Talu" typeface="Microsoft New Tai Lue"/>
+        <a:font script="Tfng" typeface="Ebrima"/>
+      </a:majorFont>
+      <a:minorFont>
+        <a:latin typeface="Calibri" panose="020F0502020204030204"/>
+        <a:ea typeface=""/>
+        <a:cs typeface=""/>
+        <a:font script="Jpan" typeface="游ゴシック"/>
+        <a:font script="Hang" typeface="맑은 고딕"/>
+        <a:font script="Hans" typeface="等线"/>
+        <a:font script="Hant" typeface="新細明體"/>
+        <a:font script="Arab" typeface="Arial"/>
+        <a:font script="Hebr" typeface="Arial"/>
+        <a:font script="Thai" typeface="Cordia New"/>
+        <a:font script="Ethi" typeface="Nyala"/>
+        <a:font script="Beng" typeface="Vrinda"/>
+        <a:font script="Gujr" typeface="Shruti"/>
+        <a:font script="Khmr" typeface="DaunPenh"/>
+        <a:font script="Knda" typeface="Tunga"/>
+        <a:font script="Guru" typeface="Raavi"/>
+        <a:font script="Cans" typeface="Euphemia"/>
+        <a:font script="Cher" typeface="Plantagenet Cherokee"/>
+        <a:font script="Yiii" typeface="Microsoft Yi Baiti"/>
+        <a:font script="Tibt" typeface="Microsoft Himalaya"/>
+        <a:font script="Thaa" typeface="MV Boli"/>
+        <a:font script="Deva" typeface="Mangal"/>
+        <a:font script="Telu" typeface="Gautami"/>
+        <a:font script="Taml" typeface="Latha"/>
+        <a:font script="Syrc" typeface="Estrangelo Edessa"/>
+        <a:font script="Orya" typeface="Kalinga"/>
+        <a:font script="Mlym" typeface="Kartika"/>
+        <a:font script="Laoo" typeface="DokChampa"/>
+        <a:font script="Sinh" typeface="Iskoola Pota"/>
+        <a:font script="Mong" typeface="Mongolian Baiti"/>
+        <a:font script="Viet" typeface="Arial"/>
+        <a:font script="Uigh" typeface="Microsoft Uighur"/>
+        <a:font script="Geor" typeface="Sylfaen"/>
+        <a:font script="Armn" typeface="Arial"/>
+        <a:font script="Bugi" typeface="Leelawadee UI"/>
+        <a:font script="Bopo" typeface="Microsoft JhengHei"/>
+        <a:font script="Java" typeface="Javanese Text"/>
+        <a:font script="Lisu" typeface="Segoe UI"/>
+        <a:font script="Mymr" typeface="Myanmar Text"/>
+        <a:font script="Nkoo" typeface="Ebrima"/>
+        <a:font script="Olck" typeface="Nirmala UI"/>
+        <a:font script="Osma" typeface="Ebrima"/>
+        <a:font script="Phag" typeface="Phagspa"/>
+        <a:font script="Syrn" typeface="Estrangelo Edessa"/>
+        <a:font script="Syrj" typeface="Estrangelo Edessa"/>
+        <a:font script="Syre" typeface="Estrangelo Edessa"/>
+        <a:font script="Sora" typeface="Nirmala UI"/>
+        <a:font script="Tale" typeface="Microsoft Tai Le"/>
+        <a:font script="Talu" typeface="Microsoft New Tai Lue"/>
+        <a:font script="Tfng" typeface="Ebrima"/>
+      </a:minorFont>
+    </a:fontScheme>
+    <a:fmtScheme name="Office">
+      <a:fillStyleLst>
+        <a:solidFill>
+          <a:schemeClr val="phClr"/>
+        </a:solidFill>
+        <a:gradFill rotWithShape="1">
+          <a:gsLst>
+            <a:gs pos="0">
+              <a:schemeClr val="phClr">
+                <a:lumMod val="110000"/>
+                <a:satMod val="105000"/>
+                <a:tint val="67000"/>
+              </a:schemeClr>
+            </a:gs>
+            <a:gs pos="50000">
+              <a:schemeClr val="phClr">
+                <a:lumMod val="105000"/>
+                <a:satMod val="103000"/>
+                <a:tint val="73000"/>
+              </a:schemeClr>
+            </a:gs>
+            <a:gs pos="100000">
+              <a:schemeClr val="phClr">
+                <a:lumMod val="105000"/>
+                <a:satMod val="109000"/>
+                <a:tint val="81000"/>
+              </a:schemeClr>
+            </a:gs>
+          </a:gsLst>
+          <a:lin ang="5400000" scaled="0"/>
+        </a:gradFill>
+        <a:gradFill rotWithShape="1">
+          <a:gsLst>
+            <a:gs pos="0">
+              <a:schemeClr val="phClr">
+                <a:satMod val="103000"/>
+                <a:lumMod val="102000"/>
+                <a:tint val="94000"/>
+              </a:schemeClr>
+            </a:gs>
+            <a:gs pos="50000">
+              <a:schemeClr val="phClr">
+                <a:satMod val="110000"/>
+                <a:lumMod val="100000"/>
+                <a:shade val="100000"/>
+              </a:schemeClr>
+            </a:gs>
+            <a:gs pos="100000">
+              <a:schemeClr val="phClr">
+                <a:lumMod val="99000"/>
+                <a:satMod val="120000"/>
+                <a:shade val="78000"/>
+              </a:schemeClr>
+            </a:gs>
+          </a:gsLst>
+          <a:lin ang="5400000" scaled="0"/>
+        </a:gradFill>
+      </a:fillStyleLst>
+      <a:lnStyleLst>
+        <a:ln w="6350" cap="flat" cmpd="sng" algn="ctr">
+          <a:solidFill>
+            <a:schemeClr val="phClr"/>
+          </a:solidFill>
+          <a:prstDash val="solid"/>
+          <a:miter lim="800000"/>
+        </a:ln>
+        <a:ln w="12700" cap="flat" cmpd="sng" algn="ctr">
+          <a:solidFill>
+            <a:schemeClr val="phClr"/>
+          </a:solidFill>
+          <a:prstDash val="solid"/>
+          <a:miter lim="800000"/>
+        </a:ln>
+        <a:ln w="19050" cap="flat" cmpd="sng" algn="ctr">
+          <a:solidFill>
+            <a:schemeClr val="phClr"/>
+          </a:solidFill>
+          <a:prstDash val="solid"/>
+          <a:miter lim="800000"/>
+        </a:ln>
+      </a:lnStyleLst>
+      <a:effectStyleLst>
+        <a:effectStyle>
+          <a:effectLst/>
+        </a:effectStyle>
+        <a:effectStyle>
+          <a:effectLst/>
+        </a:effectStyle>
+        <a:effectStyle>
+          <a:effectLst>
+            <a:outerShdw blurRad="57150" dist="19050" dir="5400000" algn="ctr" rotWithShape="0">
+              <a:srgbClr val="000000">
+                <a:alpha val="63000"/>
+              </a:srgbClr>
+            </a:outerShdw>
+          </a:effectLst>
+        </a:effectStyle>
+      </a:effectStyleLst>
+      <a:bgFillStyleLst>
+        <a:solidFill>
+          <a:schemeClr val="phClr"/>
+        </a:solidFill>
+        <a:solidFill>
+          <a:schemeClr val="phClr">
+            <a:tint val="95000"/>
+            <a:satMod val="170000"/>
+          </a:schemeClr>
+        </a:solidFill>
+        <a:gradFill rotWithShape="1">
+          <a:gsLst>
+            <a:gs pos="0">
+              <a:schemeClr val="phClr">
+                <a:tint val="93000"/>
+                <a:satMod val="150000"/>
+                <a:shade val="98000"/>
+                <a:lumMod val="102000"/>
+              </a:schemeClr>
+            </a:gs>
+            <a:gs pos="50000">
+              <a:schemeClr val="phClr">
+                <a:tint val="98000"/>
+                <a:satMod val="130000"/>
+                <a:shade val="90000"/>
+                <a:lumMod val="103000"/>
+              </a:schemeClr>
+            </a:gs>
+            <a:gs pos="100000">
+              <a:schemeClr val="phClr">
+                <a:shade val="63000"/>
+                <a:satMod val="120000"/>
+              </a:schemeClr>
+            </a:gs>
+          </a:gsLst>
+          <a:lin ang="5400000" scaled="0"/>
+        </a:gradFill>
+      </a:bgFillStyleLst>
+    </a:fmtScheme>
+  </a:themeElements>
+  <a:objectDefaults/>
+  <a:extraClrSchemeLst/>
+  <a:extLst>
+    <a:ext uri="{05A4C25C-085E-4340-85A3-A5531E510DB2}">
+      <thm15:themeFamily xmlns:thm15="http://schemas.microsoft.com/office/thememl/2012/main" name="Office Theme" id="{62F939B6-93AF-4DB8-9C6B-D6C7DFDC589F}" vid="{4A3C46E8-61CC-4603-A589-7422A47A8E4A}"/>
+    </a:ext>
+  </a:extLst>
+</a:theme>
 </file>
--- a/python_trainees/2_production_code/python_traineeship_2.pptx
+++ b/python_trainees/2_production_code/python_traineeship_2.pptx
@@ -268,7 +268,7 @@
           <a:p>
             <a:fld id="{7D183437-14DE-4969-B062-63D9C4A2E219}" type="datetimeFigureOut">
               <a:rPr lang="nl-NL" smtClean="0"/>
-              <a:t>26-9-2023</a:t>
+              <a:t>2-10-2023</a:t>
             </a:fld>
             <a:endParaRPr lang="nl-NL"/>
           </a:p>
@@ -1165,7 +1165,7 @@
           <a:p>
             <a:fld id="{0EBB069A-003F-4FC0-8534-236B0C5C7B5F}" type="datetimeFigureOut">
               <a:rPr lang="en-NL" smtClean="0"/>
-              <a:t>26/09/2023</a:t>
+              <a:t>02/10/2023</a:t>
             </a:fld>
             <a:endParaRPr lang="en-NL"/>
           </a:p>
@@ -1365,7 +1365,7 @@
           <a:p>
             <a:fld id="{0EBB069A-003F-4FC0-8534-236B0C5C7B5F}" type="datetimeFigureOut">
               <a:rPr lang="en-NL" smtClean="0"/>
-              <a:t>26/09/2023</a:t>
+              <a:t>02/10/2023</a:t>
             </a:fld>
             <a:endParaRPr lang="en-NL"/>
           </a:p>
@@ -1575,7 +1575,7 @@
           <a:p>
             <a:fld id="{0EBB069A-003F-4FC0-8534-236B0C5C7B5F}" type="datetimeFigureOut">
               <a:rPr lang="en-NL" smtClean="0"/>
-              <a:t>26/09/2023</a:t>
+              <a:t>02/10/2023</a:t>
             </a:fld>
             <a:endParaRPr lang="en-NL"/>
           </a:p>
@@ -1775,7 +1775,7 @@
           <a:p>
             <a:fld id="{0EBB069A-003F-4FC0-8534-236B0C5C7B5F}" type="datetimeFigureOut">
               <a:rPr lang="en-NL" smtClean="0"/>
-              <a:t>26/09/2023</a:t>
+              <a:t>02/10/2023</a:t>
             </a:fld>
             <a:endParaRPr lang="en-NL"/>
           </a:p>
@@ -2051,7 +2051,7 @@
           <a:p>
             <a:fld id="{0EBB069A-003F-4FC0-8534-236B0C5C7B5F}" type="datetimeFigureOut">
               <a:rPr lang="en-NL" smtClean="0"/>
-              <a:t>26/09/2023</a:t>
+              <a:t>02/10/2023</a:t>
             </a:fld>
             <a:endParaRPr lang="en-NL"/>
           </a:p>
@@ -2319,7 +2319,7 @@
           <a:p>
             <a:fld id="{0EBB069A-003F-4FC0-8534-236B0C5C7B5F}" type="datetimeFigureOut">
               <a:rPr lang="en-NL" smtClean="0"/>
-              <a:t>26/09/2023</a:t>
+              <a:t>02/10/2023</a:t>
             </a:fld>
             <a:endParaRPr lang="en-NL"/>
           </a:p>
@@ -2734,7 +2734,7 @@
           <a:p>
             <a:fld id="{0EBB069A-003F-4FC0-8534-236B0C5C7B5F}" type="datetimeFigureOut">
               <a:rPr lang="en-NL" smtClean="0"/>
-              <a:t>26/09/2023</a:t>
+              <a:t>02/10/2023</a:t>
             </a:fld>
             <a:endParaRPr lang="en-NL"/>
           </a:p>
@@ -2876,7 +2876,7 @@
           <a:p>
             <a:fld id="{0EBB069A-003F-4FC0-8534-236B0C5C7B5F}" type="datetimeFigureOut">
               <a:rPr lang="en-NL" smtClean="0"/>
-              <a:t>26/09/2023</a:t>
+              <a:t>02/10/2023</a:t>
             </a:fld>
             <a:endParaRPr lang="en-NL"/>
           </a:p>
@@ -2989,7 +2989,7 @@
           <a:p>
             <a:fld id="{0EBB069A-003F-4FC0-8534-236B0C5C7B5F}" type="datetimeFigureOut">
               <a:rPr lang="en-NL" smtClean="0"/>
-              <a:t>26/09/2023</a:t>
+              <a:t>02/10/2023</a:t>
             </a:fld>
             <a:endParaRPr lang="en-NL"/>
           </a:p>
@@ -3302,7 +3302,7 @@
           <a:p>
             <a:fld id="{0EBB069A-003F-4FC0-8534-236B0C5C7B5F}" type="datetimeFigureOut">
               <a:rPr lang="en-NL" smtClean="0"/>
-              <a:t>26/09/2023</a:t>
+              <a:t>02/10/2023</a:t>
             </a:fld>
             <a:endParaRPr lang="en-NL"/>
           </a:p>
@@ -3591,7 +3591,7 @@
           <a:p>
             <a:fld id="{0EBB069A-003F-4FC0-8534-236B0C5C7B5F}" type="datetimeFigureOut">
               <a:rPr lang="en-NL" smtClean="0"/>
-              <a:t>26/09/2023</a:t>
+              <a:t>02/10/2023</a:t>
             </a:fld>
             <a:endParaRPr lang="en-NL"/>
           </a:p>
@@ -3834,7 +3834,7 @@
           <a:p>
             <a:fld id="{0EBB069A-003F-4FC0-8534-236B0C5C7B5F}" type="datetimeFigureOut">
               <a:rPr lang="en-NL" smtClean="0"/>
-              <a:t>26/09/2023</a:t>
+              <a:t>02/10/2023</a:t>
             </a:fld>
             <a:endParaRPr lang="en-NL"/>
           </a:p>
@@ -5110,6 +5110,13 @@
                 <a:cs typeface="Courier New" panose="02070309020205020404" pitchFamily="49" charset="0"/>
               </a:rPr>
               <a:t>azure_database</a:t>
+            </a:r>
+            <a:r>
+              <a:rPr lang="nl-NL" sz="2000">
+                <a:latin typeface="Courier New" panose="02070309020205020404" pitchFamily="49" charset="0"/>
+                <a:cs typeface="Courier New" panose="02070309020205020404" pitchFamily="49" charset="0"/>
+              </a:rPr>
+              <a:t>/</a:t>
             </a:r>
             <a:endParaRPr lang="nl-NL" sz="2000" dirty="0">
               <a:latin typeface="Courier New" panose="02070309020205020404" pitchFamily="49" charset="0"/>
